--- a/Documents/Presentation/Course591-Final-Presentation.pptx
+++ b/Documents/Presentation/Course591-Final-Presentation.pptx
@@ -6,11 +6,24 @@
   </p:sldMasterIdLst>
   <p:sldIdLst>
     <p:sldId id="256" r:id="rId2"/>
-    <p:sldId id="257" r:id="rId3"/>
-    <p:sldId id="258" r:id="rId4"/>
-    <p:sldId id="259" r:id="rId5"/>
-    <p:sldId id="260" r:id="rId6"/>
-    <p:sldId id="261" r:id="rId7"/>
+    <p:sldId id="270" r:id="rId3"/>
+    <p:sldId id="266" r:id="rId4"/>
+    <p:sldId id="267" r:id="rId5"/>
+    <p:sldId id="268" r:id="rId6"/>
+    <p:sldId id="269" r:id="rId7"/>
+    <p:sldId id="257" r:id="rId8"/>
+    <p:sldId id="262" r:id="rId9"/>
+    <p:sldId id="271" r:id="rId10"/>
+    <p:sldId id="263" r:id="rId11"/>
+    <p:sldId id="264" r:id="rId12"/>
+    <p:sldId id="259" r:id="rId13"/>
+    <p:sldId id="272" r:id="rId14"/>
+    <p:sldId id="273" r:id="rId15"/>
+    <p:sldId id="274" r:id="rId16"/>
+    <p:sldId id="275" r:id="rId17"/>
+    <p:sldId id="276" r:id="rId18"/>
+    <p:sldId id="260" r:id="rId19"/>
+    <p:sldId id="261" r:id="rId20"/>
   </p:sldIdLst>
   <p:sldSz cx="12192000" cy="6858000"/>
   <p:notesSz cx="6858000" cy="9144000"/>
@@ -109,7 +122,3057 @@
       </a:defRPr>
     </a:lvl9pPr>
   </p:defaultTextStyle>
+  <p:extLst>
+    <p:ext uri="{EFAFB233-063F-42B5-8137-9DF3F51BA10A}">
+      <p15:sldGuideLst xmlns:p15="http://schemas.microsoft.com/office/powerpoint/2012/main"/>
+    </p:ext>
+  </p:extLst>
 </p:presentation>
+</file>
+
+<file path=ppt/charts/chart1.xml><?xml version="1.0" encoding="utf-8"?>
+<c:chartSpace xmlns:c="http://schemas.openxmlformats.org/drawingml/2006/chart" xmlns:a="http://schemas.openxmlformats.org/drawingml/2006/main" xmlns:r="http://schemas.openxmlformats.org/officeDocument/2006/relationships">
+  <c:date1904 val="0"/>
+  <c:lang val="en-US"/>
+  <c:roundedCorners val="0"/>
+  <mc:AlternateContent xmlns:mc="http://schemas.openxmlformats.org/markup-compatibility/2006">
+    <mc:Choice xmlns:c14="http://schemas.microsoft.com/office/drawing/2007/8/2/chart" Requires="c14">
+      <c14:style val="102"/>
+    </mc:Choice>
+    <mc:Fallback>
+      <c:style val="2"/>
+    </mc:Fallback>
+  </mc:AlternateContent>
+  <c:chart>
+    <c:title>
+      <c:tx>
+        <c:rich>
+          <a:bodyPr/>
+          <a:lstStyle/>
+          <a:p>
+            <a:pPr>
+              <a:defRPr sz="1300" b="0"/>
+            </a:pPr>
+            <a:r>
+              <a:rPr lang="en-IN"/>
+              <a:t>Usefulness Count</a:t>
+            </a:r>
+          </a:p>
+        </c:rich>
+      </c:tx>
+      <c:layout>
+        <c:manualLayout>
+          <c:xMode val="edge"/>
+          <c:yMode val="edge"/>
+          <c:x val="0.43683831842943782"/>
+          <c:y val="3.2409107601909772E-2"/>
+        </c:manualLayout>
+      </c:layout>
+      <c:overlay val="0"/>
+    </c:title>
+    <c:autoTitleDeleted val="0"/>
+    <c:view3D>
+      <c:rotX val="20"/>
+      <c:rotY val="0"/>
+      <c:rAngAx val="0"/>
+      <c:perspective val="0"/>
+    </c:view3D>
+    <c:floor>
+      <c:thickness val="0"/>
+      <c:spPr>
+        <a:solidFill>
+          <a:srgbClr val="CCCCCC"/>
+        </a:solidFill>
+        <a:ln>
+          <a:solidFill>
+            <a:srgbClr val="B3B3B3"/>
+          </a:solidFill>
+        </a:ln>
+      </c:spPr>
+    </c:floor>
+    <c:sideWall>
+      <c:thickness val="0"/>
+      <c:spPr>
+        <a:noFill/>
+        <a:ln>
+          <a:solidFill>
+            <a:srgbClr val="B3B3B3"/>
+          </a:solidFill>
+          <a:prstDash val="solid"/>
+        </a:ln>
+      </c:spPr>
+    </c:sideWall>
+    <c:backWall>
+      <c:thickness val="0"/>
+      <c:spPr>
+        <a:noFill/>
+        <a:ln>
+          <a:solidFill>
+            <a:srgbClr val="B3B3B3"/>
+          </a:solidFill>
+          <a:prstDash val="solid"/>
+        </a:ln>
+      </c:spPr>
+    </c:backWall>
+    <c:plotArea>
+      <c:layout>
+        <c:manualLayout>
+          <c:xMode val="edge"/>
+          <c:yMode val="edge"/>
+          <c:x val="5.4613355260903829E-2"/>
+          <c:y val="0.12623944179214147"/>
+          <c:w val="0.92541199849247968"/>
+          <c:h val="0.76377157546823471"/>
+        </c:manualLayout>
+      </c:layout>
+      <c:bar3DChart>
+        <c:barDir val="col"/>
+        <c:grouping val="stacked"/>
+        <c:varyColors val="0"/>
+        <c:ser>
+          <c:idx val="0"/>
+          <c:order val="0"/>
+          <c:spPr>
+            <a:solidFill>
+              <a:srgbClr val="004586"/>
+            </a:solidFill>
+            <a:ln>
+              <a:noFill/>
+            </a:ln>
+          </c:spPr>
+          <c:invertIfNegative val="0"/>
+          <c:cat>
+            <c:numRef>
+              <c:f>UC!$F$2:$F$51</c:f>
+              <c:numCache>
+                <c:formatCode>General</c:formatCode>
+                <c:ptCount val="50"/>
+                <c:pt idx="0">
+                  <c:v>1</c:v>
+                </c:pt>
+                <c:pt idx="1">
+                  <c:v>2</c:v>
+                </c:pt>
+                <c:pt idx="2">
+                  <c:v>3</c:v>
+                </c:pt>
+                <c:pt idx="3">
+                  <c:v>4</c:v>
+                </c:pt>
+                <c:pt idx="4">
+                  <c:v>5</c:v>
+                </c:pt>
+                <c:pt idx="5">
+                  <c:v>6</c:v>
+                </c:pt>
+                <c:pt idx="6">
+                  <c:v>7</c:v>
+                </c:pt>
+                <c:pt idx="7">
+                  <c:v>8</c:v>
+                </c:pt>
+                <c:pt idx="8">
+                  <c:v>9</c:v>
+                </c:pt>
+                <c:pt idx="9">
+                  <c:v>10</c:v>
+                </c:pt>
+                <c:pt idx="10">
+                  <c:v>11</c:v>
+                </c:pt>
+                <c:pt idx="11">
+                  <c:v>12</c:v>
+                </c:pt>
+                <c:pt idx="12">
+                  <c:v>13</c:v>
+                </c:pt>
+                <c:pt idx="13">
+                  <c:v>14</c:v>
+                </c:pt>
+                <c:pt idx="14">
+                  <c:v>15</c:v>
+                </c:pt>
+                <c:pt idx="15">
+                  <c:v>16</c:v>
+                </c:pt>
+                <c:pt idx="16">
+                  <c:v>17</c:v>
+                </c:pt>
+                <c:pt idx="17">
+                  <c:v>18</c:v>
+                </c:pt>
+                <c:pt idx="18">
+                  <c:v>19</c:v>
+                </c:pt>
+                <c:pt idx="19">
+                  <c:v>20</c:v>
+                </c:pt>
+                <c:pt idx="20">
+                  <c:v>21</c:v>
+                </c:pt>
+                <c:pt idx="21">
+                  <c:v>22</c:v>
+                </c:pt>
+                <c:pt idx="22">
+                  <c:v>23</c:v>
+                </c:pt>
+                <c:pt idx="23">
+                  <c:v>24</c:v>
+                </c:pt>
+                <c:pt idx="24">
+                  <c:v>25</c:v>
+                </c:pt>
+                <c:pt idx="25">
+                  <c:v>26</c:v>
+                </c:pt>
+                <c:pt idx="26">
+                  <c:v>27</c:v>
+                </c:pt>
+                <c:pt idx="27">
+                  <c:v>28</c:v>
+                </c:pt>
+                <c:pt idx="28">
+                  <c:v>29</c:v>
+                </c:pt>
+                <c:pt idx="29">
+                  <c:v>30</c:v>
+                </c:pt>
+                <c:pt idx="30">
+                  <c:v>31</c:v>
+                </c:pt>
+                <c:pt idx="31">
+                  <c:v>32</c:v>
+                </c:pt>
+                <c:pt idx="32">
+                  <c:v>33</c:v>
+                </c:pt>
+                <c:pt idx="33">
+                  <c:v>34</c:v>
+                </c:pt>
+                <c:pt idx="34">
+                  <c:v>35</c:v>
+                </c:pt>
+                <c:pt idx="35">
+                  <c:v>36</c:v>
+                </c:pt>
+                <c:pt idx="36">
+                  <c:v>37</c:v>
+                </c:pt>
+                <c:pt idx="37">
+                  <c:v>38</c:v>
+                </c:pt>
+                <c:pt idx="38">
+                  <c:v>39</c:v>
+                </c:pt>
+                <c:pt idx="39">
+                  <c:v>40</c:v>
+                </c:pt>
+                <c:pt idx="40">
+                  <c:v>41</c:v>
+                </c:pt>
+                <c:pt idx="41">
+                  <c:v>42</c:v>
+                </c:pt>
+                <c:pt idx="42">
+                  <c:v>43</c:v>
+                </c:pt>
+                <c:pt idx="43">
+                  <c:v>44</c:v>
+                </c:pt>
+                <c:pt idx="44">
+                  <c:v>45</c:v>
+                </c:pt>
+                <c:pt idx="45">
+                  <c:v>46</c:v>
+                </c:pt>
+                <c:pt idx="46">
+                  <c:v>47</c:v>
+                </c:pt>
+                <c:pt idx="47">
+                  <c:v>48</c:v>
+                </c:pt>
+                <c:pt idx="48">
+                  <c:v>49</c:v>
+                </c:pt>
+                <c:pt idx="49">
+                  <c:v>50</c:v>
+                </c:pt>
+              </c:numCache>
+            </c:numRef>
+          </c:cat>
+          <c:val>
+            <c:numRef>
+              <c:f>UC!$G$2:$G$51</c:f>
+              <c:numCache>
+                <c:formatCode>General</c:formatCode>
+                <c:ptCount val="50"/>
+                <c:pt idx="0">
+                  <c:v>5.4578970286822797</c:v>
+                </c:pt>
+                <c:pt idx="1">
+                  <c:v>5.1088828488523053</c:v>
+                </c:pt>
+                <c:pt idx="2">
+                  <c:v>4.7907846321126097</c:v>
+                </c:pt>
+                <c:pt idx="3">
+                  <c:v>4.5089604331769495</c:v>
+                </c:pt>
+                <c:pt idx="4">
+                  <c:v>4.2674768011340465</c:v>
+                </c:pt>
+                <c:pt idx="5">
+                  <c:v>4.0633708935856996</c:v>
+                </c:pt>
+                <c:pt idx="6">
+                  <c:v>3.8803561994192375</c:v>
+                </c:pt>
+                <c:pt idx="7">
+                  <c:v>3.7226339225338076</c:v>
+                </c:pt>
+                <c:pt idx="8">
+                  <c:v>3.573683693093797</c:v>
+                </c:pt>
+                <c:pt idx="9">
+                  <c:v>3.3866772839608377</c:v>
+                </c:pt>
+                <c:pt idx="10">
+                  <c:v>3.2753113545418122</c:v>
+                </c:pt>
+                <c:pt idx="11">
+                  <c:v>3.1427022457376212</c:v>
+                </c:pt>
+                <c:pt idx="12">
+                  <c:v>3.0629578340845076</c:v>
+                </c:pt>
+                <c:pt idx="13">
+                  <c:v>2.9294189257142857</c:v>
+                </c:pt>
+                <c:pt idx="14">
+                  <c:v>2.8419848045901102</c:v>
+                </c:pt>
+                <c:pt idx="15">
+                  <c:v>2.7250945210814734</c:v>
+                </c:pt>
+                <c:pt idx="16">
+                  <c:v>2.6512780139981365</c:v>
+                </c:pt>
+                <c:pt idx="17">
+                  <c:v>2.5415792439465812</c:v>
+                </c:pt>
+                <c:pt idx="18">
+                  <c:v>2.4533183400470402</c:v>
+                </c:pt>
+                <c:pt idx="19">
+                  <c:v>2.32428245529769</c:v>
+                </c:pt>
+                <c:pt idx="20">
+                  <c:v>2.2355284469075523</c:v>
+                </c:pt>
+                <c:pt idx="21">
+                  <c:v>2.1492191126553801</c:v>
+                </c:pt>
+                <c:pt idx="22">
+                  <c:v>2.0969100130080576</c:v>
+                </c:pt>
+                <c:pt idx="23">
+                  <c:v>2.1238516409670929</c:v>
+                </c:pt>
+                <c:pt idx="24">
+                  <c:v>2.0086001717619202</c:v>
+                </c:pt>
+                <c:pt idx="25">
+                  <c:v>1.82607480270083</c:v>
+                </c:pt>
+                <c:pt idx="26">
+                  <c:v>1.7923916894982499</c:v>
+                </c:pt>
+                <c:pt idx="27">
+                  <c:v>1.7558748556724881</c:v>
+                </c:pt>
+                <c:pt idx="28">
+                  <c:v>1.7160033436347999</c:v>
+                </c:pt>
+                <c:pt idx="29">
+                  <c:v>1.6232492903978988</c:v>
+                </c:pt>
+                <c:pt idx="30">
+                  <c:v>1.5797835966168101</c:v>
+                </c:pt>
+                <c:pt idx="31">
+                  <c:v>1.556302500767291</c:v>
+                </c:pt>
+                <c:pt idx="32">
+                  <c:v>1.3802112417116101</c:v>
+                </c:pt>
+                <c:pt idx="33">
+                  <c:v>1.3424226808222099</c:v>
+                </c:pt>
+                <c:pt idx="34">
+                  <c:v>1.0791812460476198</c:v>
+                </c:pt>
+                <c:pt idx="35">
+                  <c:v>1.2041199826559199</c:v>
+                </c:pt>
+                <c:pt idx="36">
+                  <c:v>1</c:v>
+                </c:pt>
+                <c:pt idx="37">
+                  <c:v>1.3802112417116101</c:v>
+                </c:pt>
+                <c:pt idx="38">
+                  <c:v>1.1461280356782411</c:v>
+                </c:pt>
+                <c:pt idx="39">
+                  <c:v>1.2041199826559199</c:v>
+                </c:pt>
+                <c:pt idx="40">
+                  <c:v>0.95424250943932498</c:v>
+                </c:pt>
+                <c:pt idx="41">
+                  <c:v>0.84509804001425703</c:v>
+                </c:pt>
+                <c:pt idx="42">
+                  <c:v>0.84509804001425703</c:v>
+                </c:pt>
+                <c:pt idx="43">
+                  <c:v>0.84509804001425703</c:v>
+                </c:pt>
+                <c:pt idx="44">
+                  <c:v>1.0413926851582298</c:v>
+                </c:pt>
+                <c:pt idx="45">
+                  <c:v>0.90308998699194232</c:v>
+                </c:pt>
+                <c:pt idx="46">
+                  <c:v>0.95424250943932498</c:v>
+                </c:pt>
+                <c:pt idx="47">
+                  <c:v>0.69897000433601963</c:v>
+                </c:pt>
+                <c:pt idx="48">
+                  <c:v>0.77815125038364474</c:v>
+                </c:pt>
+                <c:pt idx="49">
+                  <c:v>0.30102999566398142</c:v>
+                </c:pt>
+              </c:numCache>
+            </c:numRef>
+          </c:val>
+        </c:ser>
+        <c:dLbls>
+          <c:showLegendKey val="0"/>
+          <c:showVal val="0"/>
+          <c:showCatName val="0"/>
+          <c:showSerName val="0"/>
+          <c:showPercent val="0"/>
+          <c:showBubbleSize val="0"/>
+        </c:dLbls>
+        <c:gapWidth val="150"/>
+        <c:shape val="box"/>
+        <c:axId val="334939032"/>
+        <c:axId val="334942168"/>
+        <c:axId val="0"/>
+      </c:bar3DChart>
+      <c:valAx>
+        <c:axId val="334942168"/>
+        <c:scaling>
+          <c:orientation val="minMax"/>
+        </c:scaling>
+        <c:delete val="0"/>
+        <c:axPos val="l"/>
+        <c:majorGridlines>
+          <c:spPr>
+            <a:ln>
+              <a:solidFill>
+                <a:srgbClr val="B3B3B3"/>
+              </a:solidFill>
+            </a:ln>
+          </c:spPr>
+        </c:majorGridlines>
+        <c:title>
+          <c:tx>
+            <c:rich>
+              <a:bodyPr/>
+              <a:lstStyle/>
+              <a:p>
+                <a:pPr>
+                  <a:defRPr sz="900" b="0"/>
+                </a:pPr>
+                <a:r>
+                  <a:rPr lang="en-IN"/>
+                  <a:t># of Users (in log scale)</a:t>
+                </a:r>
+              </a:p>
+            </c:rich>
+          </c:tx>
+          <c:layout>
+            <c:manualLayout>
+              <c:xMode val="edge"/>
+              <c:yMode val="edge"/>
+              <c:x val="1.9517408792580918E-2"/>
+              <c:y val="0.35930276157340857"/>
+            </c:manualLayout>
+          </c:layout>
+          <c:overlay val="0"/>
+        </c:title>
+        <c:numFmt formatCode="General" sourceLinked="1"/>
+        <c:majorTickMark val="none"/>
+        <c:minorTickMark val="none"/>
+        <c:tickLblPos val="nextTo"/>
+        <c:spPr>
+          <a:ln>
+            <a:solidFill>
+              <a:srgbClr val="B3B3B3"/>
+            </a:solidFill>
+          </a:ln>
+        </c:spPr>
+        <c:txPr>
+          <a:bodyPr/>
+          <a:lstStyle/>
+          <a:p>
+            <a:pPr>
+              <a:defRPr sz="1000" b="0"/>
+            </a:pPr>
+            <a:endParaRPr lang="en-US"/>
+          </a:p>
+        </c:txPr>
+        <c:crossAx val="334939032"/>
+        <c:crosses val="autoZero"/>
+        <c:crossBetween val="between"/>
+      </c:valAx>
+      <c:catAx>
+        <c:axId val="334939032"/>
+        <c:scaling>
+          <c:orientation val="minMax"/>
+        </c:scaling>
+        <c:delete val="0"/>
+        <c:axPos val="b"/>
+        <c:title>
+          <c:tx>
+            <c:rich>
+              <a:bodyPr/>
+              <a:lstStyle/>
+              <a:p>
+                <a:pPr>
+                  <a:defRPr sz="900" b="0"/>
+                </a:pPr>
+                <a:r>
+                  <a:rPr lang="en-IN"/>
+                  <a:t>Usefulness Count</a:t>
+                </a:r>
+              </a:p>
+            </c:rich>
+          </c:tx>
+          <c:layout>
+            <c:manualLayout>
+              <c:xMode val="edge"/>
+              <c:yMode val="edge"/>
+              <c:x val="0.40628252152105787"/>
+              <c:y val="0.89261751371987608"/>
+            </c:manualLayout>
+          </c:layout>
+          <c:overlay val="0"/>
+        </c:title>
+        <c:numFmt formatCode="General" sourceLinked="1"/>
+        <c:majorTickMark val="none"/>
+        <c:minorTickMark val="none"/>
+        <c:tickLblPos val="nextTo"/>
+        <c:spPr>
+          <a:ln>
+            <a:solidFill>
+              <a:srgbClr val="B3B3B3"/>
+            </a:solidFill>
+          </a:ln>
+        </c:spPr>
+        <c:txPr>
+          <a:bodyPr/>
+          <a:lstStyle/>
+          <a:p>
+            <a:pPr>
+              <a:defRPr sz="1000" b="0"/>
+            </a:pPr>
+            <a:endParaRPr lang="en-US"/>
+          </a:p>
+        </c:txPr>
+        <c:crossAx val="334942168"/>
+        <c:crosses val="autoZero"/>
+        <c:auto val="1"/>
+        <c:lblAlgn val="ctr"/>
+        <c:lblOffset val="100"/>
+        <c:noMultiLvlLbl val="0"/>
+      </c:catAx>
+    </c:plotArea>
+    <c:plotVisOnly val="1"/>
+    <c:dispBlanksAs val="gap"/>
+    <c:showDLblsOverMax val="0"/>
+  </c:chart>
+  <c:spPr>
+    <a:ln>
+      <a:noFill/>
+    </a:ln>
+  </c:spPr>
+  <c:externalData r:id="rId1">
+    <c:autoUpdate val="0"/>
+  </c:externalData>
+</c:chartSpace>
+</file>
+
+<file path=ppt/charts/chart10.xml><?xml version="1.0" encoding="utf-8"?>
+<c:chartSpace xmlns:c="http://schemas.openxmlformats.org/drawingml/2006/chart" xmlns:a="http://schemas.openxmlformats.org/drawingml/2006/main" xmlns:r="http://schemas.openxmlformats.org/officeDocument/2006/relationships">
+  <c:date1904 val="0"/>
+  <c:lang val="en-US"/>
+  <c:roundedCorners val="0"/>
+  <mc:AlternateContent xmlns:mc="http://schemas.openxmlformats.org/markup-compatibility/2006">
+    <mc:Choice xmlns:c14="http://schemas.microsoft.com/office/drawing/2007/8/2/chart" Requires="c14">
+      <c14:style val="102"/>
+    </mc:Choice>
+    <mc:Fallback>
+      <c:style val="2"/>
+    </mc:Fallback>
+  </mc:AlternateContent>
+  <c:chart>
+    <c:title>
+      <c:layout/>
+      <c:overlay val="0"/>
+    </c:title>
+    <c:autoTitleDeleted val="0"/>
+    <c:plotArea>
+      <c:layout/>
+      <c:barChart>
+        <c:barDir val="col"/>
+        <c:grouping val="clustered"/>
+        <c:varyColors val="0"/>
+        <c:ser>
+          <c:idx val="0"/>
+          <c:order val="0"/>
+          <c:tx>
+            <c:v>Honesty Probability (HITS)</c:v>
+          </c:tx>
+          <c:invertIfNegative val="0"/>
+          <c:cat>
+            <c:strRef>
+              <c:f>Sheet2!$A$1:$A$10</c:f>
+              <c:strCache>
+                <c:ptCount val="10"/>
+                <c:pt idx="0">
+                  <c:v>Daniel</c:v>
+                </c:pt>
+                <c:pt idx="1">
+                  <c:v>Robert</c:v>
+                </c:pt>
+                <c:pt idx="2">
+                  <c:v>Timothy</c:v>
+                </c:pt>
+                <c:pt idx="3">
+                  <c:v>A.D.</c:v>
+                </c:pt>
+                <c:pt idx="4">
+                  <c:v>Arthur</c:v>
+                </c:pt>
+                <c:pt idx="5">
+                  <c:v>Rondell</c:v>
+                </c:pt>
+                <c:pt idx="6">
+                  <c:v>Chris</c:v>
+                </c:pt>
+                <c:pt idx="7">
+                  <c:v>James</c:v>
+                </c:pt>
+                <c:pt idx="8">
+                  <c:v>Lexie</c:v>
+                </c:pt>
+                <c:pt idx="9">
+                  <c:v>Charles</c:v>
+                </c:pt>
+              </c:strCache>
+            </c:strRef>
+          </c:cat>
+          <c:val>
+            <c:numRef>
+              <c:f>Sheet2!$B$1:$B$10</c:f>
+              <c:numCache>
+                <c:formatCode>General</c:formatCode>
+                <c:ptCount val="10"/>
+                <c:pt idx="0">
+                  <c:v>0.99990000000000001</c:v>
+                </c:pt>
+                <c:pt idx="1">
+                  <c:v>0.99965499999999996</c:v>
+                </c:pt>
+                <c:pt idx="2">
+                  <c:v>0.99932900000000002</c:v>
+                </c:pt>
+                <c:pt idx="3">
+                  <c:v>0.99681299999999939</c:v>
+                </c:pt>
+                <c:pt idx="4">
+                  <c:v>0.99505500000000002</c:v>
+                </c:pt>
+                <c:pt idx="5">
+                  <c:v>0.9863269999999994</c:v>
+                </c:pt>
+                <c:pt idx="6">
+                  <c:v>0.98631399999999947</c:v>
+                </c:pt>
+                <c:pt idx="7">
+                  <c:v>0.98604999999999998</c:v>
+                </c:pt>
+                <c:pt idx="8">
+                  <c:v>0.98297900000000005</c:v>
+                </c:pt>
+                <c:pt idx="9">
+                  <c:v>0.97332099999999999</c:v>
+                </c:pt>
+              </c:numCache>
+            </c:numRef>
+          </c:val>
+        </c:ser>
+        <c:dLbls>
+          <c:showLegendKey val="0"/>
+          <c:showVal val="0"/>
+          <c:showCatName val="0"/>
+          <c:showSerName val="0"/>
+          <c:showPercent val="0"/>
+          <c:showBubbleSize val="0"/>
+        </c:dLbls>
+        <c:gapWidth val="150"/>
+        <c:axId val="335160120"/>
+        <c:axId val="335158160"/>
+      </c:barChart>
+      <c:catAx>
+        <c:axId val="335160120"/>
+        <c:scaling>
+          <c:orientation val="minMax"/>
+        </c:scaling>
+        <c:delete val="0"/>
+        <c:axPos val="b"/>
+        <c:numFmt formatCode="General" sourceLinked="0"/>
+        <c:majorTickMark val="out"/>
+        <c:minorTickMark val="none"/>
+        <c:tickLblPos val="nextTo"/>
+        <c:crossAx val="335158160"/>
+        <c:crosses val="autoZero"/>
+        <c:auto val="1"/>
+        <c:lblAlgn val="ctr"/>
+        <c:lblOffset val="100"/>
+        <c:noMultiLvlLbl val="0"/>
+      </c:catAx>
+      <c:valAx>
+        <c:axId val="335158160"/>
+        <c:scaling>
+          <c:orientation val="minMax"/>
+        </c:scaling>
+        <c:delete val="0"/>
+        <c:axPos val="l"/>
+        <c:majorGridlines/>
+        <c:numFmt formatCode="General" sourceLinked="1"/>
+        <c:majorTickMark val="out"/>
+        <c:minorTickMark val="none"/>
+        <c:tickLblPos val="nextTo"/>
+        <c:crossAx val="335160120"/>
+        <c:crosses val="autoZero"/>
+        <c:crossBetween val="between"/>
+      </c:valAx>
+    </c:plotArea>
+    <c:plotVisOnly val="1"/>
+    <c:dispBlanksAs val="gap"/>
+    <c:showDLblsOverMax val="0"/>
+  </c:chart>
+  <c:externalData r:id="rId1">
+    <c:autoUpdate val="0"/>
+  </c:externalData>
+</c:chartSpace>
+</file>
+
+<file path=ppt/charts/chart11.xml><?xml version="1.0" encoding="utf-8"?>
+<c:chartSpace xmlns:c="http://schemas.openxmlformats.org/drawingml/2006/chart" xmlns:a="http://schemas.openxmlformats.org/drawingml/2006/main" xmlns:r="http://schemas.openxmlformats.org/officeDocument/2006/relationships">
+  <c:date1904 val="0"/>
+  <c:lang val="en-US"/>
+  <c:roundedCorners val="0"/>
+  <mc:AlternateContent xmlns:mc="http://schemas.openxmlformats.org/markup-compatibility/2006">
+    <mc:Choice xmlns:c14="http://schemas.microsoft.com/office/drawing/2007/8/2/chart" Requires="c14">
+      <c14:style val="102"/>
+    </mc:Choice>
+    <mc:Fallback>
+      <c:style val="2"/>
+    </mc:Fallback>
+  </mc:AlternateContent>
+  <c:chart>
+    <c:title>
+      <c:layout/>
+      <c:overlay val="0"/>
+    </c:title>
+    <c:autoTitleDeleted val="0"/>
+    <c:plotArea>
+      <c:layout/>
+      <c:barChart>
+        <c:barDir val="col"/>
+        <c:grouping val="clustered"/>
+        <c:varyColors val="0"/>
+        <c:ser>
+          <c:idx val="0"/>
+          <c:order val="0"/>
+          <c:tx>
+            <c:v>Honesty Probability (sIA)</c:v>
+          </c:tx>
+          <c:invertIfNegative val="0"/>
+          <c:cat>
+            <c:strRef>
+              <c:f>Sheet2!$D$1:$D$10</c:f>
+              <c:strCache>
+                <c:ptCount val="10"/>
+                <c:pt idx="0">
+                  <c:v>Timothy</c:v>
+                </c:pt>
+                <c:pt idx="1">
+                  <c:v>Daniel</c:v>
+                </c:pt>
+                <c:pt idx="2">
+                  <c:v>Colin</c:v>
+                </c:pt>
+                <c:pt idx="3">
+                  <c:v>Arthur</c:v>
+                </c:pt>
+                <c:pt idx="4">
+                  <c:v>Michael</c:v>
+                </c:pt>
+                <c:pt idx="5">
+                  <c:v>James</c:v>
+                </c:pt>
+                <c:pt idx="6">
+                  <c:v>Doug</c:v>
+                </c:pt>
+                <c:pt idx="7">
+                  <c:v>Onotse</c:v>
+                </c:pt>
+                <c:pt idx="8">
+                  <c:v>Miinkay</c:v>
+                </c:pt>
+                <c:pt idx="9">
+                  <c:v>Benjamin</c:v>
+                </c:pt>
+              </c:strCache>
+            </c:strRef>
+          </c:cat>
+          <c:val>
+            <c:numRef>
+              <c:f>Sheet2!$E$1:$E$10</c:f>
+              <c:numCache>
+                <c:formatCode>General</c:formatCode>
+                <c:ptCount val="10"/>
+                <c:pt idx="0">
+                  <c:v>0.996394</c:v>
+                </c:pt>
+                <c:pt idx="1">
+                  <c:v>0.98909499999999961</c:v>
+                </c:pt>
+                <c:pt idx="2">
+                  <c:v>0.98892599999999997</c:v>
+                </c:pt>
+                <c:pt idx="3">
+                  <c:v>0.98256599999999938</c:v>
+                </c:pt>
+                <c:pt idx="4">
+                  <c:v>0.97712800000000033</c:v>
+                </c:pt>
+                <c:pt idx="5">
+                  <c:v>0.96853400000000001</c:v>
+                </c:pt>
+                <c:pt idx="6">
+                  <c:v>0.95803499999999997</c:v>
+                </c:pt>
+                <c:pt idx="7">
+                  <c:v>0.95669300000000035</c:v>
+                </c:pt>
+                <c:pt idx="8">
+                  <c:v>0.95591899999999996</c:v>
+                </c:pt>
+                <c:pt idx="9">
+                  <c:v>0.95527700000000004</c:v>
+                </c:pt>
+              </c:numCache>
+            </c:numRef>
+          </c:val>
+        </c:ser>
+        <c:dLbls>
+          <c:showLegendKey val="0"/>
+          <c:showVal val="0"/>
+          <c:showCatName val="0"/>
+          <c:showSerName val="0"/>
+          <c:showPercent val="0"/>
+          <c:showBubbleSize val="0"/>
+        </c:dLbls>
+        <c:gapWidth val="150"/>
+        <c:axId val="415478120"/>
+        <c:axId val="415480472"/>
+      </c:barChart>
+      <c:catAx>
+        <c:axId val="415478120"/>
+        <c:scaling>
+          <c:orientation val="minMax"/>
+        </c:scaling>
+        <c:delete val="0"/>
+        <c:axPos val="b"/>
+        <c:numFmt formatCode="General" sourceLinked="0"/>
+        <c:majorTickMark val="out"/>
+        <c:minorTickMark val="none"/>
+        <c:tickLblPos val="nextTo"/>
+        <c:crossAx val="415480472"/>
+        <c:crosses val="autoZero"/>
+        <c:auto val="1"/>
+        <c:lblAlgn val="ctr"/>
+        <c:lblOffset val="100"/>
+        <c:noMultiLvlLbl val="0"/>
+      </c:catAx>
+      <c:valAx>
+        <c:axId val="415480472"/>
+        <c:scaling>
+          <c:orientation val="minMax"/>
+        </c:scaling>
+        <c:delete val="0"/>
+        <c:axPos val="l"/>
+        <c:majorGridlines/>
+        <c:numFmt formatCode="General" sourceLinked="1"/>
+        <c:majorTickMark val="out"/>
+        <c:minorTickMark val="none"/>
+        <c:tickLblPos val="nextTo"/>
+        <c:crossAx val="415478120"/>
+        <c:crosses val="autoZero"/>
+        <c:crossBetween val="between"/>
+      </c:valAx>
+    </c:plotArea>
+    <c:plotVisOnly val="1"/>
+    <c:dispBlanksAs val="gap"/>
+    <c:showDLblsOverMax val="0"/>
+  </c:chart>
+  <c:externalData r:id="rId1">
+    <c:autoUpdate val="0"/>
+  </c:externalData>
+</c:chartSpace>
+</file>
+
+<file path=ppt/charts/chart12.xml><?xml version="1.0" encoding="utf-8"?>
+<c:chartSpace xmlns:c="http://schemas.openxmlformats.org/drawingml/2006/chart" xmlns:a="http://schemas.openxmlformats.org/drawingml/2006/main" xmlns:r="http://schemas.openxmlformats.org/officeDocument/2006/relationships">
+  <c:date1904 val="0"/>
+  <c:lang val="en-US"/>
+  <c:roundedCorners val="0"/>
+  <mc:AlternateContent xmlns:mc="http://schemas.openxmlformats.org/markup-compatibility/2006">
+    <mc:Choice xmlns:c14="http://schemas.microsoft.com/office/drawing/2007/8/2/chart" Requires="c14">
+      <c14:style val="102"/>
+    </mc:Choice>
+    <mc:Fallback>
+      <c:style val="2"/>
+    </mc:Fallback>
+  </mc:AlternateContent>
+  <c:chart>
+    <c:title>
+      <c:tx>
+        <c:rich>
+          <a:bodyPr/>
+          <a:lstStyle/>
+          <a:p>
+            <a:pPr>
+              <a:defRPr/>
+            </a:pPr>
+            <a:r>
+              <a:rPr lang="en-IN"/>
+              <a:t>Honesty Probability (modified sIA)</a:t>
+            </a:r>
+          </a:p>
+        </c:rich>
+      </c:tx>
+      <c:layout/>
+      <c:overlay val="0"/>
+    </c:title>
+    <c:autoTitleDeleted val="0"/>
+    <c:plotArea>
+      <c:layout/>
+      <c:barChart>
+        <c:barDir val="col"/>
+        <c:grouping val="clustered"/>
+        <c:varyColors val="0"/>
+        <c:ser>
+          <c:idx val="0"/>
+          <c:order val="0"/>
+          <c:tx>
+            <c:v>Honesty Probability (sIA)</c:v>
+          </c:tx>
+          <c:invertIfNegative val="0"/>
+          <c:cat>
+            <c:strRef>
+              <c:f>Sheet2!$D$1:$D$10</c:f>
+              <c:strCache>
+                <c:ptCount val="10"/>
+                <c:pt idx="0">
+                  <c:v>Timothy</c:v>
+                </c:pt>
+                <c:pt idx="1">
+                  <c:v>Daniel</c:v>
+                </c:pt>
+                <c:pt idx="2">
+                  <c:v>Colin</c:v>
+                </c:pt>
+                <c:pt idx="3">
+                  <c:v>Arthur</c:v>
+                </c:pt>
+                <c:pt idx="4">
+                  <c:v>Michael</c:v>
+                </c:pt>
+                <c:pt idx="5">
+                  <c:v>James</c:v>
+                </c:pt>
+                <c:pt idx="6">
+                  <c:v>Doug</c:v>
+                </c:pt>
+                <c:pt idx="7">
+                  <c:v>Onotse</c:v>
+                </c:pt>
+                <c:pt idx="8">
+                  <c:v>Miinkay</c:v>
+                </c:pt>
+                <c:pt idx="9">
+                  <c:v>Benjamin</c:v>
+                </c:pt>
+              </c:strCache>
+            </c:strRef>
+          </c:cat>
+          <c:val>
+            <c:numRef>
+              <c:f>Sheet2!$E$1:$E$10</c:f>
+              <c:numCache>
+                <c:formatCode>General</c:formatCode>
+                <c:ptCount val="10"/>
+                <c:pt idx="0">
+                  <c:v>0.996394</c:v>
+                </c:pt>
+                <c:pt idx="1">
+                  <c:v>0.98909499999999961</c:v>
+                </c:pt>
+                <c:pt idx="2">
+                  <c:v>0.98892599999999997</c:v>
+                </c:pt>
+                <c:pt idx="3">
+                  <c:v>0.98256599999999938</c:v>
+                </c:pt>
+                <c:pt idx="4">
+                  <c:v>0.97712800000000033</c:v>
+                </c:pt>
+                <c:pt idx="5">
+                  <c:v>0.96853400000000001</c:v>
+                </c:pt>
+                <c:pt idx="6">
+                  <c:v>0.95803499999999997</c:v>
+                </c:pt>
+                <c:pt idx="7">
+                  <c:v>0.95669300000000035</c:v>
+                </c:pt>
+                <c:pt idx="8">
+                  <c:v>0.95591899999999996</c:v>
+                </c:pt>
+                <c:pt idx="9">
+                  <c:v>0.95527700000000004</c:v>
+                </c:pt>
+              </c:numCache>
+            </c:numRef>
+          </c:val>
+        </c:ser>
+        <c:dLbls>
+          <c:showLegendKey val="0"/>
+          <c:showVal val="0"/>
+          <c:showCatName val="0"/>
+          <c:showSerName val="0"/>
+          <c:showPercent val="0"/>
+          <c:showBubbleSize val="0"/>
+        </c:dLbls>
+        <c:gapWidth val="150"/>
+        <c:axId val="408911672"/>
+        <c:axId val="408910888"/>
+      </c:barChart>
+      <c:catAx>
+        <c:axId val="408911672"/>
+        <c:scaling>
+          <c:orientation val="minMax"/>
+        </c:scaling>
+        <c:delete val="0"/>
+        <c:axPos val="b"/>
+        <c:numFmt formatCode="General" sourceLinked="0"/>
+        <c:majorTickMark val="out"/>
+        <c:minorTickMark val="none"/>
+        <c:tickLblPos val="nextTo"/>
+        <c:crossAx val="408910888"/>
+        <c:crosses val="autoZero"/>
+        <c:auto val="1"/>
+        <c:lblAlgn val="ctr"/>
+        <c:lblOffset val="100"/>
+        <c:noMultiLvlLbl val="0"/>
+      </c:catAx>
+      <c:valAx>
+        <c:axId val="408910888"/>
+        <c:scaling>
+          <c:orientation val="minMax"/>
+        </c:scaling>
+        <c:delete val="0"/>
+        <c:axPos val="l"/>
+        <c:majorGridlines/>
+        <c:numFmt formatCode="General" sourceLinked="1"/>
+        <c:majorTickMark val="out"/>
+        <c:minorTickMark val="none"/>
+        <c:tickLblPos val="nextTo"/>
+        <c:crossAx val="408911672"/>
+        <c:crosses val="autoZero"/>
+        <c:crossBetween val="between"/>
+      </c:valAx>
+    </c:plotArea>
+    <c:plotVisOnly val="1"/>
+    <c:dispBlanksAs val="gap"/>
+    <c:showDLblsOverMax val="0"/>
+  </c:chart>
+  <c:externalData r:id="rId1">
+    <c:autoUpdate val="0"/>
+  </c:externalData>
+</c:chartSpace>
+</file>
+
+<file path=ppt/charts/chart2.xml><?xml version="1.0" encoding="utf-8"?>
+<c:chartSpace xmlns:c="http://schemas.openxmlformats.org/drawingml/2006/chart" xmlns:a="http://schemas.openxmlformats.org/drawingml/2006/main" xmlns:r="http://schemas.openxmlformats.org/officeDocument/2006/relationships">
+  <c:date1904 val="0"/>
+  <c:lang val="en-US"/>
+  <c:roundedCorners val="0"/>
+  <mc:AlternateContent xmlns:mc="http://schemas.openxmlformats.org/markup-compatibility/2006">
+    <mc:Choice xmlns:c14="http://schemas.microsoft.com/office/drawing/2007/8/2/chart" Requires="c14">
+      <c14:style val="102"/>
+    </mc:Choice>
+    <mc:Fallback>
+      <c:style val="2"/>
+    </mc:Fallback>
+  </mc:AlternateContent>
+  <c:chart>
+    <c:title>
+      <c:tx>
+        <c:rich>
+          <a:bodyPr/>
+          <a:lstStyle/>
+          <a:p>
+            <a:pPr>
+              <a:defRPr sz="1300" b="0"/>
+            </a:pPr>
+            <a:r>
+              <a:rPr lang="en-IN"/>
+              <a:t>Duplicate Count</a:t>
+            </a:r>
+          </a:p>
+        </c:rich>
+      </c:tx>
+      <c:layout>
+        <c:manualLayout>
+          <c:xMode val="edge"/>
+          <c:yMode val="edge"/>
+          <c:x val="0.44525888922445439"/>
+          <c:y val="3.1687100673458875E-2"/>
+        </c:manualLayout>
+      </c:layout>
+      <c:overlay val="0"/>
+    </c:title>
+    <c:autoTitleDeleted val="0"/>
+    <c:view3D>
+      <c:rotX val="0"/>
+      <c:rotY val="0"/>
+      <c:rAngAx val="0"/>
+      <c:perspective val="0"/>
+    </c:view3D>
+    <c:floor>
+      <c:thickness val="0"/>
+      <c:spPr>
+        <a:solidFill>
+          <a:srgbClr val="CCCCCC"/>
+        </a:solidFill>
+        <a:ln>
+          <a:solidFill>
+            <a:srgbClr val="B3B3B3"/>
+          </a:solidFill>
+        </a:ln>
+      </c:spPr>
+    </c:floor>
+    <c:sideWall>
+      <c:thickness val="0"/>
+      <c:spPr>
+        <a:noFill/>
+        <a:ln>
+          <a:solidFill>
+            <a:srgbClr val="B3B3B3"/>
+          </a:solidFill>
+          <a:prstDash val="solid"/>
+        </a:ln>
+      </c:spPr>
+    </c:sideWall>
+    <c:backWall>
+      <c:thickness val="0"/>
+      <c:spPr>
+        <a:noFill/>
+        <a:ln>
+          <a:solidFill>
+            <a:srgbClr val="B3B3B3"/>
+          </a:solidFill>
+          <a:prstDash val="solid"/>
+        </a:ln>
+      </c:spPr>
+    </c:backWall>
+    <c:plotArea>
+      <c:layout>
+        <c:manualLayout>
+          <c:xMode val="edge"/>
+          <c:yMode val="edge"/>
+          <c:x val="5.3354468707305105E-2"/>
+          <c:y val="0.12113600606304815"/>
+          <c:w val="0.92667071361877262"/>
+          <c:h val="0.77421861509238565"/>
+        </c:manualLayout>
+      </c:layout>
+      <c:bar3DChart>
+        <c:barDir val="col"/>
+        <c:grouping val="clustered"/>
+        <c:varyColors val="0"/>
+        <c:ser>
+          <c:idx val="0"/>
+          <c:order val="0"/>
+          <c:tx>
+            <c:strRef>
+              <c:f>DC!$B$1</c:f>
+              <c:strCache>
+                <c:ptCount val="1"/>
+                <c:pt idx="0">
+                  <c:v>866</c:v>
+                </c:pt>
+              </c:strCache>
+            </c:strRef>
+          </c:tx>
+          <c:spPr>
+            <a:solidFill>
+              <a:srgbClr val="004586"/>
+            </a:solidFill>
+            <a:ln>
+              <a:noFill/>
+            </a:ln>
+          </c:spPr>
+          <c:invertIfNegative val="0"/>
+          <c:cat>
+            <c:numRef>
+              <c:f>DC!$A$2:$A$64</c:f>
+              <c:numCache>
+                <c:formatCode>General</c:formatCode>
+                <c:ptCount val="63"/>
+                <c:pt idx="0">
+                  <c:v>1</c:v>
+                </c:pt>
+                <c:pt idx="1">
+                  <c:v>2</c:v>
+                </c:pt>
+                <c:pt idx="2">
+                  <c:v>3</c:v>
+                </c:pt>
+                <c:pt idx="3">
+                  <c:v>4</c:v>
+                </c:pt>
+                <c:pt idx="4">
+                  <c:v>5</c:v>
+                </c:pt>
+                <c:pt idx="5">
+                  <c:v>6</c:v>
+                </c:pt>
+                <c:pt idx="6">
+                  <c:v>7</c:v>
+                </c:pt>
+                <c:pt idx="7">
+                  <c:v>8</c:v>
+                </c:pt>
+                <c:pt idx="8">
+                  <c:v>9</c:v>
+                </c:pt>
+                <c:pt idx="9">
+                  <c:v>10</c:v>
+                </c:pt>
+                <c:pt idx="10">
+                  <c:v>11</c:v>
+                </c:pt>
+                <c:pt idx="11">
+                  <c:v>12</c:v>
+                </c:pt>
+                <c:pt idx="12">
+                  <c:v>13</c:v>
+                </c:pt>
+                <c:pt idx="13">
+                  <c:v>14</c:v>
+                </c:pt>
+                <c:pt idx="14">
+                  <c:v>15</c:v>
+                </c:pt>
+                <c:pt idx="15">
+                  <c:v>16</c:v>
+                </c:pt>
+                <c:pt idx="16">
+                  <c:v>17</c:v>
+                </c:pt>
+                <c:pt idx="17">
+                  <c:v>18</c:v>
+                </c:pt>
+                <c:pt idx="18">
+                  <c:v>19</c:v>
+                </c:pt>
+                <c:pt idx="19">
+                  <c:v>20</c:v>
+                </c:pt>
+                <c:pt idx="20">
+                  <c:v>21</c:v>
+                </c:pt>
+                <c:pt idx="21">
+                  <c:v>22</c:v>
+                </c:pt>
+                <c:pt idx="22">
+                  <c:v>23</c:v>
+                </c:pt>
+                <c:pt idx="23">
+                  <c:v>24</c:v>
+                </c:pt>
+                <c:pt idx="24">
+                  <c:v>25</c:v>
+                </c:pt>
+                <c:pt idx="25">
+                  <c:v>26</c:v>
+                </c:pt>
+                <c:pt idx="26">
+                  <c:v>27</c:v>
+                </c:pt>
+                <c:pt idx="27">
+                  <c:v>28</c:v>
+                </c:pt>
+                <c:pt idx="28">
+                  <c:v>29</c:v>
+                </c:pt>
+                <c:pt idx="29">
+                  <c:v>30</c:v>
+                </c:pt>
+                <c:pt idx="30">
+                  <c:v>31</c:v>
+                </c:pt>
+                <c:pt idx="31">
+                  <c:v>32</c:v>
+                </c:pt>
+                <c:pt idx="32">
+                  <c:v>33</c:v>
+                </c:pt>
+                <c:pt idx="33">
+                  <c:v>34</c:v>
+                </c:pt>
+                <c:pt idx="34">
+                  <c:v>35</c:v>
+                </c:pt>
+                <c:pt idx="35">
+                  <c:v>36</c:v>
+                </c:pt>
+                <c:pt idx="36">
+                  <c:v>37</c:v>
+                </c:pt>
+                <c:pt idx="37">
+                  <c:v>38</c:v>
+                </c:pt>
+                <c:pt idx="38">
+                  <c:v>39</c:v>
+                </c:pt>
+                <c:pt idx="39">
+                  <c:v>40</c:v>
+                </c:pt>
+                <c:pt idx="40">
+                  <c:v>41</c:v>
+                </c:pt>
+                <c:pt idx="41">
+                  <c:v>42</c:v>
+                </c:pt>
+                <c:pt idx="42">
+                  <c:v>43</c:v>
+                </c:pt>
+                <c:pt idx="43">
+                  <c:v>44</c:v>
+                </c:pt>
+                <c:pt idx="44">
+                  <c:v>45</c:v>
+                </c:pt>
+                <c:pt idx="45">
+                  <c:v>46</c:v>
+                </c:pt>
+                <c:pt idx="46">
+                  <c:v>47</c:v>
+                </c:pt>
+                <c:pt idx="47">
+                  <c:v>48</c:v>
+                </c:pt>
+                <c:pt idx="48">
+                  <c:v>49</c:v>
+                </c:pt>
+                <c:pt idx="49">
+                  <c:v>50</c:v>
+                </c:pt>
+              </c:numCache>
+            </c:numRef>
+          </c:cat>
+          <c:val>
+            <c:numRef>
+              <c:f>DC!$B$2:$B$64</c:f>
+              <c:numCache>
+                <c:formatCode>General</c:formatCode>
+                <c:ptCount val="63"/>
+                <c:pt idx="0">
+                  <c:v>51</c:v>
+                </c:pt>
+                <c:pt idx="1">
+                  <c:v>30</c:v>
+                </c:pt>
+                <c:pt idx="2">
+                  <c:v>33</c:v>
+                </c:pt>
+                <c:pt idx="3">
+                  <c:v>21</c:v>
+                </c:pt>
+                <c:pt idx="4">
+                  <c:v>21</c:v>
+                </c:pt>
+                <c:pt idx="5">
+                  <c:v>13</c:v>
+                </c:pt>
+                <c:pt idx="6">
+                  <c:v>7</c:v>
+                </c:pt>
+                <c:pt idx="7">
+                  <c:v>8</c:v>
+                </c:pt>
+                <c:pt idx="8">
+                  <c:v>9</c:v>
+                </c:pt>
+                <c:pt idx="9">
+                  <c:v>2</c:v>
+                </c:pt>
+                <c:pt idx="10">
+                  <c:v>0</c:v>
+                </c:pt>
+                <c:pt idx="11">
+                  <c:v>1</c:v>
+                </c:pt>
+                <c:pt idx="12">
+                  <c:v>3</c:v>
+                </c:pt>
+                <c:pt idx="13">
+                  <c:v>3</c:v>
+                </c:pt>
+                <c:pt idx="14">
+                  <c:v>6</c:v>
+                </c:pt>
+                <c:pt idx="15">
+                  <c:v>2</c:v>
+                </c:pt>
+                <c:pt idx="16">
+                  <c:v>5</c:v>
+                </c:pt>
+                <c:pt idx="17">
+                  <c:v>3</c:v>
+                </c:pt>
+                <c:pt idx="18">
+                  <c:v>2</c:v>
+                </c:pt>
+                <c:pt idx="19">
+                  <c:v>1</c:v>
+                </c:pt>
+                <c:pt idx="20">
+                  <c:v>2</c:v>
+                </c:pt>
+                <c:pt idx="21">
+                  <c:v>2</c:v>
+                </c:pt>
+                <c:pt idx="22">
+                  <c:v>3</c:v>
+                </c:pt>
+                <c:pt idx="23">
+                  <c:v>0</c:v>
+                </c:pt>
+                <c:pt idx="24">
+                  <c:v>0</c:v>
+                </c:pt>
+                <c:pt idx="25">
+                  <c:v>1</c:v>
+                </c:pt>
+                <c:pt idx="26">
+                  <c:v>0</c:v>
+                </c:pt>
+                <c:pt idx="27">
+                  <c:v>1</c:v>
+                </c:pt>
+                <c:pt idx="28">
+                  <c:v>1</c:v>
+                </c:pt>
+                <c:pt idx="29">
+                  <c:v>3</c:v>
+                </c:pt>
+                <c:pt idx="30">
+                  <c:v>0</c:v>
+                </c:pt>
+                <c:pt idx="31">
+                  <c:v>3</c:v>
+                </c:pt>
+                <c:pt idx="32">
+                  <c:v>1</c:v>
+                </c:pt>
+                <c:pt idx="33">
+                  <c:v>0</c:v>
+                </c:pt>
+                <c:pt idx="34">
+                  <c:v>1</c:v>
+                </c:pt>
+                <c:pt idx="35">
+                  <c:v>1</c:v>
+                </c:pt>
+                <c:pt idx="36">
+                  <c:v>2</c:v>
+                </c:pt>
+                <c:pt idx="37">
+                  <c:v>1</c:v>
+                </c:pt>
+                <c:pt idx="38">
+                  <c:v>1</c:v>
+                </c:pt>
+                <c:pt idx="39">
+                  <c:v>0</c:v>
+                </c:pt>
+                <c:pt idx="40">
+                  <c:v>0</c:v>
+                </c:pt>
+                <c:pt idx="41">
+                  <c:v>2</c:v>
+                </c:pt>
+                <c:pt idx="42">
+                  <c:v>1</c:v>
+                </c:pt>
+                <c:pt idx="43">
+                  <c:v>1</c:v>
+                </c:pt>
+                <c:pt idx="44">
+                  <c:v>2</c:v>
+                </c:pt>
+                <c:pt idx="45">
+                  <c:v>1</c:v>
+                </c:pt>
+                <c:pt idx="46">
+                  <c:v>0</c:v>
+                </c:pt>
+                <c:pt idx="47">
+                  <c:v>1</c:v>
+                </c:pt>
+                <c:pt idx="48">
+                  <c:v>1</c:v>
+                </c:pt>
+                <c:pt idx="49">
+                  <c:v>0</c:v>
+                </c:pt>
+              </c:numCache>
+            </c:numRef>
+          </c:val>
+          <c:shape val="cylinder"/>
+        </c:ser>
+        <c:dLbls>
+          <c:showLegendKey val="0"/>
+          <c:showVal val="0"/>
+          <c:showCatName val="0"/>
+          <c:showSerName val="0"/>
+          <c:showPercent val="0"/>
+          <c:showBubbleSize val="0"/>
+        </c:dLbls>
+        <c:gapWidth val="150"/>
+        <c:shape val="box"/>
+        <c:axId val="331356736"/>
+        <c:axId val="331353992"/>
+        <c:axId val="0"/>
+      </c:bar3DChart>
+      <c:valAx>
+        <c:axId val="331353992"/>
+        <c:scaling>
+          <c:orientation val="minMax"/>
+        </c:scaling>
+        <c:delete val="0"/>
+        <c:axPos val="l"/>
+        <c:majorGridlines>
+          <c:spPr>
+            <a:ln>
+              <a:solidFill>
+                <a:srgbClr val="B3B3B3"/>
+              </a:solidFill>
+            </a:ln>
+          </c:spPr>
+        </c:majorGridlines>
+        <c:title>
+          <c:tx>
+            <c:rich>
+              <a:bodyPr/>
+              <a:lstStyle/>
+              <a:p>
+                <a:pPr>
+                  <a:defRPr sz="900" b="0"/>
+                </a:pPr>
+                <a:r>
+                  <a:rPr lang="en-IN"/>
+                  <a:t># of Users</a:t>
+                </a:r>
+              </a:p>
+            </c:rich>
+          </c:tx>
+          <c:layout>
+            <c:manualLayout>
+              <c:xMode val="edge"/>
+              <c:yMode val="edge"/>
+              <c:x val="1.6433862626778237E-2"/>
+              <c:y val="0.43280959061527813"/>
+            </c:manualLayout>
+          </c:layout>
+          <c:overlay val="0"/>
+        </c:title>
+        <c:numFmt formatCode="General" sourceLinked="1"/>
+        <c:majorTickMark val="none"/>
+        <c:minorTickMark val="none"/>
+        <c:tickLblPos val="nextTo"/>
+        <c:spPr>
+          <a:ln>
+            <a:solidFill>
+              <a:srgbClr val="B3B3B3"/>
+            </a:solidFill>
+          </a:ln>
+        </c:spPr>
+        <c:txPr>
+          <a:bodyPr/>
+          <a:lstStyle/>
+          <a:p>
+            <a:pPr>
+              <a:defRPr sz="1000" b="0"/>
+            </a:pPr>
+            <a:endParaRPr lang="en-US"/>
+          </a:p>
+        </c:txPr>
+        <c:crossAx val="331356736"/>
+        <c:crosses val="autoZero"/>
+        <c:crossBetween val="between"/>
+      </c:valAx>
+      <c:catAx>
+        <c:axId val="331356736"/>
+        <c:scaling>
+          <c:orientation val="minMax"/>
+        </c:scaling>
+        <c:delete val="0"/>
+        <c:axPos val="b"/>
+        <c:title>
+          <c:tx>
+            <c:rich>
+              <a:bodyPr/>
+              <a:lstStyle/>
+              <a:p>
+                <a:pPr>
+                  <a:defRPr sz="900" b="0"/>
+                </a:pPr>
+                <a:r>
+                  <a:rPr lang="en-IN"/>
+                  <a:t># of Duplicates</a:t>
+                </a:r>
+              </a:p>
+            </c:rich>
+          </c:tx>
+          <c:layout>
+            <c:manualLayout>
+              <c:xMode val="edge"/>
+              <c:yMode val="edge"/>
+              <c:x val="0.4306496891744061"/>
+              <c:y val="0.91529945120496303"/>
+            </c:manualLayout>
+          </c:layout>
+          <c:overlay val="0"/>
+        </c:title>
+        <c:numFmt formatCode="General" sourceLinked="1"/>
+        <c:majorTickMark val="none"/>
+        <c:minorTickMark val="none"/>
+        <c:tickLblPos val="nextTo"/>
+        <c:spPr>
+          <a:ln>
+            <a:solidFill>
+              <a:srgbClr val="B3B3B3"/>
+            </a:solidFill>
+          </a:ln>
+        </c:spPr>
+        <c:txPr>
+          <a:bodyPr/>
+          <a:lstStyle/>
+          <a:p>
+            <a:pPr>
+              <a:defRPr sz="1000" b="0"/>
+            </a:pPr>
+            <a:endParaRPr lang="en-US"/>
+          </a:p>
+        </c:txPr>
+        <c:crossAx val="331353992"/>
+        <c:crosses val="autoZero"/>
+        <c:auto val="1"/>
+        <c:lblAlgn val="ctr"/>
+        <c:lblOffset val="100"/>
+        <c:noMultiLvlLbl val="0"/>
+      </c:catAx>
+    </c:plotArea>
+    <c:plotVisOnly val="1"/>
+    <c:dispBlanksAs val="gap"/>
+    <c:showDLblsOverMax val="0"/>
+  </c:chart>
+  <c:spPr>
+    <a:ln>
+      <a:noFill/>
+    </a:ln>
+  </c:spPr>
+  <c:externalData r:id="rId1">
+    <c:autoUpdate val="0"/>
+  </c:externalData>
+</c:chartSpace>
+</file>
+
+<file path=ppt/charts/chart3.xml><?xml version="1.0" encoding="utf-8"?>
+<c:chartSpace xmlns:c="http://schemas.openxmlformats.org/drawingml/2006/chart" xmlns:a="http://schemas.openxmlformats.org/drawingml/2006/main" xmlns:r="http://schemas.openxmlformats.org/officeDocument/2006/relationships">
+  <c:date1904 val="0"/>
+  <c:lang val="en-US"/>
+  <c:roundedCorners val="0"/>
+  <mc:AlternateContent xmlns:mc="http://schemas.openxmlformats.org/markup-compatibility/2006">
+    <mc:Choice xmlns:c14="http://schemas.microsoft.com/office/drawing/2007/8/2/chart" Requires="c14">
+      <c14:style val="102"/>
+    </mc:Choice>
+    <mc:Fallback>
+      <c:style val="2"/>
+    </mc:Fallback>
+  </mc:AlternateContent>
+  <c:chart>
+    <c:title>
+      <c:layout/>
+      <c:overlay val="0"/>
+    </c:title>
+    <c:autoTitleDeleted val="0"/>
+    <c:plotArea>
+      <c:layout/>
+      <c:barChart>
+        <c:barDir val="col"/>
+        <c:grouping val="clustered"/>
+        <c:varyColors val="0"/>
+        <c:ser>
+          <c:idx val="0"/>
+          <c:order val="0"/>
+          <c:tx>
+            <c:v>Fraud Probability (HITS)</c:v>
+          </c:tx>
+          <c:invertIfNegative val="0"/>
+          <c:cat>
+            <c:strRef>
+              <c:f>Sheet1!$A$1:$A$10</c:f>
+              <c:strCache>
+                <c:ptCount val="10"/>
+                <c:pt idx="0">
+                  <c:v>Dave</c:v>
+                </c:pt>
+                <c:pt idx="1">
+                  <c:v>Corey</c:v>
+                </c:pt>
+                <c:pt idx="2">
+                  <c:v>Nicole</c:v>
+                </c:pt>
+                <c:pt idx="3">
+                  <c:v>Underhill</c:v>
+                </c:pt>
+                <c:pt idx="4">
+                  <c:v>David</c:v>
+                </c:pt>
+                <c:pt idx="5">
+                  <c:v>Christopher</c:v>
+                </c:pt>
+                <c:pt idx="6">
+                  <c:v>Debra</c:v>
+                </c:pt>
+                <c:pt idx="7">
+                  <c:v>Amanda</c:v>
+                </c:pt>
+                <c:pt idx="8">
+                  <c:v>Vickie</c:v>
+                </c:pt>
+                <c:pt idx="9">
+                  <c:v>Elise</c:v>
+                </c:pt>
+              </c:strCache>
+            </c:strRef>
+          </c:cat>
+          <c:val>
+            <c:numRef>
+              <c:f>Sheet1!$B$1:$B$10</c:f>
+              <c:numCache>
+                <c:formatCode>General</c:formatCode>
+                <c:ptCount val="10"/>
+                <c:pt idx="0">
+                  <c:v>0.98432999999999971</c:v>
+                </c:pt>
+                <c:pt idx="1">
+                  <c:v>0.97969500000000054</c:v>
+                </c:pt>
+                <c:pt idx="2">
+                  <c:v>0.96924100000000035</c:v>
+                </c:pt>
+                <c:pt idx="3">
+                  <c:v>0.96113499999999996</c:v>
+                </c:pt>
+                <c:pt idx="4">
+                  <c:v>0.94433</c:v>
+                </c:pt>
+                <c:pt idx="5">
+                  <c:v>0.90514799999999962</c:v>
+                </c:pt>
+                <c:pt idx="6">
+                  <c:v>0.90514799999999962</c:v>
+                </c:pt>
+                <c:pt idx="7">
+                  <c:v>0.90514799999999962</c:v>
+                </c:pt>
+                <c:pt idx="8">
+                  <c:v>0.90514799999999962</c:v>
+                </c:pt>
+                <c:pt idx="9">
+                  <c:v>0.90514799999999962</c:v>
+                </c:pt>
+              </c:numCache>
+            </c:numRef>
+          </c:val>
+        </c:ser>
+        <c:dLbls>
+          <c:showLegendKey val="0"/>
+          <c:showVal val="0"/>
+          <c:showCatName val="0"/>
+          <c:showSerName val="0"/>
+          <c:showPercent val="0"/>
+          <c:showBubbleSize val="0"/>
+        </c:dLbls>
+        <c:gapWidth val="150"/>
+        <c:axId val="411699512"/>
+        <c:axId val="411699904"/>
+      </c:barChart>
+      <c:catAx>
+        <c:axId val="411699512"/>
+        <c:scaling>
+          <c:orientation val="minMax"/>
+        </c:scaling>
+        <c:delete val="0"/>
+        <c:axPos val="b"/>
+        <c:numFmt formatCode="General" sourceLinked="0"/>
+        <c:majorTickMark val="out"/>
+        <c:minorTickMark val="none"/>
+        <c:tickLblPos val="nextTo"/>
+        <c:crossAx val="411699904"/>
+        <c:crosses val="autoZero"/>
+        <c:auto val="1"/>
+        <c:lblAlgn val="ctr"/>
+        <c:lblOffset val="100"/>
+        <c:noMultiLvlLbl val="0"/>
+      </c:catAx>
+      <c:valAx>
+        <c:axId val="411699904"/>
+        <c:scaling>
+          <c:orientation val="minMax"/>
+        </c:scaling>
+        <c:delete val="0"/>
+        <c:axPos val="l"/>
+        <c:majorGridlines/>
+        <c:numFmt formatCode="General" sourceLinked="1"/>
+        <c:majorTickMark val="out"/>
+        <c:minorTickMark val="none"/>
+        <c:tickLblPos val="nextTo"/>
+        <c:crossAx val="411699512"/>
+        <c:crosses val="autoZero"/>
+        <c:crossBetween val="between"/>
+      </c:valAx>
+    </c:plotArea>
+    <c:plotVisOnly val="1"/>
+    <c:dispBlanksAs val="gap"/>
+    <c:showDLblsOverMax val="0"/>
+  </c:chart>
+  <c:externalData r:id="rId1">
+    <c:autoUpdate val="0"/>
+  </c:externalData>
+</c:chartSpace>
+</file>
+
+<file path=ppt/charts/chart4.xml><?xml version="1.0" encoding="utf-8"?>
+<c:chartSpace xmlns:c="http://schemas.openxmlformats.org/drawingml/2006/chart" xmlns:a="http://schemas.openxmlformats.org/drawingml/2006/main" xmlns:r="http://schemas.openxmlformats.org/officeDocument/2006/relationships">
+  <c:date1904 val="0"/>
+  <c:lang val="en-US"/>
+  <c:roundedCorners val="0"/>
+  <mc:AlternateContent xmlns:mc="http://schemas.openxmlformats.org/markup-compatibility/2006">
+    <mc:Choice xmlns:c14="http://schemas.microsoft.com/office/drawing/2007/8/2/chart" Requires="c14">
+      <c14:style val="102"/>
+    </mc:Choice>
+    <mc:Fallback>
+      <c:style val="2"/>
+    </mc:Fallback>
+  </mc:AlternateContent>
+  <c:chart>
+    <c:title>
+      <c:layout/>
+      <c:overlay val="0"/>
+    </c:title>
+    <c:autoTitleDeleted val="0"/>
+    <c:plotArea>
+      <c:layout/>
+      <c:barChart>
+        <c:barDir val="col"/>
+        <c:grouping val="clustered"/>
+        <c:varyColors val="0"/>
+        <c:ser>
+          <c:idx val="0"/>
+          <c:order val="0"/>
+          <c:tx>
+            <c:v>Fraud Probability (sIA)</c:v>
+          </c:tx>
+          <c:invertIfNegative val="0"/>
+          <c:cat>
+            <c:strRef>
+              <c:f>Sheet1!$F$1:$F$10</c:f>
+              <c:strCache>
+                <c:ptCount val="10"/>
+                <c:pt idx="0">
+                  <c:v>Corey</c:v>
+                </c:pt>
+                <c:pt idx="1">
+                  <c:v>Amanda</c:v>
+                </c:pt>
+                <c:pt idx="2">
+                  <c:v>Debra</c:v>
+                </c:pt>
+                <c:pt idx="3">
+                  <c:v>David</c:v>
+                </c:pt>
+                <c:pt idx="4">
+                  <c:v>Kelly</c:v>
+                </c:pt>
+                <c:pt idx="5">
+                  <c:v>Christopher</c:v>
+                </c:pt>
+                <c:pt idx="6">
+                  <c:v>Nikole</c:v>
+                </c:pt>
+                <c:pt idx="7">
+                  <c:v>Underhill</c:v>
+                </c:pt>
+                <c:pt idx="8">
+                  <c:v>Vickie</c:v>
+                </c:pt>
+                <c:pt idx="9">
+                  <c:v>Elise</c:v>
+                </c:pt>
+              </c:strCache>
+            </c:strRef>
+          </c:cat>
+          <c:val>
+            <c:numRef>
+              <c:f>Sheet1!$G$1:$G$10</c:f>
+              <c:numCache>
+                <c:formatCode>General</c:formatCode>
+                <c:ptCount val="10"/>
+                <c:pt idx="0">
+                  <c:v>0.99285999999999996</c:v>
+                </c:pt>
+                <c:pt idx="1">
+                  <c:v>0.98489300000000002</c:v>
+                </c:pt>
+                <c:pt idx="2">
+                  <c:v>0.98096399999999939</c:v>
+                </c:pt>
+                <c:pt idx="3">
+                  <c:v>0.97554600000000002</c:v>
+                </c:pt>
+                <c:pt idx="4">
+                  <c:v>0.97208499999999998</c:v>
+                </c:pt>
+                <c:pt idx="5">
+                  <c:v>0.96978600000000004</c:v>
+                </c:pt>
+                <c:pt idx="6">
+                  <c:v>0.94663799999999998</c:v>
+                </c:pt>
+                <c:pt idx="7">
+                  <c:v>0.94663699999999962</c:v>
+                </c:pt>
+                <c:pt idx="8">
+                  <c:v>0.93296400000000002</c:v>
+                </c:pt>
+                <c:pt idx="9">
+                  <c:v>0.92677500000000035</c:v>
+                </c:pt>
+              </c:numCache>
+            </c:numRef>
+          </c:val>
+        </c:ser>
+        <c:dLbls>
+          <c:showLegendKey val="0"/>
+          <c:showVal val="0"/>
+          <c:showCatName val="0"/>
+          <c:showSerName val="0"/>
+          <c:showPercent val="0"/>
+          <c:showBubbleSize val="0"/>
+        </c:dLbls>
+        <c:gapWidth val="150"/>
+        <c:axId val="410794896"/>
+        <c:axId val="410792936"/>
+      </c:barChart>
+      <c:catAx>
+        <c:axId val="410794896"/>
+        <c:scaling>
+          <c:orientation val="minMax"/>
+        </c:scaling>
+        <c:delete val="0"/>
+        <c:axPos val="b"/>
+        <c:numFmt formatCode="General" sourceLinked="0"/>
+        <c:majorTickMark val="out"/>
+        <c:minorTickMark val="none"/>
+        <c:tickLblPos val="nextTo"/>
+        <c:crossAx val="410792936"/>
+        <c:crosses val="autoZero"/>
+        <c:auto val="1"/>
+        <c:lblAlgn val="ctr"/>
+        <c:lblOffset val="100"/>
+        <c:noMultiLvlLbl val="0"/>
+      </c:catAx>
+      <c:valAx>
+        <c:axId val="410792936"/>
+        <c:scaling>
+          <c:orientation val="minMax"/>
+        </c:scaling>
+        <c:delete val="0"/>
+        <c:axPos val="l"/>
+        <c:majorGridlines/>
+        <c:numFmt formatCode="General" sourceLinked="1"/>
+        <c:majorTickMark val="out"/>
+        <c:minorTickMark val="none"/>
+        <c:tickLblPos val="nextTo"/>
+        <c:crossAx val="410794896"/>
+        <c:crosses val="autoZero"/>
+        <c:crossBetween val="between"/>
+      </c:valAx>
+    </c:plotArea>
+    <c:plotVisOnly val="1"/>
+    <c:dispBlanksAs val="gap"/>
+    <c:showDLblsOverMax val="0"/>
+  </c:chart>
+  <c:externalData r:id="rId1">
+    <c:autoUpdate val="0"/>
+  </c:externalData>
+</c:chartSpace>
+</file>
+
+<file path=ppt/charts/chart5.xml><?xml version="1.0" encoding="utf-8"?>
+<c:chartSpace xmlns:c="http://schemas.openxmlformats.org/drawingml/2006/chart" xmlns:a="http://schemas.openxmlformats.org/drawingml/2006/main" xmlns:r="http://schemas.openxmlformats.org/officeDocument/2006/relationships">
+  <c:date1904 val="0"/>
+  <c:lang val="en-US"/>
+  <c:roundedCorners val="0"/>
+  <mc:AlternateContent xmlns:mc="http://schemas.openxmlformats.org/markup-compatibility/2006">
+    <mc:Choice xmlns:c14="http://schemas.microsoft.com/office/drawing/2007/8/2/chart" Requires="c14">
+      <c14:style val="102"/>
+    </mc:Choice>
+    <mc:Fallback>
+      <c:style val="2"/>
+    </mc:Fallback>
+  </mc:AlternateContent>
+  <c:chart>
+    <c:title>
+      <c:tx>
+        <c:rich>
+          <a:bodyPr/>
+          <a:lstStyle/>
+          <a:p>
+            <a:pPr>
+              <a:defRPr/>
+            </a:pPr>
+            <a:r>
+              <a:rPr lang="en-US"/>
+              <a:t>Fraud Probability (modified sIA ver. 1)</a:t>
+            </a:r>
+          </a:p>
+        </c:rich>
+      </c:tx>
+      <c:layout/>
+      <c:overlay val="0"/>
+    </c:title>
+    <c:autoTitleDeleted val="0"/>
+    <c:plotArea>
+      <c:layout/>
+      <c:barChart>
+        <c:barDir val="col"/>
+        <c:grouping val="clustered"/>
+        <c:varyColors val="0"/>
+        <c:ser>
+          <c:idx val="0"/>
+          <c:order val="0"/>
+          <c:tx>
+            <c:v>Fraud Probability (modified sIA)</c:v>
+          </c:tx>
+          <c:invertIfNegative val="0"/>
+          <c:cat>
+            <c:strRef>
+              <c:f>Sheet1!$K$1:$K$10</c:f>
+              <c:strCache>
+                <c:ptCount val="10"/>
+                <c:pt idx="0">
+                  <c:v>Elise</c:v>
+                </c:pt>
+                <c:pt idx="1">
+                  <c:v>Marnie</c:v>
+                </c:pt>
+                <c:pt idx="2">
+                  <c:v>Craig</c:v>
+                </c:pt>
+                <c:pt idx="3">
+                  <c:v>Vickie</c:v>
+                </c:pt>
+                <c:pt idx="4">
+                  <c:v>Kelly</c:v>
+                </c:pt>
+                <c:pt idx="5">
+                  <c:v>Debra</c:v>
+                </c:pt>
+                <c:pt idx="6">
+                  <c:v>Christopher</c:v>
+                </c:pt>
+                <c:pt idx="7">
+                  <c:v>Underhill</c:v>
+                </c:pt>
+                <c:pt idx="8">
+                  <c:v>R.</c:v>
+                </c:pt>
+                <c:pt idx="9">
+                  <c:v>Hieu</c:v>
+                </c:pt>
+              </c:strCache>
+            </c:strRef>
+          </c:cat>
+          <c:val>
+            <c:numRef>
+              <c:f>Sheet1!$L$1:$L$10</c:f>
+              <c:numCache>
+                <c:formatCode>General</c:formatCode>
+                <c:ptCount val="10"/>
+                <c:pt idx="0">
+                  <c:v>0.99221299999999946</c:v>
+                </c:pt>
+                <c:pt idx="1">
+                  <c:v>0.9912379999999994</c:v>
+                </c:pt>
+                <c:pt idx="2">
+                  <c:v>0.99116699999999947</c:v>
+                </c:pt>
+                <c:pt idx="3">
+                  <c:v>0.98545699999999947</c:v>
+                </c:pt>
+                <c:pt idx="4">
+                  <c:v>0.98367000000000004</c:v>
+                </c:pt>
+                <c:pt idx="5">
+                  <c:v>0.98096399999999939</c:v>
+                </c:pt>
+                <c:pt idx="6">
+                  <c:v>0.96978600000000004</c:v>
+                </c:pt>
+                <c:pt idx="7">
+                  <c:v>0.96636999999999962</c:v>
+                </c:pt>
+                <c:pt idx="8">
+                  <c:v>0.95452000000000004</c:v>
+                </c:pt>
+                <c:pt idx="9">
+                  <c:v>0.94360999999999995</c:v>
+                </c:pt>
+              </c:numCache>
+            </c:numRef>
+          </c:val>
+        </c:ser>
+        <c:dLbls>
+          <c:showLegendKey val="0"/>
+          <c:showVal val="0"/>
+          <c:showCatName val="0"/>
+          <c:showSerName val="0"/>
+          <c:showPercent val="0"/>
+          <c:showBubbleSize val="0"/>
+        </c:dLbls>
+        <c:gapWidth val="150"/>
+        <c:axId val="410795680"/>
+        <c:axId val="410793328"/>
+      </c:barChart>
+      <c:catAx>
+        <c:axId val="410795680"/>
+        <c:scaling>
+          <c:orientation val="minMax"/>
+        </c:scaling>
+        <c:delete val="0"/>
+        <c:axPos val="b"/>
+        <c:numFmt formatCode="General" sourceLinked="0"/>
+        <c:majorTickMark val="out"/>
+        <c:minorTickMark val="none"/>
+        <c:tickLblPos val="nextTo"/>
+        <c:crossAx val="410793328"/>
+        <c:crosses val="autoZero"/>
+        <c:auto val="1"/>
+        <c:lblAlgn val="ctr"/>
+        <c:lblOffset val="100"/>
+        <c:noMultiLvlLbl val="0"/>
+      </c:catAx>
+      <c:valAx>
+        <c:axId val="410793328"/>
+        <c:scaling>
+          <c:orientation val="minMax"/>
+        </c:scaling>
+        <c:delete val="0"/>
+        <c:axPos val="l"/>
+        <c:majorGridlines/>
+        <c:numFmt formatCode="General" sourceLinked="1"/>
+        <c:majorTickMark val="out"/>
+        <c:minorTickMark val="none"/>
+        <c:tickLblPos val="nextTo"/>
+        <c:crossAx val="410795680"/>
+        <c:crosses val="autoZero"/>
+        <c:crossBetween val="between"/>
+      </c:valAx>
+    </c:plotArea>
+    <c:plotVisOnly val="1"/>
+    <c:dispBlanksAs val="gap"/>
+    <c:showDLblsOverMax val="0"/>
+  </c:chart>
+  <c:externalData r:id="rId1">
+    <c:autoUpdate val="0"/>
+  </c:externalData>
+</c:chartSpace>
+</file>
+
+<file path=ppt/charts/chart6.xml><?xml version="1.0" encoding="utf-8"?>
+<c:chartSpace xmlns:c="http://schemas.openxmlformats.org/drawingml/2006/chart" xmlns:a="http://schemas.openxmlformats.org/drawingml/2006/main" xmlns:r="http://schemas.openxmlformats.org/officeDocument/2006/relationships">
+  <c:date1904 val="0"/>
+  <c:lang val="en-US"/>
+  <c:roundedCorners val="0"/>
+  <mc:AlternateContent xmlns:mc="http://schemas.openxmlformats.org/markup-compatibility/2006">
+    <mc:Choice xmlns:c14="http://schemas.microsoft.com/office/drawing/2007/8/2/chart" Requires="c14">
+      <c14:style val="102"/>
+    </mc:Choice>
+    <mc:Fallback>
+      <c:style val="2"/>
+    </mc:Fallback>
+  </mc:AlternateContent>
+  <c:chart>
+    <c:title>
+      <c:layout/>
+      <c:overlay val="0"/>
+    </c:title>
+    <c:autoTitleDeleted val="0"/>
+    <c:plotArea>
+      <c:layout/>
+      <c:barChart>
+        <c:barDir val="col"/>
+        <c:grouping val="clustered"/>
+        <c:varyColors val="0"/>
+        <c:ser>
+          <c:idx val="0"/>
+          <c:order val="0"/>
+          <c:tx>
+            <c:v>Fraud Probability (modified sIA ver. 2)</c:v>
+          </c:tx>
+          <c:invertIfNegative val="0"/>
+          <c:cat>
+            <c:strRef>
+              <c:f>Sheet1!$N$1:$N$10</c:f>
+              <c:strCache>
+                <c:ptCount val="10"/>
+                <c:pt idx="0">
+                  <c:v>Heather</c:v>
+                </c:pt>
+                <c:pt idx="1">
+                  <c:v>Mark</c:v>
+                </c:pt>
+                <c:pt idx="2">
+                  <c:v>Tanya</c:v>
+                </c:pt>
+                <c:pt idx="3">
+                  <c:v>Walker</c:v>
+                </c:pt>
+                <c:pt idx="4">
+                  <c:v>Raphael</c:v>
+                </c:pt>
+                <c:pt idx="5">
+                  <c:v>Elise</c:v>
+                </c:pt>
+                <c:pt idx="6">
+                  <c:v>Marnie</c:v>
+                </c:pt>
+                <c:pt idx="7">
+                  <c:v>Craig</c:v>
+                </c:pt>
+                <c:pt idx="8">
+                  <c:v>Vickie</c:v>
+                </c:pt>
+                <c:pt idx="9">
+                  <c:v>Kelly</c:v>
+                </c:pt>
+              </c:strCache>
+            </c:strRef>
+          </c:cat>
+          <c:val>
+            <c:numRef>
+              <c:f>Sheet1!$O$1:$O$10</c:f>
+              <c:numCache>
+                <c:formatCode>General</c:formatCode>
+                <c:ptCount val="10"/>
+                <c:pt idx="0">
+                  <c:v>0.99802299999999966</c:v>
+                </c:pt>
+                <c:pt idx="1">
+                  <c:v>0.99702900000000005</c:v>
+                </c:pt>
+                <c:pt idx="2">
+                  <c:v>0.99652399999999941</c:v>
+                </c:pt>
+                <c:pt idx="3">
+                  <c:v>0.99651899999999949</c:v>
+                </c:pt>
+                <c:pt idx="4">
+                  <c:v>0.99613199999999968</c:v>
+                </c:pt>
+                <c:pt idx="5">
+                  <c:v>0.99221299999999946</c:v>
+                </c:pt>
+                <c:pt idx="6">
+                  <c:v>0.9912379999999994</c:v>
+                </c:pt>
+                <c:pt idx="7">
+                  <c:v>0.99116699999999947</c:v>
+                </c:pt>
+                <c:pt idx="8">
+                  <c:v>0.98545699999999947</c:v>
+                </c:pt>
+                <c:pt idx="9">
+                  <c:v>0.98367000000000004</c:v>
+                </c:pt>
+              </c:numCache>
+            </c:numRef>
+          </c:val>
+        </c:ser>
+        <c:dLbls>
+          <c:showLegendKey val="0"/>
+          <c:showVal val="0"/>
+          <c:showCatName val="0"/>
+          <c:showSerName val="0"/>
+          <c:showPercent val="0"/>
+          <c:showBubbleSize val="0"/>
+        </c:dLbls>
+        <c:gapWidth val="150"/>
+        <c:axId val="334942952"/>
+        <c:axId val="334940208"/>
+      </c:barChart>
+      <c:catAx>
+        <c:axId val="334942952"/>
+        <c:scaling>
+          <c:orientation val="minMax"/>
+        </c:scaling>
+        <c:delete val="0"/>
+        <c:axPos val="b"/>
+        <c:numFmt formatCode="General" sourceLinked="0"/>
+        <c:majorTickMark val="out"/>
+        <c:minorTickMark val="none"/>
+        <c:tickLblPos val="nextTo"/>
+        <c:crossAx val="334940208"/>
+        <c:crosses val="autoZero"/>
+        <c:auto val="1"/>
+        <c:lblAlgn val="ctr"/>
+        <c:lblOffset val="100"/>
+        <c:noMultiLvlLbl val="0"/>
+      </c:catAx>
+      <c:valAx>
+        <c:axId val="334940208"/>
+        <c:scaling>
+          <c:orientation val="minMax"/>
+        </c:scaling>
+        <c:delete val="0"/>
+        <c:axPos val="l"/>
+        <c:majorGridlines/>
+        <c:numFmt formatCode="General" sourceLinked="1"/>
+        <c:majorTickMark val="out"/>
+        <c:minorTickMark val="none"/>
+        <c:tickLblPos val="nextTo"/>
+        <c:crossAx val="334942952"/>
+        <c:crosses val="autoZero"/>
+        <c:crossBetween val="between"/>
+      </c:valAx>
+    </c:plotArea>
+    <c:plotVisOnly val="1"/>
+    <c:dispBlanksAs val="gap"/>
+    <c:showDLblsOverMax val="0"/>
+  </c:chart>
+  <c:externalData r:id="rId1">
+    <c:autoUpdate val="0"/>
+  </c:externalData>
+</c:chartSpace>
+</file>
+
+<file path=ppt/charts/chart7.xml><?xml version="1.0" encoding="utf-8"?>
+<c:chartSpace xmlns:c="http://schemas.openxmlformats.org/drawingml/2006/chart" xmlns:a="http://schemas.openxmlformats.org/drawingml/2006/main" xmlns:r="http://schemas.openxmlformats.org/officeDocument/2006/relationships">
+  <c:date1904 val="0"/>
+  <c:lang val="en-US"/>
+  <c:roundedCorners val="0"/>
+  <mc:AlternateContent xmlns:mc="http://schemas.openxmlformats.org/markup-compatibility/2006">
+    <mc:Choice xmlns:c14="http://schemas.microsoft.com/office/drawing/2007/8/2/chart" Requires="c14">
+      <c14:style val="102"/>
+    </mc:Choice>
+    <mc:Fallback>
+      <c:style val="2"/>
+    </mc:Fallback>
+  </mc:AlternateContent>
+  <c:chart>
+    <c:title>
+      <c:layout/>
+      <c:overlay val="0"/>
+    </c:title>
+    <c:autoTitleDeleted val="0"/>
+    <c:plotArea>
+      <c:layout/>
+      <c:barChart>
+        <c:barDir val="col"/>
+        <c:grouping val="clustered"/>
+        <c:varyColors val="0"/>
+        <c:ser>
+          <c:idx val="0"/>
+          <c:order val="0"/>
+          <c:tx>
+            <c:v>Fraud Probability (HITS)</c:v>
+          </c:tx>
+          <c:invertIfNegative val="0"/>
+          <c:cat>
+            <c:strRef>
+              <c:f>'BOT UC'!$B$2:$B$7</c:f>
+              <c:strCache>
+                <c:ptCount val="6"/>
+                <c:pt idx="0">
+                  <c:v>Charlie</c:v>
+                </c:pt>
+                <c:pt idx="1">
+                  <c:v>Beatrice</c:v>
+                </c:pt>
+                <c:pt idx="2">
+                  <c:v>Daniel</c:v>
+                </c:pt>
+                <c:pt idx="3">
+                  <c:v>Foster</c:v>
+                </c:pt>
+                <c:pt idx="4">
+                  <c:v>Alex</c:v>
+                </c:pt>
+                <c:pt idx="5">
+                  <c:v>Emma</c:v>
+                </c:pt>
+              </c:strCache>
+            </c:strRef>
+          </c:cat>
+          <c:val>
+            <c:numRef>
+              <c:f>'BOT UC'!$C$2:$C$7</c:f>
+              <c:numCache>
+                <c:formatCode>General</c:formatCode>
+                <c:ptCount val="6"/>
+                <c:pt idx="0">
+                  <c:v>0.94077299999999997</c:v>
+                </c:pt>
+                <c:pt idx="1">
+                  <c:v>0.92199100000000034</c:v>
+                </c:pt>
+                <c:pt idx="2">
+                  <c:v>0.38767800000000024</c:v>
+                </c:pt>
+                <c:pt idx="3">
+                  <c:v>0.34670000000000001</c:v>
+                </c:pt>
+                <c:pt idx="4">
+                  <c:v>0.26579999999999998</c:v>
+                </c:pt>
+                <c:pt idx="5">
+                  <c:v>0.20140000000000008</c:v>
+                </c:pt>
+              </c:numCache>
+            </c:numRef>
+          </c:val>
+        </c:ser>
+        <c:dLbls>
+          <c:showLegendKey val="0"/>
+          <c:showVal val="0"/>
+          <c:showCatName val="0"/>
+          <c:showSerName val="0"/>
+          <c:showPercent val="0"/>
+          <c:showBubbleSize val="0"/>
+        </c:dLbls>
+        <c:gapWidth val="150"/>
+        <c:axId val="419359192"/>
+        <c:axId val="419359584"/>
+      </c:barChart>
+      <c:catAx>
+        <c:axId val="419359192"/>
+        <c:scaling>
+          <c:orientation val="minMax"/>
+        </c:scaling>
+        <c:delete val="0"/>
+        <c:axPos val="b"/>
+        <c:numFmt formatCode="General" sourceLinked="0"/>
+        <c:majorTickMark val="out"/>
+        <c:minorTickMark val="none"/>
+        <c:tickLblPos val="nextTo"/>
+        <c:crossAx val="419359584"/>
+        <c:crosses val="autoZero"/>
+        <c:auto val="1"/>
+        <c:lblAlgn val="ctr"/>
+        <c:lblOffset val="100"/>
+        <c:noMultiLvlLbl val="0"/>
+      </c:catAx>
+      <c:valAx>
+        <c:axId val="419359584"/>
+        <c:scaling>
+          <c:orientation val="minMax"/>
+        </c:scaling>
+        <c:delete val="0"/>
+        <c:axPos val="l"/>
+        <c:majorGridlines/>
+        <c:numFmt formatCode="General" sourceLinked="1"/>
+        <c:majorTickMark val="out"/>
+        <c:minorTickMark val="none"/>
+        <c:tickLblPos val="nextTo"/>
+        <c:crossAx val="419359192"/>
+        <c:crosses val="autoZero"/>
+        <c:crossBetween val="between"/>
+      </c:valAx>
+    </c:plotArea>
+    <c:plotVisOnly val="1"/>
+    <c:dispBlanksAs val="gap"/>
+    <c:showDLblsOverMax val="0"/>
+  </c:chart>
+  <c:externalData r:id="rId1">
+    <c:autoUpdate val="0"/>
+  </c:externalData>
+  <c:userShapes r:id="rId2"/>
+</c:chartSpace>
+</file>
+
+<file path=ppt/charts/chart8.xml><?xml version="1.0" encoding="utf-8"?>
+<c:chartSpace xmlns:c="http://schemas.openxmlformats.org/drawingml/2006/chart" xmlns:a="http://schemas.openxmlformats.org/drawingml/2006/main" xmlns:r="http://schemas.openxmlformats.org/officeDocument/2006/relationships">
+  <c:date1904 val="0"/>
+  <c:lang val="en-US"/>
+  <c:roundedCorners val="0"/>
+  <mc:AlternateContent xmlns:mc="http://schemas.openxmlformats.org/markup-compatibility/2006">
+    <mc:Choice xmlns:c14="http://schemas.microsoft.com/office/drawing/2007/8/2/chart" Requires="c14">
+      <c14:style val="102"/>
+    </mc:Choice>
+    <mc:Fallback>
+      <c:style val="2"/>
+    </mc:Fallback>
+  </mc:AlternateContent>
+  <c:chart>
+    <c:title>
+      <c:layout/>
+      <c:overlay val="0"/>
+    </c:title>
+    <c:autoTitleDeleted val="0"/>
+    <c:plotArea>
+      <c:layout/>
+      <c:barChart>
+        <c:barDir val="col"/>
+        <c:grouping val="clustered"/>
+        <c:varyColors val="0"/>
+        <c:ser>
+          <c:idx val="0"/>
+          <c:order val="0"/>
+          <c:tx>
+            <c:v>Fraud Probability (sIA)</c:v>
+          </c:tx>
+          <c:invertIfNegative val="0"/>
+          <c:cat>
+            <c:strRef>
+              <c:f>'BOT UC'!$E$2:$E$7</c:f>
+              <c:strCache>
+                <c:ptCount val="6"/>
+                <c:pt idx="0">
+                  <c:v>Daniel</c:v>
+                </c:pt>
+                <c:pt idx="1">
+                  <c:v>Charlie</c:v>
+                </c:pt>
+                <c:pt idx="2">
+                  <c:v>Foster</c:v>
+                </c:pt>
+                <c:pt idx="3">
+                  <c:v>Beatrice</c:v>
+                </c:pt>
+                <c:pt idx="4">
+                  <c:v>Alex</c:v>
+                </c:pt>
+                <c:pt idx="5">
+                  <c:v>Emma</c:v>
+                </c:pt>
+              </c:strCache>
+            </c:strRef>
+          </c:cat>
+          <c:val>
+            <c:numRef>
+              <c:f>'BOT UC'!$F$2:$F$7</c:f>
+              <c:numCache>
+                <c:formatCode>General</c:formatCode>
+                <c:ptCount val="6"/>
+                <c:pt idx="0">
+                  <c:v>0.51605500000000004</c:v>
+                </c:pt>
+                <c:pt idx="1">
+                  <c:v>0.50576699999999952</c:v>
+                </c:pt>
+                <c:pt idx="2">
+                  <c:v>0.5004039999999994</c:v>
+                </c:pt>
+                <c:pt idx="3">
+                  <c:v>0.49704100000000001</c:v>
+                </c:pt>
+                <c:pt idx="4">
+                  <c:v>0.47891000000000017</c:v>
+                </c:pt>
+                <c:pt idx="5">
+                  <c:v>0.45803099999999997</c:v>
+                </c:pt>
+              </c:numCache>
+            </c:numRef>
+          </c:val>
+        </c:ser>
+        <c:dLbls>
+          <c:showLegendKey val="0"/>
+          <c:showVal val="0"/>
+          <c:showCatName val="0"/>
+          <c:showSerName val="0"/>
+          <c:showPercent val="0"/>
+          <c:showBubbleSize val="0"/>
+        </c:dLbls>
+        <c:gapWidth val="150"/>
+        <c:axId val="413392616"/>
+        <c:axId val="413393400"/>
+      </c:barChart>
+      <c:catAx>
+        <c:axId val="413392616"/>
+        <c:scaling>
+          <c:orientation val="minMax"/>
+        </c:scaling>
+        <c:delete val="0"/>
+        <c:axPos val="b"/>
+        <c:numFmt formatCode="General" sourceLinked="0"/>
+        <c:majorTickMark val="out"/>
+        <c:minorTickMark val="none"/>
+        <c:tickLblPos val="nextTo"/>
+        <c:crossAx val="413393400"/>
+        <c:crosses val="autoZero"/>
+        <c:auto val="1"/>
+        <c:lblAlgn val="ctr"/>
+        <c:lblOffset val="100"/>
+        <c:noMultiLvlLbl val="0"/>
+      </c:catAx>
+      <c:valAx>
+        <c:axId val="413393400"/>
+        <c:scaling>
+          <c:orientation val="minMax"/>
+        </c:scaling>
+        <c:delete val="0"/>
+        <c:axPos val="l"/>
+        <c:majorGridlines/>
+        <c:numFmt formatCode="General" sourceLinked="1"/>
+        <c:majorTickMark val="out"/>
+        <c:minorTickMark val="none"/>
+        <c:tickLblPos val="nextTo"/>
+        <c:crossAx val="413392616"/>
+        <c:crosses val="autoZero"/>
+        <c:crossBetween val="between"/>
+      </c:valAx>
+    </c:plotArea>
+    <c:plotVisOnly val="1"/>
+    <c:dispBlanksAs val="gap"/>
+    <c:showDLblsOverMax val="0"/>
+  </c:chart>
+  <c:externalData r:id="rId1">
+    <c:autoUpdate val="0"/>
+  </c:externalData>
+  <c:userShapes r:id="rId2"/>
+</c:chartSpace>
+</file>
+
+<file path=ppt/charts/chart9.xml><?xml version="1.0" encoding="utf-8"?>
+<c:chartSpace xmlns:c="http://schemas.openxmlformats.org/drawingml/2006/chart" xmlns:a="http://schemas.openxmlformats.org/drawingml/2006/main" xmlns:r="http://schemas.openxmlformats.org/officeDocument/2006/relationships">
+  <c:date1904 val="0"/>
+  <c:lang val="en-US"/>
+  <c:roundedCorners val="0"/>
+  <mc:AlternateContent xmlns:mc="http://schemas.openxmlformats.org/markup-compatibility/2006">
+    <mc:Choice xmlns:c14="http://schemas.microsoft.com/office/drawing/2007/8/2/chart" Requires="c14">
+      <c14:style val="102"/>
+    </mc:Choice>
+    <mc:Fallback>
+      <c:style val="2"/>
+    </mc:Fallback>
+  </mc:AlternateContent>
+  <c:chart>
+    <c:title>
+      <c:layout/>
+      <c:overlay val="0"/>
+    </c:title>
+    <c:autoTitleDeleted val="0"/>
+    <c:plotArea>
+      <c:layout/>
+      <c:barChart>
+        <c:barDir val="col"/>
+        <c:grouping val="clustered"/>
+        <c:varyColors val="0"/>
+        <c:ser>
+          <c:idx val="0"/>
+          <c:order val="0"/>
+          <c:tx>
+            <c:v>Fraud Probability (modified sIA ver. 3)</c:v>
+          </c:tx>
+          <c:invertIfNegative val="0"/>
+          <c:cat>
+            <c:strRef>
+              <c:f>'BOT UC'!$J$2:$J$7</c:f>
+              <c:strCache>
+                <c:ptCount val="6"/>
+                <c:pt idx="0">
+                  <c:v>Emma</c:v>
+                </c:pt>
+                <c:pt idx="1">
+                  <c:v>Daniel</c:v>
+                </c:pt>
+                <c:pt idx="2">
+                  <c:v>Alex</c:v>
+                </c:pt>
+                <c:pt idx="3">
+                  <c:v>Foster</c:v>
+                </c:pt>
+                <c:pt idx="4">
+                  <c:v>Beatrice</c:v>
+                </c:pt>
+                <c:pt idx="5">
+                  <c:v>Charlie</c:v>
+                </c:pt>
+              </c:strCache>
+            </c:strRef>
+          </c:cat>
+          <c:val>
+            <c:numRef>
+              <c:f>'BOT UC'!$K$2:$K$7</c:f>
+              <c:numCache>
+                <c:formatCode>General</c:formatCode>
+                <c:ptCount val="6"/>
+                <c:pt idx="0">
+                  <c:v>0.71478500000000034</c:v>
+                </c:pt>
+                <c:pt idx="1">
+                  <c:v>0.70275100000000035</c:v>
+                </c:pt>
+                <c:pt idx="2">
+                  <c:v>0.52752599999999972</c:v>
+                </c:pt>
+                <c:pt idx="3">
+                  <c:v>0.30965600000000021</c:v>
+                </c:pt>
+                <c:pt idx="4">
+                  <c:v>0.22741300000000009</c:v>
+                </c:pt>
+                <c:pt idx="5">
+                  <c:v>1.0145000000000001E-2</c:v>
+                </c:pt>
+              </c:numCache>
+            </c:numRef>
+          </c:val>
+        </c:ser>
+        <c:dLbls>
+          <c:showLegendKey val="0"/>
+          <c:showVal val="0"/>
+          <c:showCatName val="0"/>
+          <c:showSerName val="0"/>
+          <c:showPercent val="0"/>
+          <c:showBubbleSize val="0"/>
+        </c:dLbls>
+        <c:gapWidth val="150"/>
+        <c:axId val="419350568"/>
+        <c:axId val="419349784"/>
+      </c:barChart>
+      <c:catAx>
+        <c:axId val="419350568"/>
+        <c:scaling>
+          <c:orientation val="minMax"/>
+        </c:scaling>
+        <c:delete val="0"/>
+        <c:axPos val="b"/>
+        <c:numFmt formatCode="General" sourceLinked="0"/>
+        <c:majorTickMark val="out"/>
+        <c:minorTickMark val="none"/>
+        <c:tickLblPos val="nextTo"/>
+        <c:crossAx val="419349784"/>
+        <c:crosses val="autoZero"/>
+        <c:auto val="1"/>
+        <c:lblAlgn val="ctr"/>
+        <c:lblOffset val="100"/>
+        <c:noMultiLvlLbl val="0"/>
+      </c:catAx>
+      <c:valAx>
+        <c:axId val="419349784"/>
+        <c:scaling>
+          <c:orientation val="minMax"/>
+        </c:scaling>
+        <c:delete val="0"/>
+        <c:axPos val="l"/>
+        <c:majorGridlines/>
+        <c:numFmt formatCode="General" sourceLinked="1"/>
+        <c:majorTickMark val="out"/>
+        <c:minorTickMark val="none"/>
+        <c:tickLblPos val="nextTo"/>
+        <c:crossAx val="419350568"/>
+        <c:crosses val="autoZero"/>
+        <c:crossBetween val="between"/>
+      </c:valAx>
+    </c:plotArea>
+    <c:plotVisOnly val="1"/>
+    <c:dispBlanksAs val="gap"/>
+    <c:showDLblsOverMax val="0"/>
+  </c:chart>
+  <c:externalData r:id="rId1">
+    <c:autoUpdate val="0"/>
+  </c:externalData>
+  <c:userShapes r:id="rId2"/>
+</c:chartSpace>
+</file>
+
+<file path=ppt/drawings/drawing1.xml><?xml version="1.0" encoding="utf-8"?>
+<c:userShapes xmlns:c="http://schemas.openxmlformats.org/drawingml/2006/chart">
+  <cdr:relSizeAnchor xmlns:cdr="http://schemas.openxmlformats.org/drawingml/2006/chartDrawing">
+    <cdr:from>
+      <cdr:x>0.08167</cdr:x>
+      <cdr:y>0.09194</cdr:y>
+    </cdr:from>
+    <cdr:to>
+      <cdr:x>0.21056</cdr:x>
+      <cdr:y>0.99438</cdr:y>
+    </cdr:to>
+    <cdr:sp macro="" textlink="">
+      <cdr:nvSpPr>
+        <cdr:cNvPr id="2" name="Oval 1"/>
+        <cdr:cNvSpPr>
+          <a:spLocks xmlns:a="http://schemas.openxmlformats.org/drawingml/2006/main" noChangeArrowheads="1"/>
+        </cdr:cNvSpPr>
+      </cdr:nvSpPr>
+      <cdr:spPr bwMode="auto">
+        <a:xfrm xmlns:a="http://schemas.openxmlformats.org/drawingml/2006/main">
+          <a:off x="427892" y="230141"/>
+          <a:ext cx="675250" cy="2258891"/>
+        </a:xfrm>
+        <a:prstGeom xmlns:a="http://schemas.openxmlformats.org/drawingml/2006/main" prst="ellipse">
+          <a:avLst/>
+        </a:prstGeom>
+        <a:solidFill xmlns:a="http://schemas.openxmlformats.org/drawingml/2006/main">
+          <a:srgbClr val="FFFFFF">
+            <a:alpha val="0"/>
+          </a:srgbClr>
+        </a:solidFill>
+        <a:ln xmlns:a="http://schemas.openxmlformats.org/drawingml/2006/main" w="9525">
+          <a:solidFill>
+            <a:srgbClr val="000000"/>
+          </a:solidFill>
+          <a:round/>
+          <a:headEnd/>
+          <a:tailEnd/>
+        </a:ln>
+      </cdr:spPr>
+      <cdr:txBody>
+        <a:bodyPr xmlns:a="http://schemas.openxmlformats.org/drawingml/2006/main" rot="0" vert="horz" wrap="square" lIns="91440" tIns="45720" rIns="91440" bIns="45720" anchor="t" anchorCtr="0" upright="1">
+          <a:noAutofit/>
+        </a:bodyPr>
+        <a:lstStyle xmlns:a="http://schemas.openxmlformats.org/drawingml/2006/main"/>
+        <a:p xmlns:a="http://schemas.openxmlformats.org/drawingml/2006/main">
+          <a:endParaRPr lang="en-IN"/>
+        </a:p>
+      </cdr:txBody>
+    </cdr:sp>
+  </cdr:relSizeAnchor>
+</c:userShapes>
+</file>
+
+<file path=ppt/drawings/drawing2.xml><?xml version="1.0" encoding="utf-8"?>
+<c:userShapes xmlns:c="http://schemas.openxmlformats.org/drawingml/2006/chart">
+  <cdr:relSizeAnchor xmlns:cdr="http://schemas.openxmlformats.org/drawingml/2006/chartDrawing">
+    <cdr:from>
+      <cdr:x>0.2452</cdr:x>
+      <cdr:y>0.13501</cdr:y>
+    </cdr:from>
+    <cdr:to>
+      <cdr:x>0.37891</cdr:x>
+      <cdr:y>1</cdr:y>
+    </cdr:to>
+    <cdr:sp macro="" textlink="">
+      <cdr:nvSpPr>
+        <cdr:cNvPr id="2" name="Oval 1"/>
+        <cdr:cNvSpPr>
+          <a:spLocks xmlns:a="http://schemas.openxmlformats.org/drawingml/2006/main" noChangeArrowheads="1"/>
+        </cdr:cNvSpPr>
+      </cdr:nvSpPr>
+      <cdr:spPr bwMode="auto">
+        <a:xfrm xmlns:a="http://schemas.openxmlformats.org/drawingml/2006/main">
+          <a:off x="1238348" y="349127"/>
+          <a:ext cx="675250" cy="2236762"/>
+        </a:xfrm>
+        <a:prstGeom xmlns:a="http://schemas.openxmlformats.org/drawingml/2006/main" prst="ellipse">
+          <a:avLst/>
+        </a:prstGeom>
+        <a:solidFill xmlns:a="http://schemas.openxmlformats.org/drawingml/2006/main">
+          <a:srgbClr val="FFFFFF">
+            <a:alpha val="0"/>
+          </a:srgbClr>
+        </a:solidFill>
+        <a:ln xmlns:a="http://schemas.openxmlformats.org/drawingml/2006/main" w="9525">
+          <a:solidFill>
+            <a:srgbClr val="000000"/>
+          </a:solidFill>
+          <a:round/>
+          <a:headEnd/>
+          <a:tailEnd/>
+        </a:ln>
+      </cdr:spPr>
+      <cdr:txBody>
+        <a:bodyPr xmlns:a="http://schemas.openxmlformats.org/drawingml/2006/main" rot="0" vert="horz" wrap="square" lIns="91440" tIns="45720" rIns="91440" bIns="45720" anchor="t" anchorCtr="0" upright="1">
+          <a:noAutofit/>
+        </a:bodyPr>
+        <a:lstStyle xmlns:a="http://schemas.openxmlformats.org/drawingml/2006/main">
+          <a:lvl1pPr marL="0" indent="0">
+            <a:defRPr sz="1100">
+              <a:latin typeface="+mn-lt"/>
+              <a:ea typeface="+mn-ea"/>
+              <a:cs typeface="+mn-cs"/>
+            </a:defRPr>
+          </a:lvl1pPr>
+          <a:lvl2pPr marL="457200" indent="0">
+            <a:defRPr sz="1100">
+              <a:latin typeface="+mn-lt"/>
+              <a:ea typeface="+mn-ea"/>
+              <a:cs typeface="+mn-cs"/>
+            </a:defRPr>
+          </a:lvl2pPr>
+          <a:lvl3pPr marL="914400" indent="0">
+            <a:defRPr sz="1100">
+              <a:latin typeface="+mn-lt"/>
+              <a:ea typeface="+mn-ea"/>
+              <a:cs typeface="+mn-cs"/>
+            </a:defRPr>
+          </a:lvl3pPr>
+          <a:lvl4pPr marL="1371600" indent="0">
+            <a:defRPr sz="1100">
+              <a:latin typeface="+mn-lt"/>
+              <a:ea typeface="+mn-ea"/>
+              <a:cs typeface="+mn-cs"/>
+            </a:defRPr>
+          </a:lvl4pPr>
+          <a:lvl5pPr marL="1828800" indent="0">
+            <a:defRPr sz="1100">
+              <a:latin typeface="+mn-lt"/>
+              <a:ea typeface="+mn-ea"/>
+              <a:cs typeface="+mn-cs"/>
+            </a:defRPr>
+          </a:lvl5pPr>
+          <a:lvl6pPr marL="2286000" indent="0">
+            <a:defRPr sz="1100">
+              <a:latin typeface="+mn-lt"/>
+              <a:ea typeface="+mn-ea"/>
+              <a:cs typeface="+mn-cs"/>
+            </a:defRPr>
+          </a:lvl6pPr>
+          <a:lvl7pPr marL="2743200" indent="0">
+            <a:defRPr sz="1100">
+              <a:latin typeface="+mn-lt"/>
+              <a:ea typeface="+mn-ea"/>
+              <a:cs typeface="+mn-cs"/>
+            </a:defRPr>
+          </a:lvl7pPr>
+          <a:lvl8pPr marL="3200400" indent="0">
+            <a:defRPr sz="1100">
+              <a:latin typeface="+mn-lt"/>
+              <a:ea typeface="+mn-ea"/>
+              <a:cs typeface="+mn-cs"/>
+            </a:defRPr>
+          </a:lvl8pPr>
+          <a:lvl9pPr marL="3657600" indent="0">
+            <a:defRPr sz="1100">
+              <a:latin typeface="+mn-lt"/>
+              <a:ea typeface="+mn-ea"/>
+              <a:cs typeface="+mn-cs"/>
+            </a:defRPr>
+          </a:lvl9pPr>
+        </a:lstStyle>
+        <a:p xmlns:a="http://schemas.openxmlformats.org/drawingml/2006/main">
+          <a:endParaRPr lang="en-IN" dirty="0"/>
+        </a:p>
+      </cdr:txBody>
+    </cdr:sp>
+  </cdr:relSizeAnchor>
+</c:userShapes>
+</file>
+
+<file path=ppt/drawings/drawing3.xml><?xml version="1.0" encoding="utf-8"?>
+<c:userShapes xmlns:c="http://schemas.openxmlformats.org/drawingml/2006/chart">
+  <cdr:relSizeAnchor xmlns:cdr="http://schemas.openxmlformats.org/drawingml/2006/chartDrawing">
+    <cdr:from>
+      <cdr:x>0.86064</cdr:x>
+      <cdr:y>0.62932</cdr:y>
+    </cdr:from>
+    <cdr:to>
+      <cdr:x>0.94986</cdr:x>
+      <cdr:y>0.97001</cdr:y>
+    </cdr:to>
+    <cdr:sp macro="" textlink="">
+      <cdr:nvSpPr>
+        <cdr:cNvPr id="2" name="Oval 1"/>
+        <cdr:cNvSpPr>
+          <a:spLocks xmlns:a="http://schemas.openxmlformats.org/drawingml/2006/main" noChangeArrowheads="1"/>
+        </cdr:cNvSpPr>
+      </cdr:nvSpPr>
+      <cdr:spPr bwMode="auto">
+        <a:xfrm xmlns:a="http://schemas.openxmlformats.org/drawingml/2006/main">
+          <a:off x="8693002" y="1180880"/>
+          <a:ext cx="901163" cy="639274"/>
+        </a:xfrm>
+        <a:prstGeom xmlns:a="http://schemas.openxmlformats.org/drawingml/2006/main" prst="ellipse">
+          <a:avLst/>
+        </a:prstGeom>
+        <a:solidFill xmlns:a="http://schemas.openxmlformats.org/drawingml/2006/main">
+          <a:srgbClr val="FFFFFF">
+            <a:alpha val="0"/>
+          </a:srgbClr>
+        </a:solidFill>
+        <a:ln xmlns:a="http://schemas.openxmlformats.org/drawingml/2006/main" w="9525">
+          <a:solidFill>
+            <a:srgbClr val="000000"/>
+          </a:solidFill>
+          <a:round/>
+          <a:headEnd/>
+          <a:tailEnd/>
+        </a:ln>
+      </cdr:spPr>
+      <cdr:txBody>
+        <a:bodyPr xmlns:a="http://schemas.openxmlformats.org/drawingml/2006/main" rot="0" vert="horz" wrap="square" lIns="91440" tIns="45720" rIns="91440" bIns="45720" anchor="t" anchorCtr="0" upright="1">
+          <a:noAutofit/>
+        </a:bodyPr>
+        <a:lstStyle xmlns:a="http://schemas.openxmlformats.org/drawingml/2006/main"/>
+        <a:p xmlns:a="http://schemas.openxmlformats.org/drawingml/2006/main">
+          <a:endParaRPr lang="en-IN"/>
+        </a:p>
+      </cdr:txBody>
+    </cdr:sp>
+  </cdr:relSizeAnchor>
+</c:userShapes>
 </file>
 
 <file path=ppt/slideLayouts/slideLayout1.xml><?xml version="1.0" encoding="utf-8"?>
@@ -243,7 +3306,7 @@
           <a:p>
             <a:fld id="{21F02540-4CDB-4080-83C0-D52315D77C2A}" type="datetimeFigureOut">
               <a:rPr lang="en-IN" smtClean="0"/>
-              <a:t>27-Nov-2014</a:t>
+              <a:t>02-Dec-2014</a:t>
             </a:fld>
             <a:endParaRPr lang="en-IN"/>
           </a:p>
@@ -413,7 +3476,7 @@
           <a:p>
             <a:fld id="{21F02540-4CDB-4080-83C0-D52315D77C2A}" type="datetimeFigureOut">
               <a:rPr lang="en-IN" smtClean="0"/>
-              <a:t>27-Nov-2014</a:t>
+              <a:t>02-Dec-2014</a:t>
             </a:fld>
             <a:endParaRPr lang="en-IN"/>
           </a:p>
@@ -593,7 +3656,7 @@
           <a:p>
             <a:fld id="{21F02540-4CDB-4080-83C0-D52315D77C2A}" type="datetimeFigureOut">
               <a:rPr lang="en-IN" smtClean="0"/>
-              <a:t>27-Nov-2014</a:t>
+              <a:t>02-Dec-2014</a:t>
             </a:fld>
             <a:endParaRPr lang="en-IN"/>
           </a:p>
@@ -763,7 +3826,7 @@
           <a:p>
             <a:fld id="{21F02540-4CDB-4080-83C0-D52315D77C2A}" type="datetimeFigureOut">
               <a:rPr lang="en-IN" smtClean="0"/>
-              <a:t>27-Nov-2014</a:t>
+              <a:t>02-Dec-2014</a:t>
             </a:fld>
             <a:endParaRPr lang="en-IN"/>
           </a:p>
@@ -1009,7 +4072,7 @@
           <a:p>
             <a:fld id="{21F02540-4CDB-4080-83C0-D52315D77C2A}" type="datetimeFigureOut">
               <a:rPr lang="en-IN" smtClean="0"/>
-              <a:t>27-Nov-2014</a:t>
+              <a:t>02-Dec-2014</a:t>
             </a:fld>
             <a:endParaRPr lang="en-IN"/>
           </a:p>
@@ -1241,7 +4304,7 @@
           <a:p>
             <a:fld id="{21F02540-4CDB-4080-83C0-D52315D77C2A}" type="datetimeFigureOut">
               <a:rPr lang="en-IN" smtClean="0"/>
-              <a:t>27-Nov-2014</a:t>
+              <a:t>02-Dec-2014</a:t>
             </a:fld>
             <a:endParaRPr lang="en-IN"/>
           </a:p>
@@ -1608,7 +4671,7 @@
           <a:p>
             <a:fld id="{21F02540-4CDB-4080-83C0-D52315D77C2A}" type="datetimeFigureOut">
               <a:rPr lang="en-IN" smtClean="0"/>
-              <a:t>27-Nov-2014</a:t>
+              <a:t>02-Dec-2014</a:t>
             </a:fld>
             <a:endParaRPr lang="en-IN"/>
           </a:p>
@@ -1726,7 +4789,7 @@
           <a:p>
             <a:fld id="{21F02540-4CDB-4080-83C0-D52315D77C2A}" type="datetimeFigureOut">
               <a:rPr lang="en-IN" smtClean="0"/>
-              <a:t>27-Nov-2014</a:t>
+              <a:t>02-Dec-2014</a:t>
             </a:fld>
             <a:endParaRPr lang="en-IN"/>
           </a:p>
@@ -1821,7 +4884,7 @@
           <a:p>
             <a:fld id="{21F02540-4CDB-4080-83C0-D52315D77C2A}" type="datetimeFigureOut">
               <a:rPr lang="en-IN" smtClean="0"/>
-              <a:t>27-Nov-2014</a:t>
+              <a:t>02-Dec-2014</a:t>
             </a:fld>
             <a:endParaRPr lang="en-IN"/>
           </a:p>
@@ -2098,7 +5161,7 @@
           <a:p>
             <a:fld id="{21F02540-4CDB-4080-83C0-D52315D77C2A}" type="datetimeFigureOut">
               <a:rPr lang="en-IN" smtClean="0"/>
-              <a:t>27-Nov-2014</a:t>
+              <a:t>02-Dec-2014</a:t>
             </a:fld>
             <a:endParaRPr lang="en-IN"/>
           </a:p>
@@ -2351,7 +5414,7 @@
           <a:p>
             <a:fld id="{21F02540-4CDB-4080-83C0-D52315D77C2A}" type="datetimeFigureOut">
               <a:rPr lang="en-IN" smtClean="0"/>
-              <a:t>27-Nov-2014</a:t>
+              <a:t>02-Dec-2014</a:t>
             </a:fld>
             <a:endParaRPr lang="en-IN"/>
           </a:p>
@@ -2564,7 +5627,7 @@
           <a:p>
             <a:fld id="{21F02540-4CDB-4080-83C0-D52315D77C2A}" type="datetimeFigureOut">
               <a:rPr lang="en-IN" smtClean="0"/>
-              <a:t>27-Nov-2014</a:t>
+              <a:t>02-Dec-2014</a:t>
             </a:fld>
             <a:endParaRPr lang="en-IN"/>
           </a:p>
@@ -3055,7 +6118,7 @@
 </p:sld>
 </file>
 
-<file path=ppt/slides/slide2.xml><?xml version="1.0" encoding="utf-8"?>
+<file path=ppt/slides/slide10.xml><?xml version="1.0" encoding="utf-8"?>
 <p:sld xmlns:a="http://schemas.openxmlformats.org/drawingml/2006/main" xmlns:r="http://schemas.openxmlformats.org/officeDocument/2006/relationships" xmlns:p="http://schemas.openxmlformats.org/presentationml/2006/main">
   <p:cSld>
     <p:spTree>
@@ -3089,35 +6152,36 @@
           <a:p>
             <a:r>
               <a:rPr lang="en-IN" dirty="0" smtClean="0"/>
-              <a:t>Problem Statement</a:t>
+              <a:t>Dataset Statistics</a:t>
             </a:r>
             <a:endParaRPr lang="en-IN" dirty="0"/>
           </a:p>
         </p:txBody>
       </p:sp>
-      <p:sp>
-        <p:nvSpPr>
-          <p:cNvPr id="3" name="Content Placeholder 2"/>
-          <p:cNvSpPr>
-            <a:spLocks noGrp="1"/>
-          </p:cNvSpPr>
+      <p:graphicFrame>
+        <p:nvGraphicFramePr>
+          <p:cNvPr id="4" name="Content Placeholder 3"/>
+          <p:cNvGraphicFramePr>
+            <a:graphicFrameLocks noGrp="1"/>
+          </p:cNvGraphicFramePr>
           <p:nvPr>
             <p:ph idx="1"/>
           </p:nvPr>
-        </p:nvSpPr>
-        <p:spPr/>
-        <p:txBody>
-          <a:bodyPr/>
-          <a:lstStyle/>
-          <a:p>
-            <a:endParaRPr lang="en-IN"/>
-          </a:p>
-        </p:txBody>
-      </p:sp>
+        </p:nvGraphicFramePr>
+        <p:xfrm>
+          <a:off x="838200" y="1825625"/>
+          <a:ext cx="10515600" cy="4351338"/>
+        </p:xfrm>
+        <a:graphic>
+          <a:graphicData uri="http://schemas.openxmlformats.org/drawingml/2006/chart">
+            <c:chart xmlns:c="http://schemas.openxmlformats.org/drawingml/2006/chart" xmlns:r="http://schemas.openxmlformats.org/officeDocument/2006/relationships" r:id="rId2"/>
+          </a:graphicData>
+        </a:graphic>
+      </p:graphicFrame>
     </p:spTree>
     <p:extLst>
       <p:ext uri="{BB962C8B-B14F-4D97-AF65-F5344CB8AC3E}">
-        <p14:creationId xmlns:p14="http://schemas.microsoft.com/office/powerpoint/2010/main" val="2738288293"/>
+        <p14:creationId xmlns:p14="http://schemas.microsoft.com/office/powerpoint/2010/main" val="3356847137"/>
       </p:ext>
     </p:extLst>
   </p:cSld>
@@ -3134,7 +6198,7 @@
 </p:sld>
 </file>
 
-<file path=ppt/slides/slide3.xml><?xml version="1.0" encoding="utf-8"?>
+<file path=ppt/slides/slide11.xml><?xml version="1.0" encoding="utf-8"?>
 <p:sld xmlns:a="http://schemas.openxmlformats.org/drawingml/2006/main" xmlns:r="http://schemas.openxmlformats.org/officeDocument/2006/relationships" xmlns:p="http://schemas.openxmlformats.org/presentationml/2006/main">
   <p:cSld>
     <p:spTree>
@@ -3168,39 +6232,36 @@
           <a:p>
             <a:r>
               <a:rPr lang="en-IN" dirty="0" smtClean="0"/>
-              <a:t>Algorithm - </a:t>
-            </a:r>
-            <a:r>
-              <a:rPr lang="en-IN" dirty="0" err="1" smtClean="0"/>
-              <a:t>sIA</a:t>
+              <a:t>Dataset Statistics – 2</a:t>
             </a:r>
             <a:endParaRPr lang="en-IN" dirty="0"/>
           </a:p>
         </p:txBody>
       </p:sp>
-      <p:sp>
-        <p:nvSpPr>
-          <p:cNvPr id="3" name="Content Placeholder 2"/>
-          <p:cNvSpPr>
-            <a:spLocks noGrp="1"/>
-          </p:cNvSpPr>
+      <p:graphicFrame>
+        <p:nvGraphicFramePr>
+          <p:cNvPr id="4" name="Content Placeholder 3"/>
+          <p:cNvGraphicFramePr>
+            <a:graphicFrameLocks noGrp="1"/>
+          </p:cNvGraphicFramePr>
           <p:nvPr>
             <p:ph idx="1"/>
           </p:nvPr>
-        </p:nvSpPr>
-        <p:spPr/>
-        <p:txBody>
-          <a:bodyPr/>
-          <a:lstStyle/>
-          <a:p>
-            <a:endParaRPr lang="en-IN"/>
-          </a:p>
-        </p:txBody>
-      </p:sp>
+        </p:nvGraphicFramePr>
+        <p:xfrm>
+          <a:off x="838200" y="1825625"/>
+          <a:ext cx="10515600" cy="4351338"/>
+        </p:xfrm>
+        <a:graphic>
+          <a:graphicData uri="http://schemas.openxmlformats.org/drawingml/2006/chart">
+            <c:chart xmlns:c="http://schemas.openxmlformats.org/drawingml/2006/chart" xmlns:r="http://schemas.openxmlformats.org/officeDocument/2006/relationships" r:id="rId2"/>
+          </a:graphicData>
+        </a:graphic>
+      </p:graphicFrame>
     </p:spTree>
     <p:extLst>
       <p:ext uri="{BB962C8B-B14F-4D97-AF65-F5344CB8AC3E}">
-        <p14:creationId xmlns:p14="http://schemas.microsoft.com/office/powerpoint/2010/main" val="3704805465"/>
+        <p14:creationId xmlns:p14="http://schemas.microsoft.com/office/powerpoint/2010/main" val="2042885854"/>
       </p:ext>
     </p:extLst>
   </p:cSld>
@@ -3217,7 +6278,7 @@
 </p:sld>
 </file>
 
-<file path=ppt/slides/slide4.xml><?xml version="1.0" encoding="utf-8"?>
+<file path=ppt/slides/slide12.xml><?xml version="1.0" encoding="utf-8"?>
 <p:sld xmlns:a="http://schemas.openxmlformats.org/drawingml/2006/main" xmlns:r="http://schemas.openxmlformats.org/officeDocument/2006/relationships" xmlns:p="http://schemas.openxmlformats.org/presentationml/2006/main">
   <p:cSld>
     <p:spTree>
@@ -3272,7 +6333,29 @@
           <a:bodyPr/>
           <a:lstStyle/>
           <a:p>
-            <a:endParaRPr lang="en-IN"/>
+            <a:r>
+              <a:rPr lang="en-IN" dirty="0" smtClean="0"/>
+              <a:t>Tested our modified FE with bot and real data</a:t>
+            </a:r>
+          </a:p>
+          <a:p>
+            <a:r>
+              <a:rPr lang="en-IN" dirty="0" smtClean="0"/>
+              <a:t>Compared results with HITS and native FE</a:t>
+            </a:r>
+          </a:p>
+          <a:p>
+            <a:r>
+              <a:rPr lang="en-IN" dirty="0" smtClean="0"/>
+              <a:t>Validated our top 25 Fraud users with SVN</a:t>
+            </a:r>
+          </a:p>
+          <a:p>
+            <a:pPr lvl="1"/>
+            <a:r>
+              <a:rPr lang="en-IN" dirty="0" smtClean="0"/>
+              <a:t>SVM Training set – based on Rec/Non-Rec Yelp data</a:t>
+            </a:r>
           </a:p>
         </p:txBody>
       </p:sp>
@@ -3296,7 +6379,7 @@
 </p:sld>
 </file>
 
-<file path=ppt/slides/slide5.xml><?xml version="1.0" encoding="utf-8"?>
+<file path=ppt/slides/slide13.xml><?xml version="1.0" encoding="utf-8"?>
 <p:sld xmlns:a="http://schemas.openxmlformats.org/drawingml/2006/main" xmlns:r="http://schemas.openxmlformats.org/officeDocument/2006/relationships" xmlns:p="http://schemas.openxmlformats.org/presentationml/2006/main">
   <p:cSld>
     <p:spTree>
@@ -3330,6 +6413,1498 @@
           <a:p>
             <a:r>
               <a:rPr lang="en-IN" dirty="0" smtClean="0"/>
+              <a:t>Results 1 – Usefulness</a:t>
+            </a:r>
+            <a:endParaRPr lang="en-IN" dirty="0"/>
+          </a:p>
+        </p:txBody>
+      </p:sp>
+      <p:graphicFrame>
+        <p:nvGraphicFramePr>
+          <p:cNvPr id="10" name="Content Placeholder 9"/>
+          <p:cNvGraphicFramePr>
+            <a:graphicFrameLocks noGrp="1"/>
+          </p:cNvGraphicFramePr>
+          <p:nvPr>
+            <p:ph idx="1"/>
+            <p:extLst>
+              <p:ext uri="{D42A27DB-BD31-4B8C-83A1-F6EECF244321}">
+                <p14:modId xmlns:p14="http://schemas.microsoft.com/office/powerpoint/2010/main" val="277982946"/>
+              </p:ext>
+            </p:extLst>
+          </p:nvPr>
+        </p:nvGraphicFramePr>
+        <p:xfrm>
+          <a:off x="838200" y="1690688"/>
+          <a:ext cx="4605997" cy="2661969"/>
+        </p:xfrm>
+        <a:graphic>
+          <a:graphicData uri="http://schemas.openxmlformats.org/drawingml/2006/chart">
+            <c:chart xmlns:c="http://schemas.openxmlformats.org/drawingml/2006/chart" xmlns:r="http://schemas.openxmlformats.org/officeDocument/2006/relationships" r:id="rId2"/>
+          </a:graphicData>
+        </a:graphic>
+      </p:graphicFrame>
+      <p:graphicFrame>
+        <p:nvGraphicFramePr>
+          <p:cNvPr id="11" name="Chart 10"/>
+          <p:cNvGraphicFramePr/>
+          <p:nvPr>
+            <p:extLst>
+              <p:ext uri="{D42A27DB-BD31-4B8C-83A1-F6EECF244321}">
+                <p14:modId xmlns:p14="http://schemas.microsoft.com/office/powerpoint/2010/main" val="2587566851"/>
+              </p:ext>
+            </p:extLst>
+          </p:nvPr>
+        </p:nvGraphicFramePr>
+        <p:xfrm>
+          <a:off x="5824023" y="1799711"/>
+          <a:ext cx="4951829" cy="2462800"/>
+        </p:xfrm>
+        <a:graphic>
+          <a:graphicData uri="http://schemas.openxmlformats.org/drawingml/2006/chart">
+            <c:chart xmlns:c="http://schemas.openxmlformats.org/drawingml/2006/chart" xmlns:r="http://schemas.openxmlformats.org/officeDocument/2006/relationships" r:id="rId3"/>
+          </a:graphicData>
+        </a:graphic>
+      </p:graphicFrame>
+      <p:graphicFrame>
+        <p:nvGraphicFramePr>
+          <p:cNvPr id="12" name="Chart 11"/>
+          <p:cNvGraphicFramePr/>
+          <p:nvPr>
+            <p:extLst>
+              <p:ext uri="{D42A27DB-BD31-4B8C-83A1-F6EECF244321}">
+                <p14:modId xmlns:p14="http://schemas.microsoft.com/office/powerpoint/2010/main" val="496575790"/>
+              </p:ext>
+            </p:extLst>
+          </p:nvPr>
+        </p:nvGraphicFramePr>
+        <p:xfrm>
+          <a:off x="1223889" y="4121834"/>
+          <a:ext cx="9439421" cy="2363372"/>
+        </p:xfrm>
+        <a:graphic>
+          <a:graphicData uri="http://schemas.openxmlformats.org/drawingml/2006/chart">
+            <c:chart xmlns:c="http://schemas.openxmlformats.org/drawingml/2006/chart" xmlns:r="http://schemas.openxmlformats.org/officeDocument/2006/relationships" r:id="rId4"/>
+          </a:graphicData>
+        </a:graphic>
+      </p:graphicFrame>
+    </p:spTree>
+    <p:extLst>
+      <p:ext uri="{BB962C8B-B14F-4D97-AF65-F5344CB8AC3E}">
+        <p14:creationId xmlns:p14="http://schemas.microsoft.com/office/powerpoint/2010/main" val="457191872"/>
+      </p:ext>
+    </p:extLst>
+  </p:cSld>
+  <p:clrMapOvr>
+    <a:masterClrMapping/>
+  </p:clrMapOvr>
+  <p:timing>
+    <p:tnLst>
+      <p:par>
+        <p:cTn id="1" dur="indefinite" restart="never" nodeType="tmRoot"/>
+      </p:par>
+    </p:tnLst>
+  </p:timing>
+</p:sld>
+</file>
+
+<file path=ppt/slides/slide14.xml><?xml version="1.0" encoding="utf-8"?>
+<p:sld xmlns:a="http://schemas.openxmlformats.org/drawingml/2006/main" xmlns:r="http://schemas.openxmlformats.org/officeDocument/2006/relationships" xmlns:p="http://schemas.openxmlformats.org/presentationml/2006/main">
+  <p:cSld>
+    <p:spTree>
+      <p:nvGrpSpPr>
+        <p:cNvPr id="1" name=""/>
+        <p:cNvGrpSpPr/>
+        <p:nvPr/>
+      </p:nvGrpSpPr>
+      <p:grpSpPr>
+        <a:xfrm>
+          <a:off x="0" y="0"/>
+          <a:ext cx="0" cy="0"/>
+          <a:chOff x="0" y="0"/>
+          <a:chExt cx="0" cy="0"/>
+        </a:xfrm>
+      </p:grpSpPr>
+      <p:sp>
+        <p:nvSpPr>
+          <p:cNvPr id="2" name="Title 1"/>
+          <p:cNvSpPr>
+            <a:spLocks noGrp="1"/>
+          </p:cNvSpPr>
+          <p:nvPr>
+            <p:ph type="title"/>
+          </p:nvPr>
+        </p:nvSpPr>
+        <p:spPr/>
+        <p:txBody>
+          <a:bodyPr/>
+          <a:lstStyle/>
+          <a:p>
+            <a:r>
+              <a:rPr lang="en-IN" dirty="0" smtClean="0"/>
+              <a:t>Results 2 – Usefulness + Duplicates</a:t>
+            </a:r>
+            <a:endParaRPr lang="en-IN" dirty="0"/>
+          </a:p>
+        </p:txBody>
+      </p:sp>
+      <p:graphicFrame>
+        <p:nvGraphicFramePr>
+          <p:cNvPr id="9" name="Content Placeholder 8"/>
+          <p:cNvGraphicFramePr>
+            <a:graphicFrameLocks noGrp="1"/>
+          </p:cNvGraphicFramePr>
+          <p:nvPr>
+            <p:ph idx="1"/>
+          </p:nvPr>
+        </p:nvGraphicFramePr>
+        <p:xfrm>
+          <a:off x="838200" y="1825625"/>
+          <a:ext cx="10515600" cy="4351338"/>
+        </p:xfrm>
+        <a:graphic>
+          <a:graphicData uri="http://schemas.openxmlformats.org/drawingml/2006/chart">
+            <c:chart xmlns:c="http://schemas.openxmlformats.org/drawingml/2006/chart" xmlns:r="http://schemas.openxmlformats.org/officeDocument/2006/relationships" r:id="rId2"/>
+          </a:graphicData>
+        </a:graphic>
+      </p:graphicFrame>
+    </p:spTree>
+    <p:extLst>
+      <p:ext uri="{BB962C8B-B14F-4D97-AF65-F5344CB8AC3E}">
+        <p14:creationId xmlns:p14="http://schemas.microsoft.com/office/powerpoint/2010/main" val="4200739446"/>
+      </p:ext>
+    </p:extLst>
+  </p:cSld>
+  <p:clrMapOvr>
+    <a:masterClrMapping/>
+  </p:clrMapOvr>
+  <p:timing>
+    <p:tnLst>
+      <p:par>
+        <p:cTn id="1" dur="indefinite" restart="never" nodeType="tmRoot"/>
+      </p:par>
+    </p:tnLst>
+  </p:timing>
+</p:sld>
+</file>
+
+<file path=ppt/slides/slide15.xml><?xml version="1.0" encoding="utf-8"?>
+<p:sld xmlns:a="http://schemas.openxmlformats.org/drawingml/2006/main" xmlns:r="http://schemas.openxmlformats.org/officeDocument/2006/relationships" xmlns:p="http://schemas.openxmlformats.org/presentationml/2006/main">
+  <p:cSld>
+    <p:spTree>
+      <p:nvGrpSpPr>
+        <p:cNvPr id="1" name=""/>
+        <p:cNvGrpSpPr/>
+        <p:nvPr/>
+      </p:nvGrpSpPr>
+      <p:grpSpPr>
+        <a:xfrm>
+          <a:off x="0" y="0"/>
+          <a:ext cx="0" cy="0"/>
+          <a:chOff x="0" y="0"/>
+          <a:chExt cx="0" cy="0"/>
+        </a:xfrm>
+      </p:grpSpPr>
+      <p:sp>
+        <p:nvSpPr>
+          <p:cNvPr id="2" name="Title 1"/>
+          <p:cNvSpPr>
+            <a:spLocks noGrp="1"/>
+          </p:cNvSpPr>
+          <p:nvPr>
+            <p:ph type="title"/>
+          </p:nvPr>
+        </p:nvSpPr>
+        <p:spPr/>
+        <p:txBody>
+          <a:bodyPr/>
+          <a:lstStyle/>
+          <a:p>
+            <a:r>
+              <a:rPr lang="en-IN" dirty="0" smtClean="0"/>
+              <a:t>Results 3 – Bot - ALL</a:t>
+            </a:r>
+            <a:endParaRPr lang="en-IN" dirty="0"/>
+          </a:p>
+        </p:txBody>
+      </p:sp>
+      <p:graphicFrame>
+        <p:nvGraphicFramePr>
+          <p:cNvPr id="21" name="Content Placeholder 20"/>
+          <p:cNvGraphicFramePr>
+            <a:graphicFrameLocks noGrp="1"/>
+          </p:cNvGraphicFramePr>
+          <p:nvPr>
+            <p:ph idx="1"/>
+            <p:extLst>
+              <p:ext uri="{D42A27DB-BD31-4B8C-83A1-F6EECF244321}">
+                <p14:modId xmlns:p14="http://schemas.microsoft.com/office/powerpoint/2010/main" val="262843833"/>
+              </p:ext>
+            </p:extLst>
+          </p:nvPr>
+        </p:nvGraphicFramePr>
+        <p:xfrm>
+          <a:off x="838200" y="1773479"/>
+          <a:ext cx="5239043" cy="2503100"/>
+        </p:xfrm>
+        <a:graphic>
+          <a:graphicData uri="http://schemas.openxmlformats.org/drawingml/2006/chart">
+            <c:chart xmlns:c="http://schemas.openxmlformats.org/drawingml/2006/chart" xmlns:r="http://schemas.openxmlformats.org/officeDocument/2006/relationships" r:id="rId2"/>
+          </a:graphicData>
+        </a:graphic>
+      </p:graphicFrame>
+      <p:graphicFrame>
+        <p:nvGraphicFramePr>
+          <p:cNvPr id="22" name="Chart 21"/>
+          <p:cNvGraphicFramePr/>
+          <p:nvPr>
+            <p:extLst>
+              <p:ext uri="{D42A27DB-BD31-4B8C-83A1-F6EECF244321}">
+                <p14:modId xmlns:p14="http://schemas.microsoft.com/office/powerpoint/2010/main" val="4157050755"/>
+              </p:ext>
+            </p:extLst>
+          </p:nvPr>
+        </p:nvGraphicFramePr>
+        <p:xfrm>
+          <a:off x="6147582" y="1690688"/>
+          <a:ext cx="5050301" cy="2585889"/>
+        </p:xfrm>
+        <a:graphic>
+          <a:graphicData uri="http://schemas.openxmlformats.org/drawingml/2006/chart">
+            <c:chart xmlns:c="http://schemas.openxmlformats.org/drawingml/2006/chart" xmlns:r="http://schemas.openxmlformats.org/officeDocument/2006/relationships" r:id="rId3"/>
+          </a:graphicData>
+        </a:graphic>
+      </p:graphicFrame>
+      <p:graphicFrame>
+        <p:nvGraphicFramePr>
+          <p:cNvPr id="23" name="Chart 22"/>
+          <p:cNvGraphicFramePr/>
+          <p:nvPr>
+            <p:extLst>
+              <p:ext uri="{D42A27DB-BD31-4B8C-83A1-F6EECF244321}">
+                <p14:modId xmlns:p14="http://schemas.microsoft.com/office/powerpoint/2010/main" val="4076649422"/>
+              </p:ext>
+            </p:extLst>
+          </p:nvPr>
+        </p:nvGraphicFramePr>
+        <p:xfrm>
+          <a:off x="942535" y="4389926"/>
+          <a:ext cx="10100603" cy="1876425"/>
+        </p:xfrm>
+        <a:graphic>
+          <a:graphicData uri="http://schemas.openxmlformats.org/drawingml/2006/chart">
+            <c:chart xmlns:c="http://schemas.openxmlformats.org/drawingml/2006/chart" xmlns:r="http://schemas.openxmlformats.org/officeDocument/2006/relationships" r:id="rId4"/>
+          </a:graphicData>
+        </a:graphic>
+      </p:graphicFrame>
+    </p:spTree>
+    <p:extLst>
+      <p:ext uri="{BB962C8B-B14F-4D97-AF65-F5344CB8AC3E}">
+        <p14:creationId xmlns:p14="http://schemas.microsoft.com/office/powerpoint/2010/main" val="1490362765"/>
+      </p:ext>
+    </p:extLst>
+  </p:cSld>
+  <p:clrMapOvr>
+    <a:masterClrMapping/>
+  </p:clrMapOvr>
+  <p:timing>
+    <p:tnLst>
+      <p:par>
+        <p:cTn id="1" dur="indefinite" restart="never" nodeType="tmRoot"/>
+      </p:par>
+    </p:tnLst>
+  </p:timing>
+</p:sld>
+</file>
+
+<file path=ppt/slides/slide16.xml><?xml version="1.0" encoding="utf-8"?>
+<p:sld xmlns:a="http://schemas.openxmlformats.org/drawingml/2006/main" xmlns:r="http://schemas.openxmlformats.org/officeDocument/2006/relationships" xmlns:p="http://schemas.openxmlformats.org/presentationml/2006/main">
+  <p:cSld>
+    <p:spTree>
+      <p:nvGrpSpPr>
+        <p:cNvPr id="1" name=""/>
+        <p:cNvGrpSpPr/>
+        <p:nvPr/>
+      </p:nvGrpSpPr>
+      <p:grpSpPr>
+        <a:xfrm>
+          <a:off x="0" y="0"/>
+          <a:ext cx="0" cy="0"/>
+          <a:chOff x="0" y="0"/>
+          <a:chExt cx="0" cy="0"/>
+        </a:xfrm>
+      </p:grpSpPr>
+      <p:sp>
+        <p:nvSpPr>
+          <p:cNvPr id="2" name="Title 1"/>
+          <p:cNvSpPr>
+            <a:spLocks noGrp="1"/>
+          </p:cNvSpPr>
+          <p:nvPr>
+            <p:ph type="title"/>
+          </p:nvPr>
+        </p:nvSpPr>
+        <p:spPr>
+          <a:xfrm>
+            <a:off x="852268" y="294787"/>
+            <a:ext cx="10515600" cy="1325563"/>
+          </a:xfrm>
+        </p:spPr>
+        <p:txBody>
+          <a:bodyPr/>
+          <a:lstStyle/>
+          <a:p>
+            <a:r>
+              <a:rPr lang="en-IN" dirty="0" smtClean="0"/>
+              <a:t>Results 4 - Honesty</a:t>
+            </a:r>
+            <a:endParaRPr lang="en-IN" dirty="0"/>
+          </a:p>
+        </p:txBody>
+      </p:sp>
+      <p:graphicFrame>
+        <p:nvGraphicFramePr>
+          <p:cNvPr id="4" name="Content Placeholder 3"/>
+          <p:cNvGraphicFramePr>
+            <a:graphicFrameLocks noGrp="1"/>
+          </p:cNvGraphicFramePr>
+          <p:nvPr>
+            <p:ph idx="1"/>
+            <p:extLst>
+              <p:ext uri="{D42A27DB-BD31-4B8C-83A1-F6EECF244321}">
+                <p14:modId xmlns:p14="http://schemas.microsoft.com/office/powerpoint/2010/main" val="2851747283"/>
+              </p:ext>
+            </p:extLst>
+          </p:nvPr>
+        </p:nvGraphicFramePr>
+        <p:xfrm>
+          <a:off x="856957" y="1727151"/>
+          <a:ext cx="5253111" cy="2830781"/>
+        </p:xfrm>
+        <a:graphic>
+          <a:graphicData uri="http://schemas.openxmlformats.org/drawingml/2006/chart">
+            <c:chart xmlns:c="http://schemas.openxmlformats.org/drawingml/2006/chart" xmlns:r="http://schemas.openxmlformats.org/officeDocument/2006/relationships" r:id="rId2"/>
+          </a:graphicData>
+        </a:graphic>
+      </p:graphicFrame>
+      <p:graphicFrame>
+        <p:nvGraphicFramePr>
+          <p:cNvPr id="5" name="Chart 4"/>
+          <p:cNvGraphicFramePr/>
+          <p:nvPr>
+            <p:extLst>
+              <p:ext uri="{D42A27DB-BD31-4B8C-83A1-F6EECF244321}">
+                <p14:modId xmlns:p14="http://schemas.microsoft.com/office/powerpoint/2010/main" val="2279267590"/>
+              </p:ext>
+            </p:extLst>
+          </p:nvPr>
+        </p:nvGraphicFramePr>
+        <p:xfrm>
+          <a:off x="6274190" y="1690689"/>
+          <a:ext cx="4712678" cy="2825040"/>
+        </p:xfrm>
+        <a:graphic>
+          <a:graphicData uri="http://schemas.openxmlformats.org/drawingml/2006/chart">
+            <c:chart xmlns:c="http://schemas.openxmlformats.org/drawingml/2006/chart" xmlns:r="http://schemas.openxmlformats.org/officeDocument/2006/relationships" r:id="rId3"/>
+          </a:graphicData>
+        </a:graphic>
+      </p:graphicFrame>
+      <p:graphicFrame>
+        <p:nvGraphicFramePr>
+          <p:cNvPr id="6" name="Chart 5"/>
+          <p:cNvGraphicFramePr/>
+          <p:nvPr>
+            <p:extLst>
+              <p:ext uri="{D42A27DB-BD31-4B8C-83A1-F6EECF244321}">
+                <p14:modId xmlns:p14="http://schemas.microsoft.com/office/powerpoint/2010/main" val="2356537017"/>
+              </p:ext>
+            </p:extLst>
+          </p:nvPr>
+        </p:nvGraphicFramePr>
+        <p:xfrm>
+          <a:off x="852268" y="4389120"/>
+          <a:ext cx="10106464" cy="1900164"/>
+        </p:xfrm>
+        <a:graphic>
+          <a:graphicData uri="http://schemas.openxmlformats.org/drawingml/2006/chart">
+            <c:chart xmlns:c="http://schemas.openxmlformats.org/drawingml/2006/chart" xmlns:r="http://schemas.openxmlformats.org/officeDocument/2006/relationships" r:id="rId4"/>
+          </a:graphicData>
+        </a:graphic>
+      </p:graphicFrame>
+    </p:spTree>
+    <p:extLst>
+      <p:ext uri="{BB962C8B-B14F-4D97-AF65-F5344CB8AC3E}">
+        <p14:creationId xmlns:p14="http://schemas.microsoft.com/office/powerpoint/2010/main" val="1135766400"/>
+      </p:ext>
+    </p:extLst>
+  </p:cSld>
+  <p:clrMapOvr>
+    <a:masterClrMapping/>
+  </p:clrMapOvr>
+  <p:timing>
+    <p:tnLst>
+      <p:par>
+        <p:cTn id="1" dur="indefinite" restart="never" nodeType="tmRoot"/>
+      </p:par>
+    </p:tnLst>
+  </p:timing>
+</p:sld>
+</file>
+
+<file path=ppt/slides/slide17.xml><?xml version="1.0" encoding="utf-8"?>
+<p:sld xmlns:a="http://schemas.openxmlformats.org/drawingml/2006/main" xmlns:r="http://schemas.openxmlformats.org/officeDocument/2006/relationships" xmlns:p="http://schemas.openxmlformats.org/presentationml/2006/main">
+  <p:cSld>
+    <p:spTree>
+      <p:nvGrpSpPr>
+        <p:cNvPr id="1" name=""/>
+        <p:cNvGrpSpPr/>
+        <p:nvPr/>
+      </p:nvGrpSpPr>
+      <p:grpSpPr>
+        <a:xfrm>
+          <a:off x="0" y="0"/>
+          <a:ext cx="0" cy="0"/>
+          <a:chOff x="0" y="0"/>
+          <a:chExt cx="0" cy="0"/>
+        </a:xfrm>
+      </p:grpSpPr>
+      <p:sp>
+        <p:nvSpPr>
+          <p:cNvPr id="2" name="Title 1"/>
+          <p:cNvSpPr>
+            <a:spLocks noGrp="1"/>
+          </p:cNvSpPr>
+          <p:nvPr>
+            <p:ph type="title"/>
+          </p:nvPr>
+        </p:nvSpPr>
+        <p:spPr/>
+        <p:txBody>
+          <a:bodyPr/>
+          <a:lstStyle/>
+          <a:p>
+            <a:r>
+              <a:rPr lang="en-IN" dirty="0" smtClean="0"/>
+              <a:t>Results 5 – Validation with SVM</a:t>
+            </a:r>
+            <a:endParaRPr lang="en-IN" dirty="0"/>
+          </a:p>
+        </p:txBody>
+      </p:sp>
+      <p:graphicFrame>
+        <p:nvGraphicFramePr>
+          <p:cNvPr id="4" name="Content Placeholder 3"/>
+          <p:cNvGraphicFramePr>
+            <a:graphicFrameLocks noGrp="1"/>
+          </p:cNvGraphicFramePr>
+          <p:nvPr>
+            <p:ph idx="1"/>
+            <p:extLst>
+              <p:ext uri="{D42A27DB-BD31-4B8C-83A1-F6EECF244321}">
+                <p14:modId xmlns:p14="http://schemas.microsoft.com/office/powerpoint/2010/main" val="2303735538"/>
+              </p:ext>
+            </p:extLst>
+          </p:nvPr>
+        </p:nvGraphicFramePr>
+        <p:xfrm>
+          <a:off x="1266090" y="1690688"/>
+          <a:ext cx="9762982" cy="3922320"/>
+        </p:xfrm>
+        <a:graphic>
+          <a:graphicData uri="http://schemas.openxmlformats.org/drawingml/2006/table">
+            <a:tbl>
+              <a:tblPr firstRow="1" firstCol="1" bandRow="1">
+                <a:tableStyleId>{91EBBBCC-DAD2-459C-BE2E-F6DE35CF9A28}</a:tableStyleId>
+              </a:tblPr>
+              <a:tblGrid>
+                <a:gridCol w="1952174"/>
+                <a:gridCol w="1952174"/>
+                <a:gridCol w="1952174"/>
+                <a:gridCol w="1953230"/>
+                <a:gridCol w="1953230"/>
+              </a:tblGrid>
+              <a:tr h="653720">
+                <a:tc>
+                  <a:txBody>
+                    <a:bodyPr/>
+                    <a:lstStyle/>
+                    <a:p>
+                      <a:pPr algn="ctr">
+                        <a:lnSpc>
+                          <a:spcPct val="107000"/>
+                        </a:lnSpc>
+                        <a:spcAft>
+                          <a:spcPts val="0"/>
+                        </a:spcAft>
+                      </a:pPr>
+                      <a:r>
+                        <a:rPr lang="en-IN" sz="1800" b="1" dirty="0" smtClean="0">
+                          <a:effectLst/>
+                        </a:rPr>
+                        <a:t>User: Fraud </a:t>
+                      </a:r>
+                      <a:endParaRPr lang="en-IN" sz="1800" b="1" dirty="0">
+                        <a:effectLst/>
+                        <a:latin typeface="Times New Roman" panose="02020603050405020304" pitchFamily="18" charset="0"/>
+                        <a:ea typeface="Calibri" panose="020F0502020204030204" pitchFamily="34" charset="0"/>
+                        <a:cs typeface="Times New Roman" panose="02020603050405020304" pitchFamily="18" charset="0"/>
+                      </a:endParaRPr>
+                    </a:p>
+                  </a:txBody>
+                  <a:tcPr marL="68580" marR="68580" marT="0" marB="0" anchor="ctr"/>
+                </a:tc>
+                <a:tc>
+                  <a:txBody>
+                    <a:bodyPr/>
+                    <a:lstStyle/>
+                    <a:p>
+                      <a:pPr algn="ctr">
+                        <a:lnSpc>
+                          <a:spcPct val="107000"/>
+                        </a:lnSpc>
+                        <a:spcAft>
+                          <a:spcPts val="0"/>
+                        </a:spcAft>
+                      </a:pPr>
+                      <a:r>
+                        <a:rPr lang="en-IN" sz="1800" b="1" dirty="0">
+                          <a:effectLst/>
+                        </a:rPr>
+                        <a:t>User: Fraud </a:t>
+                      </a:r>
+                      <a:endParaRPr lang="en-IN" sz="1800" b="1" dirty="0">
+                        <a:effectLst/>
+                        <a:latin typeface="Times New Roman" panose="02020603050405020304" pitchFamily="18" charset="0"/>
+                        <a:ea typeface="Calibri" panose="020F0502020204030204" pitchFamily="34" charset="0"/>
+                        <a:cs typeface="Times New Roman" panose="02020603050405020304" pitchFamily="18" charset="0"/>
+                      </a:endParaRPr>
+                    </a:p>
+                  </a:txBody>
+                  <a:tcPr marL="68580" marR="68580" marT="0" marB="0" anchor="ctr"/>
+                </a:tc>
+                <a:tc>
+                  <a:txBody>
+                    <a:bodyPr/>
+                    <a:lstStyle/>
+                    <a:p>
+                      <a:pPr algn="ctr">
+                        <a:lnSpc>
+                          <a:spcPct val="107000"/>
+                        </a:lnSpc>
+                        <a:spcAft>
+                          <a:spcPts val="0"/>
+                        </a:spcAft>
+                      </a:pPr>
+                      <a:r>
+                        <a:rPr lang="en-IN" sz="1800" b="1" dirty="0">
+                          <a:effectLst/>
+                        </a:rPr>
+                        <a:t>User: Fraud </a:t>
+                      </a:r>
+                      <a:endParaRPr lang="en-IN" sz="1800" b="1" dirty="0">
+                        <a:effectLst/>
+                        <a:latin typeface="Times New Roman" panose="02020603050405020304" pitchFamily="18" charset="0"/>
+                        <a:ea typeface="Calibri" panose="020F0502020204030204" pitchFamily="34" charset="0"/>
+                        <a:cs typeface="Times New Roman" panose="02020603050405020304" pitchFamily="18" charset="0"/>
+                      </a:endParaRPr>
+                    </a:p>
+                  </a:txBody>
+                  <a:tcPr marL="68580" marR="68580" marT="0" marB="0" anchor="ctr"/>
+                </a:tc>
+                <a:tc>
+                  <a:txBody>
+                    <a:bodyPr/>
+                    <a:lstStyle/>
+                    <a:p>
+                      <a:pPr algn="ctr">
+                        <a:lnSpc>
+                          <a:spcPct val="107000"/>
+                        </a:lnSpc>
+                        <a:spcAft>
+                          <a:spcPts val="0"/>
+                        </a:spcAft>
+                      </a:pPr>
+                      <a:r>
+                        <a:rPr lang="en-IN" sz="1800" b="1" dirty="0">
+                          <a:effectLst/>
+                        </a:rPr>
+                        <a:t>User: Fraud </a:t>
+                      </a:r>
+                      <a:endParaRPr lang="en-IN" sz="1800" b="1" dirty="0">
+                        <a:effectLst/>
+                        <a:latin typeface="Times New Roman" panose="02020603050405020304" pitchFamily="18" charset="0"/>
+                        <a:ea typeface="Calibri" panose="020F0502020204030204" pitchFamily="34" charset="0"/>
+                        <a:cs typeface="Times New Roman" panose="02020603050405020304" pitchFamily="18" charset="0"/>
+                      </a:endParaRPr>
+                    </a:p>
+                  </a:txBody>
+                  <a:tcPr marL="68580" marR="68580" marT="0" marB="0" anchor="ctr"/>
+                </a:tc>
+                <a:tc>
+                  <a:txBody>
+                    <a:bodyPr/>
+                    <a:lstStyle/>
+                    <a:p>
+                      <a:pPr algn="ctr">
+                        <a:lnSpc>
+                          <a:spcPct val="107000"/>
+                        </a:lnSpc>
+                        <a:spcAft>
+                          <a:spcPts val="0"/>
+                        </a:spcAft>
+                      </a:pPr>
+                      <a:r>
+                        <a:rPr lang="en-IN" sz="1800" b="1" dirty="0">
+                          <a:effectLst/>
+                        </a:rPr>
+                        <a:t>User: Fraud </a:t>
+                      </a:r>
+                      <a:endParaRPr lang="en-IN" sz="1800" b="1" dirty="0">
+                        <a:effectLst/>
+                        <a:latin typeface="Times New Roman" panose="02020603050405020304" pitchFamily="18" charset="0"/>
+                        <a:ea typeface="Calibri" panose="020F0502020204030204" pitchFamily="34" charset="0"/>
+                        <a:cs typeface="Times New Roman" panose="02020603050405020304" pitchFamily="18" charset="0"/>
+                      </a:endParaRPr>
+                    </a:p>
+                  </a:txBody>
+                  <a:tcPr marL="68580" marR="68580" marT="0" marB="0" anchor="ctr"/>
+                </a:tc>
+              </a:tr>
+              <a:tr h="653720">
+                <a:tc>
+                  <a:txBody>
+                    <a:bodyPr/>
+                    <a:lstStyle/>
+                    <a:p>
+                      <a:pPr algn="ctr">
+                        <a:lnSpc>
+                          <a:spcPct val="107000"/>
+                        </a:lnSpc>
+                        <a:spcAft>
+                          <a:spcPts val="0"/>
+                        </a:spcAft>
+                      </a:pPr>
+                      <a:r>
+                        <a:rPr lang="en-IN" sz="1400" b="0" dirty="0">
+                          <a:effectLst/>
+                        </a:rPr>
+                        <a:t>Heather </a:t>
+                      </a:r>
+                      <a:r>
+                        <a:rPr lang="en-IN" sz="1400" b="0" dirty="0" smtClean="0">
+                          <a:effectLst/>
+                        </a:rPr>
+                        <a:t>– </a:t>
+                      </a:r>
+                      <a:r>
+                        <a:rPr lang="en-IN" sz="1400" b="0" dirty="0">
+                          <a:effectLst/>
+                        </a:rPr>
+                        <a:t>Y</a:t>
+                      </a:r>
+                      <a:endParaRPr lang="en-IN" sz="1400" b="0" dirty="0">
+                        <a:effectLst/>
+                        <a:latin typeface="Times New Roman" panose="02020603050405020304" pitchFamily="18" charset="0"/>
+                        <a:ea typeface="Calibri" panose="020F0502020204030204" pitchFamily="34" charset="0"/>
+                        <a:cs typeface="Times New Roman" panose="02020603050405020304" pitchFamily="18" charset="0"/>
+                      </a:endParaRPr>
+                    </a:p>
+                  </a:txBody>
+                  <a:tcPr marL="68580" marR="68580" marT="0" marB="0" anchor="ctr"/>
+                </a:tc>
+                <a:tc>
+                  <a:txBody>
+                    <a:bodyPr/>
+                    <a:lstStyle/>
+                    <a:p>
+                      <a:pPr algn="ctr">
+                        <a:lnSpc>
+                          <a:spcPct val="107000"/>
+                        </a:lnSpc>
+                        <a:spcAft>
+                          <a:spcPts val="0"/>
+                        </a:spcAft>
+                      </a:pPr>
+                      <a:r>
+                        <a:rPr lang="en-IN" sz="1400" b="0" dirty="0">
+                          <a:effectLst/>
+                        </a:rPr>
+                        <a:t>Elise - Y</a:t>
+                      </a:r>
+                      <a:endParaRPr lang="en-IN" sz="1400" b="0" dirty="0">
+                        <a:effectLst/>
+                        <a:latin typeface="Times New Roman" panose="02020603050405020304" pitchFamily="18" charset="0"/>
+                        <a:ea typeface="Calibri" panose="020F0502020204030204" pitchFamily="34" charset="0"/>
+                        <a:cs typeface="Times New Roman" panose="02020603050405020304" pitchFamily="18" charset="0"/>
+                      </a:endParaRPr>
+                    </a:p>
+                  </a:txBody>
+                  <a:tcPr marL="68580" marR="68580" marT="0" marB="0" anchor="ctr"/>
+                </a:tc>
+                <a:tc>
+                  <a:txBody>
+                    <a:bodyPr/>
+                    <a:lstStyle/>
+                    <a:p>
+                      <a:pPr algn="ctr">
+                        <a:lnSpc>
+                          <a:spcPct val="107000"/>
+                        </a:lnSpc>
+                        <a:spcAft>
+                          <a:spcPts val="0"/>
+                        </a:spcAft>
+                      </a:pPr>
+                      <a:r>
+                        <a:rPr lang="en-IN" sz="1400" b="0" dirty="0">
+                          <a:effectLst/>
+                        </a:rPr>
+                        <a:t>R. - Y</a:t>
+                      </a:r>
+                      <a:endParaRPr lang="en-IN" sz="1400" b="0" dirty="0">
+                        <a:effectLst/>
+                        <a:latin typeface="Times New Roman" panose="02020603050405020304" pitchFamily="18" charset="0"/>
+                        <a:ea typeface="Calibri" panose="020F0502020204030204" pitchFamily="34" charset="0"/>
+                        <a:cs typeface="Times New Roman" panose="02020603050405020304" pitchFamily="18" charset="0"/>
+                      </a:endParaRPr>
+                    </a:p>
+                  </a:txBody>
+                  <a:tcPr marL="68580" marR="68580" marT="0" marB="0" anchor="ctr"/>
+                </a:tc>
+                <a:tc>
+                  <a:txBody>
+                    <a:bodyPr/>
+                    <a:lstStyle/>
+                    <a:p>
+                      <a:pPr algn="ctr">
+                        <a:lnSpc>
+                          <a:spcPct val="107000"/>
+                        </a:lnSpc>
+                        <a:spcAft>
+                          <a:spcPts val="0"/>
+                        </a:spcAft>
+                      </a:pPr>
+                      <a:r>
+                        <a:rPr lang="en-IN" sz="1400" b="0" dirty="0">
+                          <a:effectLst/>
+                        </a:rPr>
+                        <a:t>Kara - Y</a:t>
+                      </a:r>
+                      <a:endParaRPr lang="en-IN" sz="1400" b="0" dirty="0">
+                        <a:effectLst/>
+                        <a:latin typeface="Times New Roman" panose="02020603050405020304" pitchFamily="18" charset="0"/>
+                        <a:ea typeface="Calibri" panose="020F0502020204030204" pitchFamily="34" charset="0"/>
+                        <a:cs typeface="Times New Roman" panose="02020603050405020304" pitchFamily="18" charset="0"/>
+                      </a:endParaRPr>
+                    </a:p>
+                  </a:txBody>
+                  <a:tcPr marL="68580" marR="68580" marT="0" marB="0" anchor="ctr"/>
+                </a:tc>
+                <a:tc>
+                  <a:txBody>
+                    <a:bodyPr/>
+                    <a:lstStyle/>
+                    <a:p>
+                      <a:pPr algn="ctr">
+                        <a:lnSpc>
+                          <a:spcPct val="107000"/>
+                        </a:lnSpc>
+                        <a:spcAft>
+                          <a:spcPts val="0"/>
+                        </a:spcAft>
+                      </a:pPr>
+                      <a:r>
+                        <a:rPr lang="en-IN" sz="1400" b="0" dirty="0">
+                          <a:effectLst/>
+                        </a:rPr>
+                        <a:t>Marlene - N</a:t>
+                      </a:r>
+                      <a:endParaRPr lang="en-IN" sz="1400" b="0" dirty="0">
+                        <a:effectLst/>
+                        <a:latin typeface="Times New Roman" panose="02020603050405020304" pitchFamily="18" charset="0"/>
+                        <a:ea typeface="Calibri" panose="020F0502020204030204" pitchFamily="34" charset="0"/>
+                        <a:cs typeface="Times New Roman" panose="02020603050405020304" pitchFamily="18" charset="0"/>
+                      </a:endParaRPr>
+                    </a:p>
+                  </a:txBody>
+                  <a:tcPr marL="68580" marR="68580" marT="0" marB="0" anchor="ctr"/>
+                </a:tc>
+              </a:tr>
+              <a:tr h="653720">
+                <a:tc>
+                  <a:txBody>
+                    <a:bodyPr/>
+                    <a:lstStyle/>
+                    <a:p>
+                      <a:pPr algn="ctr">
+                        <a:lnSpc>
+                          <a:spcPct val="107000"/>
+                        </a:lnSpc>
+                        <a:spcAft>
+                          <a:spcPts val="0"/>
+                        </a:spcAft>
+                      </a:pPr>
+                      <a:r>
+                        <a:rPr lang="en-IN" sz="1400" b="0" dirty="0">
+                          <a:effectLst/>
+                        </a:rPr>
+                        <a:t>Mark - Y</a:t>
+                      </a:r>
+                      <a:endParaRPr lang="en-IN" sz="1400" b="0" dirty="0">
+                        <a:effectLst/>
+                        <a:latin typeface="Times New Roman" panose="02020603050405020304" pitchFamily="18" charset="0"/>
+                        <a:ea typeface="Calibri" panose="020F0502020204030204" pitchFamily="34" charset="0"/>
+                        <a:cs typeface="Times New Roman" panose="02020603050405020304" pitchFamily="18" charset="0"/>
+                      </a:endParaRPr>
+                    </a:p>
+                  </a:txBody>
+                  <a:tcPr marL="68580" marR="68580" marT="0" marB="0" anchor="ctr"/>
+                </a:tc>
+                <a:tc>
+                  <a:txBody>
+                    <a:bodyPr/>
+                    <a:lstStyle/>
+                    <a:p>
+                      <a:pPr algn="ctr">
+                        <a:lnSpc>
+                          <a:spcPct val="107000"/>
+                        </a:lnSpc>
+                        <a:spcAft>
+                          <a:spcPts val="0"/>
+                        </a:spcAft>
+                      </a:pPr>
+                      <a:r>
+                        <a:rPr lang="en-IN" sz="1400" b="0">
+                          <a:effectLst/>
+                        </a:rPr>
+                        <a:t>Marnie -Y</a:t>
+                      </a:r>
+                      <a:endParaRPr lang="en-IN" sz="1400" b="0">
+                        <a:effectLst/>
+                        <a:latin typeface="Times New Roman" panose="02020603050405020304" pitchFamily="18" charset="0"/>
+                        <a:ea typeface="Calibri" panose="020F0502020204030204" pitchFamily="34" charset="0"/>
+                        <a:cs typeface="Times New Roman" panose="02020603050405020304" pitchFamily="18" charset="0"/>
+                      </a:endParaRPr>
+                    </a:p>
+                  </a:txBody>
+                  <a:tcPr marL="68580" marR="68580" marT="0" marB="0" anchor="ctr"/>
+                </a:tc>
+                <a:tc>
+                  <a:txBody>
+                    <a:bodyPr/>
+                    <a:lstStyle/>
+                    <a:p>
+                      <a:pPr algn="ctr">
+                        <a:lnSpc>
+                          <a:spcPct val="107000"/>
+                        </a:lnSpc>
+                        <a:spcAft>
+                          <a:spcPts val="0"/>
+                        </a:spcAft>
+                      </a:pPr>
+                      <a:r>
+                        <a:rPr lang="en-IN" sz="1400" b="0">
+                          <a:effectLst/>
+                        </a:rPr>
+                        <a:t>Hiew - Y</a:t>
+                      </a:r>
+                      <a:endParaRPr lang="en-IN" sz="1400" b="0">
+                        <a:effectLst/>
+                        <a:latin typeface="Times New Roman" panose="02020603050405020304" pitchFamily="18" charset="0"/>
+                        <a:ea typeface="Calibri" panose="020F0502020204030204" pitchFamily="34" charset="0"/>
+                        <a:cs typeface="Times New Roman" panose="02020603050405020304" pitchFamily="18" charset="0"/>
+                      </a:endParaRPr>
+                    </a:p>
+                  </a:txBody>
+                  <a:tcPr marL="68580" marR="68580" marT="0" marB="0" anchor="ctr"/>
+                </a:tc>
+                <a:tc>
+                  <a:txBody>
+                    <a:bodyPr/>
+                    <a:lstStyle/>
+                    <a:p>
+                      <a:pPr algn="ctr">
+                        <a:lnSpc>
+                          <a:spcPct val="107000"/>
+                        </a:lnSpc>
+                        <a:spcAft>
+                          <a:spcPts val="0"/>
+                        </a:spcAft>
+                      </a:pPr>
+                      <a:r>
+                        <a:rPr lang="en-IN" sz="1400" b="0">
+                          <a:effectLst/>
+                        </a:rPr>
+                        <a:t>Dan - Y</a:t>
+                      </a:r>
+                      <a:endParaRPr lang="en-IN" sz="1400" b="0">
+                        <a:effectLst/>
+                        <a:latin typeface="Times New Roman" panose="02020603050405020304" pitchFamily="18" charset="0"/>
+                        <a:ea typeface="Calibri" panose="020F0502020204030204" pitchFamily="34" charset="0"/>
+                        <a:cs typeface="Times New Roman" panose="02020603050405020304" pitchFamily="18" charset="0"/>
+                      </a:endParaRPr>
+                    </a:p>
+                  </a:txBody>
+                  <a:tcPr marL="68580" marR="68580" marT="0" marB="0" anchor="ctr"/>
+                </a:tc>
+                <a:tc>
+                  <a:txBody>
+                    <a:bodyPr/>
+                    <a:lstStyle/>
+                    <a:p>
+                      <a:pPr algn="ctr">
+                        <a:lnSpc>
+                          <a:spcPct val="107000"/>
+                        </a:lnSpc>
+                        <a:spcAft>
+                          <a:spcPts val="0"/>
+                        </a:spcAft>
+                      </a:pPr>
+                      <a:r>
+                        <a:rPr lang="en-IN" sz="1400" b="0">
+                          <a:effectLst/>
+                        </a:rPr>
+                        <a:t>Alessandara - Y</a:t>
+                      </a:r>
+                      <a:endParaRPr lang="en-IN" sz="1400" b="0">
+                        <a:effectLst/>
+                        <a:latin typeface="Times New Roman" panose="02020603050405020304" pitchFamily="18" charset="0"/>
+                        <a:ea typeface="Calibri" panose="020F0502020204030204" pitchFamily="34" charset="0"/>
+                        <a:cs typeface="Times New Roman" panose="02020603050405020304" pitchFamily="18" charset="0"/>
+                      </a:endParaRPr>
+                    </a:p>
+                  </a:txBody>
+                  <a:tcPr marL="68580" marR="68580" marT="0" marB="0" anchor="ctr"/>
+                </a:tc>
+              </a:tr>
+              <a:tr h="653720">
+                <a:tc>
+                  <a:txBody>
+                    <a:bodyPr/>
+                    <a:lstStyle/>
+                    <a:p>
+                      <a:pPr algn="ctr">
+                        <a:lnSpc>
+                          <a:spcPct val="107000"/>
+                        </a:lnSpc>
+                        <a:spcAft>
+                          <a:spcPts val="0"/>
+                        </a:spcAft>
+                      </a:pPr>
+                      <a:r>
+                        <a:rPr lang="en-IN" sz="1400" b="0" dirty="0">
+                          <a:effectLst/>
+                        </a:rPr>
+                        <a:t>Tanya - Y</a:t>
+                      </a:r>
+                      <a:endParaRPr lang="en-IN" sz="1400" b="0" dirty="0">
+                        <a:effectLst/>
+                        <a:latin typeface="Times New Roman" panose="02020603050405020304" pitchFamily="18" charset="0"/>
+                        <a:ea typeface="Calibri" panose="020F0502020204030204" pitchFamily="34" charset="0"/>
+                        <a:cs typeface="Times New Roman" panose="02020603050405020304" pitchFamily="18" charset="0"/>
+                      </a:endParaRPr>
+                    </a:p>
+                  </a:txBody>
+                  <a:tcPr marL="68580" marR="68580" marT="0" marB="0" anchor="ctr"/>
+                </a:tc>
+                <a:tc>
+                  <a:txBody>
+                    <a:bodyPr/>
+                    <a:lstStyle/>
+                    <a:p>
+                      <a:pPr algn="ctr">
+                        <a:lnSpc>
+                          <a:spcPct val="107000"/>
+                        </a:lnSpc>
+                        <a:spcAft>
+                          <a:spcPts val="0"/>
+                        </a:spcAft>
+                      </a:pPr>
+                      <a:r>
+                        <a:rPr lang="en-IN" sz="1400" b="0">
+                          <a:effectLst/>
+                        </a:rPr>
+                        <a:t>Craig - Y</a:t>
+                      </a:r>
+                      <a:endParaRPr lang="en-IN" sz="1400" b="0">
+                        <a:effectLst/>
+                        <a:latin typeface="Times New Roman" panose="02020603050405020304" pitchFamily="18" charset="0"/>
+                        <a:ea typeface="Calibri" panose="020F0502020204030204" pitchFamily="34" charset="0"/>
+                        <a:cs typeface="Times New Roman" panose="02020603050405020304" pitchFamily="18" charset="0"/>
+                      </a:endParaRPr>
+                    </a:p>
+                  </a:txBody>
+                  <a:tcPr marL="68580" marR="68580" marT="0" marB="0" anchor="ctr"/>
+                </a:tc>
+                <a:tc>
+                  <a:txBody>
+                    <a:bodyPr/>
+                    <a:lstStyle/>
+                    <a:p>
+                      <a:pPr algn="ctr">
+                        <a:lnSpc>
+                          <a:spcPct val="107000"/>
+                        </a:lnSpc>
+                        <a:spcAft>
+                          <a:spcPts val="0"/>
+                        </a:spcAft>
+                      </a:pPr>
+                      <a:r>
+                        <a:rPr lang="en-IN" sz="1400" b="0">
+                          <a:effectLst/>
+                        </a:rPr>
+                        <a:t>Marissa - N</a:t>
+                      </a:r>
+                      <a:endParaRPr lang="en-IN" sz="1400" b="0">
+                        <a:effectLst/>
+                        <a:latin typeface="Times New Roman" panose="02020603050405020304" pitchFamily="18" charset="0"/>
+                        <a:ea typeface="Calibri" panose="020F0502020204030204" pitchFamily="34" charset="0"/>
+                        <a:cs typeface="Times New Roman" panose="02020603050405020304" pitchFamily="18" charset="0"/>
+                      </a:endParaRPr>
+                    </a:p>
+                  </a:txBody>
+                  <a:tcPr marL="68580" marR="68580" marT="0" marB="0" anchor="ctr"/>
+                </a:tc>
+                <a:tc>
+                  <a:txBody>
+                    <a:bodyPr/>
+                    <a:lstStyle/>
+                    <a:p>
+                      <a:pPr algn="ctr">
+                        <a:lnSpc>
+                          <a:spcPct val="107000"/>
+                        </a:lnSpc>
+                        <a:spcAft>
+                          <a:spcPts val="0"/>
+                        </a:spcAft>
+                      </a:pPr>
+                      <a:r>
+                        <a:rPr lang="en-IN" sz="1400" b="0">
+                          <a:effectLst/>
+                        </a:rPr>
+                        <a:t>Tim - N</a:t>
+                      </a:r>
+                      <a:endParaRPr lang="en-IN" sz="1400" b="0">
+                        <a:effectLst/>
+                        <a:latin typeface="Times New Roman" panose="02020603050405020304" pitchFamily="18" charset="0"/>
+                        <a:ea typeface="Calibri" panose="020F0502020204030204" pitchFamily="34" charset="0"/>
+                        <a:cs typeface="Times New Roman" panose="02020603050405020304" pitchFamily="18" charset="0"/>
+                      </a:endParaRPr>
+                    </a:p>
+                  </a:txBody>
+                  <a:tcPr marL="68580" marR="68580" marT="0" marB="0" anchor="ctr"/>
+                </a:tc>
+                <a:tc>
+                  <a:txBody>
+                    <a:bodyPr/>
+                    <a:lstStyle/>
+                    <a:p>
+                      <a:pPr algn="ctr">
+                        <a:lnSpc>
+                          <a:spcPct val="107000"/>
+                        </a:lnSpc>
+                        <a:spcAft>
+                          <a:spcPts val="0"/>
+                        </a:spcAft>
+                      </a:pPr>
+                      <a:r>
+                        <a:rPr lang="en-IN" sz="1400" b="0">
+                          <a:effectLst/>
+                        </a:rPr>
+                        <a:t>Jill - N</a:t>
+                      </a:r>
+                      <a:endParaRPr lang="en-IN" sz="1400" b="0">
+                        <a:effectLst/>
+                        <a:latin typeface="Times New Roman" panose="02020603050405020304" pitchFamily="18" charset="0"/>
+                        <a:ea typeface="Calibri" panose="020F0502020204030204" pitchFamily="34" charset="0"/>
+                        <a:cs typeface="Times New Roman" panose="02020603050405020304" pitchFamily="18" charset="0"/>
+                      </a:endParaRPr>
+                    </a:p>
+                  </a:txBody>
+                  <a:tcPr marL="68580" marR="68580" marT="0" marB="0" anchor="ctr"/>
+                </a:tc>
+              </a:tr>
+              <a:tr h="653720">
+                <a:tc>
+                  <a:txBody>
+                    <a:bodyPr/>
+                    <a:lstStyle/>
+                    <a:p>
+                      <a:pPr algn="ctr">
+                        <a:lnSpc>
+                          <a:spcPct val="107000"/>
+                        </a:lnSpc>
+                        <a:spcAft>
+                          <a:spcPts val="0"/>
+                        </a:spcAft>
+                      </a:pPr>
+                      <a:r>
+                        <a:rPr lang="en-IN" sz="1400" b="0" dirty="0">
+                          <a:effectLst/>
+                        </a:rPr>
+                        <a:t>Walker - Y</a:t>
+                      </a:r>
+                      <a:endParaRPr lang="en-IN" sz="1400" b="0" dirty="0">
+                        <a:effectLst/>
+                        <a:latin typeface="Times New Roman" panose="02020603050405020304" pitchFamily="18" charset="0"/>
+                        <a:ea typeface="Calibri" panose="020F0502020204030204" pitchFamily="34" charset="0"/>
+                        <a:cs typeface="Times New Roman" panose="02020603050405020304" pitchFamily="18" charset="0"/>
+                      </a:endParaRPr>
+                    </a:p>
+                  </a:txBody>
+                  <a:tcPr marL="68580" marR="68580" marT="0" marB="0" anchor="ctr"/>
+                </a:tc>
+                <a:tc>
+                  <a:txBody>
+                    <a:bodyPr/>
+                    <a:lstStyle/>
+                    <a:p>
+                      <a:pPr algn="ctr">
+                        <a:lnSpc>
+                          <a:spcPct val="107000"/>
+                        </a:lnSpc>
+                        <a:spcAft>
+                          <a:spcPts val="0"/>
+                        </a:spcAft>
+                      </a:pPr>
+                      <a:r>
+                        <a:rPr lang="en-IN" sz="1400" b="0" dirty="0">
+                          <a:effectLst/>
+                        </a:rPr>
+                        <a:t>Vickie - Y</a:t>
+                      </a:r>
+                      <a:endParaRPr lang="en-IN" sz="1400" b="0" dirty="0">
+                        <a:effectLst/>
+                        <a:latin typeface="Times New Roman" panose="02020603050405020304" pitchFamily="18" charset="0"/>
+                        <a:ea typeface="Calibri" panose="020F0502020204030204" pitchFamily="34" charset="0"/>
+                        <a:cs typeface="Times New Roman" panose="02020603050405020304" pitchFamily="18" charset="0"/>
+                      </a:endParaRPr>
+                    </a:p>
+                  </a:txBody>
+                  <a:tcPr marL="68580" marR="68580" marT="0" marB="0" anchor="ctr"/>
+                </a:tc>
+                <a:tc>
+                  <a:txBody>
+                    <a:bodyPr/>
+                    <a:lstStyle/>
+                    <a:p>
+                      <a:pPr algn="ctr">
+                        <a:lnSpc>
+                          <a:spcPct val="107000"/>
+                        </a:lnSpc>
+                        <a:spcAft>
+                          <a:spcPts val="0"/>
+                        </a:spcAft>
+                      </a:pPr>
+                      <a:r>
+                        <a:rPr lang="en-IN" sz="1400" b="0">
+                          <a:effectLst/>
+                        </a:rPr>
+                        <a:t>Erin - N</a:t>
+                      </a:r>
+                      <a:endParaRPr lang="en-IN" sz="1400" b="0">
+                        <a:effectLst/>
+                        <a:latin typeface="Times New Roman" panose="02020603050405020304" pitchFamily="18" charset="0"/>
+                        <a:ea typeface="Calibri" panose="020F0502020204030204" pitchFamily="34" charset="0"/>
+                        <a:cs typeface="Times New Roman" panose="02020603050405020304" pitchFamily="18" charset="0"/>
+                      </a:endParaRPr>
+                    </a:p>
+                  </a:txBody>
+                  <a:tcPr marL="68580" marR="68580" marT="0" marB="0" anchor="ctr"/>
+                </a:tc>
+                <a:tc>
+                  <a:txBody>
+                    <a:bodyPr/>
+                    <a:lstStyle/>
+                    <a:p>
+                      <a:pPr algn="ctr">
+                        <a:lnSpc>
+                          <a:spcPct val="107000"/>
+                        </a:lnSpc>
+                        <a:spcAft>
+                          <a:spcPts val="0"/>
+                        </a:spcAft>
+                      </a:pPr>
+                      <a:r>
+                        <a:rPr lang="en-IN" sz="1400" b="0">
+                          <a:effectLst/>
+                        </a:rPr>
+                        <a:t>Jenn - Y</a:t>
+                      </a:r>
+                      <a:endParaRPr lang="en-IN" sz="1400" b="0">
+                        <a:effectLst/>
+                        <a:latin typeface="Times New Roman" panose="02020603050405020304" pitchFamily="18" charset="0"/>
+                        <a:ea typeface="Calibri" panose="020F0502020204030204" pitchFamily="34" charset="0"/>
+                        <a:cs typeface="Times New Roman" panose="02020603050405020304" pitchFamily="18" charset="0"/>
+                      </a:endParaRPr>
+                    </a:p>
+                  </a:txBody>
+                  <a:tcPr marL="68580" marR="68580" marT="0" marB="0" anchor="ctr"/>
+                </a:tc>
+                <a:tc>
+                  <a:txBody>
+                    <a:bodyPr/>
+                    <a:lstStyle/>
+                    <a:p>
+                      <a:pPr algn="ctr">
+                        <a:lnSpc>
+                          <a:spcPct val="107000"/>
+                        </a:lnSpc>
+                        <a:spcAft>
+                          <a:spcPts val="0"/>
+                        </a:spcAft>
+                      </a:pPr>
+                      <a:r>
+                        <a:rPr lang="en-IN" sz="1400" b="0">
+                          <a:effectLst/>
+                        </a:rPr>
+                        <a:t>Benjamin - N</a:t>
+                      </a:r>
+                      <a:endParaRPr lang="en-IN" sz="1400" b="0">
+                        <a:effectLst/>
+                        <a:latin typeface="Times New Roman" panose="02020603050405020304" pitchFamily="18" charset="0"/>
+                        <a:ea typeface="Calibri" panose="020F0502020204030204" pitchFamily="34" charset="0"/>
+                        <a:cs typeface="Times New Roman" panose="02020603050405020304" pitchFamily="18" charset="0"/>
+                      </a:endParaRPr>
+                    </a:p>
+                  </a:txBody>
+                  <a:tcPr marL="68580" marR="68580" marT="0" marB="0" anchor="ctr"/>
+                </a:tc>
+              </a:tr>
+              <a:tr h="653720">
+                <a:tc>
+                  <a:txBody>
+                    <a:bodyPr/>
+                    <a:lstStyle/>
+                    <a:p>
+                      <a:pPr algn="ctr">
+                        <a:lnSpc>
+                          <a:spcPct val="107000"/>
+                        </a:lnSpc>
+                        <a:spcAft>
+                          <a:spcPts val="0"/>
+                        </a:spcAft>
+                      </a:pPr>
+                      <a:r>
+                        <a:rPr lang="en-IN" sz="1400" b="0" dirty="0">
+                          <a:effectLst/>
+                        </a:rPr>
+                        <a:t>Raphael - Y</a:t>
+                      </a:r>
+                      <a:endParaRPr lang="en-IN" sz="1400" b="0" dirty="0">
+                        <a:effectLst/>
+                        <a:latin typeface="Times New Roman" panose="02020603050405020304" pitchFamily="18" charset="0"/>
+                        <a:ea typeface="Calibri" panose="020F0502020204030204" pitchFamily="34" charset="0"/>
+                        <a:cs typeface="Times New Roman" panose="02020603050405020304" pitchFamily="18" charset="0"/>
+                      </a:endParaRPr>
+                    </a:p>
+                  </a:txBody>
+                  <a:tcPr marL="68580" marR="68580" marT="0" marB="0" anchor="ctr"/>
+                </a:tc>
+                <a:tc>
+                  <a:txBody>
+                    <a:bodyPr/>
+                    <a:lstStyle/>
+                    <a:p>
+                      <a:pPr algn="ctr">
+                        <a:lnSpc>
+                          <a:spcPct val="107000"/>
+                        </a:lnSpc>
+                        <a:spcAft>
+                          <a:spcPts val="0"/>
+                        </a:spcAft>
+                      </a:pPr>
+                      <a:r>
+                        <a:rPr lang="en-IN" sz="1400" b="0" dirty="0">
+                          <a:effectLst/>
+                        </a:rPr>
+                        <a:t>Kelly - Y</a:t>
+                      </a:r>
+                      <a:endParaRPr lang="en-IN" sz="1400" b="0" dirty="0">
+                        <a:effectLst/>
+                        <a:latin typeface="Times New Roman" panose="02020603050405020304" pitchFamily="18" charset="0"/>
+                        <a:ea typeface="Calibri" panose="020F0502020204030204" pitchFamily="34" charset="0"/>
+                        <a:cs typeface="Times New Roman" panose="02020603050405020304" pitchFamily="18" charset="0"/>
+                      </a:endParaRPr>
+                    </a:p>
+                  </a:txBody>
+                  <a:tcPr marL="68580" marR="68580" marT="0" marB="0" anchor="ctr"/>
+                </a:tc>
+                <a:tc>
+                  <a:txBody>
+                    <a:bodyPr/>
+                    <a:lstStyle/>
+                    <a:p>
+                      <a:pPr algn="ctr">
+                        <a:lnSpc>
+                          <a:spcPct val="107000"/>
+                        </a:lnSpc>
+                        <a:spcAft>
+                          <a:spcPts val="0"/>
+                        </a:spcAft>
+                      </a:pPr>
+                      <a:r>
+                        <a:rPr lang="en-IN" sz="1400" b="0" dirty="0">
+                          <a:effectLst/>
+                        </a:rPr>
+                        <a:t>Christine - Y</a:t>
+                      </a:r>
+                      <a:endParaRPr lang="en-IN" sz="1400" b="0" dirty="0">
+                        <a:effectLst/>
+                        <a:latin typeface="Times New Roman" panose="02020603050405020304" pitchFamily="18" charset="0"/>
+                        <a:ea typeface="Calibri" panose="020F0502020204030204" pitchFamily="34" charset="0"/>
+                        <a:cs typeface="Times New Roman" panose="02020603050405020304" pitchFamily="18" charset="0"/>
+                      </a:endParaRPr>
+                    </a:p>
+                  </a:txBody>
+                  <a:tcPr marL="68580" marR="68580" marT="0" marB="0" anchor="ctr"/>
+                </a:tc>
+                <a:tc>
+                  <a:txBody>
+                    <a:bodyPr/>
+                    <a:lstStyle/>
+                    <a:p>
+                      <a:pPr algn="ctr">
+                        <a:lnSpc>
+                          <a:spcPct val="107000"/>
+                        </a:lnSpc>
+                        <a:spcAft>
+                          <a:spcPts val="0"/>
+                        </a:spcAft>
+                      </a:pPr>
+                      <a:r>
+                        <a:rPr lang="en-IN" sz="1400" b="0" dirty="0">
+                          <a:effectLst/>
+                        </a:rPr>
+                        <a:t>Tracy - N</a:t>
+                      </a:r>
+                      <a:endParaRPr lang="en-IN" sz="1400" b="0" dirty="0">
+                        <a:effectLst/>
+                        <a:latin typeface="Times New Roman" panose="02020603050405020304" pitchFamily="18" charset="0"/>
+                        <a:ea typeface="Calibri" panose="020F0502020204030204" pitchFamily="34" charset="0"/>
+                        <a:cs typeface="Times New Roman" panose="02020603050405020304" pitchFamily="18" charset="0"/>
+                      </a:endParaRPr>
+                    </a:p>
+                  </a:txBody>
+                  <a:tcPr marL="68580" marR="68580" marT="0" marB="0" anchor="ctr"/>
+                </a:tc>
+                <a:tc>
+                  <a:txBody>
+                    <a:bodyPr/>
+                    <a:lstStyle/>
+                    <a:p>
+                      <a:pPr algn="ctr">
+                        <a:lnSpc>
+                          <a:spcPct val="107000"/>
+                        </a:lnSpc>
+                        <a:spcAft>
+                          <a:spcPts val="0"/>
+                        </a:spcAft>
+                      </a:pPr>
+                      <a:r>
+                        <a:rPr lang="en-IN" sz="1400" b="0" dirty="0">
+                          <a:effectLst/>
+                        </a:rPr>
+                        <a:t>Alison - Y</a:t>
+                      </a:r>
+                      <a:endParaRPr lang="en-IN" sz="1400" b="0" dirty="0">
+                        <a:effectLst/>
+                        <a:latin typeface="Times New Roman" panose="02020603050405020304" pitchFamily="18" charset="0"/>
+                        <a:ea typeface="Calibri" panose="020F0502020204030204" pitchFamily="34" charset="0"/>
+                        <a:cs typeface="Times New Roman" panose="02020603050405020304" pitchFamily="18" charset="0"/>
+                      </a:endParaRPr>
+                    </a:p>
+                  </a:txBody>
+                  <a:tcPr marL="68580" marR="68580" marT="0" marB="0" anchor="ctr"/>
+                </a:tc>
+              </a:tr>
+            </a:tbl>
+          </a:graphicData>
+        </a:graphic>
+      </p:graphicFrame>
+      <p:sp>
+        <p:nvSpPr>
+          <p:cNvPr id="5" name="TextBox 4"/>
+          <p:cNvSpPr txBox="1"/>
+          <p:nvPr/>
+        </p:nvSpPr>
+        <p:spPr>
+          <a:xfrm>
+            <a:off x="2912012" y="6006905"/>
+            <a:ext cx="4825219" cy="369332"/>
+          </a:xfrm>
+          <a:prstGeom prst="rect">
+            <a:avLst/>
+          </a:prstGeom>
+          <a:noFill/>
+        </p:spPr>
+        <p:txBody>
+          <a:bodyPr wrap="square" rtlCol="0">
+            <a:spAutoFit/>
+          </a:bodyPr>
+          <a:lstStyle/>
+          <a:p>
+            <a:r>
+              <a:rPr lang="en-IN" b="1"/>
+              <a:t>Accuracy = (18/25) (classification)</a:t>
+            </a:r>
+            <a:endParaRPr lang="en-IN"/>
+          </a:p>
+        </p:txBody>
+      </p:sp>
+    </p:spTree>
+    <p:extLst>
+      <p:ext uri="{BB962C8B-B14F-4D97-AF65-F5344CB8AC3E}">
+        <p14:creationId xmlns:p14="http://schemas.microsoft.com/office/powerpoint/2010/main" val="3444951731"/>
+      </p:ext>
+    </p:extLst>
+  </p:cSld>
+  <p:clrMapOvr>
+    <a:masterClrMapping/>
+  </p:clrMapOvr>
+  <p:timing>
+    <p:tnLst>
+      <p:par>
+        <p:cTn id="1" dur="indefinite" restart="never" nodeType="tmRoot"/>
+      </p:par>
+    </p:tnLst>
+  </p:timing>
+</p:sld>
+</file>
+
+<file path=ppt/slides/slide18.xml><?xml version="1.0" encoding="utf-8"?>
+<p:sld xmlns:a="http://schemas.openxmlformats.org/drawingml/2006/main" xmlns:r="http://schemas.openxmlformats.org/officeDocument/2006/relationships" xmlns:p="http://schemas.openxmlformats.org/presentationml/2006/main">
+  <p:cSld>
+    <p:spTree>
+      <p:nvGrpSpPr>
+        <p:cNvPr id="1" name=""/>
+        <p:cNvGrpSpPr/>
+        <p:nvPr/>
+      </p:nvGrpSpPr>
+      <p:grpSpPr>
+        <a:xfrm>
+          <a:off x="0" y="0"/>
+          <a:ext cx="0" cy="0"/>
+          <a:chOff x="0" y="0"/>
+          <a:chExt cx="0" cy="0"/>
+        </a:xfrm>
+      </p:grpSpPr>
+      <p:sp>
+        <p:nvSpPr>
+          <p:cNvPr id="2" name="Title 1"/>
+          <p:cNvSpPr>
+            <a:spLocks noGrp="1"/>
+          </p:cNvSpPr>
+          <p:nvPr>
+            <p:ph type="title"/>
+          </p:nvPr>
+        </p:nvSpPr>
+        <p:spPr/>
+        <p:txBody>
+          <a:bodyPr/>
+          <a:lstStyle/>
+          <a:p>
+            <a:r>
+              <a:rPr lang="en-IN" dirty="0" smtClean="0"/>
               <a:t>References</a:t>
             </a:r>
             <a:endParaRPr lang="en-IN" dirty="0"/>
@@ -3348,10 +7923,141 @@
         </p:nvSpPr>
         <p:spPr/>
         <p:txBody>
-          <a:bodyPr/>
+          <a:bodyPr>
+            <a:normAutofit fontScale="92500" lnSpcReduction="10000"/>
+          </a:bodyPr>
           <a:lstStyle/>
           <a:p>
-            <a:endParaRPr lang="en-IN"/>
+            <a:r>
+              <a:rPr lang="en-IN" sz="1600" dirty="0"/>
+              <a:t>Mukherjee, A., Liu, B., Wang, J., Glance, N. and Jindal, N. 2011. Detecting group review spam. In </a:t>
+            </a:r>
+            <a:r>
+              <a:rPr lang="en-IN" sz="1600" i="1" dirty="0"/>
+              <a:t>WWW. </a:t>
+            </a:r>
+            <a:endParaRPr lang="en-IN" sz="1600" i="1" dirty="0" smtClean="0"/>
+          </a:p>
+          <a:p>
+            <a:endParaRPr lang="en-IN" sz="1600" dirty="0"/>
+          </a:p>
+          <a:p>
+            <a:r>
+              <a:rPr lang="en-IN" sz="1600" dirty="0"/>
+              <a:t>Akoglu, L., Chandy, R. and Faloutsos, Christos. 2013. Opinion fraud detection in online reviews by network effects. In </a:t>
+            </a:r>
+            <a:r>
+              <a:rPr lang="en-IN" sz="1600" i="1" dirty="0"/>
+              <a:t>ICWSM </a:t>
+            </a:r>
+            <a:endParaRPr lang="en-IN" sz="1600" i="1" dirty="0" smtClean="0"/>
+          </a:p>
+          <a:p>
+            <a:endParaRPr lang="en-IN" sz="1600" dirty="0"/>
+          </a:p>
+          <a:p>
+            <a:r>
+              <a:rPr lang="en-IN" sz="1600" dirty="0"/>
+              <a:t>Wang, G., Xie, S., Liu, B. and Yu, P. S. 2011. Review graph based online store review spammer detection. In </a:t>
+            </a:r>
+            <a:r>
+              <a:rPr lang="en-IN" sz="1600" i="1" dirty="0"/>
+              <a:t>ICDM, 1242–1247</a:t>
+            </a:r>
+            <a:r>
+              <a:rPr lang="en-IN" sz="1600" i="1" dirty="0" smtClean="0"/>
+              <a:t>.</a:t>
+            </a:r>
+          </a:p>
+          <a:p>
+            <a:endParaRPr lang="en-IN" sz="1600" dirty="0"/>
+          </a:p>
+          <a:p>
+            <a:r>
+              <a:rPr lang="en-IN" sz="1600" dirty="0" err="1"/>
+              <a:t>Geli</a:t>
+            </a:r>
+            <a:r>
+              <a:rPr lang="en-IN" sz="1600" dirty="0"/>
+              <a:t> </a:t>
+            </a:r>
+            <a:r>
+              <a:rPr lang="en-IN" sz="1600" dirty="0" err="1"/>
+              <a:t>Fei</a:t>
+            </a:r>
+            <a:r>
+              <a:rPr lang="en-IN" sz="1600" dirty="0"/>
+              <a:t>, Arjun Mukherjee, Bing Liu, </a:t>
+            </a:r>
+            <a:r>
+              <a:rPr lang="en-IN" sz="1600" dirty="0" err="1"/>
+              <a:t>Meichun</a:t>
+            </a:r>
+            <a:r>
+              <a:rPr lang="en-IN" sz="1600" dirty="0"/>
+              <a:t> Hsu, </a:t>
+            </a:r>
+            <a:r>
+              <a:rPr lang="en-IN" sz="1600" dirty="0" err="1"/>
+              <a:t>Malu</a:t>
+            </a:r>
+            <a:r>
+              <a:rPr lang="en-IN" sz="1600" dirty="0"/>
+              <a:t> Castellanos, and </a:t>
+            </a:r>
+            <a:r>
+              <a:rPr lang="en-IN" sz="1600" dirty="0" err="1"/>
+              <a:t>Riddhiman</a:t>
+            </a:r>
+            <a:r>
+              <a:rPr lang="en-IN" sz="1600" dirty="0"/>
+              <a:t> Ghosh. Exploiting Burstiness in Reviews for Review Spammer Detection. In </a:t>
+            </a:r>
+            <a:r>
+              <a:rPr lang="en-IN" sz="1600" i="1" dirty="0"/>
+              <a:t>ICWSM. 2013</a:t>
+            </a:r>
+            <a:r>
+              <a:rPr lang="en-IN" sz="1600" dirty="0" smtClean="0"/>
+              <a:t>.</a:t>
+            </a:r>
+          </a:p>
+          <a:p>
+            <a:endParaRPr lang="en-IN" sz="1600" dirty="0" smtClean="0"/>
+          </a:p>
+          <a:p>
+            <a:r>
+              <a:rPr lang="en-IN" sz="1600" dirty="0" smtClean="0"/>
+              <a:t>Jindal</a:t>
+            </a:r>
+            <a:r>
+              <a:rPr lang="en-IN" sz="1600" dirty="0"/>
+              <a:t>, Nitin, and Bing Liu. "Review spam detection." Proceedings of the 16th international conference on World Wide Web. </a:t>
+            </a:r>
+            <a:r>
+              <a:rPr lang="en-IN" sz="1600" i="1" dirty="0"/>
+              <a:t>ACM, 2007</a:t>
+            </a:r>
+            <a:r>
+              <a:rPr lang="en-IN" sz="1600" dirty="0" smtClean="0"/>
+              <a:t>.</a:t>
+            </a:r>
+          </a:p>
+          <a:p>
+            <a:endParaRPr lang="en-IN" sz="1600" dirty="0"/>
+          </a:p>
+          <a:p>
+            <a:r>
+              <a:rPr lang="en-IN" sz="1600" dirty="0" err="1"/>
+              <a:t>Broder</a:t>
+            </a:r>
+            <a:r>
+              <a:rPr lang="en-IN" sz="1600" dirty="0"/>
+              <a:t>, A. Z. On the resemblance and containment of documents. In Proceedings of Compression and Complexity of Sequences 1997, IEEE Computer Society, 1997.</a:t>
+            </a:r>
+          </a:p>
+          <a:p>
+            <a:endParaRPr lang="en-IN" sz="2400" dirty="0"/>
           </a:p>
         </p:txBody>
       </p:sp>
@@ -3375,7 +8081,7 @@
 </p:sld>
 </file>
 
-<file path=ppt/slides/slide6.xml><?xml version="1.0" encoding="utf-8"?>
+<file path=ppt/slides/slide19.xml><?xml version="1.0" encoding="utf-8"?>
 <p:sld xmlns:a="http://schemas.openxmlformats.org/drawingml/2006/main" xmlns:r="http://schemas.openxmlformats.org/officeDocument/2006/relationships" xmlns:p="http://schemas.openxmlformats.org/presentationml/2006/main">
   <p:cSld>
     <p:spTree>
@@ -3610,6 +8316,1302 @@
     <p:extLst>
       <p:ext uri="{BB962C8B-B14F-4D97-AF65-F5344CB8AC3E}">
         <p14:creationId xmlns:p14="http://schemas.microsoft.com/office/powerpoint/2010/main" val="3141744736"/>
+      </p:ext>
+    </p:extLst>
+  </p:cSld>
+  <p:clrMapOvr>
+    <a:masterClrMapping/>
+  </p:clrMapOvr>
+  <p:timing>
+    <p:tnLst>
+      <p:par>
+        <p:cTn id="1" dur="indefinite" restart="never" nodeType="tmRoot"/>
+      </p:par>
+    </p:tnLst>
+  </p:timing>
+</p:sld>
+</file>
+
+<file path=ppt/slides/slide2.xml><?xml version="1.0" encoding="utf-8"?>
+<p:sld xmlns:a="http://schemas.openxmlformats.org/drawingml/2006/main" xmlns:r="http://schemas.openxmlformats.org/officeDocument/2006/relationships" xmlns:p="http://schemas.openxmlformats.org/presentationml/2006/main">
+  <p:cSld>
+    <p:spTree>
+      <p:nvGrpSpPr>
+        <p:cNvPr id="1" name=""/>
+        <p:cNvGrpSpPr/>
+        <p:nvPr/>
+      </p:nvGrpSpPr>
+      <p:grpSpPr>
+        <a:xfrm>
+          <a:off x="0" y="0"/>
+          <a:ext cx="0" cy="0"/>
+          <a:chOff x="0" y="0"/>
+          <a:chExt cx="0" cy="0"/>
+        </a:xfrm>
+      </p:grpSpPr>
+      <p:sp>
+        <p:nvSpPr>
+          <p:cNvPr id="2" name="Title 1"/>
+          <p:cNvSpPr>
+            <a:spLocks noGrp="1"/>
+          </p:cNvSpPr>
+          <p:nvPr>
+            <p:ph type="title"/>
+          </p:nvPr>
+        </p:nvSpPr>
+        <p:spPr/>
+        <p:txBody>
+          <a:bodyPr/>
+          <a:lstStyle/>
+          <a:p>
+            <a:r>
+              <a:rPr lang="en-IN" dirty="0" smtClean="0"/>
+              <a:t>Motivation</a:t>
+            </a:r>
+            <a:endParaRPr lang="en-IN" dirty="0"/>
+          </a:p>
+        </p:txBody>
+      </p:sp>
+      <p:sp>
+        <p:nvSpPr>
+          <p:cNvPr id="3" name="Content Placeholder 2"/>
+          <p:cNvSpPr>
+            <a:spLocks noGrp="1"/>
+          </p:cNvSpPr>
+          <p:nvPr>
+            <p:ph idx="1"/>
+          </p:nvPr>
+        </p:nvSpPr>
+        <p:spPr/>
+        <p:txBody>
+          <a:bodyPr/>
+          <a:lstStyle/>
+          <a:p>
+            <a:r>
+              <a:rPr lang="en-IN" dirty="0" smtClean="0"/>
+              <a:t>Online reviews influences potential customers` choice of purchases</a:t>
+            </a:r>
+          </a:p>
+          <a:p>
+            <a:r>
+              <a:rPr lang="en-IN" dirty="0" smtClean="0"/>
+              <a:t>Decides the fate of the product</a:t>
+            </a:r>
+          </a:p>
+          <a:p>
+            <a:r>
+              <a:rPr lang="en-IN" dirty="0" smtClean="0"/>
+              <a:t>People are paid to write untruthful reviews</a:t>
+            </a:r>
+          </a:p>
+          <a:p>
+            <a:r>
+              <a:rPr lang="en-IN" dirty="0" smtClean="0"/>
+              <a:t>So, there is a need to identify such reviews</a:t>
+            </a:r>
+            <a:endParaRPr lang="en-IN" dirty="0"/>
+          </a:p>
+        </p:txBody>
+      </p:sp>
+    </p:spTree>
+    <p:extLst>
+      <p:ext uri="{BB962C8B-B14F-4D97-AF65-F5344CB8AC3E}">
+        <p14:creationId xmlns:p14="http://schemas.microsoft.com/office/powerpoint/2010/main" val="2462555791"/>
+      </p:ext>
+    </p:extLst>
+  </p:cSld>
+  <p:clrMapOvr>
+    <a:masterClrMapping/>
+  </p:clrMapOvr>
+  <p:timing>
+    <p:tnLst>
+      <p:par>
+        <p:cTn id="1" dur="indefinite" restart="never" nodeType="tmRoot"/>
+      </p:par>
+    </p:tnLst>
+  </p:timing>
+</p:sld>
+</file>
+
+<file path=ppt/slides/slide3.xml><?xml version="1.0" encoding="utf-8"?>
+<p:sld xmlns:a="http://schemas.openxmlformats.org/drawingml/2006/main" xmlns:r="http://schemas.openxmlformats.org/officeDocument/2006/relationships" xmlns:p="http://schemas.openxmlformats.org/presentationml/2006/main">
+  <p:cSld>
+    <p:spTree>
+      <p:nvGrpSpPr>
+        <p:cNvPr id="1" name=""/>
+        <p:cNvGrpSpPr/>
+        <p:nvPr/>
+      </p:nvGrpSpPr>
+      <p:grpSpPr>
+        <a:xfrm>
+          <a:off x="0" y="0"/>
+          <a:ext cx="0" cy="0"/>
+          <a:chOff x="0" y="0"/>
+          <a:chExt cx="0" cy="0"/>
+        </a:xfrm>
+      </p:grpSpPr>
+      <p:sp>
+        <p:nvSpPr>
+          <p:cNvPr id="2" name="Title 1"/>
+          <p:cNvSpPr>
+            <a:spLocks noGrp="1"/>
+          </p:cNvSpPr>
+          <p:nvPr>
+            <p:ph type="title"/>
+          </p:nvPr>
+        </p:nvSpPr>
+        <p:spPr/>
+        <p:txBody>
+          <a:bodyPr/>
+          <a:lstStyle/>
+          <a:p>
+            <a:r>
+              <a:rPr lang="en-IN" dirty="0" smtClean="0"/>
+              <a:t>Problem Statement</a:t>
+            </a:r>
+            <a:endParaRPr lang="en-IN" dirty="0"/>
+          </a:p>
+        </p:txBody>
+      </p:sp>
+      <p:sp>
+        <p:nvSpPr>
+          <p:cNvPr id="3" name="Content Placeholder 2"/>
+          <p:cNvSpPr>
+            <a:spLocks noGrp="1"/>
+          </p:cNvSpPr>
+          <p:nvPr>
+            <p:ph idx="1"/>
+          </p:nvPr>
+        </p:nvSpPr>
+        <p:spPr/>
+        <p:txBody>
+          <a:bodyPr/>
+          <a:lstStyle/>
+          <a:p>
+            <a:r>
+              <a:rPr lang="en-IN" dirty="0" smtClean="0"/>
+              <a:t>Identify online review spam using Fraud Eagle Framework</a:t>
+            </a:r>
+          </a:p>
+          <a:p>
+            <a:r>
+              <a:rPr lang="en-IN" dirty="0" smtClean="0"/>
+              <a:t>Fraud Eagle Framework – Proposed by Akoglu et al.</a:t>
+            </a:r>
+          </a:p>
+          <a:p>
+            <a:r>
+              <a:rPr lang="en-IN" dirty="0" smtClean="0"/>
+              <a:t>Fraud Eagle works fairly well</a:t>
+            </a:r>
+          </a:p>
+        </p:txBody>
+      </p:sp>
+    </p:spTree>
+    <p:extLst>
+      <p:ext uri="{BB962C8B-B14F-4D97-AF65-F5344CB8AC3E}">
+        <p14:creationId xmlns:p14="http://schemas.microsoft.com/office/powerpoint/2010/main" val="3475944077"/>
+      </p:ext>
+    </p:extLst>
+  </p:cSld>
+  <p:clrMapOvr>
+    <a:masterClrMapping/>
+  </p:clrMapOvr>
+  <p:timing>
+    <p:tnLst>
+      <p:par>
+        <p:cTn id="1" dur="indefinite" restart="never" nodeType="tmRoot"/>
+      </p:par>
+    </p:tnLst>
+  </p:timing>
+</p:sld>
+</file>
+
+<file path=ppt/slides/slide4.xml><?xml version="1.0" encoding="utf-8"?>
+<p:sld xmlns:a="http://schemas.openxmlformats.org/drawingml/2006/main" xmlns:r="http://schemas.openxmlformats.org/officeDocument/2006/relationships" xmlns:p="http://schemas.openxmlformats.org/presentationml/2006/main">
+  <p:cSld>
+    <p:spTree>
+      <p:nvGrpSpPr>
+        <p:cNvPr id="1" name=""/>
+        <p:cNvGrpSpPr/>
+        <p:nvPr/>
+      </p:nvGrpSpPr>
+      <p:grpSpPr>
+        <a:xfrm>
+          <a:off x="0" y="0"/>
+          <a:ext cx="0" cy="0"/>
+          <a:chOff x="0" y="0"/>
+          <a:chExt cx="0" cy="0"/>
+        </a:xfrm>
+      </p:grpSpPr>
+      <p:sp>
+        <p:nvSpPr>
+          <p:cNvPr id="2" name="Title 1"/>
+          <p:cNvSpPr>
+            <a:spLocks noGrp="1"/>
+          </p:cNvSpPr>
+          <p:nvPr>
+            <p:ph type="title"/>
+          </p:nvPr>
+        </p:nvSpPr>
+        <p:spPr/>
+        <p:txBody>
+          <a:bodyPr/>
+          <a:lstStyle/>
+          <a:p>
+            <a:r>
+              <a:rPr lang="en-IN" dirty="0" smtClean="0"/>
+              <a:t>So, what did we do?</a:t>
+            </a:r>
+            <a:endParaRPr lang="en-IN" dirty="0"/>
+          </a:p>
+        </p:txBody>
+      </p:sp>
+      <p:sp>
+        <p:nvSpPr>
+          <p:cNvPr id="3" name="Content Placeholder 2"/>
+          <p:cNvSpPr>
+            <a:spLocks noGrp="1"/>
+          </p:cNvSpPr>
+          <p:nvPr>
+            <p:ph idx="1"/>
+          </p:nvPr>
+        </p:nvSpPr>
+        <p:spPr/>
+        <p:txBody>
+          <a:bodyPr/>
+          <a:lstStyle/>
+          <a:p>
+            <a:r>
+              <a:rPr lang="en-IN" dirty="0" smtClean="0"/>
+              <a:t>We are interested in improving the algorithm</a:t>
+            </a:r>
+            <a:endParaRPr lang="en-IN" dirty="0"/>
+          </a:p>
+        </p:txBody>
+      </p:sp>
+    </p:spTree>
+    <p:extLst>
+      <p:ext uri="{BB962C8B-B14F-4D97-AF65-F5344CB8AC3E}">
+        <p14:creationId xmlns:p14="http://schemas.microsoft.com/office/powerpoint/2010/main" val="4169309942"/>
+      </p:ext>
+    </p:extLst>
+  </p:cSld>
+  <p:clrMapOvr>
+    <a:masterClrMapping/>
+  </p:clrMapOvr>
+  <p:timing>
+    <p:tnLst>
+      <p:par>
+        <p:cTn id="1" dur="indefinite" restart="never" nodeType="tmRoot"/>
+      </p:par>
+    </p:tnLst>
+  </p:timing>
+</p:sld>
+</file>
+
+<file path=ppt/slides/slide5.xml><?xml version="1.0" encoding="utf-8"?>
+<p:sld xmlns:a="http://schemas.openxmlformats.org/drawingml/2006/main" xmlns:r="http://schemas.openxmlformats.org/officeDocument/2006/relationships" xmlns:p="http://schemas.openxmlformats.org/presentationml/2006/main">
+  <p:cSld>
+    <p:spTree>
+      <p:nvGrpSpPr>
+        <p:cNvPr id="1" name=""/>
+        <p:cNvGrpSpPr/>
+        <p:nvPr/>
+      </p:nvGrpSpPr>
+      <p:grpSpPr>
+        <a:xfrm>
+          <a:off x="0" y="0"/>
+          <a:ext cx="0" cy="0"/>
+          <a:chOff x="0" y="0"/>
+          <a:chExt cx="0" cy="0"/>
+        </a:xfrm>
+      </p:grpSpPr>
+      <p:sp>
+        <p:nvSpPr>
+          <p:cNvPr id="2" name="Title 1"/>
+          <p:cNvSpPr>
+            <a:spLocks noGrp="1"/>
+          </p:cNvSpPr>
+          <p:nvPr>
+            <p:ph type="title"/>
+          </p:nvPr>
+        </p:nvSpPr>
+        <p:spPr/>
+        <p:txBody>
+          <a:bodyPr/>
+          <a:lstStyle/>
+          <a:p>
+            <a:r>
+              <a:rPr lang="en-IN" dirty="0" smtClean="0"/>
+              <a:t>How do we do that?</a:t>
+            </a:r>
+            <a:endParaRPr lang="en-IN" dirty="0"/>
+          </a:p>
+        </p:txBody>
+      </p:sp>
+      <p:sp>
+        <p:nvSpPr>
+          <p:cNvPr id="3" name="Content Placeholder 2"/>
+          <p:cNvSpPr>
+            <a:spLocks noGrp="1"/>
+          </p:cNvSpPr>
+          <p:nvPr>
+            <p:ph idx="1"/>
+          </p:nvPr>
+        </p:nvSpPr>
+        <p:spPr/>
+        <p:txBody>
+          <a:bodyPr/>
+          <a:lstStyle/>
+          <a:p>
+            <a:r>
+              <a:rPr lang="en-IN" dirty="0" smtClean="0"/>
+              <a:t>Introducing more orthogonalities</a:t>
+            </a:r>
+          </a:p>
+          <a:p>
+            <a:pPr lvl="1"/>
+            <a:r>
+              <a:rPr lang="en-IN" dirty="0" smtClean="0"/>
+              <a:t>Usefulness count from reviews</a:t>
+            </a:r>
+          </a:p>
+          <a:p>
+            <a:pPr lvl="1"/>
+            <a:r>
+              <a:rPr lang="en-IN" dirty="0" smtClean="0"/>
+              <a:t>Duplicates in reviews</a:t>
+            </a:r>
+          </a:p>
+          <a:p>
+            <a:pPr lvl="1"/>
+            <a:r>
+              <a:rPr lang="en-IN" dirty="0" smtClean="0"/>
+              <a:t>Verified Purchased Tags</a:t>
+            </a:r>
+            <a:endParaRPr lang="en-IN" dirty="0"/>
+          </a:p>
+          <a:p>
+            <a:r>
+              <a:rPr lang="en-IN" dirty="0" smtClean="0"/>
+              <a:t>These new attributes are plugged into FE as priors</a:t>
+            </a:r>
+          </a:p>
+        </p:txBody>
+      </p:sp>
+    </p:spTree>
+    <p:extLst>
+      <p:ext uri="{BB962C8B-B14F-4D97-AF65-F5344CB8AC3E}">
+        <p14:creationId xmlns:p14="http://schemas.microsoft.com/office/powerpoint/2010/main" val="989950259"/>
+      </p:ext>
+    </p:extLst>
+  </p:cSld>
+  <p:clrMapOvr>
+    <a:masterClrMapping/>
+  </p:clrMapOvr>
+  <p:timing>
+    <p:tnLst>
+      <p:par>
+        <p:cTn id="1" dur="indefinite" restart="never" nodeType="tmRoot"/>
+      </p:par>
+    </p:tnLst>
+  </p:timing>
+</p:sld>
+</file>
+
+<file path=ppt/slides/slide6.xml><?xml version="1.0" encoding="utf-8"?>
+<p:sld xmlns:a="http://schemas.openxmlformats.org/drawingml/2006/main" xmlns:r="http://schemas.openxmlformats.org/officeDocument/2006/relationships" xmlns:p="http://schemas.openxmlformats.org/presentationml/2006/main">
+  <p:cSld>
+    <p:spTree>
+      <p:nvGrpSpPr>
+        <p:cNvPr id="1" name=""/>
+        <p:cNvGrpSpPr/>
+        <p:nvPr/>
+      </p:nvGrpSpPr>
+      <p:grpSpPr>
+        <a:xfrm>
+          <a:off x="0" y="0"/>
+          <a:ext cx="0" cy="0"/>
+          <a:chOff x="0" y="0"/>
+          <a:chExt cx="0" cy="0"/>
+        </a:xfrm>
+      </p:grpSpPr>
+      <p:sp>
+        <p:nvSpPr>
+          <p:cNvPr id="2" name="Title 1"/>
+          <p:cNvSpPr>
+            <a:spLocks noGrp="1"/>
+          </p:cNvSpPr>
+          <p:nvPr>
+            <p:ph type="title"/>
+          </p:nvPr>
+        </p:nvSpPr>
+        <p:spPr/>
+        <p:txBody>
+          <a:bodyPr/>
+          <a:lstStyle/>
+          <a:p>
+            <a:r>
+              <a:rPr lang="en-IN" dirty="0"/>
+              <a:t>How did it get </a:t>
+            </a:r>
+            <a:r>
+              <a:rPr lang="en-IN" dirty="0" smtClean="0"/>
+              <a:t>improved?</a:t>
+            </a:r>
+            <a:endParaRPr lang="en-IN" dirty="0"/>
+          </a:p>
+        </p:txBody>
+      </p:sp>
+      <p:sp>
+        <p:nvSpPr>
+          <p:cNvPr id="3" name="Content Placeholder 2"/>
+          <p:cNvSpPr>
+            <a:spLocks noGrp="1"/>
+          </p:cNvSpPr>
+          <p:nvPr>
+            <p:ph idx="1"/>
+          </p:nvPr>
+        </p:nvSpPr>
+        <p:spPr/>
+        <p:txBody>
+          <a:bodyPr/>
+          <a:lstStyle/>
+          <a:p>
+            <a:endParaRPr lang="en-IN" dirty="0" smtClean="0"/>
+          </a:p>
+          <a:p>
+            <a:r>
+              <a:rPr lang="en-IN" dirty="0" smtClean="0"/>
+              <a:t>Well, its discussed in coming few slides</a:t>
+            </a:r>
+            <a:endParaRPr lang="en-IN" dirty="0"/>
+          </a:p>
+        </p:txBody>
+      </p:sp>
+    </p:spTree>
+    <p:extLst>
+      <p:ext uri="{BB962C8B-B14F-4D97-AF65-F5344CB8AC3E}">
+        <p14:creationId xmlns:p14="http://schemas.microsoft.com/office/powerpoint/2010/main" val="1200668377"/>
+      </p:ext>
+    </p:extLst>
+  </p:cSld>
+  <p:clrMapOvr>
+    <a:masterClrMapping/>
+  </p:clrMapOvr>
+  <p:timing>
+    <p:tnLst>
+      <p:par>
+        <p:cTn id="1" dur="indefinite" restart="never" nodeType="tmRoot"/>
+      </p:par>
+    </p:tnLst>
+  </p:timing>
+</p:sld>
+</file>
+
+<file path=ppt/slides/slide7.xml><?xml version="1.0" encoding="utf-8"?>
+<p:sld xmlns:a="http://schemas.openxmlformats.org/drawingml/2006/main" xmlns:r="http://schemas.openxmlformats.org/officeDocument/2006/relationships" xmlns:p="http://schemas.openxmlformats.org/presentationml/2006/main">
+  <p:cSld>
+    <p:spTree>
+      <p:nvGrpSpPr>
+        <p:cNvPr id="1" name=""/>
+        <p:cNvGrpSpPr/>
+        <p:nvPr/>
+      </p:nvGrpSpPr>
+      <p:grpSpPr>
+        <a:xfrm>
+          <a:off x="0" y="0"/>
+          <a:ext cx="0" cy="0"/>
+          <a:chOff x="0" y="0"/>
+          <a:chExt cx="0" cy="0"/>
+        </a:xfrm>
+      </p:grpSpPr>
+      <p:sp>
+        <p:nvSpPr>
+          <p:cNvPr id="2" name="Title 1"/>
+          <p:cNvSpPr>
+            <a:spLocks noGrp="1"/>
+          </p:cNvSpPr>
+          <p:nvPr>
+            <p:ph type="title"/>
+          </p:nvPr>
+        </p:nvSpPr>
+        <p:spPr/>
+        <p:txBody>
+          <a:bodyPr/>
+          <a:lstStyle/>
+          <a:p>
+            <a:r>
+              <a:rPr lang="en-IN" dirty="0" smtClean="0"/>
+              <a:t>New features -</a:t>
+            </a:r>
+            <a:r>
+              <a:rPr lang="en-IN" dirty="0" smtClean="0"/>
+              <a:t> How did we get them?</a:t>
+            </a:r>
+            <a:endParaRPr lang="en-IN" dirty="0"/>
+          </a:p>
+        </p:txBody>
+      </p:sp>
+      <p:sp>
+        <p:nvSpPr>
+          <p:cNvPr id="3" name="Content Placeholder 2"/>
+          <p:cNvSpPr>
+            <a:spLocks noGrp="1"/>
+          </p:cNvSpPr>
+          <p:nvPr>
+            <p:ph idx="1"/>
+          </p:nvPr>
+        </p:nvSpPr>
+        <p:spPr/>
+        <p:txBody>
+          <a:bodyPr/>
+          <a:lstStyle/>
+          <a:p>
+            <a:r>
+              <a:rPr lang="en-IN" dirty="0" smtClean="0"/>
+              <a:t>Useful Count – Yelp and Amazon provides</a:t>
+            </a:r>
+          </a:p>
+          <a:p>
+            <a:r>
+              <a:rPr lang="en-IN" dirty="0" smtClean="0"/>
+              <a:t>Verified Purchased – Amazon endorses the reviews</a:t>
+            </a:r>
+          </a:p>
+          <a:p>
+            <a:r>
+              <a:rPr lang="en-IN" dirty="0" smtClean="0"/>
+              <a:t>Duplicate Count</a:t>
+            </a:r>
+          </a:p>
+          <a:p>
+            <a:pPr lvl="1"/>
+            <a:r>
+              <a:rPr lang="en-IN" dirty="0" smtClean="0"/>
+              <a:t>Computed using cosine similarity</a:t>
+            </a:r>
+          </a:p>
+          <a:p>
+            <a:pPr lvl="1"/>
+            <a:r>
+              <a:rPr lang="en-IN" dirty="0" smtClean="0"/>
+              <a:t>Duplicate Candidates</a:t>
+            </a:r>
+          </a:p>
+          <a:p>
+            <a:pPr lvl="2"/>
+            <a:r>
+              <a:rPr lang="en-IN" dirty="0" smtClean="0"/>
+              <a:t>Similarity Score </a:t>
+            </a:r>
+            <a:r>
+              <a:rPr lang="en-IN" dirty="0" smtClean="0"/>
+              <a:t>&gt; 0.85</a:t>
+            </a:r>
+          </a:p>
+          <a:p>
+            <a:pPr lvl="1"/>
+            <a:r>
+              <a:rPr lang="en-IN" dirty="0" smtClean="0"/>
+              <a:t>Computing Cosine </a:t>
+            </a:r>
+            <a:r>
+              <a:rPr lang="en-IN" dirty="0" err="1" smtClean="0"/>
+              <a:t>sim</a:t>
+            </a:r>
+            <a:r>
+              <a:rPr lang="en-IN" dirty="0" smtClean="0"/>
+              <a:t> – Tedious task</a:t>
+            </a:r>
+          </a:p>
+          <a:p>
+            <a:pPr lvl="1"/>
+            <a:r>
+              <a:rPr lang="en-IN" dirty="0" smtClean="0"/>
+              <a:t>Limited the # of reviews to 5000 for calculating cosine similarity</a:t>
+            </a:r>
+          </a:p>
+          <a:p>
+            <a:pPr lvl="1"/>
+            <a:endParaRPr lang="en-IN" dirty="0" smtClean="0"/>
+          </a:p>
+          <a:p>
+            <a:endParaRPr lang="en-IN" dirty="0"/>
+          </a:p>
+        </p:txBody>
+      </p:sp>
+    </p:spTree>
+    <p:extLst>
+      <p:ext uri="{BB962C8B-B14F-4D97-AF65-F5344CB8AC3E}">
+        <p14:creationId xmlns:p14="http://schemas.microsoft.com/office/powerpoint/2010/main" val="2738288293"/>
+      </p:ext>
+    </p:extLst>
+  </p:cSld>
+  <p:clrMapOvr>
+    <a:masterClrMapping/>
+  </p:clrMapOvr>
+  <p:timing>
+    <p:tnLst>
+      <p:par>
+        <p:cTn id="1" dur="indefinite" restart="never" nodeType="tmRoot"/>
+      </p:par>
+    </p:tnLst>
+  </p:timing>
+</p:sld>
+</file>
+
+<file path=ppt/slides/slide8.xml><?xml version="1.0" encoding="utf-8"?>
+<p:sld xmlns:a="http://schemas.openxmlformats.org/drawingml/2006/main" xmlns:r="http://schemas.openxmlformats.org/officeDocument/2006/relationships" xmlns:p="http://schemas.openxmlformats.org/presentationml/2006/main">
+  <p:cSld>
+    <p:spTree>
+      <p:nvGrpSpPr>
+        <p:cNvPr id="1" name=""/>
+        <p:cNvGrpSpPr/>
+        <p:nvPr/>
+      </p:nvGrpSpPr>
+      <p:grpSpPr>
+        <a:xfrm>
+          <a:off x="0" y="0"/>
+          <a:ext cx="0" cy="0"/>
+          <a:chOff x="0" y="0"/>
+          <a:chExt cx="0" cy="0"/>
+        </a:xfrm>
+      </p:grpSpPr>
+      <p:sp>
+        <p:nvSpPr>
+          <p:cNvPr id="2" name="Title 1"/>
+          <p:cNvSpPr>
+            <a:spLocks noGrp="1"/>
+          </p:cNvSpPr>
+          <p:nvPr>
+            <p:ph type="title"/>
+          </p:nvPr>
+        </p:nvSpPr>
+        <p:spPr/>
+        <p:txBody>
+          <a:bodyPr/>
+          <a:lstStyle/>
+          <a:p>
+            <a:r>
+              <a:rPr lang="en-IN" dirty="0" smtClean="0"/>
+              <a:t>Dataset</a:t>
+            </a:r>
+            <a:endParaRPr lang="en-IN" dirty="0"/>
+          </a:p>
+        </p:txBody>
+      </p:sp>
+      <p:sp>
+        <p:nvSpPr>
+          <p:cNvPr id="3" name="Content Placeholder 2"/>
+          <p:cNvSpPr>
+            <a:spLocks noGrp="1"/>
+          </p:cNvSpPr>
+          <p:nvPr>
+            <p:ph idx="1"/>
+          </p:nvPr>
+        </p:nvSpPr>
+        <p:spPr/>
+        <p:txBody>
+          <a:bodyPr/>
+          <a:lstStyle/>
+          <a:p>
+            <a:r>
+              <a:rPr lang="en-IN" dirty="0" smtClean="0"/>
+              <a:t>Yelp – Academic Dataset</a:t>
+            </a:r>
+          </a:p>
+          <a:p>
+            <a:endParaRPr lang="en-IN" dirty="0" smtClean="0"/>
+          </a:p>
+          <a:p>
+            <a:r>
+              <a:rPr lang="en-IN" dirty="0" smtClean="0"/>
+              <a:t>Yelp – Crawled Recommended &amp; Non-Recommended</a:t>
+            </a:r>
+          </a:p>
+          <a:p>
+            <a:endParaRPr lang="en-IN" dirty="0" smtClean="0"/>
+          </a:p>
+          <a:p>
+            <a:r>
+              <a:rPr lang="en-IN" dirty="0" smtClean="0"/>
+              <a:t>Amazon – Crawled Data  esp</a:t>
+            </a:r>
+            <a:r>
+              <a:rPr lang="en-IN" dirty="0" smtClean="0"/>
+              <a:t>., for </a:t>
+            </a:r>
+            <a:r>
+              <a:rPr lang="en-IN" dirty="0" smtClean="0"/>
+              <a:t>“Verified Purchased”</a:t>
+            </a:r>
+            <a:endParaRPr lang="en-IN" dirty="0"/>
+          </a:p>
+        </p:txBody>
+      </p:sp>
+    </p:spTree>
+    <p:extLst>
+      <p:ext uri="{BB962C8B-B14F-4D97-AF65-F5344CB8AC3E}">
+        <p14:creationId xmlns:p14="http://schemas.microsoft.com/office/powerpoint/2010/main" val="869032784"/>
+      </p:ext>
+    </p:extLst>
+  </p:cSld>
+  <p:clrMapOvr>
+    <a:masterClrMapping/>
+  </p:clrMapOvr>
+  <p:timing>
+    <p:tnLst>
+      <p:par>
+        <p:cTn id="1" dur="indefinite" restart="never" nodeType="tmRoot"/>
+      </p:par>
+    </p:tnLst>
+  </p:timing>
+</p:sld>
+</file>
+
+<file path=ppt/slides/slide9.xml><?xml version="1.0" encoding="utf-8"?>
+<p:sld xmlns:a="http://schemas.openxmlformats.org/drawingml/2006/main" xmlns:r="http://schemas.openxmlformats.org/officeDocument/2006/relationships" xmlns:p="http://schemas.openxmlformats.org/presentationml/2006/main">
+  <p:cSld>
+    <p:spTree>
+      <p:nvGrpSpPr>
+        <p:cNvPr id="1" name=""/>
+        <p:cNvGrpSpPr/>
+        <p:nvPr/>
+      </p:nvGrpSpPr>
+      <p:grpSpPr>
+        <a:xfrm>
+          <a:off x="0" y="0"/>
+          <a:ext cx="0" cy="0"/>
+          <a:chOff x="0" y="0"/>
+          <a:chExt cx="0" cy="0"/>
+        </a:xfrm>
+      </p:grpSpPr>
+      <p:sp>
+        <p:nvSpPr>
+          <p:cNvPr id="2" name="Title 1"/>
+          <p:cNvSpPr>
+            <a:spLocks noGrp="1"/>
+          </p:cNvSpPr>
+          <p:nvPr>
+            <p:ph type="title"/>
+          </p:nvPr>
+        </p:nvSpPr>
+        <p:spPr/>
+        <p:txBody>
+          <a:bodyPr/>
+          <a:lstStyle/>
+          <a:p>
+            <a:r>
+              <a:rPr lang="en-IN" dirty="0" smtClean="0"/>
+              <a:t>More about Dataset</a:t>
+            </a:r>
+            <a:endParaRPr lang="en-IN" dirty="0"/>
+          </a:p>
+        </p:txBody>
+      </p:sp>
+      <p:graphicFrame>
+        <p:nvGraphicFramePr>
+          <p:cNvPr id="4" name="Content Placeholder 3"/>
+          <p:cNvGraphicFramePr>
+            <a:graphicFrameLocks noGrp="1"/>
+          </p:cNvGraphicFramePr>
+          <p:nvPr>
+            <p:ph idx="1"/>
+            <p:extLst>
+              <p:ext uri="{D42A27DB-BD31-4B8C-83A1-F6EECF244321}">
+                <p14:modId xmlns:p14="http://schemas.microsoft.com/office/powerpoint/2010/main" val="1679961691"/>
+              </p:ext>
+            </p:extLst>
+          </p:nvPr>
+        </p:nvGraphicFramePr>
+        <p:xfrm>
+          <a:off x="3895298" y="3790903"/>
+          <a:ext cx="2546445" cy="1522777"/>
+        </p:xfrm>
+        <a:graphic>
+          <a:graphicData uri="http://schemas.openxmlformats.org/drawingml/2006/table">
+            <a:tbl>
+              <a:tblPr firstRow="1" bandRow="1">
+                <a:tableStyleId>{46F890A9-2807-4EBB-B81D-B2AA78EC7F39}</a:tableStyleId>
+              </a:tblPr>
+              <a:tblGrid>
+                <a:gridCol w="1174613"/>
+                <a:gridCol w="1371832"/>
+              </a:tblGrid>
+              <a:tr h="370840">
+                <a:tc gridSpan="2">
+                  <a:txBody>
+                    <a:bodyPr/>
+                    <a:lstStyle/>
+                    <a:p>
+                      <a:r>
+                        <a:rPr lang="en-IN" dirty="0" smtClean="0"/>
+                        <a:t>Academic</a:t>
+                      </a:r>
+                      <a:r>
+                        <a:rPr lang="en-IN" baseline="0" dirty="0" smtClean="0"/>
+                        <a:t> Dataset</a:t>
+                      </a:r>
+                      <a:endParaRPr lang="en-IN" dirty="0"/>
+                    </a:p>
+                  </a:txBody>
+                  <a:tcPr/>
+                </a:tc>
+                <a:tc hMerge="1">
+                  <a:txBody>
+                    <a:bodyPr/>
+                    <a:lstStyle/>
+                    <a:p>
+                      <a:endParaRPr lang="en-IN" dirty="0"/>
+                    </a:p>
+                  </a:txBody>
+                  <a:tcPr/>
+                </a:tc>
+              </a:tr>
+              <a:tr h="410257">
+                <a:tc>
+                  <a:txBody>
+                    <a:bodyPr/>
+                    <a:lstStyle/>
+                    <a:p>
+                      <a:r>
+                        <a:rPr lang="en-IN" dirty="0" smtClean="0"/>
+                        <a:t>Users</a:t>
+                      </a:r>
+                      <a:endParaRPr lang="en-IN" dirty="0"/>
+                    </a:p>
+                  </a:txBody>
+                  <a:tcPr/>
+                </a:tc>
+                <a:tc>
+                  <a:txBody>
+                    <a:bodyPr/>
+                    <a:lstStyle/>
+                    <a:p>
+                      <a:r>
+                        <a:rPr lang="en-IN" dirty="0" smtClean="0"/>
+                        <a:t>2,52,899</a:t>
+                      </a:r>
+                      <a:endParaRPr lang="en-IN" dirty="0"/>
+                    </a:p>
+                  </a:txBody>
+                  <a:tcPr/>
+                </a:tc>
+              </a:tr>
+              <a:tr h="370840">
+                <a:tc>
+                  <a:txBody>
+                    <a:bodyPr/>
+                    <a:lstStyle/>
+                    <a:p>
+                      <a:r>
+                        <a:rPr lang="en-IN" dirty="0" smtClean="0"/>
+                        <a:t>Products</a:t>
+                      </a:r>
+                      <a:endParaRPr lang="en-IN" dirty="0"/>
+                    </a:p>
+                  </a:txBody>
+                  <a:tcPr/>
+                </a:tc>
+                <a:tc>
+                  <a:txBody>
+                    <a:bodyPr/>
+                    <a:lstStyle/>
+                    <a:p>
+                      <a:r>
+                        <a:rPr lang="en-IN" dirty="0" smtClean="0"/>
+                        <a:t>42,154</a:t>
+                      </a:r>
+                      <a:endParaRPr lang="en-IN" dirty="0"/>
+                    </a:p>
+                  </a:txBody>
+                  <a:tcPr/>
+                </a:tc>
+              </a:tr>
+              <a:tr h="370840">
+                <a:tc>
+                  <a:txBody>
+                    <a:bodyPr/>
+                    <a:lstStyle/>
+                    <a:p>
+                      <a:r>
+                        <a:rPr lang="en-IN" dirty="0" smtClean="0"/>
+                        <a:t>Reviews</a:t>
+                      </a:r>
+                      <a:endParaRPr lang="en-IN" dirty="0"/>
+                    </a:p>
+                  </a:txBody>
+                  <a:tcPr/>
+                </a:tc>
+                <a:tc>
+                  <a:txBody>
+                    <a:bodyPr/>
+                    <a:lstStyle/>
+                    <a:p>
+                      <a:r>
+                        <a:rPr lang="en-IN" dirty="0" smtClean="0"/>
+                        <a:t>1,125,459</a:t>
+                      </a:r>
+                      <a:endParaRPr lang="en-IN" dirty="0"/>
+                    </a:p>
+                  </a:txBody>
+                  <a:tcPr/>
+                </a:tc>
+              </a:tr>
+            </a:tbl>
+          </a:graphicData>
+        </a:graphic>
+      </p:graphicFrame>
+      <p:graphicFrame>
+        <p:nvGraphicFramePr>
+          <p:cNvPr id="5" name="Content Placeholder 3"/>
+          <p:cNvGraphicFramePr>
+            <a:graphicFrameLocks/>
+          </p:cNvGraphicFramePr>
+          <p:nvPr>
+            <p:extLst>
+              <p:ext uri="{D42A27DB-BD31-4B8C-83A1-F6EECF244321}">
+                <p14:modId xmlns:p14="http://schemas.microsoft.com/office/powerpoint/2010/main" val="3031148327"/>
+              </p:ext>
+            </p:extLst>
+          </p:nvPr>
+        </p:nvGraphicFramePr>
+        <p:xfrm>
+          <a:off x="6570259" y="1897039"/>
+          <a:ext cx="2546445" cy="1517697"/>
+        </p:xfrm>
+        <a:graphic>
+          <a:graphicData uri="http://schemas.openxmlformats.org/drawingml/2006/table">
+            <a:tbl>
+              <a:tblPr firstRow="1" bandRow="1">
+                <a:tableStyleId>{46F890A9-2807-4EBB-B81D-B2AA78EC7F39}</a:tableStyleId>
+              </a:tblPr>
+              <a:tblGrid>
+                <a:gridCol w="1174613"/>
+                <a:gridCol w="1371832"/>
+              </a:tblGrid>
+              <a:tr h="219814">
+                <a:tc gridSpan="2">
+                  <a:txBody>
+                    <a:bodyPr/>
+                    <a:lstStyle/>
+                    <a:p>
+                      <a:r>
+                        <a:rPr lang="en-IN" baseline="0" dirty="0" smtClean="0"/>
+                        <a:t>Non-Rec Dataset</a:t>
+                      </a:r>
+                      <a:endParaRPr lang="en-IN" dirty="0"/>
+                    </a:p>
+                  </a:txBody>
+                  <a:tcPr/>
+                </a:tc>
+                <a:tc hMerge="1">
+                  <a:txBody>
+                    <a:bodyPr/>
+                    <a:lstStyle/>
+                    <a:p>
+                      <a:endParaRPr lang="en-IN" dirty="0"/>
+                    </a:p>
+                  </a:txBody>
+                  <a:tcPr/>
+                </a:tc>
+              </a:tr>
+              <a:tr h="410257">
+                <a:tc>
+                  <a:txBody>
+                    <a:bodyPr/>
+                    <a:lstStyle/>
+                    <a:p>
+                      <a:r>
+                        <a:rPr lang="en-IN" dirty="0" smtClean="0"/>
+                        <a:t>Users</a:t>
+                      </a:r>
+                      <a:endParaRPr lang="en-IN" dirty="0"/>
+                    </a:p>
+                  </a:txBody>
+                  <a:tcPr/>
+                </a:tc>
+                <a:tc>
+                  <a:txBody>
+                    <a:bodyPr/>
+                    <a:lstStyle/>
+                    <a:p>
+                      <a:r>
+                        <a:rPr lang="en-IN" sz="1800" b="0" i="0" kern="1200" dirty="0" smtClean="0">
+                          <a:solidFill>
+                            <a:schemeClr val="dk1"/>
+                          </a:solidFill>
+                          <a:effectLst/>
+                          <a:latin typeface="+mn-lt"/>
+                          <a:ea typeface="+mn-ea"/>
+                          <a:cs typeface="+mn-cs"/>
+                        </a:rPr>
+                        <a:t>15,971</a:t>
+                      </a:r>
+                      <a:endParaRPr lang="en-IN" dirty="0"/>
+                    </a:p>
+                  </a:txBody>
+                  <a:tcPr/>
+                </a:tc>
+              </a:tr>
+              <a:tr h="370840">
+                <a:tc>
+                  <a:txBody>
+                    <a:bodyPr/>
+                    <a:lstStyle/>
+                    <a:p>
+                      <a:r>
+                        <a:rPr lang="en-IN" dirty="0" smtClean="0"/>
+                        <a:t>Products</a:t>
+                      </a:r>
+                      <a:endParaRPr lang="en-IN" dirty="0"/>
+                    </a:p>
+                  </a:txBody>
+                  <a:tcPr/>
+                </a:tc>
+                <a:tc>
+                  <a:txBody>
+                    <a:bodyPr/>
+                    <a:lstStyle/>
+                    <a:p>
+                      <a:r>
+                        <a:rPr lang="en-IN" sz="1800" b="0" i="0" kern="1200" dirty="0" smtClean="0">
+                          <a:solidFill>
+                            <a:schemeClr val="dk1"/>
+                          </a:solidFill>
+                          <a:effectLst/>
+                          <a:latin typeface="+mn-lt"/>
+                          <a:ea typeface="+mn-ea"/>
+                          <a:cs typeface="+mn-cs"/>
+                        </a:rPr>
+                        <a:t>1,625</a:t>
+                      </a:r>
+                      <a:endParaRPr lang="en-IN" dirty="0"/>
+                    </a:p>
+                  </a:txBody>
+                  <a:tcPr/>
+                </a:tc>
+              </a:tr>
+              <a:tr h="370840">
+                <a:tc>
+                  <a:txBody>
+                    <a:bodyPr/>
+                    <a:lstStyle/>
+                    <a:p>
+                      <a:r>
+                        <a:rPr lang="en-IN" dirty="0" smtClean="0"/>
+                        <a:t>Reviews</a:t>
+                      </a:r>
+                      <a:endParaRPr lang="en-IN" dirty="0"/>
+                    </a:p>
+                  </a:txBody>
+                  <a:tcPr/>
+                </a:tc>
+                <a:tc>
+                  <a:txBody>
+                    <a:bodyPr/>
+                    <a:lstStyle/>
+                    <a:p>
+                      <a:r>
+                        <a:rPr lang="en-IN" sz="1800" b="0" i="0" kern="1200" dirty="0" smtClean="0">
+                          <a:solidFill>
+                            <a:schemeClr val="dk1"/>
+                          </a:solidFill>
+                          <a:effectLst/>
+                          <a:latin typeface="+mn-lt"/>
+                          <a:ea typeface="+mn-ea"/>
+                          <a:cs typeface="+mn-cs"/>
+                        </a:rPr>
+                        <a:t>30,308</a:t>
+                      </a:r>
+                      <a:endParaRPr lang="en-IN" dirty="0"/>
+                    </a:p>
+                  </a:txBody>
+                  <a:tcPr/>
+                </a:tc>
+              </a:tr>
+            </a:tbl>
+          </a:graphicData>
+        </a:graphic>
+      </p:graphicFrame>
+      <p:graphicFrame>
+        <p:nvGraphicFramePr>
+          <p:cNvPr id="6" name="Content Placeholder 3"/>
+          <p:cNvGraphicFramePr>
+            <a:graphicFrameLocks/>
+          </p:cNvGraphicFramePr>
+          <p:nvPr>
+            <p:extLst>
+              <p:ext uri="{D42A27DB-BD31-4B8C-83A1-F6EECF244321}">
+                <p14:modId xmlns:p14="http://schemas.microsoft.com/office/powerpoint/2010/main" val="2404525529"/>
+              </p:ext>
+            </p:extLst>
+          </p:nvPr>
+        </p:nvGraphicFramePr>
+        <p:xfrm>
+          <a:off x="1236260" y="1899313"/>
+          <a:ext cx="2546445" cy="1517697"/>
+        </p:xfrm>
+        <a:graphic>
+          <a:graphicData uri="http://schemas.openxmlformats.org/drawingml/2006/table">
+            <a:tbl>
+              <a:tblPr firstRow="1" bandRow="1">
+                <a:tableStyleId>{46F890A9-2807-4EBB-B81D-B2AA78EC7F39}</a:tableStyleId>
+              </a:tblPr>
+              <a:tblGrid>
+                <a:gridCol w="1174613"/>
+                <a:gridCol w="1371832"/>
+              </a:tblGrid>
+              <a:tr h="219814">
+                <a:tc gridSpan="2">
+                  <a:txBody>
+                    <a:bodyPr/>
+                    <a:lstStyle/>
+                    <a:p>
+                      <a:r>
+                        <a:rPr lang="en-IN" baseline="0" dirty="0" smtClean="0"/>
+                        <a:t>Rec Dataset</a:t>
+                      </a:r>
+                      <a:endParaRPr lang="en-IN" dirty="0"/>
+                    </a:p>
+                  </a:txBody>
+                  <a:tcPr/>
+                </a:tc>
+                <a:tc hMerge="1">
+                  <a:txBody>
+                    <a:bodyPr/>
+                    <a:lstStyle/>
+                    <a:p>
+                      <a:endParaRPr lang="en-IN" dirty="0"/>
+                    </a:p>
+                  </a:txBody>
+                  <a:tcPr/>
+                </a:tc>
+              </a:tr>
+              <a:tr h="410257">
+                <a:tc>
+                  <a:txBody>
+                    <a:bodyPr/>
+                    <a:lstStyle/>
+                    <a:p>
+                      <a:r>
+                        <a:rPr lang="en-IN" dirty="0" smtClean="0"/>
+                        <a:t>Users</a:t>
+                      </a:r>
+                      <a:endParaRPr lang="en-IN" dirty="0"/>
+                    </a:p>
+                  </a:txBody>
+                  <a:tcPr/>
+                </a:tc>
+                <a:tc>
+                  <a:txBody>
+                    <a:bodyPr/>
+                    <a:lstStyle/>
+                    <a:p>
+                      <a:r>
+                        <a:rPr lang="en-IN" sz="1800" b="0" i="0" kern="1200" dirty="0" smtClean="0">
+                          <a:solidFill>
+                            <a:schemeClr val="dk1"/>
+                          </a:solidFill>
+                          <a:effectLst/>
+                          <a:latin typeface="+mn-lt"/>
+                          <a:ea typeface="+mn-ea"/>
+                          <a:cs typeface="+mn-cs"/>
+                        </a:rPr>
+                        <a:t>43,580</a:t>
+                      </a:r>
+                      <a:endParaRPr lang="en-IN" dirty="0"/>
+                    </a:p>
+                  </a:txBody>
+                  <a:tcPr/>
+                </a:tc>
+              </a:tr>
+              <a:tr h="370840">
+                <a:tc>
+                  <a:txBody>
+                    <a:bodyPr/>
+                    <a:lstStyle/>
+                    <a:p>
+                      <a:r>
+                        <a:rPr lang="en-IN" dirty="0" smtClean="0"/>
+                        <a:t>Products</a:t>
+                      </a:r>
+                      <a:endParaRPr lang="en-IN" dirty="0"/>
+                    </a:p>
+                  </a:txBody>
+                  <a:tcPr/>
+                </a:tc>
+                <a:tc>
+                  <a:txBody>
+                    <a:bodyPr/>
+                    <a:lstStyle/>
+                    <a:p>
+                      <a:r>
+                        <a:rPr lang="en-IN" sz="1800" b="0" i="0" kern="1200" dirty="0" smtClean="0">
+                          <a:solidFill>
+                            <a:schemeClr val="dk1"/>
+                          </a:solidFill>
+                          <a:effectLst/>
+                          <a:latin typeface="+mn-lt"/>
+                          <a:ea typeface="+mn-ea"/>
+                          <a:cs typeface="+mn-cs"/>
+                        </a:rPr>
+                        <a:t>1,625</a:t>
+                      </a:r>
+                      <a:endParaRPr lang="en-IN" dirty="0"/>
+                    </a:p>
+                  </a:txBody>
+                  <a:tcPr/>
+                </a:tc>
+              </a:tr>
+              <a:tr h="370840">
+                <a:tc>
+                  <a:txBody>
+                    <a:bodyPr/>
+                    <a:lstStyle/>
+                    <a:p>
+                      <a:r>
+                        <a:rPr lang="en-IN" dirty="0" smtClean="0"/>
+                        <a:t>Reviews</a:t>
+                      </a:r>
+                      <a:endParaRPr lang="en-IN" dirty="0"/>
+                    </a:p>
+                  </a:txBody>
+                  <a:tcPr/>
+                </a:tc>
+                <a:tc>
+                  <a:txBody>
+                    <a:bodyPr/>
+                    <a:lstStyle/>
+                    <a:p>
+                      <a:r>
+                        <a:rPr lang="en-IN" sz="1800" b="0" i="0" kern="1200" dirty="0" smtClean="0">
+                          <a:solidFill>
+                            <a:schemeClr val="dk1"/>
+                          </a:solidFill>
+                          <a:effectLst/>
+                          <a:latin typeface="+mn-lt"/>
+                          <a:ea typeface="+mn-ea"/>
+                          <a:cs typeface="+mn-cs"/>
+                        </a:rPr>
+                        <a:t>2,32,681</a:t>
+                      </a:r>
+                      <a:endParaRPr lang="en-IN" dirty="0"/>
+                    </a:p>
+                  </a:txBody>
+                  <a:tcPr/>
+                </a:tc>
+              </a:tr>
+            </a:tbl>
+          </a:graphicData>
+        </a:graphic>
+      </p:graphicFrame>
+    </p:spTree>
+    <p:extLst>
+      <p:ext uri="{BB962C8B-B14F-4D97-AF65-F5344CB8AC3E}">
+        <p14:creationId xmlns:p14="http://schemas.microsoft.com/office/powerpoint/2010/main" val="233470696"/>
       </p:ext>
     </p:extLst>
   </p:cSld>

--- a/Documents/Presentation/Course591-Final-Presentation.pptx
+++ b/Documents/Presentation/Course591-Final-Presentation.pptx
@@ -8,22 +8,19 @@
     <p:sldId id="256" r:id="rId2"/>
     <p:sldId id="270" r:id="rId3"/>
     <p:sldId id="266" r:id="rId4"/>
-    <p:sldId id="267" r:id="rId5"/>
-    <p:sldId id="268" r:id="rId6"/>
-    <p:sldId id="269" r:id="rId7"/>
-    <p:sldId id="257" r:id="rId8"/>
-    <p:sldId id="262" r:id="rId9"/>
-    <p:sldId id="271" r:id="rId10"/>
-    <p:sldId id="263" r:id="rId11"/>
-    <p:sldId id="264" r:id="rId12"/>
-    <p:sldId id="259" r:id="rId13"/>
-    <p:sldId id="272" r:id="rId14"/>
-    <p:sldId id="273" r:id="rId15"/>
-    <p:sldId id="274" r:id="rId16"/>
-    <p:sldId id="275" r:id="rId17"/>
-    <p:sldId id="276" r:id="rId18"/>
-    <p:sldId id="260" r:id="rId19"/>
-    <p:sldId id="261" r:id="rId20"/>
+    <p:sldId id="268" r:id="rId5"/>
+    <p:sldId id="257" r:id="rId6"/>
+    <p:sldId id="262" r:id="rId7"/>
+    <p:sldId id="271" r:id="rId8"/>
+    <p:sldId id="263" r:id="rId9"/>
+    <p:sldId id="264" r:id="rId10"/>
+    <p:sldId id="259" r:id="rId11"/>
+    <p:sldId id="272" r:id="rId12"/>
+    <p:sldId id="273" r:id="rId13"/>
+    <p:sldId id="274" r:id="rId14"/>
+    <p:sldId id="276" r:id="rId15"/>
+    <p:sldId id="260" r:id="rId16"/>
+    <p:sldId id="261" r:id="rId17"/>
   </p:sldIdLst>
   <p:sldSz cx="12192000" cy="6858000"/>
   <p:notesSz cx="6858000" cy="9144000"/>
@@ -570,12 +567,12 @@
         </c:dLbls>
         <c:gapWidth val="150"/>
         <c:shape val="box"/>
-        <c:axId val="334939032"/>
-        <c:axId val="334942168"/>
+        <c:axId val="230270800"/>
+        <c:axId val="230272760"/>
         <c:axId val="0"/>
       </c:bar3DChart>
       <c:valAx>
-        <c:axId val="334942168"/>
+        <c:axId val="230272760"/>
         <c:scaling>
           <c:orientation val="minMax"/>
         </c:scaling>
@@ -637,12 +634,12 @@
             <a:endParaRPr lang="en-US"/>
           </a:p>
         </c:txPr>
-        <c:crossAx val="334939032"/>
+        <c:crossAx val="230270800"/>
         <c:crosses val="autoZero"/>
         <c:crossBetween val="between"/>
       </c:valAx>
       <c:catAx>
-        <c:axId val="334939032"/>
+        <c:axId val="230270800"/>
         <c:scaling>
           <c:orientation val="minMax"/>
         </c:scaling>
@@ -695,7 +692,7 @@
             <a:endParaRPr lang="en-US"/>
           </a:p>
         </c:txPr>
-        <c:crossAx val="334942168"/>
+        <c:crossAx val="230272760"/>
         <c:crosses val="autoZero"/>
         <c:auto val="1"/>
         <c:lblAlgn val="ctr"/>
@@ -747,82 +744,58 @@
           <c:idx val="0"/>
           <c:order val="0"/>
           <c:tx>
-            <c:v>Honesty Probability (HITS)</c:v>
+            <c:v>Fraud Probability (sIA)</c:v>
           </c:tx>
           <c:invertIfNegative val="0"/>
           <c:cat>
             <c:strRef>
-              <c:f>Sheet2!$A$1:$A$10</c:f>
+              <c:f>'BOT UC'!$E$2:$E$7</c:f>
               <c:strCache>
-                <c:ptCount val="10"/>
+                <c:ptCount val="6"/>
                 <c:pt idx="0">
                   <c:v>Daniel</c:v>
                 </c:pt>
                 <c:pt idx="1">
-                  <c:v>Robert</c:v>
+                  <c:v>Charlie</c:v>
                 </c:pt>
                 <c:pt idx="2">
-                  <c:v>Timothy</c:v>
+                  <c:v>Foster</c:v>
                 </c:pt>
                 <c:pt idx="3">
-                  <c:v>A.D.</c:v>
+                  <c:v>Beatrice</c:v>
                 </c:pt>
                 <c:pt idx="4">
-                  <c:v>Arthur</c:v>
+                  <c:v>Alex</c:v>
                 </c:pt>
                 <c:pt idx="5">
-                  <c:v>Rondell</c:v>
-                </c:pt>
-                <c:pt idx="6">
-                  <c:v>Chris</c:v>
-                </c:pt>
-                <c:pt idx="7">
-                  <c:v>James</c:v>
-                </c:pt>
-                <c:pt idx="8">
-                  <c:v>Lexie</c:v>
-                </c:pt>
-                <c:pt idx="9">
-                  <c:v>Charles</c:v>
+                  <c:v>Emma</c:v>
                 </c:pt>
               </c:strCache>
             </c:strRef>
           </c:cat>
           <c:val>
             <c:numRef>
-              <c:f>Sheet2!$B$1:$B$10</c:f>
+              <c:f>'BOT UC'!$F$2:$F$7</c:f>
               <c:numCache>
                 <c:formatCode>General</c:formatCode>
-                <c:ptCount val="10"/>
+                <c:ptCount val="6"/>
                 <c:pt idx="0">
-                  <c:v>0.99990000000000001</c:v>
+                  <c:v>0.51605500000000004</c:v>
                 </c:pt>
                 <c:pt idx="1">
-                  <c:v>0.99965499999999996</c:v>
+                  <c:v>0.50576699999999952</c:v>
                 </c:pt>
                 <c:pt idx="2">
-                  <c:v>0.99932900000000002</c:v>
+                  <c:v>0.5004039999999994</c:v>
                 </c:pt>
                 <c:pt idx="3">
-                  <c:v>0.99681299999999939</c:v>
+                  <c:v>0.49704100000000001</c:v>
                 </c:pt>
                 <c:pt idx="4">
-                  <c:v>0.99505500000000002</c:v>
+                  <c:v>0.47891000000000017</c:v>
                 </c:pt>
                 <c:pt idx="5">
-                  <c:v>0.9863269999999994</c:v>
-                </c:pt>
-                <c:pt idx="6">
-                  <c:v>0.98631399999999947</c:v>
-                </c:pt>
-                <c:pt idx="7">
-                  <c:v>0.98604999999999998</c:v>
-                </c:pt>
-                <c:pt idx="8">
-                  <c:v>0.98297900000000005</c:v>
-                </c:pt>
-                <c:pt idx="9">
-                  <c:v>0.97332099999999999</c:v>
+                  <c:v>0.45803099999999997</c:v>
                 </c:pt>
               </c:numCache>
             </c:numRef>
@@ -837,11 +810,11 @@
           <c:showBubbleSize val="0"/>
         </c:dLbls>
         <c:gapWidth val="150"/>
-        <c:axId val="335160120"/>
-        <c:axId val="335158160"/>
+        <c:axId val="296020680"/>
+        <c:axId val="296014016"/>
       </c:barChart>
       <c:catAx>
-        <c:axId val="335160120"/>
+        <c:axId val="296020680"/>
         <c:scaling>
           <c:orientation val="minMax"/>
         </c:scaling>
@@ -851,7 +824,7 @@
         <c:majorTickMark val="out"/>
         <c:minorTickMark val="none"/>
         <c:tickLblPos val="nextTo"/>
-        <c:crossAx val="335158160"/>
+        <c:crossAx val="296014016"/>
         <c:crosses val="autoZero"/>
         <c:auto val="1"/>
         <c:lblAlgn val="ctr"/>
@@ -859,7 +832,7 @@
         <c:noMultiLvlLbl val="0"/>
       </c:catAx>
       <c:valAx>
-        <c:axId val="335158160"/>
+        <c:axId val="296014016"/>
         <c:scaling>
           <c:orientation val="minMax"/>
         </c:scaling>
@@ -870,7 +843,7 @@
         <c:majorTickMark val="out"/>
         <c:minorTickMark val="none"/>
         <c:tickLblPos val="nextTo"/>
-        <c:crossAx val="335160120"/>
+        <c:crossAx val="296020680"/>
         <c:crosses val="autoZero"/>
         <c:crossBetween val="between"/>
       </c:valAx>
@@ -882,6 +855,7 @@
   <c:externalData r:id="rId1">
     <c:autoUpdate val="0"/>
   </c:externalData>
+  <c:userShapes r:id="rId2"/>
 </c:chartSpace>
 </file>
 
@@ -914,82 +888,58 @@
           <c:idx val="0"/>
           <c:order val="0"/>
           <c:tx>
-            <c:v>Honesty Probability (sIA)</c:v>
+            <c:v>Fraud Probability (modified sIA ver. 3)</c:v>
           </c:tx>
           <c:invertIfNegative val="0"/>
           <c:cat>
             <c:strRef>
-              <c:f>Sheet2!$D$1:$D$10</c:f>
+              <c:f>'BOT UC'!$J$2:$J$7</c:f>
               <c:strCache>
-                <c:ptCount val="10"/>
+                <c:ptCount val="6"/>
                 <c:pt idx="0">
-                  <c:v>Timothy</c:v>
+                  <c:v>Emma</c:v>
                 </c:pt>
                 <c:pt idx="1">
                   <c:v>Daniel</c:v>
                 </c:pt>
                 <c:pt idx="2">
-                  <c:v>Colin</c:v>
+                  <c:v>Alex</c:v>
                 </c:pt>
                 <c:pt idx="3">
-                  <c:v>Arthur</c:v>
+                  <c:v>Foster</c:v>
                 </c:pt>
                 <c:pt idx="4">
-                  <c:v>Michael</c:v>
+                  <c:v>Beatrice</c:v>
                 </c:pt>
                 <c:pt idx="5">
-                  <c:v>James</c:v>
-                </c:pt>
-                <c:pt idx="6">
-                  <c:v>Doug</c:v>
-                </c:pt>
-                <c:pt idx="7">
-                  <c:v>Onotse</c:v>
-                </c:pt>
-                <c:pt idx="8">
-                  <c:v>Miinkay</c:v>
-                </c:pt>
-                <c:pt idx="9">
-                  <c:v>Benjamin</c:v>
+                  <c:v>Charlie</c:v>
                 </c:pt>
               </c:strCache>
             </c:strRef>
           </c:cat>
           <c:val>
             <c:numRef>
-              <c:f>Sheet2!$E$1:$E$10</c:f>
+              <c:f>'BOT UC'!$K$2:$K$7</c:f>
               <c:numCache>
                 <c:formatCode>General</c:formatCode>
-                <c:ptCount val="10"/>
+                <c:ptCount val="6"/>
                 <c:pt idx="0">
-                  <c:v>0.996394</c:v>
+                  <c:v>0.71478500000000034</c:v>
                 </c:pt>
                 <c:pt idx="1">
-                  <c:v>0.98909499999999961</c:v>
+                  <c:v>0.70275100000000035</c:v>
                 </c:pt>
                 <c:pt idx="2">
-                  <c:v>0.98892599999999997</c:v>
+                  <c:v>0.52752599999999972</c:v>
                 </c:pt>
                 <c:pt idx="3">
-                  <c:v>0.98256599999999938</c:v>
+                  <c:v>0.30965600000000021</c:v>
                 </c:pt>
                 <c:pt idx="4">
-                  <c:v>0.97712800000000033</c:v>
+                  <c:v>0.22741300000000009</c:v>
                 </c:pt>
                 <c:pt idx="5">
-                  <c:v>0.96853400000000001</c:v>
-                </c:pt>
-                <c:pt idx="6">
-                  <c:v>0.95803499999999997</c:v>
-                </c:pt>
-                <c:pt idx="7">
-                  <c:v>0.95669300000000035</c:v>
-                </c:pt>
-                <c:pt idx="8">
-                  <c:v>0.95591899999999996</c:v>
-                </c:pt>
-                <c:pt idx="9">
-                  <c:v>0.95527700000000004</c:v>
+                  <c:v>1.0145000000000001E-2</c:v>
                 </c:pt>
               </c:numCache>
             </c:numRef>
@@ -1004,11 +954,11 @@
           <c:showBubbleSize val="0"/>
         </c:dLbls>
         <c:gapWidth val="150"/>
-        <c:axId val="415478120"/>
-        <c:axId val="415480472"/>
+        <c:axId val="296021072"/>
+        <c:axId val="296014408"/>
       </c:barChart>
       <c:catAx>
-        <c:axId val="415478120"/>
+        <c:axId val="296021072"/>
         <c:scaling>
           <c:orientation val="minMax"/>
         </c:scaling>
@@ -1018,7 +968,7 @@
         <c:majorTickMark val="out"/>
         <c:minorTickMark val="none"/>
         <c:tickLblPos val="nextTo"/>
-        <c:crossAx val="415480472"/>
+        <c:crossAx val="296014408"/>
         <c:crosses val="autoZero"/>
         <c:auto val="1"/>
         <c:lblAlgn val="ctr"/>
@@ -1026,7 +976,7 @@
         <c:noMultiLvlLbl val="0"/>
       </c:catAx>
       <c:valAx>
-        <c:axId val="415480472"/>
+        <c:axId val="296014408"/>
         <c:scaling>
           <c:orientation val="minMax"/>
         </c:scaling>
@@ -1037,7 +987,7 @@
         <c:majorTickMark val="out"/>
         <c:minorTickMark val="none"/>
         <c:tickLblPos val="nextTo"/>
-        <c:crossAx val="415478120"/>
+        <c:crossAx val="296021072"/>
         <c:crosses val="autoZero"/>
         <c:crossBetween val="between"/>
       </c:valAx>
@@ -1049,188 +999,7 @@
   <c:externalData r:id="rId1">
     <c:autoUpdate val="0"/>
   </c:externalData>
-</c:chartSpace>
-</file>
-
-<file path=ppt/charts/chart12.xml><?xml version="1.0" encoding="utf-8"?>
-<c:chartSpace xmlns:c="http://schemas.openxmlformats.org/drawingml/2006/chart" xmlns:a="http://schemas.openxmlformats.org/drawingml/2006/main" xmlns:r="http://schemas.openxmlformats.org/officeDocument/2006/relationships">
-  <c:date1904 val="0"/>
-  <c:lang val="en-US"/>
-  <c:roundedCorners val="0"/>
-  <mc:AlternateContent xmlns:mc="http://schemas.openxmlformats.org/markup-compatibility/2006">
-    <mc:Choice xmlns:c14="http://schemas.microsoft.com/office/drawing/2007/8/2/chart" Requires="c14">
-      <c14:style val="102"/>
-    </mc:Choice>
-    <mc:Fallback>
-      <c:style val="2"/>
-    </mc:Fallback>
-  </mc:AlternateContent>
-  <c:chart>
-    <c:title>
-      <c:tx>
-        <c:rich>
-          <a:bodyPr/>
-          <a:lstStyle/>
-          <a:p>
-            <a:pPr>
-              <a:defRPr/>
-            </a:pPr>
-            <a:r>
-              <a:rPr lang="en-IN"/>
-              <a:t>Honesty Probability (modified sIA)</a:t>
-            </a:r>
-          </a:p>
-        </c:rich>
-      </c:tx>
-      <c:layout/>
-      <c:overlay val="0"/>
-    </c:title>
-    <c:autoTitleDeleted val="0"/>
-    <c:plotArea>
-      <c:layout/>
-      <c:barChart>
-        <c:barDir val="col"/>
-        <c:grouping val="clustered"/>
-        <c:varyColors val="0"/>
-        <c:ser>
-          <c:idx val="0"/>
-          <c:order val="0"/>
-          <c:tx>
-            <c:v>Honesty Probability (sIA)</c:v>
-          </c:tx>
-          <c:invertIfNegative val="0"/>
-          <c:cat>
-            <c:strRef>
-              <c:f>Sheet2!$D$1:$D$10</c:f>
-              <c:strCache>
-                <c:ptCount val="10"/>
-                <c:pt idx="0">
-                  <c:v>Timothy</c:v>
-                </c:pt>
-                <c:pt idx="1">
-                  <c:v>Daniel</c:v>
-                </c:pt>
-                <c:pt idx="2">
-                  <c:v>Colin</c:v>
-                </c:pt>
-                <c:pt idx="3">
-                  <c:v>Arthur</c:v>
-                </c:pt>
-                <c:pt idx="4">
-                  <c:v>Michael</c:v>
-                </c:pt>
-                <c:pt idx="5">
-                  <c:v>James</c:v>
-                </c:pt>
-                <c:pt idx="6">
-                  <c:v>Doug</c:v>
-                </c:pt>
-                <c:pt idx="7">
-                  <c:v>Onotse</c:v>
-                </c:pt>
-                <c:pt idx="8">
-                  <c:v>Miinkay</c:v>
-                </c:pt>
-                <c:pt idx="9">
-                  <c:v>Benjamin</c:v>
-                </c:pt>
-              </c:strCache>
-            </c:strRef>
-          </c:cat>
-          <c:val>
-            <c:numRef>
-              <c:f>Sheet2!$E$1:$E$10</c:f>
-              <c:numCache>
-                <c:formatCode>General</c:formatCode>
-                <c:ptCount val="10"/>
-                <c:pt idx="0">
-                  <c:v>0.996394</c:v>
-                </c:pt>
-                <c:pt idx="1">
-                  <c:v>0.98909499999999961</c:v>
-                </c:pt>
-                <c:pt idx="2">
-                  <c:v>0.98892599999999997</c:v>
-                </c:pt>
-                <c:pt idx="3">
-                  <c:v>0.98256599999999938</c:v>
-                </c:pt>
-                <c:pt idx="4">
-                  <c:v>0.97712800000000033</c:v>
-                </c:pt>
-                <c:pt idx="5">
-                  <c:v>0.96853400000000001</c:v>
-                </c:pt>
-                <c:pt idx="6">
-                  <c:v>0.95803499999999997</c:v>
-                </c:pt>
-                <c:pt idx="7">
-                  <c:v>0.95669300000000035</c:v>
-                </c:pt>
-                <c:pt idx="8">
-                  <c:v>0.95591899999999996</c:v>
-                </c:pt>
-                <c:pt idx="9">
-                  <c:v>0.95527700000000004</c:v>
-                </c:pt>
-              </c:numCache>
-            </c:numRef>
-          </c:val>
-        </c:ser>
-        <c:dLbls>
-          <c:showLegendKey val="0"/>
-          <c:showVal val="0"/>
-          <c:showCatName val="0"/>
-          <c:showSerName val="0"/>
-          <c:showPercent val="0"/>
-          <c:showBubbleSize val="0"/>
-        </c:dLbls>
-        <c:gapWidth val="150"/>
-        <c:axId val="408911672"/>
-        <c:axId val="408910888"/>
-      </c:barChart>
-      <c:catAx>
-        <c:axId val="408911672"/>
-        <c:scaling>
-          <c:orientation val="minMax"/>
-        </c:scaling>
-        <c:delete val="0"/>
-        <c:axPos val="b"/>
-        <c:numFmt formatCode="General" sourceLinked="0"/>
-        <c:majorTickMark val="out"/>
-        <c:minorTickMark val="none"/>
-        <c:tickLblPos val="nextTo"/>
-        <c:crossAx val="408910888"/>
-        <c:crosses val="autoZero"/>
-        <c:auto val="1"/>
-        <c:lblAlgn val="ctr"/>
-        <c:lblOffset val="100"/>
-        <c:noMultiLvlLbl val="0"/>
-      </c:catAx>
-      <c:valAx>
-        <c:axId val="408910888"/>
-        <c:scaling>
-          <c:orientation val="minMax"/>
-        </c:scaling>
-        <c:delete val="0"/>
-        <c:axPos val="l"/>
-        <c:majorGridlines/>
-        <c:numFmt formatCode="General" sourceLinked="1"/>
-        <c:majorTickMark val="out"/>
-        <c:minorTickMark val="none"/>
-        <c:tickLblPos val="nextTo"/>
-        <c:crossAx val="408911672"/>
-        <c:crosses val="autoZero"/>
-        <c:crossBetween val="between"/>
-      </c:valAx>
-    </c:plotArea>
-    <c:plotVisOnly val="1"/>
-    <c:dispBlanksAs val="gap"/>
-    <c:showDLblsOverMax val="0"/>
-  </c:chart>
-  <c:externalData r:id="rId1">
-    <c:autoUpdate val="0"/>
-  </c:externalData>
+  <c:userShapes r:id="rId2"/>
 </c:chartSpace>
 </file>
 
@@ -1686,12 +1455,12 @@
         </c:dLbls>
         <c:gapWidth val="150"/>
         <c:shape val="box"/>
-        <c:axId val="331356736"/>
-        <c:axId val="331353992"/>
+        <c:axId val="230268448"/>
+        <c:axId val="230272368"/>
         <c:axId val="0"/>
       </c:bar3DChart>
       <c:valAx>
-        <c:axId val="331353992"/>
+        <c:axId val="230272368"/>
         <c:scaling>
           <c:orientation val="minMax"/>
         </c:scaling>
@@ -1753,12 +1522,12 @@
             <a:endParaRPr lang="en-US"/>
           </a:p>
         </c:txPr>
-        <c:crossAx val="331356736"/>
+        <c:crossAx val="230268448"/>
         <c:crosses val="autoZero"/>
         <c:crossBetween val="between"/>
       </c:valAx>
       <c:catAx>
-        <c:axId val="331356736"/>
+        <c:axId val="230268448"/>
         <c:scaling>
           <c:orientation val="minMax"/>
         </c:scaling>
@@ -1811,7 +1580,7 @@
             <a:endParaRPr lang="en-US"/>
           </a:p>
         </c:txPr>
-        <c:crossAx val="331353992"/>
+        <c:crossAx val="230272368"/>
         <c:crosses val="autoZero"/>
         <c:auto val="1"/>
         <c:lblAlgn val="ctr"/>
@@ -1953,11 +1722,11 @@
           <c:showBubbleSize val="0"/>
         </c:dLbls>
         <c:gapWidth val="150"/>
-        <c:axId val="411699512"/>
-        <c:axId val="411699904"/>
+        <c:axId val="230266096"/>
+        <c:axId val="230273544"/>
       </c:barChart>
       <c:catAx>
-        <c:axId val="411699512"/>
+        <c:axId val="230266096"/>
         <c:scaling>
           <c:orientation val="minMax"/>
         </c:scaling>
@@ -1967,7 +1736,7 @@
         <c:majorTickMark val="out"/>
         <c:minorTickMark val="none"/>
         <c:tickLblPos val="nextTo"/>
-        <c:crossAx val="411699904"/>
+        <c:crossAx val="230273544"/>
         <c:crosses val="autoZero"/>
         <c:auto val="1"/>
         <c:lblAlgn val="ctr"/>
@@ -1975,7 +1744,7 @@
         <c:noMultiLvlLbl val="0"/>
       </c:catAx>
       <c:valAx>
-        <c:axId val="411699904"/>
+        <c:axId val="230273544"/>
         <c:scaling>
           <c:orientation val="minMax"/>
         </c:scaling>
@@ -1986,7 +1755,7 @@
         <c:majorTickMark val="out"/>
         <c:minorTickMark val="none"/>
         <c:tickLblPos val="nextTo"/>
-        <c:crossAx val="411699512"/>
+        <c:crossAx val="230266096"/>
         <c:crosses val="autoZero"/>
         <c:crossBetween val="between"/>
       </c:valAx>
@@ -2120,11 +1889,11 @@
           <c:showBubbleSize val="0"/>
         </c:dLbls>
         <c:gapWidth val="150"/>
-        <c:axId val="410794896"/>
-        <c:axId val="410792936"/>
+        <c:axId val="230269624"/>
+        <c:axId val="230269232"/>
       </c:barChart>
       <c:catAx>
-        <c:axId val="410794896"/>
+        <c:axId val="230269624"/>
         <c:scaling>
           <c:orientation val="minMax"/>
         </c:scaling>
@@ -2134,7 +1903,7 @@
         <c:majorTickMark val="out"/>
         <c:minorTickMark val="none"/>
         <c:tickLblPos val="nextTo"/>
-        <c:crossAx val="410792936"/>
+        <c:crossAx val="230269232"/>
         <c:crosses val="autoZero"/>
         <c:auto val="1"/>
         <c:lblAlgn val="ctr"/>
@@ -2142,7 +1911,7 @@
         <c:noMultiLvlLbl val="0"/>
       </c:catAx>
       <c:valAx>
-        <c:axId val="410792936"/>
+        <c:axId val="230269232"/>
         <c:scaling>
           <c:orientation val="minMax"/>
         </c:scaling>
@@ -2153,7 +1922,7 @@
         <c:majorTickMark val="out"/>
         <c:minorTickMark val="none"/>
         <c:tickLblPos val="nextTo"/>
-        <c:crossAx val="410794896"/>
+        <c:crossAx val="230269624"/>
         <c:crosses val="autoZero"/>
         <c:crossBetween val="between"/>
       </c:valAx>
@@ -2302,11 +2071,11 @@
           <c:showBubbleSize val="0"/>
         </c:dLbls>
         <c:gapWidth val="150"/>
-        <c:axId val="410795680"/>
-        <c:axId val="410793328"/>
+        <c:axId val="230266880"/>
+        <c:axId val="230270408"/>
       </c:barChart>
       <c:catAx>
-        <c:axId val="410795680"/>
+        <c:axId val="230266880"/>
         <c:scaling>
           <c:orientation val="minMax"/>
         </c:scaling>
@@ -2316,7 +2085,7 @@
         <c:majorTickMark val="out"/>
         <c:minorTickMark val="none"/>
         <c:tickLblPos val="nextTo"/>
-        <c:crossAx val="410793328"/>
+        <c:crossAx val="230270408"/>
         <c:crosses val="autoZero"/>
         <c:auto val="1"/>
         <c:lblAlgn val="ctr"/>
@@ -2324,7 +2093,7 @@
         <c:noMultiLvlLbl val="0"/>
       </c:catAx>
       <c:valAx>
-        <c:axId val="410793328"/>
+        <c:axId val="230270408"/>
         <c:scaling>
           <c:orientation val="minMax"/>
         </c:scaling>
@@ -2335,7 +2104,7 @@
         <c:majorTickMark val="out"/>
         <c:minorTickMark val="none"/>
         <c:tickLblPos val="nextTo"/>
-        <c:crossAx val="410795680"/>
+        <c:crossAx val="230266880"/>
         <c:crosses val="autoZero"/>
         <c:crossBetween val="between"/>
       </c:valAx>
@@ -2370,7 +2139,17 @@
     </c:title>
     <c:autoTitleDeleted val="0"/>
     <c:plotArea>
-      <c:layout/>
+      <c:layout>
+        <c:manualLayout>
+          <c:layoutTarget val="inner"/>
+          <c:xMode val="edge"/>
+          <c:yMode val="edge"/>
+          <c:x val="5.0503157214043894E-2"/>
+          <c:y val="0.24615665228116257"/>
+          <c:w val="0.93741954809996575"/>
+          <c:h val="0.64781801388636717"/>
+        </c:manualLayout>
+      </c:layout>
       <c:barChart>
         <c:barDir val="col"/>
         <c:grouping val="clustered"/>
@@ -2469,11 +2248,11 @@
           <c:showBubbleSize val="0"/>
         </c:dLbls>
         <c:gapWidth val="150"/>
-        <c:axId val="334942952"/>
-        <c:axId val="334940208"/>
+        <c:axId val="296020288"/>
+        <c:axId val="296019504"/>
       </c:barChart>
       <c:catAx>
-        <c:axId val="334942952"/>
+        <c:axId val="296020288"/>
         <c:scaling>
           <c:orientation val="minMax"/>
         </c:scaling>
@@ -2483,7 +2262,7 @@
         <c:majorTickMark val="out"/>
         <c:minorTickMark val="none"/>
         <c:tickLblPos val="nextTo"/>
-        <c:crossAx val="334940208"/>
+        <c:crossAx val="296019504"/>
         <c:crosses val="autoZero"/>
         <c:auto val="1"/>
         <c:lblAlgn val="ctr"/>
@@ -2491,7 +2270,7 @@
         <c:noMultiLvlLbl val="0"/>
       </c:catAx>
       <c:valAx>
-        <c:axId val="334940208"/>
+        <c:axId val="296019504"/>
         <c:scaling>
           <c:orientation val="minMax"/>
         </c:scaling>
@@ -2502,7 +2281,7 @@
         <c:majorTickMark val="out"/>
         <c:minorTickMark val="none"/>
         <c:tickLblPos val="nextTo"/>
-        <c:crossAx val="334942952"/>
+        <c:crossAx val="296020288"/>
         <c:crosses val="autoZero"/>
         <c:crossBetween val="between"/>
       </c:valAx>
@@ -2551,53 +2330,77 @@
           <c:invertIfNegative val="0"/>
           <c:cat>
             <c:strRef>
-              <c:f>'BOT UC'!$B$2:$B$7</c:f>
+              <c:f>Sheet1!$A$1:$A$10</c:f>
               <c:strCache>
-                <c:ptCount val="6"/>
+                <c:ptCount val="10"/>
                 <c:pt idx="0">
-                  <c:v>Charlie</c:v>
+                  <c:v>Dave</c:v>
                 </c:pt>
                 <c:pt idx="1">
-                  <c:v>Beatrice</c:v>
+                  <c:v>Corey</c:v>
                 </c:pt>
                 <c:pt idx="2">
-                  <c:v>Daniel</c:v>
+                  <c:v>Nicole</c:v>
                 </c:pt>
                 <c:pt idx="3">
-                  <c:v>Foster</c:v>
+                  <c:v>Underhill</c:v>
                 </c:pt>
                 <c:pt idx="4">
-                  <c:v>Alex</c:v>
+                  <c:v>David</c:v>
                 </c:pt>
                 <c:pt idx="5">
-                  <c:v>Emma</c:v>
+                  <c:v>Christopher</c:v>
+                </c:pt>
+                <c:pt idx="6">
+                  <c:v>Debra</c:v>
+                </c:pt>
+                <c:pt idx="7">
+                  <c:v>Amanda</c:v>
+                </c:pt>
+                <c:pt idx="8">
+                  <c:v>Vickie</c:v>
+                </c:pt>
+                <c:pt idx="9">
+                  <c:v>Elise</c:v>
                 </c:pt>
               </c:strCache>
             </c:strRef>
           </c:cat>
           <c:val>
             <c:numRef>
-              <c:f>'BOT UC'!$C$2:$C$7</c:f>
+              <c:f>Sheet1!$B$1:$B$10</c:f>
               <c:numCache>
                 <c:formatCode>General</c:formatCode>
-                <c:ptCount val="6"/>
+                <c:ptCount val="10"/>
                 <c:pt idx="0">
-                  <c:v>0.94077299999999997</c:v>
+                  <c:v>0.98432999999999971</c:v>
                 </c:pt>
                 <c:pt idx="1">
-                  <c:v>0.92199100000000034</c:v>
+                  <c:v>0.97969500000000054</c:v>
                 </c:pt>
                 <c:pt idx="2">
-                  <c:v>0.38767800000000024</c:v>
+                  <c:v>0.96924100000000035</c:v>
                 </c:pt>
                 <c:pt idx="3">
-                  <c:v>0.34670000000000001</c:v>
+                  <c:v>0.96113499999999996</c:v>
                 </c:pt>
                 <c:pt idx="4">
-                  <c:v>0.26579999999999998</c:v>
+                  <c:v>0.94433</c:v>
                 </c:pt>
                 <c:pt idx="5">
-                  <c:v>0.20140000000000008</c:v>
+                  <c:v>0.90514799999999962</c:v>
+                </c:pt>
+                <c:pt idx="6">
+                  <c:v>0.90514799999999962</c:v>
+                </c:pt>
+                <c:pt idx="7">
+                  <c:v>0.90514799999999962</c:v>
+                </c:pt>
+                <c:pt idx="8">
+                  <c:v>0.90514799999999962</c:v>
+                </c:pt>
+                <c:pt idx="9">
+                  <c:v>0.90514799999999962</c:v>
                 </c:pt>
               </c:numCache>
             </c:numRef>
@@ -2612,11 +2415,11 @@
           <c:showBubbleSize val="0"/>
         </c:dLbls>
         <c:gapWidth val="150"/>
-        <c:axId val="419359192"/>
-        <c:axId val="419359584"/>
+        <c:axId val="370769600"/>
+        <c:axId val="370767640"/>
       </c:barChart>
       <c:catAx>
-        <c:axId val="419359192"/>
+        <c:axId val="370769600"/>
         <c:scaling>
           <c:orientation val="minMax"/>
         </c:scaling>
@@ -2626,7 +2429,7 @@
         <c:majorTickMark val="out"/>
         <c:minorTickMark val="none"/>
         <c:tickLblPos val="nextTo"/>
-        <c:crossAx val="419359584"/>
+        <c:crossAx val="370767640"/>
         <c:crosses val="autoZero"/>
         <c:auto val="1"/>
         <c:lblAlgn val="ctr"/>
@@ -2634,7 +2437,7 @@
         <c:noMultiLvlLbl val="0"/>
       </c:catAx>
       <c:valAx>
-        <c:axId val="419359584"/>
+        <c:axId val="370767640"/>
         <c:scaling>
           <c:orientation val="minMax"/>
         </c:scaling>
@@ -2645,7 +2448,7 @@
         <c:majorTickMark val="out"/>
         <c:minorTickMark val="none"/>
         <c:tickLblPos val="nextTo"/>
-        <c:crossAx val="419359192"/>
+        <c:crossAx val="370769600"/>
         <c:crosses val="autoZero"/>
         <c:crossBetween val="between"/>
       </c:valAx>
@@ -2657,7 +2460,6 @@
   <c:externalData r:id="rId1">
     <c:autoUpdate val="0"/>
   </c:externalData>
-  <c:userShapes r:id="rId2"/>
 </c:chartSpace>
 </file>
 
@@ -2695,53 +2497,77 @@
           <c:invertIfNegative val="0"/>
           <c:cat>
             <c:strRef>
-              <c:f>'BOT UC'!$E$2:$E$7</c:f>
+              <c:f>Sheet1!$F$1:$F$10</c:f>
               <c:strCache>
-                <c:ptCount val="6"/>
+                <c:ptCount val="10"/>
                 <c:pt idx="0">
-                  <c:v>Daniel</c:v>
+                  <c:v>Corey</c:v>
                 </c:pt>
                 <c:pt idx="1">
-                  <c:v>Charlie</c:v>
+                  <c:v>Amanda</c:v>
                 </c:pt>
                 <c:pt idx="2">
-                  <c:v>Foster</c:v>
+                  <c:v>Debra</c:v>
                 </c:pt>
                 <c:pt idx="3">
-                  <c:v>Beatrice</c:v>
+                  <c:v>David</c:v>
                 </c:pt>
                 <c:pt idx="4">
-                  <c:v>Alex</c:v>
+                  <c:v>Kelly</c:v>
                 </c:pt>
                 <c:pt idx="5">
-                  <c:v>Emma</c:v>
+                  <c:v>Christopher</c:v>
+                </c:pt>
+                <c:pt idx="6">
+                  <c:v>Nikole</c:v>
+                </c:pt>
+                <c:pt idx="7">
+                  <c:v>Underhill</c:v>
+                </c:pt>
+                <c:pt idx="8">
+                  <c:v>Vickie</c:v>
+                </c:pt>
+                <c:pt idx="9">
+                  <c:v>Elise</c:v>
                 </c:pt>
               </c:strCache>
             </c:strRef>
           </c:cat>
           <c:val>
             <c:numRef>
-              <c:f>'BOT UC'!$F$2:$F$7</c:f>
+              <c:f>Sheet1!$G$1:$G$10</c:f>
               <c:numCache>
                 <c:formatCode>General</c:formatCode>
-                <c:ptCount val="6"/>
+                <c:ptCount val="10"/>
                 <c:pt idx="0">
-                  <c:v>0.51605500000000004</c:v>
+                  <c:v>0.99285999999999996</c:v>
                 </c:pt>
                 <c:pt idx="1">
-                  <c:v>0.50576699999999952</c:v>
+                  <c:v>0.98489300000000002</c:v>
                 </c:pt>
                 <c:pt idx="2">
-                  <c:v>0.5004039999999994</c:v>
+                  <c:v>0.98096399999999939</c:v>
                 </c:pt>
                 <c:pt idx="3">
-                  <c:v>0.49704100000000001</c:v>
+                  <c:v>0.97554600000000002</c:v>
                 </c:pt>
                 <c:pt idx="4">
-                  <c:v>0.47891000000000017</c:v>
+                  <c:v>0.97208499999999998</c:v>
                 </c:pt>
                 <c:pt idx="5">
-                  <c:v>0.45803099999999997</c:v>
+                  <c:v>0.96978600000000004</c:v>
+                </c:pt>
+                <c:pt idx="6">
+                  <c:v>0.94663799999999998</c:v>
+                </c:pt>
+                <c:pt idx="7">
+                  <c:v>0.94663699999999962</c:v>
+                </c:pt>
+                <c:pt idx="8">
+                  <c:v>0.93296400000000002</c:v>
+                </c:pt>
+                <c:pt idx="9">
+                  <c:v>0.92677500000000035</c:v>
                 </c:pt>
               </c:numCache>
             </c:numRef>
@@ -2756,11 +2582,11 @@
           <c:showBubbleSize val="0"/>
         </c:dLbls>
         <c:gapWidth val="150"/>
-        <c:axId val="413392616"/>
-        <c:axId val="413393400"/>
+        <c:axId val="370766856"/>
+        <c:axId val="370773912"/>
       </c:barChart>
       <c:catAx>
-        <c:axId val="413392616"/>
+        <c:axId val="370766856"/>
         <c:scaling>
           <c:orientation val="minMax"/>
         </c:scaling>
@@ -2770,7 +2596,7 @@
         <c:majorTickMark val="out"/>
         <c:minorTickMark val="none"/>
         <c:tickLblPos val="nextTo"/>
-        <c:crossAx val="413393400"/>
+        <c:crossAx val="370773912"/>
         <c:crosses val="autoZero"/>
         <c:auto val="1"/>
         <c:lblAlgn val="ctr"/>
@@ -2778,7 +2604,7 @@
         <c:noMultiLvlLbl val="0"/>
       </c:catAx>
       <c:valAx>
-        <c:axId val="413393400"/>
+        <c:axId val="370773912"/>
         <c:scaling>
           <c:orientation val="minMax"/>
         </c:scaling>
@@ -2789,7 +2615,7 @@
         <c:majorTickMark val="out"/>
         <c:minorTickMark val="none"/>
         <c:tickLblPos val="nextTo"/>
-        <c:crossAx val="413392616"/>
+        <c:crossAx val="370766856"/>
         <c:crosses val="autoZero"/>
         <c:crossBetween val="between"/>
       </c:valAx>
@@ -2801,7 +2627,6 @@
   <c:externalData r:id="rId1">
     <c:autoUpdate val="0"/>
   </c:externalData>
-  <c:userShapes r:id="rId2"/>
 </c:chartSpace>
 </file>
 
@@ -2834,58 +2659,58 @@
           <c:idx val="0"/>
           <c:order val="0"/>
           <c:tx>
-            <c:v>Fraud Probability (modified sIA ver. 3)</c:v>
+            <c:v>Fraud Probability (HITS)</c:v>
           </c:tx>
           <c:invertIfNegative val="0"/>
           <c:cat>
             <c:strRef>
-              <c:f>'BOT UC'!$J$2:$J$7</c:f>
+              <c:f>'BOT UC'!$B$2:$B$7</c:f>
               <c:strCache>
                 <c:ptCount val="6"/>
                 <c:pt idx="0">
-                  <c:v>Emma</c:v>
+                  <c:v>Charlie</c:v>
                 </c:pt>
                 <c:pt idx="1">
+                  <c:v>Beatrice</c:v>
+                </c:pt>
+                <c:pt idx="2">
                   <c:v>Daniel</c:v>
-                </c:pt>
-                <c:pt idx="2">
-                  <c:v>Alex</c:v>
                 </c:pt>
                 <c:pt idx="3">
                   <c:v>Foster</c:v>
                 </c:pt>
                 <c:pt idx="4">
-                  <c:v>Beatrice</c:v>
+                  <c:v>Alex</c:v>
                 </c:pt>
                 <c:pt idx="5">
-                  <c:v>Charlie</c:v>
+                  <c:v>Emma</c:v>
                 </c:pt>
               </c:strCache>
             </c:strRef>
           </c:cat>
           <c:val>
             <c:numRef>
-              <c:f>'BOT UC'!$K$2:$K$7</c:f>
+              <c:f>'BOT UC'!$C$2:$C$7</c:f>
               <c:numCache>
                 <c:formatCode>General</c:formatCode>
                 <c:ptCount val="6"/>
                 <c:pt idx="0">
-                  <c:v>0.71478500000000034</c:v>
+                  <c:v>0.94077299999999997</c:v>
                 </c:pt>
                 <c:pt idx="1">
-                  <c:v>0.70275100000000035</c:v>
+                  <c:v>0.92199100000000034</c:v>
                 </c:pt>
                 <c:pt idx="2">
-                  <c:v>0.52752599999999972</c:v>
+                  <c:v>0.38767800000000024</c:v>
                 </c:pt>
                 <c:pt idx="3">
-                  <c:v>0.30965600000000021</c:v>
+                  <c:v>0.34670000000000001</c:v>
                 </c:pt>
                 <c:pt idx="4">
-                  <c:v>0.22741300000000009</c:v>
+                  <c:v>0.26579999999999998</c:v>
                 </c:pt>
                 <c:pt idx="5">
-                  <c:v>1.0145000000000001E-2</c:v>
+                  <c:v>0.20140000000000008</c:v>
                 </c:pt>
               </c:numCache>
             </c:numRef>
@@ -2900,11 +2725,11 @@
           <c:showBubbleSize val="0"/>
         </c:dLbls>
         <c:gapWidth val="150"/>
-        <c:axId val="419350568"/>
-        <c:axId val="419349784"/>
+        <c:axId val="296015584"/>
+        <c:axId val="296015976"/>
       </c:barChart>
       <c:catAx>
-        <c:axId val="419350568"/>
+        <c:axId val="296015584"/>
         <c:scaling>
           <c:orientation val="minMax"/>
         </c:scaling>
@@ -2914,7 +2739,7 @@
         <c:majorTickMark val="out"/>
         <c:minorTickMark val="none"/>
         <c:tickLblPos val="nextTo"/>
-        <c:crossAx val="419349784"/>
+        <c:crossAx val="296015976"/>
         <c:crosses val="autoZero"/>
         <c:auto val="1"/>
         <c:lblAlgn val="ctr"/>
@@ -2922,7 +2747,7 @@
         <c:noMultiLvlLbl val="0"/>
       </c:catAx>
       <c:valAx>
-        <c:axId val="419349784"/>
+        <c:axId val="296015976"/>
         <c:scaling>
           <c:orientation val="minMax"/>
         </c:scaling>
@@ -2933,7 +2758,7 @@
         <c:majorTickMark val="out"/>
         <c:minorTickMark val="none"/>
         <c:tickLblPos val="nextTo"/>
-        <c:crossAx val="419350568"/>
+        <c:crossAx val="296015584"/>
         <c:crosses val="autoZero"/>
         <c:crossBetween val="between"/>
       </c:valAx>
@@ -3306,7 +3131,7 @@
           <a:p>
             <a:fld id="{21F02540-4CDB-4080-83C0-D52315D77C2A}" type="datetimeFigureOut">
               <a:rPr lang="en-IN" smtClean="0"/>
-              <a:t>02-Dec-2014</a:t>
+              <a:t>03-Dec-2014</a:t>
             </a:fld>
             <a:endParaRPr lang="en-IN"/>
           </a:p>
@@ -3476,7 +3301,7 @@
           <a:p>
             <a:fld id="{21F02540-4CDB-4080-83C0-D52315D77C2A}" type="datetimeFigureOut">
               <a:rPr lang="en-IN" smtClean="0"/>
-              <a:t>02-Dec-2014</a:t>
+              <a:t>03-Dec-2014</a:t>
             </a:fld>
             <a:endParaRPr lang="en-IN"/>
           </a:p>
@@ -3656,7 +3481,7 @@
           <a:p>
             <a:fld id="{21F02540-4CDB-4080-83C0-D52315D77C2A}" type="datetimeFigureOut">
               <a:rPr lang="en-IN" smtClean="0"/>
-              <a:t>02-Dec-2014</a:t>
+              <a:t>03-Dec-2014</a:t>
             </a:fld>
             <a:endParaRPr lang="en-IN"/>
           </a:p>
@@ -3826,7 +3651,7 @@
           <a:p>
             <a:fld id="{21F02540-4CDB-4080-83C0-D52315D77C2A}" type="datetimeFigureOut">
               <a:rPr lang="en-IN" smtClean="0"/>
-              <a:t>02-Dec-2014</a:t>
+              <a:t>03-Dec-2014</a:t>
             </a:fld>
             <a:endParaRPr lang="en-IN"/>
           </a:p>
@@ -4072,7 +3897,7 @@
           <a:p>
             <a:fld id="{21F02540-4CDB-4080-83C0-D52315D77C2A}" type="datetimeFigureOut">
               <a:rPr lang="en-IN" smtClean="0"/>
-              <a:t>02-Dec-2014</a:t>
+              <a:t>03-Dec-2014</a:t>
             </a:fld>
             <a:endParaRPr lang="en-IN"/>
           </a:p>
@@ -4304,7 +4129,7 @@
           <a:p>
             <a:fld id="{21F02540-4CDB-4080-83C0-D52315D77C2A}" type="datetimeFigureOut">
               <a:rPr lang="en-IN" smtClean="0"/>
-              <a:t>02-Dec-2014</a:t>
+              <a:t>03-Dec-2014</a:t>
             </a:fld>
             <a:endParaRPr lang="en-IN"/>
           </a:p>
@@ -4671,7 +4496,7 @@
           <a:p>
             <a:fld id="{21F02540-4CDB-4080-83C0-D52315D77C2A}" type="datetimeFigureOut">
               <a:rPr lang="en-IN" smtClean="0"/>
-              <a:t>02-Dec-2014</a:t>
+              <a:t>03-Dec-2014</a:t>
             </a:fld>
             <a:endParaRPr lang="en-IN"/>
           </a:p>
@@ -4789,7 +4614,7 @@
           <a:p>
             <a:fld id="{21F02540-4CDB-4080-83C0-D52315D77C2A}" type="datetimeFigureOut">
               <a:rPr lang="en-IN" smtClean="0"/>
-              <a:t>02-Dec-2014</a:t>
+              <a:t>03-Dec-2014</a:t>
             </a:fld>
             <a:endParaRPr lang="en-IN"/>
           </a:p>
@@ -4884,7 +4709,7 @@
           <a:p>
             <a:fld id="{21F02540-4CDB-4080-83C0-D52315D77C2A}" type="datetimeFigureOut">
               <a:rPr lang="en-IN" smtClean="0"/>
-              <a:t>02-Dec-2014</a:t>
+              <a:t>03-Dec-2014</a:t>
             </a:fld>
             <a:endParaRPr lang="en-IN"/>
           </a:p>
@@ -5161,7 +4986,7 @@
           <a:p>
             <a:fld id="{21F02540-4CDB-4080-83C0-D52315D77C2A}" type="datetimeFigureOut">
               <a:rPr lang="en-IN" smtClean="0"/>
-              <a:t>02-Dec-2014</a:t>
+              <a:t>03-Dec-2014</a:t>
             </a:fld>
             <a:endParaRPr lang="en-IN"/>
           </a:p>
@@ -5414,7 +5239,7 @@
           <a:p>
             <a:fld id="{21F02540-4CDB-4080-83C0-D52315D77C2A}" type="datetimeFigureOut">
               <a:rPr lang="en-IN" smtClean="0"/>
-              <a:t>02-Dec-2014</a:t>
+              <a:t>03-Dec-2014</a:t>
             </a:fld>
             <a:endParaRPr lang="en-IN"/>
           </a:p>
@@ -5627,7 +5452,7 @@
           <a:p>
             <a:fld id="{21F02540-4CDB-4080-83C0-D52315D77C2A}" type="datetimeFigureOut">
               <a:rPr lang="en-IN" smtClean="0"/>
-              <a:t>02-Dec-2014</a:t>
+              <a:t>03-Dec-2014</a:t>
             </a:fld>
             <a:endParaRPr lang="en-IN"/>
           </a:p>
@@ -6152,36 +5977,62 @@
           <a:p>
             <a:r>
               <a:rPr lang="en-IN" dirty="0" smtClean="0"/>
-              <a:t>Dataset Statistics</a:t>
+              <a:t>Results</a:t>
             </a:r>
             <a:endParaRPr lang="en-IN" dirty="0"/>
           </a:p>
         </p:txBody>
       </p:sp>
-      <p:graphicFrame>
-        <p:nvGraphicFramePr>
-          <p:cNvPr id="4" name="Content Placeholder 3"/>
-          <p:cNvGraphicFramePr>
-            <a:graphicFrameLocks noGrp="1"/>
-          </p:cNvGraphicFramePr>
+      <p:sp>
+        <p:nvSpPr>
+          <p:cNvPr id="3" name="Content Placeholder 2"/>
+          <p:cNvSpPr>
+            <a:spLocks noGrp="1"/>
+          </p:cNvSpPr>
           <p:nvPr>
             <p:ph idx="1"/>
           </p:nvPr>
-        </p:nvGraphicFramePr>
-        <p:xfrm>
-          <a:off x="838200" y="1825625"/>
-          <a:ext cx="10515600" cy="4351338"/>
-        </p:xfrm>
-        <a:graphic>
-          <a:graphicData uri="http://schemas.openxmlformats.org/drawingml/2006/chart">
-            <c:chart xmlns:c="http://schemas.openxmlformats.org/drawingml/2006/chart" xmlns:r="http://schemas.openxmlformats.org/officeDocument/2006/relationships" r:id="rId2"/>
-          </a:graphicData>
-        </a:graphic>
-      </p:graphicFrame>
+        </p:nvSpPr>
+        <p:spPr/>
+        <p:txBody>
+          <a:bodyPr/>
+          <a:lstStyle/>
+          <a:p>
+            <a:r>
+              <a:rPr lang="en-IN" dirty="0" smtClean="0"/>
+              <a:t>Tested our modified FE with bot and real data</a:t>
+            </a:r>
+          </a:p>
+          <a:p>
+            <a:r>
+              <a:rPr lang="en-IN" dirty="0" smtClean="0"/>
+              <a:t>Compared results with HITS and native FE</a:t>
+            </a:r>
+          </a:p>
+          <a:p>
+            <a:r>
+              <a:rPr lang="en-IN" dirty="0" smtClean="0"/>
+              <a:t>Validated our top 25 Fraud users with </a:t>
+            </a:r>
+            <a:r>
+              <a:rPr lang="en-IN" dirty="0" smtClean="0"/>
+              <a:t>SVM</a:t>
+            </a:r>
+            <a:endParaRPr lang="en-IN" dirty="0" smtClean="0"/>
+          </a:p>
+          <a:p>
+            <a:pPr lvl="1"/>
+            <a:r>
+              <a:rPr lang="en-IN" dirty="0" smtClean="0"/>
+              <a:t>SVM Training set – based on Rec/Non-Rec Yelp data</a:t>
+            </a:r>
+          </a:p>
+        </p:txBody>
+      </p:sp>
     </p:spTree>
     <p:extLst>
       <p:ext uri="{BB962C8B-B14F-4D97-AF65-F5344CB8AC3E}">
-        <p14:creationId xmlns:p14="http://schemas.microsoft.com/office/powerpoint/2010/main" val="3356847137"/>
+        <p14:creationId xmlns:p14="http://schemas.microsoft.com/office/powerpoint/2010/main" val="2990910791"/>
       </p:ext>
     </p:extLst>
   </p:cSld>
@@ -6232,7 +6083,7 @@
           <a:p>
             <a:r>
               <a:rPr lang="en-IN" dirty="0" smtClean="0"/>
-              <a:t>Dataset Statistics – 2</a:t>
+              <a:t>Results 1 – Usefulness</a:t>
             </a:r>
             <a:endParaRPr lang="en-IN" dirty="0"/>
           </a:p>
@@ -6240,17 +6091,22 @@
       </p:sp>
       <p:graphicFrame>
         <p:nvGraphicFramePr>
-          <p:cNvPr id="4" name="Content Placeholder 3"/>
+          <p:cNvPr id="10" name="Content Placeholder 9"/>
           <p:cNvGraphicFramePr>
             <a:graphicFrameLocks noGrp="1"/>
           </p:cNvGraphicFramePr>
           <p:nvPr>
             <p:ph idx="1"/>
+            <p:extLst>
+              <p:ext uri="{D42A27DB-BD31-4B8C-83A1-F6EECF244321}">
+                <p14:modId xmlns:p14="http://schemas.microsoft.com/office/powerpoint/2010/main" val="277982946"/>
+              </p:ext>
+            </p:extLst>
           </p:nvPr>
         </p:nvGraphicFramePr>
         <p:xfrm>
-          <a:off x="838200" y="1825625"/>
-          <a:ext cx="10515600" cy="4351338"/>
+          <a:off x="838200" y="1690688"/>
+          <a:ext cx="4605997" cy="2661969"/>
         </p:xfrm>
         <a:graphic>
           <a:graphicData uri="http://schemas.openxmlformats.org/drawingml/2006/chart">
@@ -6258,10 +6114,318 @@
           </a:graphicData>
         </a:graphic>
       </p:graphicFrame>
+      <p:graphicFrame>
+        <p:nvGraphicFramePr>
+          <p:cNvPr id="11" name="Chart 10"/>
+          <p:cNvGraphicFramePr/>
+          <p:nvPr>
+            <p:extLst>
+              <p:ext uri="{D42A27DB-BD31-4B8C-83A1-F6EECF244321}">
+                <p14:modId xmlns:p14="http://schemas.microsoft.com/office/powerpoint/2010/main" val="816284687"/>
+              </p:ext>
+            </p:extLst>
+          </p:nvPr>
+        </p:nvGraphicFramePr>
+        <p:xfrm>
+          <a:off x="5824023" y="1799711"/>
+          <a:ext cx="4951829" cy="2462800"/>
+        </p:xfrm>
+        <a:graphic>
+          <a:graphicData uri="http://schemas.openxmlformats.org/drawingml/2006/chart">
+            <c:chart xmlns:c="http://schemas.openxmlformats.org/drawingml/2006/chart" xmlns:r="http://schemas.openxmlformats.org/officeDocument/2006/relationships" r:id="rId3"/>
+          </a:graphicData>
+        </a:graphic>
+      </p:graphicFrame>
+      <p:graphicFrame>
+        <p:nvGraphicFramePr>
+          <p:cNvPr id="12" name="Chart 11"/>
+          <p:cNvGraphicFramePr/>
+          <p:nvPr>
+            <p:extLst>
+              <p:ext uri="{D42A27DB-BD31-4B8C-83A1-F6EECF244321}">
+                <p14:modId xmlns:p14="http://schemas.microsoft.com/office/powerpoint/2010/main" val="2811514599"/>
+              </p:ext>
+            </p:extLst>
+          </p:nvPr>
+        </p:nvGraphicFramePr>
+        <p:xfrm>
+          <a:off x="1223889" y="4121834"/>
+          <a:ext cx="9439421" cy="2363372"/>
+        </p:xfrm>
+        <a:graphic>
+          <a:graphicData uri="http://schemas.openxmlformats.org/drawingml/2006/chart">
+            <c:chart xmlns:c="http://schemas.openxmlformats.org/drawingml/2006/chart" xmlns:r="http://schemas.openxmlformats.org/officeDocument/2006/relationships" r:id="rId4"/>
+          </a:graphicData>
+        </a:graphic>
+      </p:graphicFrame>
+      <p:cxnSp>
+        <p:nvCxnSpPr>
+          <p:cNvPr id="5" name="Straight Arrow Connector 4"/>
+          <p:cNvCxnSpPr/>
+          <p:nvPr/>
+        </p:nvCxnSpPr>
+        <p:spPr>
+          <a:xfrm>
+            <a:off x="5458265" y="2124222"/>
+            <a:ext cx="844061" cy="1575581"/>
+          </a:xfrm>
+          <a:prstGeom prst="straightConnector1">
+            <a:avLst/>
+          </a:prstGeom>
+          <a:ln>
+            <a:tailEnd type="triangle"/>
+          </a:ln>
+        </p:spPr>
+        <p:style>
+          <a:lnRef idx="1">
+            <a:schemeClr val="accent1"/>
+          </a:lnRef>
+          <a:fillRef idx="0">
+            <a:schemeClr val="accent1"/>
+          </a:fillRef>
+          <a:effectRef idx="0">
+            <a:schemeClr val="accent1"/>
+          </a:effectRef>
+          <a:fontRef idx="minor">
+            <a:schemeClr val="tx1"/>
+          </a:fontRef>
+        </p:style>
+      </p:cxnSp>
+      <p:cxnSp>
+        <p:nvCxnSpPr>
+          <p:cNvPr id="7" name="Straight Arrow Connector 6"/>
+          <p:cNvCxnSpPr/>
+          <p:nvPr/>
+        </p:nvCxnSpPr>
+        <p:spPr>
+          <a:xfrm>
+            <a:off x="5486400" y="2124222"/>
+            <a:ext cx="1252025" cy="1645920"/>
+          </a:xfrm>
+          <a:prstGeom prst="straightConnector1">
+            <a:avLst/>
+          </a:prstGeom>
+          <a:ln>
+            <a:tailEnd type="triangle"/>
+          </a:ln>
+        </p:spPr>
+        <p:style>
+          <a:lnRef idx="1">
+            <a:schemeClr val="accent1"/>
+          </a:lnRef>
+          <a:fillRef idx="0">
+            <a:schemeClr val="accent1"/>
+          </a:fillRef>
+          <a:effectRef idx="0">
+            <a:schemeClr val="accent1"/>
+          </a:effectRef>
+          <a:fontRef idx="minor">
+            <a:schemeClr val="tx1"/>
+          </a:fontRef>
+        </p:style>
+      </p:cxnSp>
+      <p:cxnSp>
+        <p:nvCxnSpPr>
+          <p:cNvPr id="9" name="Straight Arrow Connector 8"/>
+          <p:cNvCxnSpPr/>
+          <p:nvPr/>
+        </p:nvCxnSpPr>
+        <p:spPr>
+          <a:xfrm>
+            <a:off x="5458265" y="2124222"/>
+            <a:ext cx="2152357" cy="1575581"/>
+          </a:xfrm>
+          <a:prstGeom prst="straightConnector1">
+            <a:avLst/>
+          </a:prstGeom>
+          <a:ln>
+            <a:tailEnd type="triangle"/>
+          </a:ln>
+        </p:spPr>
+        <p:style>
+          <a:lnRef idx="1">
+            <a:schemeClr val="accent1"/>
+          </a:lnRef>
+          <a:fillRef idx="0">
+            <a:schemeClr val="accent1"/>
+          </a:fillRef>
+          <a:effectRef idx="0">
+            <a:schemeClr val="accent1"/>
+          </a:effectRef>
+          <a:fontRef idx="minor">
+            <a:schemeClr val="tx1"/>
+          </a:fontRef>
+        </p:style>
+      </p:cxnSp>
+      <p:cxnSp>
+        <p:nvCxnSpPr>
+          <p:cNvPr id="14" name="Straight Arrow Connector 13"/>
+          <p:cNvCxnSpPr/>
+          <p:nvPr/>
+        </p:nvCxnSpPr>
+        <p:spPr>
+          <a:xfrm>
+            <a:off x="5458265" y="2124222"/>
+            <a:ext cx="3474720" cy="1575581"/>
+          </a:xfrm>
+          <a:prstGeom prst="straightConnector1">
+            <a:avLst/>
+          </a:prstGeom>
+          <a:ln>
+            <a:tailEnd type="triangle"/>
+          </a:ln>
+        </p:spPr>
+        <p:style>
+          <a:lnRef idx="1">
+            <a:schemeClr val="accent1"/>
+          </a:lnRef>
+          <a:fillRef idx="0">
+            <a:schemeClr val="accent1"/>
+          </a:fillRef>
+          <a:effectRef idx="0">
+            <a:schemeClr val="accent1"/>
+          </a:effectRef>
+          <a:fontRef idx="minor">
+            <a:schemeClr val="tx1"/>
+          </a:fontRef>
+        </p:style>
+      </p:cxnSp>
+      <p:cxnSp>
+        <p:nvCxnSpPr>
+          <p:cNvPr id="16" name="Straight Arrow Connector 15"/>
+          <p:cNvCxnSpPr/>
+          <p:nvPr/>
+        </p:nvCxnSpPr>
+        <p:spPr>
+          <a:xfrm flipH="1">
+            <a:off x="1871003" y="2124222"/>
+            <a:ext cx="3587262" cy="1645920"/>
+          </a:xfrm>
+          <a:prstGeom prst="straightConnector1">
+            <a:avLst/>
+          </a:prstGeom>
+          <a:ln>
+            <a:tailEnd type="triangle"/>
+          </a:ln>
+        </p:spPr>
+        <p:style>
+          <a:lnRef idx="1">
+            <a:schemeClr val="accent1"/>
+          </a:lnRef>
+          <a:fillRef idx="0">
+            <a:schemeClr val="accent1"/>
+          </a:fillRef>
+          <a:effectRef idx="0">
+            <a:schemeClr val="accent1"/>
+          </a:effectRef>
+          <a:fontRef idx="minor">
+            <a:schemeClr val="tx1"/>
+          </a:fontRef>
+        </p:style>
+      </p:cxnSp>
+      <p:cxnSp>
+        <p:nvCxnSpPr>
+          <p:cNvPr id="18" name="Straight Arrow Connector 17"/>
+          <p:cNvCxnSpPr/>
+          <p:nvPr/>
+        </p:nvCxnSpPr>
+        <p:spPr>
+          <a:xfrm flipH="1">
+            <a:off x="2278966" y="2124222"/>
+            <a:ext cx="3179299" cy="1645920"/>
+          </a:xfrm>
+          <a:prstGeom prst="straightConnector1">
+            <a:avLst/>
+          </a:prstGeom>
+          <a:ln>
+            <a:tailEnd type="triangle"/>
+          </a:ln>
+        </p:spPr>
+        <p:style>
+          <a:lnRef idx="1">
+            <a:schemeClr val="accent1"/>
+          </a:lnRef>
+          <a:fillRef idx="0">
+            <a:schemeClr val="accent1"/>
+          </a:fillRef>
+          <a:effectRef idx="0">
+            <a:schemeClr val="accent1"/>
+          </a:effectRef>
+          <a:fontRef idx="minor">
+            <a:schemeClr val="tx1"/>
+          </a:fontRef>
+        </p:style>
+      </p:cxnSp>
+      <p:cxnSp>
+        <p:nvCxnSpPr>
+          <p:cNvPr id="20" name="Straight Arrow Connector 19"/>
+          <p:cNvCxnSpPr/>
+          <p:nvPr/>
+        </p:nvCxnSpPr>
+        <p:spPr>
+          <a:xfrm flipH="1">
+            <a:off x="3123028" y="2124222"/>
+            <a:ext cx="2335237" cy="1575581"/>
+          </a:xfrm>
+          <a:prstGeom prst="straightConnector1">
+            <a:avLst/>
+          </a:prstGeom>
+          <a:ln>
+            <a:tailEnd type="triangle"/>
+          </a:ln>
+        </p:spPr>
+        <p:style>
+          <a:lnRef idx="1">
+            <a:schemeClr val="accent1"/>
+          </a:lnRef>
+          <a:fillRef idx="0">
+            <a:schemeClr val="accent1"/>
+          </a:fillRef>
+          <a:effectRef idx="0">
+            <a:schemeClr val="accent1"/>
+          </a:effectRef>
+          <a:fontRef idx="minor">
+            <a:schemeClr val="tx1"/>
+          </a:fontRef>
+        </p:style>
+      </p:cxnSp>
+      <p:cxnSp>
+        <p:nvCxnSpPr>
+          <p:cNvPr id="22" name="Straight Arrow Connector 21"/>
+          <p:cNvCxnSpPr/>
+          <p:nvPr/>
+        </p:nvCxnSpPr>
+        <p:spPr>
+          <a:xfrm flipH="1">
+            <a:off x="4346917" y="2124222"/>
+            <a:ext cx="1111348" cy="1575581"/>
+          </a:xfrm>
+          <a:prstGeom prst="straightConnector1">
+            <a:avLst/>
+          </a:prstGeom>
+          <a:ln>
+            <a:tailEnd type="triangle"/>
+          </a:ln>
+        </p:spPr>
+        <p:style>
+          <a:lnRef idx="1">
+            <a:schemeClr val="accent1"/>
+          </a:lnRef>
+          <a:fillRef idx="0">
+            <a:schemeClr val="accent1"/>
+          </a:fillRef>
+          <a:effectRef idx="0">
+            <a:schemeClr val="accent1"/>
+          </a:effectRef>
+          <a:fontRef idx="minor">
+            <a:schemeClr val="tx1"/>
+          </a:fontRef>
+        </p:style>
+      </p:cxnSp>
     </p:spTree>
     <p:extLst>
       <p:ext uri="{BB962C8B-B14F-4D97-AF65-F5344CB8AC3E}">
-        <p14:creationId xmlns:p14="http://schemas.microsoft.com/office/powerpoint/2010/main" val="2042885854"/>
+        <p14:creationId xmlns:p14="http://schemas.microsoft.com/office/powerpoint/2010/main" val="457191872"/>
       </p:ext>
     </p:extLst>
   </p:cSld>
@@ -6312,57 +6476,191 @@
           <a:p>
             <a:r>
               <a:rPr lang="en-IN" dirty="0" smtClean="0"/>
-              <a:t>Results</a:t>
+              <a:t>Results 2 – Usefulness + Duplicates</a:t>
             </a:r>
             <a:endParaRPr lang="en-IN" dirty="0"/>
           </a:p>
         </p:txBody>
       </p:sp>
+      <p:graphicFrame>
+        <p:nvGraphicFramePr>
+          <p:cNvPr id="9" name="Content Placeholder 8"/>
+          <p:cNvGraphicFramePr>
+            <a:graphicFrameLocks noGrp="1"/>
+          </p:cNvGraphicFramePr>
+          <p:nvPr>
+            <p:ph idx="1"/>
+            <p:extLst>
+              <p:ext uri="{D42A27DB-BD31-4B8C-83A1-F6EECF244321}">
+                <p14:modId xmlns:p14="http://schemas.microsoft.com/office/powerpoint/2010/main" val="1173021670"/>
+              </p:ext>
+            </p:extLst>
+          </p:nvPr>
+        </p:nvGraphicFramePr>
+        <p:xfrm>
+          <a:off x="838200" y="3896751"/>
+          <a:ext cx="10515600" cy="2280212"/>
+        </p:xfrm>
+        <a:graphic>
+          <a:graphicData uri="http://schemas.openxmlformats.org/drawingml/2006/chart">
+            <c:chart xmlns:c="http://schemas.openxmlformats.org/drawingml/2006/chart" xmlns:r="http://schemas.openxmlformats.org/officeDocument/2006/relationships" r:id="rId2"/>
+          </a:graphicData>
+        </a:graphic>
+      </p:graphicFrame>
+      <p:graphicFrame>
+        <p:nvGraphicFramePr>
+          <p:cNvPr id="4" name="Content Placeholder 9"/>
+          <p:cNvGraphicFramePr>
+            <a:graphicFrameLocks/>
+          </p:cNvGraphicFramePr>
+          <p:nvPr>
+            <p:extLst>
+              <p:ext uri="{D42A27DB-BD31-4B8C-83A1-F6EECF244321}">
+                <p14:modId xmlns:p14="http://schemas.microsoft.com/office/powerpoint/2010/main" val="3570736453"/>
+              </p:ext>
+            </p:extLst>
+          </p:nvPr>
+        </p:nvGraphicFramePr>
+        <p:xfrm>
+          <a:off x="838200" y="1493740"/>
+          <a:ext cx="4605997" cy="2661969"/>
+        </p:xfrm>
+        <a:graphic>
+          <a:graphicData uri="http://schemas.openxmlformats.org/drawingml/2006/chart">
+            <c:chart xmlns:c="http://schemas.openxmlformats.org/drawingml/2006/chart" xmlns:r="http://schemas.openxmlformats.org/officeDocument/2006/relationships" r:id="rId3"/>
+          </a:graphicData>
+        </a:graphic>
+      </p:graphicFrame>
+      <p:graphicFrame>
+        <p:nvGraphicFramePr>
+          <p:cNvPr id="5" name="Chart 4"/>
+          <p:cNvGraphicFramePr/>
+          <p:nvPr>
+            <p:extLst>
+              <p:ext uri="{D42A27DB-BD31-4B8C-83A1-F6EECF244321}">
+                <p14:modId xmlns:p14="http://schemas.microsoft.com/office/powerpoint/2010/main" val="92684617"/>
+              </p:ext>
+            </p:extLst>
+          </p:nvPr>
+        </p:nvGraphicFramePr>
+        <p:xfrm>
+          <a:off x="5824023" y="1392702"/>
+          <a:ext cx="4951829" cy="2574388"/>
+        </p:xfrm>
+        <a:graphic>
+          <a:graphicData uri="http://schemas.openxmlformats.org/drawingml/2006/chart">
+            <c:chart xmlns:c="http://schemas.openxmlformats.org/drawingml/2006/chart" xmlns:r="http://schemas.openxmlformats.org/officeDocument/2006/relationships" r:id="rId4"/>
+          </a:graphicData>
+        </a:graphic>
+      </p:graphicFrame>
       <p:sp>
         <p:nvSpPr>
-          <p:cNvPr id="3" name="Content Placeholder 2"/>
+          <p:cNvPr id="7" name="Oval 6"/>
           <p:cNvSpPr>
-            <a:spLocks noGrp="1"/>
+            <a:spLocks noChangeArrowheads="1"/>
           </p:cNvSpPr>
-          <p:nvPr>
-            <p:ph idx="1"/>
-          </p:nvPr>
+          <p:nvPr/>
         </p:nvSpPr>
-        <p:spPr/>
+        <p:spPr bwMode="auto">
+          <a:xfrm flipV="1">
+            <a:off x="1382902" y="5162842"/>
+            <a:ext cx="4933492" cy="1420837"/>
+          </a:xfrm>
+          <a:prstGeom prst="ellipse">
+            <a:avLst/>
+          </a:prstGeom>
+          <a:solidFill>
+            <a:srgbClr val="FFFFFF">
+              <a:alpha val="0"/>
+            </a:srgbClr>
+          </a:solidFill>
+          <a:ln w="9525">
+            <a:solidFill>
+              <a:srgbClr val="000000"/>
+            </a:solidFill>
+            <a:round/>
+            <a:headEnd/>
+            <a:tailEnd/>
+          </a:ln>
+        </p:spPr>
         <p:txBody>
-          <a:bodyPr/>
-          <a:lstStyle/>
-          <a:p>
-            <a:r>
-              <a:rPr lang="en-IN" dirty="0" smtClean="0"/>
-              <a:t>Tested our modified FE with bot and real data</a:t>
-            </a:r>
-          </a:p>
-          <a:p>
-            <a:r>
-              <a:rPr lang="en-IN" dirty="0" smtClean="0"/>
-              <a:t>Compared results with HITS and native FE</a:t>
-            </a:r>
-          </a:p>
-          <a:p>
-            <a:r>
-              <a:rPr lang="en-IN" dirty="0" smtClean="0"/>
-              <a:t>Validated our top 25 Fraud users with SVN</a:t>
-            </a:r>
-          </a:p>
-          <a:p>
-            <a:pPr lvl="1"/>
-            <a:r>
-              <a:rPr lang="en-IN" dirty="0" smtClean="0"/>
-              <a:t>SVM Training set – based on Rec/Non-Rec Yelp data</a:t>
-            </a:r>
+          <a:bodyPr rot="0" vert="horz" wrap="square" lIns="91440" tIns="45720" rIns="91440" bIns="45720" anchor="t" anchorCtr="0" upright="1">
+            <a:noAutofit/>
+          </a:bodyPr>
+          <a:lstStyle>
+            <a:lvl1pPr marL="0" indent="0">
+              <a:defRPr sz="1100">
+                <a:latin typeface="+mn-lt"/>
+                <a:ea typeface="+mn-ea"/>
+                <a:cs typeface="+mn-cs"/>
+              </a:defRPr>
+            </a:lvl1pPr>
+            <a:lvl2pPr marL="457200" indent="0">
+              <a:defRPr sz="1100">
+                <a:latin typeface="+mn-lt"/>
+                <a:ea typeface="+mn-ea"/>
+                <a:cs typeface="+mn-cs"/>
+              </a:defRPr>
+            </a:lvl2pPr>
+            <a:lvl3pPr marL="914400" indent="0">
+              <a:defRPr sz="1100">
+                <a:latin typeface="+mn-lt"/>
+                <a:ea typeface="+mn-ea"/>
+                <a:cs typeface="+mn-cs"/>
+              </a:defRPr>
+            </a:lvl3pPr>
+            <a:lvl4pPr marL="1371600" indent="0">
+              <a:defRPr sz="1100">
+                <a:latin typeface="+mn-lt"/>
+                <a:ea typeface="+mn-ea"/>
+                <a:cs typeface="+mn-cs"/>
+              </a:defRPr>
+            </a:lvl4pPr>
+            <a:lvl5pPr marL="1828800" indent="0">
+              <a:defRPr sz="1100">
+                <a:latin typeface="+mn-lt"/>
+                <a:ea typeface="+mn-ea"/>
+                <a:cs typeface="+mn-cs"/>
+              </a:defRPr>
+            </a:lvl5pPr>
+            <a:lvl6pPr marL="2286000" indent="0">
+              <a:defRPr sz="1100">
+                <a:latin typeface="+mn-lt"/>
+                <a:ea typeface="+mn-ea"/>
+                <a:cs typeface="+mn-cs"/>
+              </a:defRPr>
+            </a:lvl6pPr>
+            <a:lvl7pPr marL="2743200" indent="0">
+              <a:defRPr sz="1100">
+                <a:latin typeface="+mn-lt"/>
+                <a:ea typeface="+mn-ea"/>
+                <a:cs typeface="+mn-cs"/>
+              </a:defRPr>
+            </a:lvl7pPr>
+            <a:lvl8pPr marL="3200400" indent="0">
+              <a:defRPr sz="1100">
+                <a:latin typeface="+mn-lt"/>
+                <a:ea typeface="+mn-ea"/>
+                <a:cs typeface="+mn-cs"/>
+              </a:defRPr>
+            </a:lvl8pPr>
+            <a:lvl9pPr marL="3657600" indent="0">
+              <a:defRPr sz="1100">
+                <a:latin typeface="+mn-lt"/>
+                <a:ea typeface="+mn-ea"/>
+                <a:cs typeface="+mn-cs"/>
+              </a:defRPr>
+            </a:lvl9pPr>
+          </a:lstStyle>
+          <a:p>
+            <a:endParaRPr lang="en-IN"/>
           </a:p>
         </p:txBody>
       </p:sp>
     </p:spTree>
     <p:extLst>
       <p:ext uri="{BB962C8B-B14F-4D97-AF65-F5344CB8AC3E}">
-        <p14:creationId xmlns:p14="http://schemas.microsoft.com/office/powerpoint/2010/main" val="2990910791"/>
+        <p14:creationId xmlns:p14="http://schemas.microsoft.com/office/powerpoint/2010/main" val="4200739446"/>
       </p:ext>
     </p:extLst>
   </p:cSld>
@@ -6413,7 +6711,7 @@
           <a:p>
             <a:r>
               <a:rPr lang="en-IN" dirty="0" smtClean="0"/>
-              <a:t>Results 1 – Usefulness</a:t>
+              <a:t>Results 3 – Bot - ALL</a:t>
             </a:r>
             <a:endParaRPr lang="en-IN" dirty="0"/>
           </a:p>
@@ -6421,7 +6719,7 @@
       </p:sp>
       <p:graphicFrame>
         <p:nvGraphicFramePr>
-          <p:cNvPr id="10" name="Content Placeholder 9"/>
+          <p:cNvPr id="21" name="Content Placeholder 20"/>
           <p:cNvGraphicFramePr>
             <a:graphicFrameLocks noGrp="1"/>
           </p:cNvGraphicFramePr>
@@ -6429,14 +6727,14 @@
             <p:ph idx="1"/>
             <p:extLst>
               <p:ext uri="{D42A27DB-BD31-4B8C-83A1-F6EECF244321}">
-                <p14:modId xmlns:p14="http://schemas.microsoft.com/office/powerpoint/2010/main" val="277982946"/>
+                <p14:modId xmlns:p14="http://schemas.microsoft.com/office/powerpoint/2010/main" val="262843833"/>
               </p:ext>
             </p:extLst>
           </p:nvPr>
         </p:nvGraphicFramePr>
         <p:xfrm>
-          <a:off x="838200" y="1690688"/>
-          <a:ext cx="4605997" cy="2661969"/>
+          <a:off x="838200" y="1773479"/>
+          <a:ext cx="5239043" cy="2503100"/>
         </p:xfrm>
         <a:graphic>
           <a:graphicData uri="http://schemas.openxmlformats.org/drawingml/2006/chart">
@@ -6446,19 +6744,19 @@
       </p:graphicFrame>
       <p:graphicFrame>
         <p:nvGraphicFramePr>
-          <p:cNvPr id="11" name="Chart 10"/>
+          <p:cNvPr id="22" name="Chart 21"/>
           <p:cNvGraphicFramePr/>
           <p:nvPr>
             <p:extLst>
               <p:ext uri="{D42A27DB-BD31-4B8C-83A1-F6EECF244321}">
-                <p14:modId xmlns:p14="http://schemas.microsoft.com/office/powerpoint/2010/main" val="2587566851"/>
+                <p14:modId xmlns:p14="http://schemas.microsoft.com/office/powerpoint/2010/main" val="4157050755"/>
               </p:ext>
             </p:extLst>
           </p:nvPr>
         </p:nvGraphicFramePr>
         <p:xfrm>
-          <a:off x="5824023" y="1799711"/>
-          <a:ext cx="4951829" cy="2462800"/>
+          <a:off x="6147582" y="1690688"/>
+          <a:ext cx="5050301" cy="2585889"/>
         </p:xfrm>
         <a:graphic>
           <a:graphicData uri="http://schemas.openxmlformats.org/drawingml/2006/chart">
@@ -6468,19 +6766,19 @@
       </p:graphicFrame>
       <p:graphicFrame>
         <p:nvGraphicFramePr>
-          <p:cNvPr id="12" name="Chart 11"/>
+          <p:cNvPr id="23" name="Chart 22"/>
           <p:cNvGraphicFramePr/>
           <p:nvPr>
             <p:extLst>
               <p:ext uri="{D42A27DB-BD31-4B8C-83A1-F6EECF244321}">
-                <p14:modId xmlns:p14="http://schemas.microsoft.com/office/powerpoint/2010/main" val="496575790"/>
+                <p14:modId xmlns:p14="http://schemas.microsoft.com/office/powerpoint/2010/main" val="4076649422"/>
               </p:ext>
             </p:extLst>
           </p:nvPr>
         </p:nvGraphicFramePr>
         <p:xfrm>
-          <a:off x="1223889" y="4121834"/>
-          <a:ext cx="9439421" cy="2363372"/>
+          <a:off x="942535" y="4389926"/>
+          <a:ext cx="10100603" cy="1876425"/>
         </p:xfrm>
         <a:graphic>
           <a:graphicData uri="http://schemas.openxmlformats.org/drawingml/2006/chart">
@@ -6491,7 +6789,7 @@
     </p:spTree>
     <p:extLst>
       <p:ext uri="{BB962C8B-B14F-4D97-AF65-F5344CB8AC3E}">
-        <p14:creationId xmlns:p14="http://schemas.microsoft.com/office/powerpoint/2010/main" val="457191872"/>
+        <p14:creationId xmlns:p14="http://schemas.microsoft.com/office/powerpoint/2010/main" val="1490362765"/>
       </p:ext>
     </p:extLst>
   </p:cSld>
@@ -6542,350 +6840,15 @@
           <a:p>
             <a:r>
               <a:rPr lang="en-IN" dirty="0" smtClean="0"/>
-              <a:t>Results 2 – Usefulness + Duplicates</a:t>
-            </a:r>
-            <a:endParaRPr lang="en-IN" dirty="0"/>
-          </a:p>
-        </p:txBody>
-      </p:sp>
-      <p:graphicFrame>
-        <p:nvGraphicFramePr>
-          <p:cNvPr id="9" name="Content Placeholder 8"/>
-          <p:cNvGraphicFramePr>
-            <a:graphicFrameLocks noGrp="1"/>
-          </p:cNvGraphicFramePr>
-          <p:nvPr>
-            <p:ph idx="1"/>
-          </p:nvPr>
-        </p:nvGraphicFramePr>
-        <p:xfrm>
-          <a:off x="838200" y="1825625"/>
-          <a:ext cx="10515600" cy="4351338"/>
-        </p:xfrm>
-        <a:graphic>
-          <a:graphicData uri="http://schemas.openxmlformats.org/drawingml/2006/chart">
-            <c:chart xmlns:c="http://schemas.openxmlformats.org/drawingml/2006/chart" xmlns:r="http://schemas.openxmlformats.org/officeDocument/2006/relationships" r:id="rId2"/>
-          </a:graphicData>
-        </a:graphic>
-      </p:graphicFrame>
-    </p:spTree>
-    <p:extLst>
-      <p:ext uri="{BB962C8B-B14F-4D97-AF65-F5344CB8AC3E}">
-        <p14:creationId xmlns:p14="http://schemas.microsoft.com/office/powerpoint/2010/main" val="4200739446"/>
-      </p:ext>
-    </p:extLst>
-  </p:cSld>
-  <p:clrMapOvr>
-    <a:masterClrMapping/>
-  </p:clrMapOvr>
-  <p:timing>
-    <p:tnLst>
-      <p:par>
-        <p:cTn id="1" dur="indefinite" restart="never" nodeType="tmRoot"/>
-      </p:par>
-    </p:tnLst>
-  </p:timing>
-</p:sld>
-</file>
-
-<file path=ppt/slides/slide15.xml><?xml version="1.0" encoding="utf-8"?>
-<p:sld xmlns:a="http://schemas.openxmlformats.org/drawingml/2006/main" xmlns:r="http://schemas.openxmlformats.org/officeDocument/2006/relationships" xmlns:p="http://schemas.openxmlformats.org/presentationml/2006/main">
-  <p:cSld>
-    <p:spTree>
-      <p:nvGrpSpPr>
-        <p:cNvPr id="1" name=""/>
-        <p:cNvGrpSpPr/>
-        <p:nvPr/>
-      </p:nvGrpSpPr>
-      <p:grpSpPr>
-        <a:xfrm>
-          <a:off x="0" y="0"/>
-          <a:ext cx="0" cy="0"/>
-          <a:chOff x="0" y="0"/>
-          <a:chExt cx="0" cy="0"/>
-        </a:xfrm>
-      </p:grpSpPr>
-      <p:sp>
-        <p:nvSpPr>
-          <p:cNvPr id="2" name="Title 1"/>
-          <p:cNvSpPr>
-            <a:spLocks noGrp="1"/>
-          </p:cNvSpPr>
-          <p:nvPr>
-            <p:ph type="title"/>
-          </p:nvPr>
-        </p:nvSpPr>
-        <p:spPr/>
-        <p:txBody>
-          <a:bodyPr/>
-          <a:lstStyle/>
-          <a:p>
+              <a:t>Results </a:t>
+            </a:r>
             <a:r>
               <a:rPr lang="en-IN" dirty="0" smtClean="0"/>
-              <a:t>Results 3 – Bot - ALL</a:t>
-            </a:r>
-            <a:endParaRPr lang="en-IN" dirty="0"/>
-          </a:p>
-        </p:txBody>
-      </p:sp>
-      <p:graphicFrame>
-        <p:nvGraphicFramePr>
-          <p:cNvPr id="21" name="Content Placeholder 20"/>
-          <p:cNvGraphicFramePr>
-            <a:graphicFrameLocks noGrp="1"/>
-          </p:cNvGraphicFramePr>
-          <p:nvPr>
-            <p:ph idx="1"/>
-            <p:extLst>
-              <p:ext uri="{D42A27DB-BD31-4B8C-83A1-F6EECF244321}">
-                <p14:modId xmlns:p14="http://schemas.microsoft.com/office/powerpoint/2010/main" val="262843833"/>
-              </p:ext>
-            </p:extLst>
-          </p:nvPr>
-        </p:nvGraphicFramePr>
-        <p:xfrm>
-          <a:off x="838200" y="1773479"/>
-          <a:ext cx="5239043" cy="2503100"/>
-        </p:xfrm>
-        <a:graphic>
-          <a:graphicData uri="http://schemas.openxmlformats.org/drawingml/2006/chart">
-            <c:chart xmlns:c="http://schemas.openxmlformats.org/drawingml/2006/chart" xmlns:r="http://schemas.openxmlformats.org/officeDocument/2006/relationships" r:id="rId2"/>
-          </a:graphicData>
-        </a:graphic>
-      </p:graphicFrame>
-      <p:graphicFrame>
-        <p:nvGraphicFramePr>
-          <p:cNvPr id="22" name="Chart 21"/>
-          <p:cNvGraphicFramePr/>
-          <p:nvPr>
-            <p:extLst>
-              <p:ext uri="{D42A27DB-BD31-4B8C-83A1-F6EECF244321}">
-                <p14:modId xmlns:p14="http://schemas.microsoft.com/office/powerpoint/2010/main" val="4157050755"/>
-              </p:ext>
-            </p:extLst>
-          </p:nvPr>
-        </p:nvGraphicFramePr>
-        <p:xfrm>
-          <a:off x="6147582" y="1690688"/>
-          <a:ext cx="5050301" cy="2585889"/>
-        </p:xfrm>
-        <a:graphic>
-          <a:graphicData uri="http://schemas.openxmlformats.org/drawingml/2006/chart">
-            <c:chart xmlns:c="http://schemas.openxmlformats.org/drawingml/2006/chart" xmlns:r="http://schemas.openxmlformats.org/officeDocument/2006/relationships" r:id="rId3"/>
-          </a:graphicData>
-        </a:graphic>
-      </p:graphicFrame>
-      <p:graphicFrame>
-        <p:nvGraphicFramePr>
-          <p:cNvPr id="23" name="Chart 22"/>
-          <p:cNvGraphicFramePr/>
-          <p:nvPr>
-            <p:extLst>
-              <p:ext uri="{D42A27DB-BD31-4B8C-83A1-F6EECF244321}">
-                <p14:modId xmlns:p14="http://schemas.microsoft.com/office/powerpoint/2010/main" val="4076649422"/>
-              </p:ext>
-            </p:extLst>
-          </p:nvPr>
-        </p:nvGraphicFramePr>
-        <p:xfrm>
-          <a:off x="942535" y="4389926"/>
-          <a:ext cx="10100603" cy="1876425"/>
-        </p:xfrm>
-        <a:graphic>
-          <a:graphicData uri="http://schemas.openxmlformats.org/drawingml/2006/chart">
-            <c:chart xmlns:c="http://schemas.openxmlformats.org/drawingml/2006/chart" xmlns:r="http://schemas.openxmlformats.org/officeDocument/2006/relationships" r:id="rId4"/>
-          </a:graphicData>
-        </a:graphic>
-      </p:graphicFrame>
-    </p:spTree>
-    <p:extLst>
-      <p:ext uri="{BB962C8B-B14F-4D97-AF65-F5344CB8AC3E}">
-        <p14:creationId xmlns:p14="http://schemas.microsoft.com/office/powerpoint/2010/main" val="1490362765"/>
-      </p:ext>
-    </p:extLst>
-  </p:cSld>
-  <p:clrMapOvr>
-    <a:masterClrMapping/>
-  </p:clrMapOvr>
-  <p:timing>
-    <p:tnLst>
-      <p:par>
-        <p:cTn id="1" dur="indefinite" restart="never" nodeType="tmRoot"/>
-      </p:par>
-    </p:tnLst>
-  </p:timing>
-</p:sld>
-</file>
-
-<file path=ppt/slides/slide16.xml><?xml version="1.0" encoding="utf-8"?>
-<p:sld xmlns:a="http://schemas.openxmlformats.org/drawingml/2006/main" xmlns:r="http://schemas.openxmlformats.org/officeDocument/2006/relationships" xmlns:p="http://schemas.openxmlformats.org/presentationml/2006/main">
-  <p:cSld>
-    <p:spTree>
-      <p:nvGrpSpPr>
-        <p:cNvPr id="1" name=""/>
-        <p:cNvGrpSpPr/>
-        <p:nvPr/>
-      </p:nvGrpSpPr>
-      <p:grpSpPr>
-        <a:xfrm>
-          <a:off x="0" y="0"/>
-          <a:ext cx="0" cy="0"/>
-          <a:chOff x="0" y="0"/>
-          <a:chExt cx="0" cy="0"/>
-        </a:xfrm>
-      </p:grpSpPr>
-      <p:sp>
-        <p:nvSpPr>
-          <p:cNvPr id="2" name="Title 1"/>
-          <p:cNvSpPr>
-            <a:spLocks noGrp="1"/>
-          </p:cNvSpPr>
-          <p:nvPr>
-            <p:ph type="title"/>
-          </p:nvPr>
-        </p:nvSpPr>
-        <p:spPr>
-          <a:xfrm>
-            <a:off x="852268" y="294787"/>
-            <a:ext cx="10515600" cy="1325563"/>
-          </a:xfrm>
-        </p:spPr>
-        <p:txBody>
-          <a:bodyPr/>
-          <a:lstStyle/>
-          <a:p>
+              <a:t>4 </a:t>
+            </a:r>
             <a:r>
               <a:rPr lang="en-IN" dirty="0" smtClean="0"/>
-              <a:t>Results 4 - Honesty</a:t>
-            </a:r>
-            <a:endParaRPr lang="en-IN" dirty="0"/>
-          </a:p>
-        </p:txBody>
-      </p:sp>
-      <p:graphicFrame>
-        <p:nvGraphicFramePr>
-          <p:cNvPr id="4" name="Content Placeholder 3"/>
-          <p:cNvGraphicFramePr>
-            <a:graphicFrameLocks noGrp="1"/>
-          </p:cNvGraphicFramePr>
-          <p:nvPr>
-            <p:ph idx="1"/>
-            <p:extLst>
-              <p:ext uri="{D42A27DB-BD31-4B8C-83A1-F6EECF244321}">
-                <p14:modId xmlns:p14="http://schemas.microsoft.com/office/powerpoint/2010/main" val="2851747283"/>
-              </p:ext>
-            </p:extLst>
-          </p:nvPr>
-        </p:nvGraphicFramePr>
-        <p:xfrm>
-          <a:off x="856957" y="1727151"/>
-          <a:ext cx="5253111" cy="2830781"/>
-        </p:xfrm>
-        <a:graphic>
-          <a:graphicData uri="http://schemas.openxmlformats.org/drawingml/2006/chart">
-            <c:chart xmlns:c="http://schemas.openxmlformats.org/drawingml/2006/chart" xmlns:r="http://schemas.openxmlformats.org/officeDocument/2006/relationships" r:id="rId2"/>
-          </a:graphicData>
-        </a:graphic>
-      </p:graphicFrame>
-      <p:graphicFrame>
-        <p:nvGraphicFramePr>
-          <p:cNvPr id="5" name="Chart 4"/>
-          <p:cNvGraphicFramePr/>
-          <p:nvPr>
-            <p:extLst>
-              <p:ext uri="{D42A27DB-BD31-4B8C-83A1-F6EECF244321}">
-                <p14:modId xmlns:p14="http://schemas.microsoft.com/office/powerpoint/2010/main" val="2279267590"/>
-              </p:ext>
-            </p:extLst>
-          </p:nvPr>
-        </p:nvGraphicFramePr>
-        <p:xfrm>
-          <a:off x="6274190" y="1690689"/>
-          <a:ext cx="4712678" cy="2825040"/>
-        </p:xfrm>
-        <a:graphic>
-          <a:graphicData uri="http://schemas.openxmlformats.org/drawingml/2006/chart">
-            <c:chart xmlns:c="http://schemas.openxmlformats.org/drawingml/2006/chart" xmlns:r="http://schemas.openxmlformats.org/officeDocument/2006/relationships" r:id="rId3"/>
-          </a:graphicData>
-        </a:graphic>
-      </p:graphicFrame>
-      <p:graphicFrame>
-        <p:nvGraphicFramePr>
-          <p:cNvPr id="6" name="Chart 5"/>
-          <p:cNvGraphicFramePr/>
-          <p:nvPr>
-            <p:extLst>
-              <p:ext uri="{D42A27DB-BD31-4B8C-83A1-F6EECF244321}">
-                <p14:modId xmlns:p14="http://schemas.microsoft.com/office/powerpoint/2010/main" val="2356537017"/>
-              </p:ext>
-            </p:extLst>
-          </p:nvPr>
-        </p:nvGraphicFramePr>
-        <p:xfrm>
-          <a:off x="852268" y="4389120"/>
-          <a:ext cx="10106464" cy="1900164"/>
-        </p:xfrm>
-        <a:graphic>
-          <a:graphicData uri="http://schemas.openxmlformats.org/drawingml/2006/chart">
-            <c:chart xmlns:c="http://schemas.openxmlformats.org/drawingml/2006/chart" xmlns:r="http://schemas.openxmlformats.org/officeDocument/2006/relationships" r:id="rId4"/>
-          </a:graphicData>
-        </a:graphic>
-      </p:graphicFrame>
-    </p:spTree>
-    <p:extLst>
-      <p:ext uri="{BB962C8B-B14F-4D97-AF65-F5344CB8AC3E}">
-        <p14:creationId xmlns:p14="http://schemas.microsoft.com/office/powerpoint/2010/main" val="1135766400"/>
-      </p:ext>
-    </p:extLst>
-  </p:cSld>
-  <p:clrMapOvr>
-    <a:masterClrMapping/>
-  </p:clrMapOvr>
-  <p:timing>
-    <p:tnLst>
-      <p:par>
-        <p:cTn id="1" dur="indefinite" restart="never" nodeType="tmRoot"/>
-      </p:par>
-    </p:tnLst>
-  </p:timing>
-</p:sld>
-</file>
-
-<file path=ppt/slides/slide17.xml><?xml version="1.0" encoding="utf-8"?>
-<p:sld xmlns:a="http://schemas.openxmlformats.org/drawingml/2006/main" xmlns:r="http://schemas.openxmlformats.org/officeDocument/2006/relationships" xmlns:p="http://schemas.openxmlformats.org/presentationml/2006/main">
-  <p:cSld>
-    <p:spTree>
-      <p:nvGrpSpPr>
-        <p:cNvPr id="1" name=""/>
-        <p:cNvGrpSpPr/>
-        <p:nvPr/>
-      </p:nvGrpSpPr>
-      <p:grpSpPr>
-        <a:xfrm>
-          <a:off x="0" y="0"/>
-          <a:ext cx="0" cy="0"/>
-          <a:chOff x="0" y="0"/>
-          <a:chExt cx="0" cy="0"/>
-        </a:xfrm>
-      </p:grpSpPr>
-      <p:sp>
-        <p:nvSpPr>
-          <p:cNvPr id="2" name="Title 1"/>
-          <p:cNvSpPr>
-            <a:spLocks noGrp="1"/>
-          </p:cNvSpPr>
-          <p:nvPr>
-            <p:ph type="title"/>
-          </p:nvPr>
-        </p:nvSpPr>
-        <p:spPr/>
-        <p:txBody>
-          <a:bodyPr/>
-          <a:lstStyle/>
-          <a:p>
-            <a:r>
-              <a:rPr lang="en-IN" dirty="0" smtClean="0"/>
-              <a:t>Results 5 – Validation with SVM</a:t>
+              <a:t>– Validation with SVM</a:t>
             </a:r>
             <a:endParaRPr lang="en-IN" dirty="0"/>
           </a:p>
@@ -7871,7 +7834,7 @@
 </p:sld>
 </file>
 
-<file path=ppt/slides/slide18.xml><?xml version="1.0" encoding="utf-8"?>
+<file path=ppt/slides/slide15.xml><?xml version="1.0" encoding="utf-8"?>
 <p:sld xmlns:a="http://schemas.openxmlformats.org/drawingml/2006/main" xmlns:r="http://schemas.openxmlformats.org/officeDocument/2006/relationships" xmlns:p="http://schemas.openxmlformats.org/presentationml/2006/main">
   <p:cSld>
     <p:spTree>
@@ -8081,7 +8044,7 @@
 </p:sld>
 </file>
 
-<file path=ppt/slides/slide19.xml><?xml version="1.0" encoding="utf-8"?>
+<file path=ppt/slides/slide16.xml><?xml version="1.0" encoding="utf-8"?>
 <p:sld xmlns:a="http://schemas.openxmlformats.org/drawingml/2006/main" xmlns:r="http://schemas.openxmlformats.org/officeDocument/2006/relationships" xmlns:p="http://schemas.openxmlformats.org/presentationml/2006/main">
   <p:cSld>
     <p:spTree>
@@ -8490,14 +8453,35 @@
           <a:p>
             <a:r>
               <a:rPr lang="en-IN" dirty="0" smtClean="0"/>
-              <a:t>Identify online review spam using Fraud Eagle Framework</a:t>
-            </a:r>
-          </a:p>
-          <a:p>
+              <a:t>Identify online review spam using Fraud </a:t>
+            </a:r>
             <a:r>
               <a:rPr lang="en-IN" dirty="0" smtClean="0"/>
-              <a:t>Fraud Eagle Framework – Proposed by Akoglu et al.</a:t>
-            </a:r>
+              <a:t>Eagle </a:t>
+            </a:r>
+            <a:r>
+              <a:rPr lang="en-IN" dirty="0" smtClean="0"/>
+              <a:t>Framework</a:t>
+            </a:r>
+          </a:p>
+          <a:p>
+            <a:r>
+              <a:rPr lang="en-IN" dirty="0" smtClean="0"/>
+              <a:t>Fraud Eagle Framework – Proposed by </a:t>
+            </a:r>
+            <a:r>
+              <a:rPr lang="en-IN" dirty="0" err="1" smtClean="0"/>
+              <a:t>Prof.</a:t>
+            </a:r>
+            <a:r>
+              <a:rPr lang="en-IN" dirty="0"/>
+              <a:t> </a:t>
+            </a:r>
+            <a:r>
+              <a:rPr lang="en-IN" dirty="0" smtClean="0"/>
+              <a:t>Akoglu</a:t>
+            </a:r>
+            <a:endParaRPr lang="en-IN" dirty="0" smtClean="0"/>
           </a:p>
           <a:p>
             <a:r>
@@ -8561,7 +8545,7 @@
           <a:p>
             <a:r>
               <a:rPr lang="en-IN" dirty="0" smtClean="0"/>
-              <a:t>So, what did we do?</a:t>
+              <a:t>Our Contribution</a:t>
             </a:r>
             <a:endParaRPr lang="en-IN" dirty="0"/>
           </a:p>
@@ -8584,16 +8568,43 @@
           <a:p>
             <a:r>
               <a:rPr lang="en-IN" dirty="0" smtClean="0"/>
-              <a:t>We are interested in improving the algorithm</a:t>
+              <a:t>Introducing more orthogonalities</a:t>
+            </a:r>
+          </a:p>
+          <a:p>
+            <a:pPr lvl="1"/>
+            <a:r>
+              <a:rPr lang="en-IN" dirty="0" smtClean="0"/>
+              <a:t>Usefulness count from reviews</a:t>
+            </a:r>
+          </a:p>
+          <a:p>
+            <a:pPr lvl="1"/>
+            <a:r>
+              <a:rPr lang="en-IN" dirty="0" smtClean="0"/>
+              <a:t>Duplicates in reviews</a:t>
+            </a:r>
+          </a:p>
+          <a:p>
+            <a:pPr lvl="1"/>
+            <a:r>
+              <a:rPr lang="en-IN" dirty="0" smtClean="0"/>
+              <a:t>Verified Purchased Tags</a:t>
             </a:r>
             <a:endParaRPr lang="en-IN" dirty="0"/>
+          </a:p>
+          <a:p>
+            <a:r>
+              <a:rPr lang="en-IN" dirty="0" smtClean="0"/>
+              <a:t>These new attributes are plugged into FE as priors</a:t>
+            </a:r>
           </a:p>
         </p:txBody>
       </p:sp>
     </p:spTree>
     <p:extLst>
       <p:ext uri="{BB962C8B-B14F-4D97-AF65-F5344CB8AC3E}">
-        <p14:creationId xmlns:p14="http://schemas.microsoft.com/office/powerpoint/2010/main" val="4169309942"/>
+        <p14:creationId xmlns:p14="http://schemas.microsoft.com/office/powerpoint/2010/main" val="989950259"/>
       </p:ext>
     </p:extLst>
   </p:cSld>
@@ -8644,7 +8655,7 @@
           <a:p>
             <a:r>
               <a:rPr lang="en-IN" dirty="0" smtClean="0"/>
-              <a:t>How do we do that?</a:t>
+              <a:t>New features - How did we get them?</a:t>
             </a:r>
             <a:endParaRPr lang="en-IN" dirty="0"/>
           </a:p>
@@ -8667,43 +8678,82 @@
           <a:p>
             <a:r>
               <a:rPr lang="en-IN" dirty="0" smtClean="0"/>
-              <a:t>Introducing more orthogonalities</a:t>
+              <a:t>Useful Count – Yelp and Amazon provides</a:t>
+            </a:r>
+          </a:p>
+          <a:p>
+            <a:r>
+              <a:rPr lang="en-IN" dirty="0" smtClean="0"/>
+              <a:t>Verified Purchased – Amazon endorses the reviews</a:t>
+            </a:r>
+          </a:p>
+          <a:p>
+            <a:r>
+              <a:rPr lang="en-IN" dirty="0" smtClean="0"/>
+              <a:t>Duplicate Count</a:t>
             </a:r>
           </a:p>
           <a:p>
             <a:pPr lvl="1"/>
             <a:r>
               <a:rPr lang="en-IN" dirty="0" smtClean="0"/>
-              <a:t>Usefulness count from reviews</a:t>
+              <a:t>Computed using cosine similarity</a:t>
             </a:r>
           </a:p>
           <a:p>
             <a:pPr lvl="1"/>
             <a:r>
               <a:rPr lang="en-IN" dirty="0" smtClean="0"/>
-              <a:t>Duplicates in reviews</a:t>
+              <a:t>Duplicate Candidates</a:t>
+            </a:r>
+          </a:p>
+          <a:p>
+            <a:pPr lvl="2"/>
+            <a:r>
+              <a:rPr lang="en-IN" dirty="0" smtClean="0"/>
+              <a:t>Similarity Score &gt; 0.85</a:t>
             </a:r>
           </a:p>
           <a:p>
             <a:pPr lvl="1"/>
             <a:r>
               <a:rPr lang="en-IN" dirty="0" smtClean="0"/>
-              <a:t>Verified Purchased Tags</a:t>
-            </a:r>
+              <a:t>Computing Cosine </a:t>
+            </a:r>
+            <a:r>
+              <a:rPr lang="en-IN" dirty="0" err="1" smtClean="0"/>
+              <a:t>sim</a:t>
+            </a:r>
+            <a:r>
+              <a:rPr lang="en-IN" dirty="0" smtClean="0"/>
+              <a:t> </a:t>
+            </a:r>
+            <a:r>
+              <a:rPr lang="en-IN" dirty="0" smtClean="0"/>
+              <a:t>–Computationally expensive task</a:t>
+            </a:r>
+            <a:endParaRPr lang="en-IN" dirty="0" smtClean="0"/>
+          </a:p>
+          <a:p>
+            <a:pPr lvl="1"/>
+            <a:r>
+              <a:rPr lang="en-IN" dirty="0" smtClean="0"/>
+              <a:t>Limited the # of reviews to 5000 for calculating cosine similarity</a:t>
+            </a:r>
+          </a:p>
+          <a:p>
+            <a:pPr lvl="1"/>
+            <a:endParaRPr lang="en-IN" dirty="0" smtClean="0"/>
+          </a:p>
+          <a:p>
             <a:endParaRPr lang="en-IN" dirty="0"/>
-          </a:p>
-          <a:p>
-            <a:r>
-              <a:rPr lang="en-IN" dirty="0" smtClean="0"/>
-              <a:t>These new attributes are plugged into FE as priors</a:t>
-            </a:r>
           </a:p>
         </p:txBody>
       </p:sp>
     </p:spTree>
     <p:extLst>
       <p:ext uri="{BB962C8B-B14F-4D97-AF65-F5344CB8AC3E}">
-        <p14:creationId xmlns:p14="http://schemas.microsoft.com/office/powerpoint/2010/main" val="989950259"/>
+        <p14:creationId xmlns:p14="http://schemas.microsoft.com/office/powerpoint/2010/main" val="2738288293"/>
       </p:ext>
     </p:extLst>
   </p:cSld>
@@ -8753,12 +8803,8 @@
           <a:lstStyle/>
           <a:p>
             <a:r>
-              <a:rPr lang="en-IN" dirty="0"/>
-              <a:t>How did it get </a:t>
-            </a:r>
-            <a:r>
               <a:rPr lang="en-IN" dirty="0" smtClean="0"/>
-              <a:t>improved?</a:t>
+              <a:t>Dataset</a:t>
             </a:r>
             <a:endParaRPr lang="en-IN" dirty="0"/>
           </a:p>
@@ -8779,244 +8825,6 @@
           <a:bodyPr/>
           <a:lstStyle/>
           <a:p>
-            <a:endParaRPr lang="en-IN" dirty="0" smtClean="0"/>
-          </a:p>
-          <a:p>
-            <a:r>
-              <a:rPr lang="en-IN" dirty="0" smtClean="0"/>
-              <a:t>Well, its discussed in coming few slides</a:t>
-            </a:r>
-            <a:endParaRPr lang="en-IN" dirty="0"/>
-          </a:p>
-        </p:txBody>
-      </p:sp>
-    </p:spTree>
-    <p:extLst>
-      <p:ext uri="{BB962C8B-B14F-4D97-AF65-F5344CB8AC3E}">
-        <p14:creationId xmlns:p14="http://schemas.microsoft.com/office/powerpoint/2010/main" val="1200668377"/>
-      </p:ext>
-    </p:extLst>
-  </p:cSld>
-  <p:clrMapOvr>
-    <a:masterClrMapping/>
-  </p:clrMapOvr>
-  <p:timing>
-    <p:tnLst>
-      <p:par>
-        <p:cTn id="1" dur="indefinite" restart="never" nodeType="tmRoot"/>
-      </p:par>
-    </p:tnLst>
-  </p:timing>
-</p:sld>
-</file>
-
-<file path=ppt/slides/slide7.xml><?xml version="1.0" encoding="utf-8"?>
-<p:sld xmlns:a="http://schemas.openxmlformats.org/drawingml/2006/main" xmlns:r="http://schemas.openxmlformats.org/officeDocument/2006/relationships" xmlns:p="http://schemas.openxmlformats.org/presentationml/2006/main">
-  <p:cSld>
-    <p:spTree>
-      <p:nvGrpSpPr>
-        <p:cNvPr id="1" name=""/>
-        <p:cNvGrpSpPr/>
-        <p:nvPr/>
-      </p:nvGrpSpPr>
-      <p:grpSpPr>
-        <a:xfrm>
-          <a:off x="0" y="0"/>
-          <a:ext cx="0" cy="0"/>
-          <a:chOff x="0" y="0"/>
-          <a:chExt cx="0" cy="0"/>
-        </a:xfrm>
-      </p:grpSpPr>
-      <p:sp>
-        <p:nvSpPr>
-          <p:cNvPr id="2" name="Title 1"/>
-          <p:cNvSpPr>
-            <a:spLocks noGrp="1"/>
-          </p:cNvSpPr>
-          <p:nvPr>
-            <p:ph type="title"/>
-          </p:nvPr>
-        </p:nvSpPr>
-        <p:spPr/>
-        <p:txBody>
-          <a:bodyPr/>
-          <a:lstStyle/>
-          <a:p>
-            <a:r>
-              <a:rPr lang="en-IN" dirty="0" smtClean="0"/>
-              <a:t>New features -</a:t>
-            </a:r>
-            <a:r>
-              <a:rPr lang="en-IN" dirty="0" smtClean="0"/>
-              <a:t> How did we get them?</a:t>
-            </a:r>
-            <a:endParaRPr lang="en-IN" dirty="0"/>
-          </a:p>
-        </p:txBody>
-      </p:sp>
-      <p:sp>
-        <p:nvSpPr>
-          <p:cNvPr id="3" name="Content Placeholder 2"/>
-          <p:cNvSpPr>
-            <a:spLocks noGrp="1"/>
-          </p:cNvSpPr>
-          <p:nvPr>
-            <p:ph idx="1"/>
-          </p:nvPr>
-        </p:nvSpPr>
-        <p:spPr/>
-        <p:txBody>
-          <a:bodyPr/>
-          <a:lstStyle/>
-          <a:p>
-            <a:r>
-              <a:rPr lang="en-IN" dirty="0" smtClean="0"/>
-              <a:t>Useful Count – Yelp and Amazon provides</a:t>
-            </a:r>
-          </a:p>
-          <a:p>
-            <a:r>
-              <a:rPr lang="en-IN" dirty="0" smtClean="0"/>
-              <a:t>Verified Purchased – Amazon endorses the reviews</a:t>
-            </a:r>
-          </a:p>
-          <a:p>
-            <a:r>
-              <a:rPr lang="en-IN" dirty="0" smtClean="0"/>
-              <a:t>Duplicate Count</a:t>
-            </a:r>
-          </a:p>
-          <a:p>
-            <a:pPr lvl="1"/>
-            <a:r>
-              <a:rPr lang="en-IN" dirty="0" smtClean="0"/>
-              <a:t>Computed using cosine similarity</a:t>
-            </a:r>
-          </a:p>
-          <a:p>
-            <a:pPr lvl="1"/>
-            <a:r>
-              <a:rPr lang="en-IN" dirty="0" smtClean="0"/>
-              <a:t>Duplicate Candidates</a:t>
-            </a:r>
-          </a:p>
-          <a:p>
-            <a:pPr lvl="2"/>
-            <a:r>
-              <a:rPr lang="en-IN" dirty="0" smtClean="0"/>
-              <a:t>Similarity Score </a:t>
-            </a:r>
-            <a:r>
-              <a:rPr lang="en-IN" dirty="0" smtClean="0"/>
-              <a:t>&gt; 0.85</a:t>
-            </a:r>
-          </a:p>
-          <a:p>
-            <a:pPr lvl="1"/>
-            <a:r>
-              <a:rPr lang="en-IN" dirty="0" smtClean="0"/>
-              <a:t>Computing Cosine </a:t>
-            </a:r>
-            <a:r>
-              <a:rPr lang="en-IN" dirty="0" err="1" smtClean="0"/>
-              <a:t>sim</a:t>
-            </a:r>
-            <a:r>
-              <a:rPr lang="en-IN" dirty="0" smtClean="0"/>
-              <a:t> – Tedious task</a:t>
-            </a:r>
-          </a:p>
-          <a:p>
-            <a:pPr lvl="1"/>
-            <a:r>
-              <a:rPr lang="en-IN" dirty="0" smtClean="0"/>
-              <a:t>Limited the # of reviews to 5000 for calculating cosine similarity</a:t>
-            </a:r>
-          </a:p>
-          <a:p>
-            <a:pPr lvl="1"/>
-            <a:endParaRPr lang="en-IN" dirty="0" smtClean="0"/>
-          </a:p>
-          <a:p>
-            <a:endParaRPr lang="en-IN" dirty="0"/>
-          </a:p>
-        </p:txBody>
-      </p:sp>
-    </p:spTree>
-    <p:extLst>
-      <p:ext uri="{BB962C8B-B14F-4D97-AF65-F5344CB8AC3E}">
-        <p14:creationId xmlns:p14="http://schemas.microsoft.com/office/powerpoint/2010/main" val="2738288293"/>
-      </p:ext>
-    </p:extLst>
-  </p:cSld>
-  <p:clrMapOvr>
-    <a:masterClrMapping/>
-  </p:clrMapOvr>
-  <p:timing>
-    <p:tnLst>
-      <p:par>
-        <p:cTn id="1" dur="indefinite" restart="never" nodeType="tmRoot"/>
-      </p:par>
-    </p:tnLst>
-  </p:timing>
-</p:sld>
-</file>
-
-<file path=ppt/slides/slide8.xml><?xml version="1.0" encoding="utf-8"?>
-<p:sld xmlns:a="http://schemas.openxmlformats.org/drawingml/2006/main" xmlns:r="http://schemas.openxmlformats.org/officeDocument/2006/relationships" xmlns:p="http://schemas.openxmlformats.org/presentationml/2006/main">
-  <p:cSld>
-    <p:spTree>
-      <p:nvGrpSpPr>
-        <p:cNvPr id="1" name=""/>
-        <p:cNvGrpSpPr/>
-        <p:nvPr/>
-      </p:nvGrpSpPr>
-      <p:grpSpPr>
-        <a:xfrm>
-          <a:off x="0" y="0"/>
-          <a:ext cx="0" cy="0"/>
-          <a:chOff x="0" y="0"/>
-          <a:chExt cx="0" cy="0"/>
-        </a:xfrm>
-      </p:grpSpPr>
-      <p:sp>
-        <p:nvSpPr>
-          <p:cNvPr id="2" name="Title 1"/>
-          <p:cNvSpPr>
-            <a:spLocks noGrp="1"/>
-          </p:cNvSpPr>
-          <p:nvPr>
-            <p:ph type="title"/>
-          </p:nvPr>
-        </p:nvSpPr>
-        <p:spPr/>
-        <p:txBody>
-          <a:bodyPr/>
-          <a:lstStyle/>
-          <a:p>
-            <a:r>
-              <a:rPr lang="en-IN" dirty="0" smtClean="0"/>
-              <a:t>Dataset</a:t>
-            </a:r>
-            <a:endParaRPr lang="en-IN" dirty="0"/>
-          </a:p>
-        </p:txBody>
-      </p:sp>
-      <p:sp>
-        <p:nvSpPr>
-          <p:cNvPr id="3" name="Content Placeholder 2"/>
-          <p:cNvSpPr>
-            <a:spLocks noGrp="1"/>
-          </p:cNvSpPr>
-          <p:nvPr>
-            <p:ph idx="1"/>
-          </p:nvPr>
-        </p:nvSpPr>
-        <p:spPr/>
-        <p:txBody>
-          <a:bodyPr/>
-          <a:lstStyle/>
-          <a:p>
             <a:r>
               <a:rPr lang="en-IN" dirty="0" smtClean="0"/>
               <a:t>Yelp – Academic Dataset</a:t>
@@ -9037,15 +8845,7 @@
           <a:p>
             <a:r>
               <a:rPr lang="en-IN" dirty="0" smtClean="0"/>
-              <a:t>Amazon – Crawled Data  esp</a:t>
-            </a:r>
-            <a:r>
-              <a:rPr lang="en-IN" dirty="0" smtClean="0"/>
-              <a:t>., for </a:t>
-            </a:r>
-            <a:r>
-              <a:rPr lang="en-IN" dirty="0" smtClean="0"/>
-              <a:t>“Verified Purchased”</a:t>
+              <a:t>Amazon – Crawled Data  esp., for “Verified Purchased”</a:t>
             </a:r>
             <a:endParaRPr lang="en-IN" dirty="0"/>
           </a:p>
@@ -9071,7 +8871,7 @@
 </p:sld>
 </file>
 
-<file path=ppt/slides/slide9.xml><?xml version="1.0" encoding="utf-8"?>
+<file path=ppt/slides/slide7.xml><?xml version="1.0" encoding="utf-8"?>
 <p:sld xmlns:a="http://schemas.openxmlformats.org/drawingml/2006/main" xmlns:r="http://schemas.openxmlformats.org/officeDocument/2006/relationships" xmlns:p="http://schemas.openxmlformats.org/presentationml/2006/main">
   <p:cSld>
     <p:spTree>
@@ -9612,6 +9412,166 @@
     <p:extLst>
       <p:ext uri="{BB962C8B-B14F-4D97-AF65-F5344CB8AC3E}">
         <p14:creationId xmlns:p14="http://schemas.microsoft.com/office/powerpoint/2010/main" val="233470696"/>
+      </p:ext>
+    </p:extLst>
+  </p:cSld>
+  <p:clrMapOvr>
+    <a:masterClrMapping/>
+  </p:clrMapOvr>
+  <p:timing>
+    <p:tnLst>
+      <p:par>
+        <p:cTn id="1" dur="indefinite" restart="never" nodeType="tmRoot"/>
+      </p:par>
+    </p:tnLst>
+  </p:timing>
+</p:sld>
+</file>
+
+<file path=ppt/slides/slide8.xml><?xml version="1.0" encoding="utf-8"?>
+<p:sld xmlns:a="http://schemas.openxmlformats.org/drawingml/2006/main" xmlns:r="http://schemas.openxmlformats.org/officeDocument/2006/relationships" xmlns:p="http://schemas.openxmlformats.org/presentationml/2006/main">
+  <p:cSld>
+    <p:spTree>
+      <p:nvGrpSpPr>
+        <p:cNvPr id="1" name=""/>
+        <p:cNvGrpSpPr/>
+        <p:nvPr/>
+      </p:nvGrpSpPr>
+      <p:grpSpPr>
+        <a:xfrm>
+          <a:off x="0" y="0"/>
+          <a:ext cx="0" cy="0"/>
+          <a:chOff x="0" y="0"/>
+          <a:chExt cx="0" cy="0"/>
+        </a:xfrm>
+      </p:grpSpPr>
+      <p:sp>
+        <p:nvSpPr>
+          <p:cNvPr id="2" name="Title 1"/>
+          <p:cNvSpPr>
+            <a:spLocks noGrp="1"/>
+          </p:cNvSpPr>
+          <p:nvPr>
+            <p:ph type="title"/>
+          </p:nvPr>
+        </p:nvSpPr>
+        <p:spPr/>
+        <p:txBody>
+          <a:bodyPr/>
+          <a:lstStyle/>
+          <a:p>
+            <a:r>
+              <a:rPr lang="en-IN" dirty="0" smtClean="0"/>
+              <a:t>Dataset Statistics</a:t>
+            </a:r>
+            <a:endParaRPr lang="en-IN" dirty="0"/>
+          </a:p>
+        </p:txBody>
+      </p:sp>
+      <p:graphicFrame>
+        <p:nvGraphicFramePr>
+          <p:cNvPr id="4" name="Content Placeholder 3"/>
+          <p:cNvGraphicFramePr>
+            <a:graphicFrameLocks noGrp="1"/>
+          </p:cNvGraphicFramePr>
+          <p:nvPr>
+            <p:ph idx="1"/>
+          </p:nvPr>
+        </p:nvGraphicFramePr>
+        <p:xfrm>
+          <a:off x="838200" y="1825625"/>
+          <a:ext cx="10515600" cy="4351338"/>
+        </p:xfrm>
+        <a:graphic>
+          <a:graphicData uri="http://schemas.openxmlformats.org/drawingml/2006/chart">
+            <c:chart xmlns:c="http://schemas.openxmlformats.org/drawingml/2006/chart" xmlns:r="http://schemas.openxmlformats.org/officeDocument/2006/relationships" r:id="rId2"/>
+          </a:graphicData>
+        </a:graphic>
+      </p:graphicFrame>
+    </p:spTree>
+    <p:extLst>
+      <p:ext uri="{BB962C8B-B14F-4D97-AF65-F5344CB8AC3E}">
+        <p14:creationId xmlns:p14="http://schemas.microsoft.com/office/powerpoint/2010/main" val="3356847137"/>
+      </p:ext>
+    </p:extLst>
+  </p:cSld>
+  <p:clrMapOvr>
+    <a:masterClrMapping/>
+  </p:clrMapOvr>
+  <p:timing>
+    <p:tnLst>
+      <p:par>
+        <p:cTn id="1" dur="indefinite" restart="never" nodeType="tmRoot"/>
+      </p:par>
+    </p:tnLst>
+  </p:timing>
+</p:sld>
+</file>
+
+<file path=ppt/slides/slide9.xml><?xml version="1.0" encoding="utf-8"?>
+<p:sld xmlns:a="http://schemas.openxmlformats.org/drawingml/2006/main" xmlns:r="http://schemas.openxmlformats.org/officeDocument/2006/relationships" xmlns:p="http://schemas.openxmlformats.org/presentationml/2006/main">
+  <p:cSld>
+    <p:spTree>
+      <p:nvGrpSpPr>
+        <p:cNvPr id="1" name=""/>
+        <p:cNvGrpSpPr/>
+        <p:nvPr/>
+      </p:nvGrpSpPr>
+      <p:grpSpPr>
+        <a:xfrm>
+          <a:off x="0" y="0"/>
+          <a:ext cx="0" cy="0"/>
+          <a:chOff x="0" y="0"/>
+          <a:chExt cx="0" cy="0"/>
+        </a:xfrm>
+      </p:grpSpPr>
+      <p:sp>
+        <p:nvSpPr>
+          <p:cNvPr id="2" name="Title 1"/>
+          <p:cNvSpPr>
+            <a:spLocks noGrp="1"/>
+          </p:cNvSpPr>
+          <p:nvPr>
+            <p:ph type="title"/>
+          </p:nvPr>
+        </p:nvSpPr>
+        <p:spPr/>
+        <p:txBody>
+          <a:bodyPr/>
+          <a:lstStyle/>
+          <a:p>
+            <a:r>
+              <a:rPr lang="en-IN" dirty="0" smtClean="0"/>
+              <a:t>Dataset Statistics – 2</a:t>
+            </a:r>
+            <a:endParaRPr lang="en-IN" dirty="0"/>
+          </a:p>
+        </p:txBody>
+      </p:sp>
+      <p:graphicFrame>
+        <p:nvGraphicFramePr>
+          <p:cNvPr id="4" name="Content Placeholder 3"/>
+          <p:cNvGraphicFramePr>
+            <a:graphicFrameLocks noGrp="1"/>
+          </p:cNvGraphicFramePr>
+          <p:nvPr>
+            <p:ph idx="1"/>
+          </p:nvPr>
+        </p:nvGraphicFramePr>
+        <p:xfrm>
+          <a:off x="838200" y="1825625"/>
+          <a:ext cx="10515600" cy="4351338"/>
+        </p:xfrm>
+        <a:graphic>
+          <a:graphicData uri="http://schemas.openxmlformats.org/drawingml/2006/chart">
+            <c:chart xmlns:c="http://schemas.openxmlformats.org/drawingml/2006/chart" xmlns:r="http://schemas.openxmlformats.org/officeDocument/2006/relationships" r:id="rId2"/>
+          </a:graphicData>
+        </a:graphic>
+      </p:graphicFrame>
+    </p:spTree>
+    <p:extLst>
+      <p:ext uri="{BB962C8B-B14F-4D97-AF65-F5344CB8AC3E}">
+        <p14:creationId xmlns:p14="http://schemas.microsoft.com/office/powerpoint/2010/main" val="2042885854"/>
       </p:ext>
     </p:extLst>
   </p:cSld>

--- a/Documents/Presentation/Course591-Final-Presentation.pptx
+++ b/Documents/Presentation/Course591-Final-Presentation.pptx
@@ -121,7 +121,7 @@
   </p:defaultTextStyle>
   <p:extLst>
     <p:ext uri="{EFAFB233-063F-42B5-8137-9DF3F51BA10A}">
-      <p15:sldGuideLst xmlns:p15="http://schemas.microsoft.com/office/powerpoint/2012/main"/>
+      <p15:sldGuideLst xmlns:p15="http://schemas.microsoft.com/office/powerpoint/2012/main" xmlns=""/>
     </p:ext>
   </p:extLst>
 </p:presentation>
@@ -129,17 +129,7 @@
 
 <file path=ppt/charts/chart1.xml><?xml version="1.0" encoding="utf-8"?>
 <c:chartSpace xmlns:c="http://schemas.openxmlformats.org/drawingml/2006/chart" xmlns:a="http://schemas.openxmlformats.org/drawingml/2006/main" xmlns:r="http://schemas.openxmlformats.org/officeDocument/2006/relationships">
-  <c:date1904 val="0"/>
-  <c:lang val="en-US"/>
-  <c:roundedCorners val="0"/>
-  <mc:AlternateContent xmlns:mc="http://schemas.openxmlformats.org/markup-compatibility/2006">
-    <mc:Choice xmlns:c14="http://schemas.microsoft.com/office/drawing/2007/8/2/chart" Requires="c14">
-      <c14:style val="102"/>
-    </mc:Choice>
-    <mc:Fallback>
-      <c:style val="2"/>
-    </mc:Fallback>
-  </mc:AlternateContent>
+  <c:lang val="en-IN"/>
   <c:chart>
     <c:title>
       <c:tx>
@@ -162,20 +152,16 @@
           <c:xMode val="edge"/>
           <c:yMode val="edge"/>
           <c:x val="0.43683831842943782"/>
-          <c:y val="3.2409107601909772E-2"/>
+          <c:y val="3.2409107601909785E-2"/>
         </c:manualLayout>
       </c:layout>
-      <c:overlay val="0"/>
     </c:title>
-    <c:autoTitleDeleted val="0"/>
     <c:view3D>
       <c:rotX val="20"/>
       <c:rotY val="0"/>
-      <c:rAngAx val="0"/>
       <c:perspective val="0"/>
     </c:view3D>
     <c:floor>
-      <c:thickness val="0"/>
       <c:spPr>
         <a:solidFill>
           <a:srgbClr val="CCCCCC"/>
@@ -188,7 +174,6 @@
       </c:spPr>
     </c:floor>
     <c:sideWall>
-      <c:thickness val="0"/>
       <c:spPr>
         <a:noFill/>
         <a:ln>
@@ -200,7 +185,6 @@
       </c:spPr>
     </c:sideWall>
     <c:backWall>
-      <c:thickness val="0"/>
       <c:spPr>
         <a:noFill/>
         <a:ln>
@@ -217,15 +201,14 @@
           <c:xMode val="edge"/>
           <c:yMode val="edge"/>
           <c:x val="5.4613355260903829E-2"/>
-          <c:y val="0.12623944179214147"/>
+          <c:y val="0.12623944179214153"/>
           <c:w val="0.92541199849247968"/>
-          <c:h val="0.76377157546823471"/>
+          <c:h val="0.76377157546823482"/>
         </c:manualLayout>
       </c:layout>
       <c:bar3DChart>
         <c:barDir val="col"/>
         <c:grouping val="stacked"/>
-        <c:varyColors val="0"/>
         <c:ser>
           <c:idx val="0"/>
           <c:order val="0"/>
@@ -237,7 +220,6 @@
               <a:noFill/>
             </a:ln>
           </c:spPr>
-          <c:invertIfNegative val="0"/>
           <c:cat>
             <c:numRef>
               <c:f>UC!$F$2:$F$51</c:f>
@@ -407,7 +389,7 @@
                   <c:v>5.4578970286822797</c:v>
                 </c:pt>
                 <c:pt idx="1">
-                  <c:v>5.1088828488523053</c:v>
+                  <c:v>5.1088828488523044</c:v>
                 </c:pt>
                 <c:pt idx="2">
                   <c:v>4.7907846321126097</c:v>
@@ -422,37 +404,37 @@
                   <c:v>4.0633708935856996</c:v>
                 </c:pt>
                 <c:pt idx="6">
-                  <c:v>3.8803561994192375</c:v>
+                  <c:v>3.880356199419237</c:v>
                 </c:pt>
                 <c:pt idx="7">
-                  <c:v>3.7226339225338076</c:v>
+                  <c:v>3.7226339225338072</c:v>
                 </c:pt>
                 <c:pt idx="8">
-                  <c:v>3.573683693093797</c:v>
+                  <c:v>3.5736836930937965</c:v>
                 </c:pt>
                 <c:pt idx="9">
                   <c:v>3.3866772839608377</c:v>
                 </c:pt>
                 <c:pt idx="10">
-                  <c:v>3.2753113545418122</c:v>
+                  <c:v>3.2753113545418127</c:v>
                 </c:pt>
                 <c:pt idx="11">
                   <c:v>3.1427022457376212</c:v>
                 </c:pt>
                 <c:pt idx="12">
-                  <c:v>3.0629578340845076</c:v>
+                  <c:v>3.0629578340845072</c:v>
                 </c:pt>
                 <c:pt idx="13">
-                  <c:v>2.9294189257142857</c:v>
+                  <c:v>2.9294189257142849</c:v>
                 </c:pt>
                 <c:pt idx="14">
                   <c:v>2.8419848045901102</c:v>
                 </c:pt>
                 <c:pt idx="15">
-                  <c:v>2.7250945210814734</c:v>
+                  <c:v>2.7250945210814743</c:v>
                 </c:pt>
                 <c:pt idx="16">
-                  <c:v>2.6512780139981365</c:v>
+                  <c:v>2.651278013998136</c:v>
                 </c:pt>
                 <c:pt idx="17">
                   <c:v>2.5415792439465812</c:v>
@@ -464,16 +446,16 @@
                   <c:v>2.32428245529769</c:v>
                 </c:pt>
                 <c:pt idx="20">
-                  <c:v>2.2355284469075523</c:v>
+                  <c:v>2.2355284469075531</c:v>
                 </c:pt>
                 <c:pt idx="21">
                   <c:v>2.1492191126553801</c:v>
                 </c:pt>
                 <c:pt idx="22">
-                  <c:v>2.0969100130080576</c:v>
+                  <c:v>2.0969100130080571</c:v>
                 </c:pt>
                 <c:pt idx="23">
-                  <c:v>2.1238516409670929</c:v>
+                  <c:v>2.1238516409670938</c:v>
                 </c:pt>
                 <c:pt idx="24">
                   <c:v>2.0086001717619202</c:v>
@@ -482,22 +464,22 @@
                   <c:v>1.82607480270083</c:v>
                 </c:pt>
                 <c:pt idx="26">
-                  <c:v>1.7923916894982499</c:v>
+                  <c:v>1.7923916894982501</c:v>
                 </c:pt>
                 <c:pt idx="27">
-                  <c:v>1.7558748556724881</c:v>
+                  <c:v>1.7558748556724877</c:v>
                 </c:pt>
                 <c:pt idx="28">
-                  <c:v>1.7160033436347999</c:v>
+                  <c:v>1.7160033436348001</c:v>
                 </c:pt>
                 <c:pt idx="29">
-                  <c:v>1.6232492903978988</c:v>
+                  <c:v>1.6232492903978986</c:v>
                 </c:pt>
                 <c:pt idx="30">
                   <c:v>1.5797835966168101</c:v>
                 </c:pt>
                 <c:pt idx="31">
-                  <c:v>1.556302500767291</c:v>
+                  <c:v>1.5563025007672913</c:v>
                 </c:pt>
                 <c:pt idx="32">
                   <c:v>1.3802112417116101</c:v>
@@ -518,7 +500,7 @@
                   <c:v>1.3802112417116101</c:v>
                 </c:pt>
                 <c:pt idx="38">
-                  <c:v>1.1461280356782411</c:v>
+                  <c:v>1.1461280356782413</c:v>
                 </c:pt>
                 <c:pt idx="39">
                   <c:v>1.2041199826559199</c:v>
@@ -539,44 +521,35 @@
                   <c:v>1.0413926851582298</c:v>
                 </c:pt>
                 <c:pt idx="45">
-                  <c:v>0.90308998699194232</c:v>
+                  <c:v>0.90308998699194221</c:v>
                 </c:pt>
                 <c:pt idx="46">
                   <c:v>0.95424250943932498</c:v>
                 </c:pt>
                 <c:pt idx="47">
-                  <c:v>0.69897000433601963</c:v>
+                  <c:v>0.69897000433601975</c:v>
                 </c:pt>
                 <c:pt idx="48">
                   <c:v>0.77815125038364474</c:v>
                 </c:pt>
                 <c:pt idx="49">
-                  <c:v>0.30102999566398142</c:v>
+                  <c:v>0.30102999566398148</c:v>
                 </c:pt>
               </c:numCache>
             </c:numRef>
           </c:val>
         </c:ser>
-        <c:dLbls>
-          <c:showLegendKey val="0"/>
-          <c:showVal val="0"/>
-          <c:showCatName val="0"/>
-          <c:showSerName val="0"/>
-          <c:showPercent val="0"/>
-          <c:showBubbleSize val="0"/>
-        </c:dLbls>
-        <c:gapWidth val="150"/>
+        <c:dLbls/>
         <c:shape val="box"/>
-        <c:axId val="230270800"/>
-        <c:axId val="230272760"/>
+        <c:axId val="84203776"/>
+        <c:axId val="84201856"/>
         <c:axId val="0"/>
       </c:bar3DChart>
       <c:valAx>
-        <c:axId val="230272760"/>
+        <c:axId val="84201856"/>
         <c:scaling>
           <c:orientation val="minMax"/>
         </c:scaling>
-        <c:delete val="0"/>
         <c:axPos val="l"/>
         <c:majorGridlines>
           <c:spPr>
@@ -607,15 +580,13 @@
             <c:manualLayout>
               <c:xMode val="edge"/>
               <c:yMode val="edge"/>
-              <c:x val="1.9517408792580918E-2"/>
-              <c:y val="0.35930276157340857"/>
+              <c:x val="1.9517408792580924E-2"/>
+              <c:y val="0.35930276157340868"/>
             </c:manualLayout>
           </c:layout>
-          <c:overlay val="0"/>
         </c:title>
         <c:numFmt formatCode="General" sourceLinked="1"/>
         <c:majorTickMark val="none"/>
-        <c:minorTickMark val="none"/>
         <c:tickLblPos val="nextTo"/>
         <c:spPr>
           <a:ln>
@@ -634,16 +605,15 @@
             <a:endParaRPr lang="en-US"/>
           </a:p>
         </c:txPr>
-        <c:crossAx val="230270800"/>
+        <c:crossAx val="84203776"/>
         <c:crosses val="autoZero"/>
         <c:crossBetween val="between"/>
       </c:valAx>
       <c:catAx>
-        <c:axId val="230270800"/>
+        <c:axId val="84203776"/>
         <c:scaling>
           <c:orientation val="minMax"/>
         </c:scaling>
-        <c:delete val="0"/>
         <c:axPos val="b"/>
         <c:title>
           <c:tx>
@@ -666,14 +636,12 @@
               <c:xMode val="edge"/>
               <c:yMode val="edge"/>
               <c:x val="0.40628252152105787"/>
-              <c:y val="0.89261751371987608"/>
+              <c:y val="0.8926175137198763"/>
             </c:manualLayout>
           </c:layout>
-          <c:overlay val="0"/>
         </c:title>
         <c:numFmt formatCode="General" sourceLinked="1"/>
         <c:majorTickMark val="none"/>
-        <c:minorTickMark val="none"/>
         <c:tickLblPos val="nextTo"/>
         <c:spPr>
           <a:ln>
@@ -692,61 +660,43 @@
             <a:endParaRPr lang="en-US"/>
           </a:p>
         </c:txPr>
-        <c:crossAx val="230272760"/>
+        <c:crossAx val="84201856"/>
         <c:crosses val="autoZero"/>
         <c:auto val="1"/>
         <c:lblAlgn val="ctr"/>
         <c:lblOffset val="100"/>
-        <c:noMultiLvlLbl val="0"/>
       </c:catAx>
     </c:plotArea>
     <c:plotVisOnly val="1"/>
     <c:dispBlanksAs val="gap"/>
-    <c:showDLblsOverMax val="0"/>
   </c:chart>
   <c:spPr>
     <a:ln>
       <a:noFill/>
     </a:ln>
   </c:spPr>
-  <c:externalData r:id="rId1">
-    <c:autoUpdate val="0"/>
-  </c:externalData>
+  <c:externalData r:id="rId1"/>
 </c:chartSpace>
 </file>
 
 <file path=ppt/charts/chart10.xml><?xml version="1.0" encoding="utf-8"?>
 <c:chartSpace xmlns:c="http://schemas.openxmlformats.org/drawingml/2006/chart" xmlns:a="http://schemas.openxmlformats.org/drawingml/2006/main" xmlns:r="http://schemas.openxmlformats.org/officeDocument/2006/relationships">
-  <c:date1904 val="0"/>
-  <c:lang val="en-US"/>
-  <c:roundedCorners val="0"/>
-  <mc:AlternateContent xmlns:mc="http://schemas.openxmlformats.org/markup-compatibility/2006">
-    <mc:Choice xmlns:c14="http://schemas.microsoft.com/office/drawing/2007/8/2/chart" Requires="c14">
-      <c14:style val="102"/>
-    </mc:Choice>
-    <mc:Fallback>
-      <c:style val="2"/>
-    </mc:Fallback>
-  </mc:AlternateContent>
+  <c:lang val="en-IN"/>
   <c:chart>
     <c:title>
       <c:layout/>
-      <c:overlay val="0"/>
     </c:title>
-    <c:autoTitleDeleted val="0"/>
     <c:plotArea>
       <c:layout/>
       <c:barChart>
         <c:barDir val="col"/>
         <c:grouping val="clustered"/>
-        <c:varyColors val="0"/>
         <c:ser>
           <c:idx val="0"/>
           <c:order val="0"/>
           <c:tx>
             <c:v>Fraud Probability (sIA)</c:v>
           </c:tx>
-          <c:invertIfNegative val="0"/>
           <c:cat>
             <c:strRef>
               <c:f>'BOT UC'!$E$2:$E$7</c:f>
@@ -783,114 +733,82 @@
                   <c:v>0.51605500000000004</c:v>
                 </c:pt>
                 <c:pt idx="1">
-                  <c:v>0.50576699999999952</c:v>
+                  <c:v>0.50576699999999941</c:v>
                 </c:pt>
                 <c:pt idx="2">
-                  <c:v>0.5004039999999994</c:v>
+                  <c:v>0.50040399999999929</c:v>
                 </c:pt>
                 <c:pt idx="3">
                   <c:v>0.49704100000000001</c:v>
                 </c:pt>
                 <c:pt idx="4">
-                  <c:v>0.47891000000000017</c:v>
+                  <c:v>0.47891000000000022</c:v>
                 </c:pt>
                 <c:pt idx="5">
-                  <c:v>0.45803099999999997</c:v>
+                  <c:v>0.45803100000000002</c:v>
                 </c:pt>
               </c:numCache>
             </c:numRef>
           </c:val>
         </c:ser>
-        <c:dLbls>
-          <c:showLegendKey val="0"/>
-          <c:showVal val="0"/>
-          <c:showCatName val="0"/>
-          <c:showSerName val="0"/>
-          <c:showPercent val="0"/>
-          <c:showBubbleSize val="0"/>
-        </c:dLbls>
-        <c:gapWidth val="150"/>
-        <c:axId val="296020680"/>
-        <c:axId val="296014016"/>
+        <c:dLbls/>
+        <c:axId val="84194816"/>
+        <c:axId val="84196352"/>
       </c:barChart>
       <c:catAx>
-        <c:axId val="296020680"/>
+        <c:axId val="84194816"/>
         <c:scaling>
           <c:orientation val="minMax"/>
         </c:scaling>
-        <c:delete val="0"/>
         <c:axPos val="b"/>
         <c:numFmt formatCode="General" sourceLinked="0"/>
-        <c:majorTickMark val="out"/>
-        <c:minorTickMark val="none"/>
         <c:tickLblPos val="nextTo"/>
-        <c:crossAx val="296014016"/>
+        <c:crossAx val="84196352"/>
         <c:crosses val="autoZero"/>
         <c:auto val="1"/>
         <c:lblAlgn val="ctr"/>
         <c:lblOffset val="100"/>
-        <c:noMultiLvlLbl val="0"/>
       </c:catAx>
       <c:valAx>
-        <c:axId val="296014016"/>
+        <c:axId val="84196352"/>
         <c:scaling>
           <c:orientation val="minMax"/>
         </c:scaling>
-        <c:delete val="0"/>
         <c:axPos val="l"/>
         <c:majorGridlines/>
         <c:numFmt formatCode="General" sourceLinked="1"/>
-        <c:majorTickMark val="out"/>
-        <c:minorTickMark val="none"/>
         <c:tickLblPos val="nextTo"/>
-        <c:crossAx val="296020680"/>
+        <c:crossAx val="84194816"/>
         <c:crosses val="autoZero"/>
         <c:crossBetween val="between"/>
       </c:valAx>
     </c:plotArea>
     <c:plotVisOnly val="1"/>
     <c:dispBlanksAs val="gap"/>
-    <c:showDLblsOverMax val="0"/>
   </c:chart>
-  <c:externalData r:id="rId1">
-    <c:autoUpdate val="0"/>
-  </c:externalData>
+  <c:externalData r:id="rId1"/>
   <c:userShapes r:id="rId2"/>
 </c:chartSpace>
 </file>
 
 <file path=ppt/charts/chart11.xml><?xml version="1.0" encoding="utf-8"?>
 <c:chartSpace xmlns:c="http://schemas.openxmlformats.org/drawingml/2006/chart" xmlns:a="http://schemas.openxmlformats.org/drawingml/2006/main" xmlns:r="http://schemas.openxmlformats.org/officeDocument/2006/relationships">
-  <c:date1904 val="0"/>
-  <c:lang val="en-US"/>
-  <c:roundedCorners val="0"/>
-  <mc:AlternateContent xmlns:mc="http://schemas.openxmlformats.org/markup-compatibility/2006">
-    <mc:Choice xmlns:c14="http://schemas.microsoft.com/office/drawing/2007/8/2/chart" Requires="c14">
-      <c14:style val="102"/>
-    </mc:Choice>
-    <mc:Fallback>
-      <c:style val="2"/>
-    </mc:Fallback>
-  </mc:AlternateContent>
+  <c:lang val="en-IN"/>
   <c:chart>
     <c:title>
       <c:layout/>
-      <c:overlay val="0"/>
     </c:title>
-    <c:autoTitleDeleted val="0"/>
     <c:plotArea>
       <c:layout/>
       <c:barChart>
         <c:barDir val="col"/>
         <c:grouping val="clustered"/>
-        <c:varyColors val="0"/>
         <c:ser>
           <c:idx val="0"/>
           <c:order val="0"/>
           <c:tx>
             <c:v>Fraud Probability (modified sIA ver. 3)</c:v>
           </c:tx>
-          <c:invertIfNegative val="0"/>
           <c:cat>
             <c:strRef>
               <c:f>'BOT UC'!$J$2:$J$7</c:f>
@@ -924,19 +842,19 @@
                 <c:formatCode>General</c:formatCode>
                 <c:ptCount val="6"/>
                 <c:pt idx="0">
-                  <c:v>0.71478500000000034</c:v>
+                  <c:v>0.71478500000000045</c:v>
                 </c:pt>
                 <c:pt idx="1">
-                  <c:v>0.70275100000000035</c:v>
+                  <c:v>0.70275100000000046</c:v>
                 </c:pt>
                 <c:pt idx="2">
-                  <c:v>0.52752599999999972</c:v>
+                  <c:v>0.52752599999999961</c:v>
                 </c:pt>
                 <c:pt idx="3">
-                  <c:v>0.30965600000000021</c:v>
+                  <c:v>0.30965600000000026</c:v>
                 </c:pt>
                 <c:pt idx="4">
-                  <c:v>0.22741300000000009</c:v>
+                  <c:v>0.22741300000000012</c:v>
                 </c:pt>
                 <c:pt idx="5">
                   <c:v>1.0145000000000001E-2</c:v>
@@ -945,77 +863,49 @@
             </c:numRef>
           </c:val>
         </c:ser>
-        <c:dLbls>
-          <c:showLegendKey val="0"/>
-          <c:showVal val="0"/>
-          <c:showCatName val="0"/>
-          <c:showSerName val="0"/>
-          <c:showPercent val="0"/>
-          <c:showBubbleSize val="0"/>
-        </c:dLbls>
-        <c:gapWidth val="150"/>
-        <c:axId val="296021072"/>
-        <c:axId val="296014408"/>
+        <c:dLbls/>
+        <c:axId val="83246080"/>
+        <c:axId val="83288448"/>
       </c:barChart>
       <c:catAx>
-        <c:axId val="296021072"/>
+        <c:axId val="83246080"/>
         <c:scaling>
           <c:orientation val="minMax"/>
         </c:scaling>
-        <c:delete val="0"/>
         <c:axPos val="b"/>
         <c:numFmt formatCode="General" sourceLinked="0"/>
-        <c:majorTickMark val="out"/>
-        <c:minorTickMark val="none"/>
         <c:tickLblPos val="nextTo"/>
-        <c:crossAx val="296014408"/>
+        <c:crossAx val="83288448"/>
         <c:crosses val="autoZero"/>
         <c:auto val="1"/>
         <c:lblAlgn val="ctr"/>
         <c:lblOffset val="100"/>
-        <c:noMultiLvlLbl val="0"/>
       </c:catAx>
       <c:valAx>
-        <c:axId val="296014408"/>
+        <c:axId val="83288448"/>
         <c:scaling>
           <c:orientation val="minMax"/>
         </c:scaling>
-        <c:delete val="0"/>
         <c:axPos val="l"/>
         <c:majorGridlines/>
         <c:numFmt formatCode="General" sourceLinked="1"/>
-        <c:majorTickMark val="out"/>
-        <c:minorTickMark val="none"/>
         <c:tickLblPos val="nextTo"/>
-        <c:crossAx val="296021072"/>
+        <c:crossAx val="83246080"/>
         <c:crosses val="autoZero"/>
         <c:crossBetween val="between"/>
       </c:valAx>
     </c:plotArea>
     <c:plotVisOnly val="1"/>
     <c:dispBlanksAs val="gap"/>
-    <c:showDLblsOverMax val="0"/>
   </c:chart>
-  <c:externalData r:id="rId1">
-    <c:autoUpdate val="0"/>
-  </c:externalData>
+  <c:externalData r:id="rId1"/>
   <c:userShapes r:id="rId2"/>
 </c:chartSpace>
 </file>
 
 <file path=ppt/charts/chart2.xml><?xml version="1.0" encoding="utf-8"?>
 <c:chartSpace xmlns:c="http://schemas.openxmlformats.org/drawingml/2006/chart" xmlns:a="http://schemas.openxmlformats.org/drawingml/2006/main" xmlns:r="http://schemas.openxmlformats.org/officeDocument/2006/relationships">
-  <c:date1904 val="0"/>
-  <c:lang val="en-US"/>
-  <c:roundedCorners val="0"/>
-  <mc:AlternateContent xmlns:mc="http://schemas.openxmlformats.org/markup-compatibility/2006">
-    <mc:Choice xmlns:c14="http://schemas.microsoft.com/office/drawing/2007/8/2/chart" Requires="c14">
-      <c14:style val="102"/>
-    </mc:Choice>
-    <mc:Fallback>
-      <c:style val="2"/>
-    </mc:Fallback>
-  </mc:AlternateContent>
+  <c:lang val="en-IN"/>
   <c:chart>
     <c:title>
       <c:tx>
@@ -1037,21 +927,17 @@
         <c:manualLayout>
           <c:xMode val="edge"/>
           <c:yMode val="edge"/>
-          <c:x val="0.44525888922445439"/>
-          <c:y val="3.1687100673458875E-2"/>
+          <c:x val="0.4452588892244545"/>
+          <c:y val="3.1687100673458882E-2"/>
         </c:manualLayout>
       </c:layout>
-      <c:overlay val="0"/>
     </c:title>
-    <c:autoTitleDeleted val="0"/>
     <c:view3D>
       <c:rotX val="0"/>
       <c:rotY val="0"/>
-      <c:rAngAx val="0"/>
       <c:perspective val="0"/>
     </c:view3D>
     <c:floor>
-      <c:thickness val="0"/>
       <c:spPr>
         <a:solidFill>
           <a:srgbClr val="CCCCCC"/>
@@ -1064,7 +950,6 @@
       </c:spPr>
     </c:floor>
     <c:sideWall>
-      <c:thickness val="0"/>
       <c:spPr>
         <a:noFill/>
         <a:ln>
@@ -1076,7 +961,6 @@
       </c:spPr>
     </c:sideWall>
     <c:backWall>
-      <c:thickness val="0"/>
       <c:spPr>
         <a:noFill/>
         <a:ln>
@@ -1093,15 +977,14 @@
           <c:xMode val="edge"/>
           <c:yMode val="edge"/>
           <c:x val="5.3354468707305105E-2"/>
-          <c:y val="0.12113600606304815"/>
-          <c:w val="0.92667071361877262"/>
+          <c:y val="0.12113600606304817"/>
+          <c:w val="0.92667071361877285"/>
           <c:h val="0.77421861509238565"/>
         </c:manualLayout>
       </c:layout>
       <c:bar3DChart>
         <c:barDir val="col"/>
         <c:grouping val="clustered"/>
-        <c:varyColors val="0"/>
         <c:ser>
           <c:idx val="0"/>
           <c:order val="0"/>
@@ -1124,7 +1007,6 @@
               <a:noFill/>
             </a:ln>
           </c:spPr>
-          <c:invertIfNegative val="0"/>
           <c:cat>
             <c:numRef>
               <c:f>DC!$A$2:$A$64</c:f>
@@ -1445,26 +1327,17 @@
           </c:val>
           <c:shape val="cylinder"/>
         </c:ser>
-        <c:dLbls>
-          <c:showLegendKey val="0"/>
-          <c:showVal val="0"/>
-          <c:showCatName val="0"/>
-          <c:showSerName val="0"/>
-          <c:showPercent val="0"/>
-          <c:showBubbleSize val="0"/>
-        </c:dLbls>
-        <c:gapWidth val="150"/>
+        <c:dLbls/>
         <c:shape val="box"/>
-        <c:axId val="230268448"/>
-        <c:axId val="230272368"/>
+        <c:axId val="44455040"/>
+        <c:axId val="44448768"/>
         <c:axId val="0"/>
       </c:bar3DChart>
       <c:valAx>
-        <c:axId val="230272368"/>
+        <c:axId val="44448768"/>
         <c:scaling>
           <c:orientation val="minMax"/>
         </c:scaling>
-        <c:delete val="0"/>
         <c:axPos val="l"/>
         <c:majorGridlines>
           <c:spPr>
@@ -1496,14 +1369,12 @@
               <c:xMode val="edge"/>
               <c:yMode val="edge"/>
               <c:x val="1.6433862626778237E-2"/>
-              <c:y val="0.43280959061527813"/>
+              <c:y val="0.43280959061527824"/>
             </c:manualLayout>
           </c:layout>
-          <c:overlay val="0"/>
         </c:title>
         <c:numFmt formatCode="General" sourceLinked="1"/>
         <c:majorTickMark val="none"/>
-        <c:minorTickMark val="none"/>
         <c:tickLblPos val="nextTo"/>
         <c:spPr>
           <a:ln>
@@ -1522,16 +1393,15 @@
             <a:endParaRPr lang="en-US"/>
           </a:p>
         </c:txPr>
-        <c:crossAx val="230268448"/>
+        <c:crossAx val="44455040"/>
         <c:crosses val="autoZero"/>
         <c:crossBetween val="between"/>
       </c:valAx>
       <c:catAx>
-        <c:axId val="230268448"/>
+        <c:axId val="44455040"/>
         <c:scaling>
           <c:orientation val="minMax"/>
         </c:scaling>
-        <c:delete val="0"/>
         <c:axPos val="b"/>
         <c:title>
           <c:tx>
@@ -1553,15 +1423,13 @@
             <c:manualLayout>
               <c:xMode val="edge"/>
               <c:yMode val="edge"/>
-              <c:x val="0.4306496891744061"/>
+              <c:x val="0.43064968917440621"/>
               <c:y val="0.91529945120496303"/>
             </c:manualLayout>
           </c:layout>
-          <c:overlay val="0"/>
         </c:title>
         <c:numFmt formatCode="General" sourceLinked="1"/>
         <c:majorTickMark val="none"/>
-        <c:minorTickMark val="none"/>
         <c:tickLblPos val="nextTo"/>
         <c:spPr>
           <a:ln>
@@ -1580,61 +1448,43 @@
             <a:endParaRPr lang="en-US"/>
           </a:p>
         </c:txPr>
-        <c:crossAx val="230272368"/>
+        <c:crossAx val="44448768"/>
         <c:crosses val="autoZero"/>
         <c:auto val="1"/>
         <c:lblAlgn val="ctr"/>
         <c:lblOffset val="100"/>
-        <c:noMultiLvlLbl val="0"/>
       </c:catAx>
     </c:plotArea>
     <c:plotVisOnly val="1"/>
     <c:dispBlanksAs val="gap"/>
-    <c:showDLblsOverMax val="0"/>
   </c:chart>
   <c:spPr>
     <a:ln>
       <a:noFill/>
     </a:ln>
   </c:spPr>
-  <c:externalData r:id="rId1">
-    <c:autoUpdate val="0"/>
-  </c:externalData>
+  <c:externalData r:id="rId1"/>
 </c:chartSpace>
 </file>
 
 <file path=ppt/charts/chart3.xml><?xml version="1.0" encoding="utf-8"?>
 <c:chartSpace xmlns:c="http://schemas.openxmlformats.org/drawingml/2006/chart" xmlns:a="http://schemas.openxmlformats.org/drawingml/2006/main" xmlns:r="http://schemas.openxmlformats.org/officeDocument/2006/relationships">
-  <c:date1904 val="0"/>
-  <c:lang val="en-US"/>
-  <c:roundedCorners val="0"/>
-  <mc:AlternateContent xmlns:mc="http://schemas.openxmlformats.org/markup-compatibility/2006">
-    <mc:Choice xmlns:c14="http://schemas.microsoft.com/office/drawing/2007/8/2/chart" Requires="c14">
-      <c14:style val="102"/>
-    </mc:Choice>
-    <mc:Fallback>
-      <c:style val="2"/>
-    </mc:Fallback>
-  </mc:AlternateContent>
+  <c:lang val="en-IN"/>
   <c:chart>
     <c:title>
       <c:layout/>
-      <c:overlay val="0"/>
     </c:title>
-    <c:autoTitleDeleted val="0"/>
     <c:plotArea>
       <c:layout/>
       <c:barChart>
         <c:barDir val="col"/>
         <c:grouping val="clustered"/>
-        <c:varyColors val="0"/>
         <c:ser>
           <c:idx val="0"/>
           <c:order val="0"/>
           <c:tx>
             <c:v>Fraud Probability (HITS)</c:v>
           </c:tx>
-          <c:invertIfNegative val="0"/>
           <c:cat>
             <c:strRef>
               <c:f>Sheet1!$A$1:$A$10</c:f>
@@ -1680,13 +1530,13 @@
                 <c:formatCode>General</c:formatCode>
                 <c:ptCount val="10"/>
                 <c:pt idx="0">
-                  <c:v>0.98432999999999971</c:v>
+                  <c:v>0.98432999999999959</c:v>
                 </c:pt>
                 <c:pt idx="1">
-                  <c:v>0.97969500000000054</c:v>
+                  <c:v>0.97969500000000076</c:v>
                 </c:pt>
                 <c:pt idx="2">
-                  <c:v>0.96924100000000035</c:v>
+                  <c:v>0.96924100000000046</c:v>
                 </c:pt>
                 <c:pt idx="3">
                   <c:v>0.96113499999999996</c:v>
@@ -1695,113 +1545,81 @@
                   <c:v>0.94433</c:v>
                 </c:pt>
                 <c:pt idx="5">
-                  <c:v>0.90514799999999962</c:v>
+                  <c:v>0.90514799999999951</c:v>
                 </c:pt>
                 <c:pt idx="6">
-                  <c:v>0.90514799999999962</c:v>
+                  <c:v>0.90514799999999951</c:v>
                 </c:pt>
                 <c:pt idx="7">
-                  <c:v>0.90514799999999962</c:v>
+                  <c:v>0.90514799999999951</c:v>
                 </c:pt>
                 <c:pt idx="8">
-                  <c:v>0.90514799999999962</c:v>
+                  <c:v>0.90514799999999951</c:v>
                 </c:pt>
                 <c:pt idx="9">
-                  <c:v>0.90514799999999962</c:v>
+                  <c:v>0.90514799999999951</c:v>
                 </c:pt>
               </c:numCache>
             </c:numRef>
           </c:val>
         </c:ser>
-        <c:dLbls>
-          <c:showLegendKey val="0"/>
-          <c:showVal val="0"/>
-          <c:showCatName val="0"/>
-          <c:showSerName val="0"/>
-          <c:showPercent val="0"/>
-          <c:showBubbleSize val="0"/>
-        </c:dLbls>
-        <c:gapWidth val="150"/>
-        <c:axId val="230266096"/>
-        <c:axId val="230273544"/>
+        <c:dLbls/>
+        <c:axId val="84259200"/>
+        <c:axId val="84260736"/>
       </c:barChart>
       <c:catAx>
-        <c:axId val="230266096"/>
+        <c:axId val="84259200"/>
         <c:scaling>
           <c:orientation val="minMax"/>
         </c:scaling>
-        <c:delete val="0"/>
         <c:axPos val="b"/>
         <c:numFmt formatCode="General" sourceLinked="0"/>
-        <c:majorTickMark val="out"/>
-        <c:minorTickMark val="none"/>
         <c:tickLblPos val="nextTo"/>
-        <c:crossAx val="230273544"/>
+        <c:crossAx val="84260736"/>
         <c:crosses val="autoZero"/>
         <c:auto val="1"/>
         <c:lblAlgn val="ctr"/>
         <c:lblOffset val="100"/>
-        <c:noMultiLvlLbl val="0"/>
       </c:catAx>
       <c:valAx>
-        <c:axId val="230273544"/>
+        <c:axId val="84260736"/>
         <c:scaling>
           <c:orientation val="minMax"/>
         </c:scaling>
-        <c:delete val="0"/>
         <c:axPos val="l"/>
         <c:majorGridlines/>
         <c:numFmt formatCode="General" sourceLinked="1"/>
-        <c:majorTickMark val="out"/>
-        <c:minorTickMark val="none"/>
         <c:tickLblPos val="nextTo"/>
-        <c:crossAx val="230266096"/>
+        <c:crossAx val="84259200"/>
         <c:crosses val="autoZero"/>
         <c:crossBetween val="between"/>
       </c:valAx>
     </c:plotArea>
     <c:plotVisOnly val="1"/>
     <c:dispBlanksAs val="gap"/>
-    <c:showDLblsOverMax val="0"/>
   </c:chart>
-  <c:externalData r:id="rId1">
-    <c:autoUpdate val="0"/>
-  </c:externalData>
+  <c:externalData r:id="rId1"/>
 </c:chartSpace>
 </file>
 
 <file path=ppt/charts/chart4.xml><?xml version="1.0" encoding="utf-8"?>
 <c:chartSpace xmlns:c="http://schemas.openxmlformats.org/drawingml/2006/chart" xmlns:a="http://schemas.openxmlformats.org/drawingml/2006/main" xmlns:r="http://schemas.openxmlformats.org/officeDocument/2006/relationships">
-  <c:date1904 val="0"/>
-  <c:lang val="en-US"/>
-  <c:roundedCorners val="0"/>
-  <mc:AlternateContent xmlns:mc="http://schemas.openxmlformats.org/markup-compatibility/2006">
-    <mc:Choice xmlns:c14="http://schemas.microsoft.com/office/drawing/2007/8/2/chart" Requires="c14">
-      <c14:style val="102"/>
-    </mc:Choice>
-    <mc:Fallback>
-      <c:style val="2"/>
-    </mc:Fallback>
-  </mc:AlternateContent>
+  <c:lang val="en-IN"/>
   <c:chart>
     <c:title>
       <c:layout/>
-      <c:overlay val="0"/>
     </c:title>
-    <c:autoTitleDeleted val="0"/>
     <c:plotArea>
       <c:layout/>
       <c:barChart>
         <c:barDir val="col"/>
         <c:grouping val="clustered"/>
-        <c:varyColors val="0"/>
         <c:ser>
           <c:idx val="0"/>
           <c:order val="0"/>
           <c:tx>
             <c:v>Fraud Probability (sIA)</c:v>
           </c:tx>
-          <c:invertIfNegative val="0"/>
           <c:cat>
             <c:strRef>
               <c:f>Sheet1!$F$1:$F$10</c:f>
@@ -1853,7 +1671,7 @@
                   <c:v>0.98489300000000002</c:v>
                 </c:pt>
                 <c:pt idx="2">
-                  <c:v>0.98096399999999939</c:v>
+                  <c:v>0.98096399999999928</c:v>
                 </c:pt>
                 <c:pt idx="3">
                   <c:v>0.97554600000000002</c:v>
@@ -1868,88 +1686,60 @@
                   <c:v>0.94663799999999998</c:v>
                 </c:pt>
                 <c:pt idx="7">
-                  <c:v>0.94663699999999962</c:v>
+                  <c:v>0.94663699999999951</c:v>
                 </c:pt>
                 <c:pt idx="8">
                   <c:v>0.93296400000000002</c:v>
                 </c:pt>
                 <c:pt idx="9">
-                  <c:v>0.92677500000000035</c:v>
+                  <c:v>0.92677500000000046</c:v>
                 </c:pt>
               </c:numCache>
             </c:numRef>
           </c:val>
         </c:ser>
-        <c:dLbls>
-          <c:showLegendKey val="0"/>
-          <c:showVal val="0"/>
-          <c:showCatName val="0"/>
-          <c:showSerName val="0"/>
-          <c:showPercent val="0"/>
-          <c:showBubbleSize val="0"/>
-        </c:dLbls>
-        <c:gapWidth val="150"/>
-        <c:axId val="230269624"/>
-        <c:axId val="230269232"/>
+        <c:dLbls/>
+        <c:axId val="44779008"/>
+        <c:axId val="44780544"/>
       </c:barChart>
       <c:catAx>
-        <c:axId val="230269624"/>
+        <c:axId val="44779008"/>
         <c:scaling>
           <c:orientation val="minMax"/>
         </c:scaling>
-        <c:delete val="0"/>
         <c:axPos val="b"/>
         <c:numFmt formatCode="General" sourceLinked="0"/>
-        <c:majorTickMark val="out"/>
-        <c:minorTickMark val="none"/>
         <c:tickLblPos val="nextTo"/>
-        <c:crossAx val="230269232"/>
+        <c:crossAx val="44780544"/>
         <c:crosses val="autoZero"/>
         <c:auto val="1"/>
         <c:lblAlgn val="ctr"/>
         <c:lblOffset val="100"/>
-        <c:noMultiLvlLbl val="0"/>
       </c:catAx>
       <c:valAx>
-        <c:axId val="230269232"/>
+        <c:axId val="44780544"/>
         <c:scaling>
           <c:orientation val="minMax"/>
         </c:scaling>
-        <c:delete val="0"/>
         <c:axPos val="l"/>
         <c:majorGridlines/>
         <c:numFmt formatCode="General" sourceLinked="1"/>
-        <c:majorTickMark val="out"/>
-        <c:minorTickMark val="none"/>
         <c:tickLblPos val="nextTo"/>
-        <c:crossAx val="230269624"/>
+        <c:crossAx val="44779008"/>
         <c:crosses val="autoZero"/>
         <c:crossBetween val="between"/>
       </c:valAx>
     </c:plotArea>
     <c:plotVisOnly val="1"/>
     <c:dispBlanksAs val="gap"/>
-    <c:showDLblsOverMax val="0"/>
   </c:chart>
-  <c:externalData r:id="rId1">
-    <c:autoUpdate val="0"/>
-  </c:externalData>
+  <c:externalData r:id="rId1"/>
 </c:chartSpace>
 </file>
 
 <file path=ppt/charts/chart5.xml><?xml version="1.0" encoding="utf-8"?>
 <c:chartSpace xmlns:c="http://schemas.openxmlformats.org/drawingml/2006/chart" xmlns:a="http://schemas.openxmlformats.org/drawingml/2006/main" xmlns:r="http://schemas.openxmlformats.org/officeDocument/2006/relationships">
-  <c:date1904 val="0"/>
-  <c:lang val="en-US"/>
-  <c:roundedCorners val="0"/>
-  <mc:AlternateContent xmlns:mc="http://schemas.openxmlformats.org/markup-compatibility/2006">
-    <mc:Choice xmlns:c14="http://schemas.microsoft.com/office/drawing/2007/8/2/chart" Requires="c14">
-      <c14:style val="102"/>
-    </mc:Choice>
-    <mc:Fallback>
-      <c:style val="2"/>
-    </mc:Fallback>
-  </mc:AlternateContent>
+  <c:lang val="en-IN"/>
   <c:chart>
     <c:title>
       <c:tx>
@@ -1968,22 +1758,18 @@
         </c:rich>
       </c:tx>
       <c:layout/>
-      <c:overlay val="0"/>
     </c:title>
-    <c:autoTitleDeleted val="0"/>
     <c:plotArea>
       <c:layout/>
       <c:barChart>
         <c:barDir val="col"/>
         <c:grouping val="clustered"/>
-        <c:varyColors val="0"/>
         <c:ser>
           <c:idx val="0"/>
           <c:order val="0"/>
           <c:tx>
             <c:v>Fraud Probability (modified sIA)</c:v>
           </c:tx>
-          <c:invertIfNegative val="0"/>
           <c:cat>
             <c:strRef>
               <c:f>Sheet1!$K$1:$K$10</c:f>
@@ -2029,28 +1815,28 @@
                 <c:formatCode>General</c:formatCode>
                 <c:ptCount val="10"/>
                 <c:pt idx="0">
-                  <c:v>0.99221299999999946</c:v>
+                  <c:v>0.99221299999999935</c:v>
                 </c:pt>
                 <c:pt idx="1">
-                  <c:v>0.9912379999999994</c:v>
+                  <c:v>0.99123799999999929</c:v>
                 </c:pt>
                 <c:pt idx="2">
-                  <c:v>0.99116699999999947</c:v>
+                  <c:v>0.99116699999999935</c:v>
                 </c:pt>
                 <c:pt idx="3">
-                  <c:v>0.98545699999999947</c:v>
+                  <c:v>0.98545699999999936</c:v>
                 </c:pt>
                 <c:pt idx="4">
                   <c:v>0.98367000000000004</c:v>
                 </c:pt>
                 <c:pt idx="5">
-                  <c:v>0.98096399999999939</c:v>
+                  <c:v>0.98096399999999928</c:v>
                 </c:pt>
                 <c:pt idx="6">
                   <c:v>0.96978600000000004</c:v>
                 </c:pt>
                 <c:pt idx="7">
-                  <c:v>0.96636999999999962</c:v>
+                  <c:v>0.96636999999999951</c:v>
                 </c:pt>
                 <c:pt idx="8">
                   <c:v>0.95452000000000004</c:v>
@@ -2062,82 +1848,52 @@
             </c:numRef>
           </c:val>
         </c:ser>
-        <c:dLbls>
-          <c:showLegendKey val="0"/>
-          <c:showVal val="0"/>
-          <c:showCatName val="0"/>
-          <c:showSerName val="0"/>
-          <c:showPercent val="0"/>
-          <c:showBubbleSize val="0"/>
-        </c:dLbls>
-        <c:gapWidth val="150"/>
-        <c:axId val="230266880"/>
-        <c:axId val="230270408"/>
+        <c:dLbls/>
+        <c:axId val="44812928"/>
+        <c:axId val="44814720"/>
       </c:barChart>
       <c:catAx>
-        <c:axId val="230266880"/>
+        <c:axId val="44812928"/>
         <c:scaling>
           <c:orientation val="minMax"/>
         </c:scaling>
-        <c:delete val="0"/>
         <c:axPos val="b"/>
         <c:numFmt formatCode="General" sourceLinked="0"/>
-        <c:majorTickMark val="out"/>
-        <c:minorTickMark val="none"/>
         <c:tickLblPos val="nextTo"/>
-        <c:crossAx val="230270408"/>
+        <c:crossAx val="44814720"/>
         <c:crosses val="autoZero"/>
         <c:auto val="1"/>
         <c:lblAlgn val="ctr"/>
         <c:lblOffset val="100"/>
-        <c:noMultiLvlLbl val="0"/>
       </c:catAx>
       <c:valAx>
-        <c:axId val="230270408"/>
+        <c:axId val="44814720"/>
         <c:scaling>
           <c:orientation val="minMax"/>
         </c:scaling>
-        <c:delete val="0"/>
         <c:axPos val="l"/>
         <c:majorGridlines/>
         <c:numFmt formatCode="General" sourceLinked="1"/>
-        <c:majorTickMark val="out"/>
-        <c:minorTickMark val="none"/>
         <c:tickLblPos val="nextTo"/>
-        <c:crossAx val="230266880"/>
+        <c:crossAx val="44812928"/>
         <c:crosses val="autoZero"/>
         <c:crossBetween val="between"/>
       </c:valAx>
     </c:plotArea>
     <c:plotVisOnly val="1"/>
     <c:dispBlanksAs val="gap"/>
-    <c:showDLblsOverMax val="0"/>
   </c:chart>
-  <c:externalData r:id="rId1">
-    <c:autoUpdate val="0"/>
-  </c:externalData>
+  <c:externalData r:id="rId1"/>
 </c:chartSpace>
 </file>
 
 <file path=ppt/charts/chart6.xml><?xml version="1.0" encoding="utf-8"?>
 <c:chartSpace xmlns:c="http://schemas.openxmlformats.org/drawingml/2006/chart" xmlns:a="http://schemas.openxmlformats.org/drawingml/2006/main" xmlns:r="http://schemas.openxmlformats.org/officeDocument/2006/relationships">
-  <c:date1904 val="0"/>
-  <c:lang val="en-US"/>
-  <c:roundedCorners val="0"/>
-  <mc:AlternateContent xmlns:mc="http://schemas.openxmlformats.org/markup-compatibility/2006">
-    <mc:Choice xmlns:c14="http://schemas.microsoft.com/office/drawing/2007/8/2/chart" Requires="c14">
-      <c14:style val="102"/>
-    </mc:Choice>
-    <mc:Fallback>
-      <c:style val="2"/>
-    </mc:Fallback>
-  </mc:AlternateContent>
+  <c:lang val="en-IN"/>
   <c:chart>
     <c:title>
       <c:layout/>
-      <c:overlay val="0"/>
     </c:title>
-    <c:autoTitleDeleted val="0"/>
     <c:plotArea>
       <c:layout>
         <c:manualLayout>
@@ -2145,22 +1901,20 @@
           <c:xMode val="edge"/>
           <c:yMode val="edge"/>
           <c:x val="5.0503157214043894E-2"/>
-          <c:y val="0.24615665228116257"/>
-          <c:w val="0.93741954809996575"/>
-          <c:h val="0.64781801388636717"/>
+          <c:y val="0.2461566522811626"/>
+          <c:w val="0.93741954809996553"/>
+          <c:h val="0.64781801388636728"/>
         </c:manualLayout>
       </c:layout>
       <c:barChart>
         <c:barDir val="col"/>
         <c:grouping val="clustered"/>
-        <c:varyColors val="0"/>
         <c:ser>
           <c:idx val="0"/>
           <c:order val="0"/>
           <c:tx>
             <c:v>Fraud Probability (modified sIA ver. 2)</c:v>
           </c:tx>
-          <c:invertIfNegative val="0"/>
           <c:cat>
             <c:strRef>
               <c:f>Sheet1!$N$1:$N$10</c:f>
@@ -2206,31 +1960,31 @@
                 <c:formatCode>General</c:formatCode>
                 <c:ptCount val="10"/>
                 <c:pt idx="0">
-                  <c:v>0.99802299999999966</c:v>
+                  <c:v>0.99802299999999955</c:v>
                 </c:pt>
                 <c:pt idx="1">
                   <c:v>0.99702900000000005</c:v>
                 </c:pt>
                 <c:pt idx="2">
-                  <c:v>0.99652399999999941</c:v>
+                  <c:v>0.9965239999999993</c:v>
                 </c:pt>
                 <c:pt idx="3">
-                  <c:v>0.99651899999999949</c:v>
+                  <c:v>0.99651899999999938</c:v>
                 </c:pt>
                 <c:pt idx="4">
-                  <c:v>0.99613199999999968</c:v>
+                  <c:v>0.99613199999999957</c:v>
                 </c:pt>
                 <c:pt idx="5">
-                  <c:v>0.99221299999999946</c:v>
+                  <c:v>0.99221299999999935</c:v>
                 </c:pt>
                 <c:pt idx="6">
-                  <c:v>0.9912379999999994</c:v>
+                  <c:v>0.99123799999999929</c:v>
                 </c:pt>
                 <c:pt idx="7">
-                  <c:v>0.99116699999999947</c:v>
+                  <c:v>0.99116699999999935</c:v>
                 </c:pt>
                 <c:pt idx="8">
-                  <c:v>0.98545699999999947</c:v>
+                  <c:v>0.98545699999999936</c:v>
                 </c:pt>
                 <c:pt idx="9">
                   <c:v>0.98367000000000004</c:v>
@@ -2239,95 +1993,63 @@
             </c:numRef>
           </c:val>
         </c:ser>
-        <c:dLbls>
-          <c:showLegendKey val="0"/>
-          <c:showVal val="0"/>
-          <c:showCatName val="0"/>
-          <c:showSerName val="0"/>
-          <c:showPercent val="0"/>
-          <c:showBubbleSize val="0"/>
-        </c:dLbls>
-        <c:gapWidth val="150"/>
-        <c:axId val="296020288"/>
-        <c:axId val="296019504"/>
+        <c:dLbls/>
+        <c:axId val="83059072"/>
+        <c:axId val="83060608"/>
       </c:barChart>
       <c:catAx>
-        <c:axId val="296020288"/>
+        <c:axId val="83059072"/>
         <c:scaling>
           <c:orientation val="minMax"/>
         </c:scaling>
-        <c:delete val="0"/>
         <c:axPos val="b"/>
         <c:numFmt formatCode="General" sourceLinked="0"/>
-        <c:majorTickMark val="out"/>
-        <c:minorTickMark val="none"/>
         <c:tickLblPos val="nextTo"/>
-        <c:crossAx val="296019504"/>
+        <c:crossAx val="83060608"/>
         <c:crosses val="autoZero"/>
         <c:auto val="1"/>
         <c:lblAlgn val="ctr"/>
         <c:lblOffset val="100"/>
-        <c:noMultiLvlLbl val="0"/>
       </c:catAx>
       <c:valAx>
-        <c:axId val="296019504"/>
+        <c:axId val="83060608"/>
         <c:scaling>
           <c:orientation val="minMax"/>
         </c:scaling>
-        <c:delete val="0"/>
         <c:axPos val="l"/>
         <c:majorGridlines/>
         <c:numFmt formatCode="General" sourceLinked="1"/>
-        <c:majorTickMark val="out"/>
-        <c:minorTickMark val="none"/>
         <c:tickLblPos val="nextTo"/>
-        <c:crossAx val="296020288"/>
+        <c:crossAx val="83059072"/>
         <c:crosses val="autoZero"/>
         <c:crossBetween val="between"/>
       </c:valAx>
     </c:plotArea>
     <c:plotVisOnly val="1"/>
     <c:dispBlanksAs val="gap"/>
-    <c:showDLblsOverMax val="0"/>
   </c:chart>
-  <c:externalData r:id="rId1">
-    <c:autoUpdate val="0"/>
-  </c:externalData>
+  <c:externalData r:id="rId1"/>
 </c:chartSpace>
 </file>
 
 <file path=ppt/charts/chart7.xml><?xml version="1.0" encoding="utf-8"?>
 <c:chartSpace xmlns:c="http://schemas.openxmlformats.org/drawingml/2006/chart" xmlns:a="http://schemas.openxmlformats.org/drawingml/2006/main" xmlns:r="http://schemas.openxmlformats.org/officeDocument/2006/relationships">
-  <c:date1904 val="0"/>
-  <c:lang val="en-US"/>
-  <c:roundedCorners val="0"/>
-  <mc:AlternateContent xmlns:mc="http://schemas.openxmlformats.org/markup-compatibility/2006">
-    <mc:Choice xmlns:c14="http://schemas.microsoft.com/office/drawing/2007/8/2/chart" Requires="c14">
-      <c14:style val="102"/>
-    </mc:Choice>
-    <mc:Fallback>
-      <c:style val="2"/>
-    </mc:Fallback>
-  </mc:AlternateContent>
+  <c:lang val="en-IN"/>
   <c:chart>
     <c:title>
       <c:layout/>
-      <c:overlay val="0"/>
     </c:title>
-    <c:autoTitleDeleted val="0"/>
     <c:plotArea>
       <c:layout/>
       <c:barChart>
         <c:barDir val="col"/>
         <c:grouping val="clustered"/>
-        <c:varyColors val="0"/>
         <c:ser>
           <c:idx val="0"/>
           <c:order val="0"/>
           <c:tx>
             <c:v>Fraud Probability (HITS)</c:v>
           </c:tx>
-          <c:invertIfNegative val="0"/>
           <c:cat>
             <c:strRef>
               <c:f>Sheet1!$A$1:$A$10</c:f>
@@ -2373,13 +2095,13 @@
                 <c:formatCode>General</c:formatCode>
                 <c:ptCount val="10"/>
                 <c:pt idx="0">
-                  <c:v>0.98432999999999971</c:v>
+                  <c:v>0.98432999999999959</c:v>
                 </c:pt>
                 <c:pt idx="1">
-                  <c:v>0.97969500000000054</c:v>
+                  <c:v>0.97969500000000076</c:v>
                 </c:pt>
                 <c:pt idx="2">
-                  <c:v>0.96924100000000035</c:v>
+                  <c:v>0.96924100000000046</c:v>
                 </c:pt>
                 <c:pt idx="3">
                   <c:v>0.96113499999999996</c:v>
@@ -2388,113 +2110,81 @@
                   <c:v>0.94433</c:v>
                 </c:pt>
                 <c:pt idx="5">
-                  <c:v>0.90514799999999962</c:v>
+                  <c:v>0.90514799999999951</c:v>
                 </c:pt>
                 <c:pt idx="6">
-                  <c:v>0.90514799999999962</c:v>
+                  <c:v>0.90514799999999951</c:v>
                 </c:pt>
                 <c:pt idx="7">
-                  <c:v>0.90514799999999962</c:v>
+                  <c:v>0.90514799999999951</c:v>
                 </c:pt>
                 <c:pt idx="8">
-                  <c:v>0.90514799999999962</c:v>
+                  <c:v>0.90514799999999951</c:v>
                 </c:pt>
                 <c:pt idx="9">
-                  <c:v>0.90514799999999962</c:v>
+                  <c:v>0.90514799999999951</c:v>
                 </c:pt>
               </c:numCache>
             </c:numRef>
           </c:val>
         </c:ser>
-        <c:dLbls>
-          <c:showLegendKey val="0"/>
-          <c:showVal val="0"/>
-          <c:showCatName val="0"/>
-          <c:showSerName val="0"/>
-          <c:showPercent val="0"/>
-          <c:showBubbleSize val="0"/>
-        </c:dLbls>
-        <c:gapWidth val="150"/>
-        <c:axId val="370769600"/>
-        <c:axId val="370767640"/>
+        <c:dLbls/>
+        <c:axId val="83101184"/>
+        <c:axId val="83102720"/>
       </c:barChart>
       <c:catAx>
-        <c:axId val="370769600"/>
+        <c:axId val="83101184"/>
         <c:scaling>
           <c:orientation val="minMax"/>
         </c:scaling>
-        <c:delete val="0"/>
         <c:axPos val="b"/>
         <c:numFmt formatCode="General" sourceLinked="0"/>
-        <c:majorTickMark val="out"/>
-        <c:minorTickMark val="none"/>
         <c:tickLblPos val="nextTo"/>
-        <c:crossAx val="370767640"/>
+        <c:crossAx val="83102720"/>
         <c:crosses val="autoZero"/>
         <c:auto val="1"/>
         <c:lblAlgn val="ctr"/>
         <c:lblOffset val="100"/>
-        <c:noMultiLvlLbl val="0"/>
       </c:catAx>
       <c:valAx>
-        <c:axId val="370767640"/>
+        <c:axId val="83102720"/>
         <c:scaling>
           <c:orientation val="minMax"/>
         </c:scaling>
-        <c:delete val="0"/>
         <c:axPos val="l"/>
         <c:majorGridlines/>
         <c:numFmt formatCode="General" sourceLinked="1"/>
-        <c:majorTickMark val="out"/>
-        <c:minorTickMark val="none"/>
         <c:tickLblPos val="nextTo"/>
-        <c:crossAx val="370769600"/>
+        <c:crossAx val="83101184"/>
         <c:crosses val="autoZero"/>
         <c:crossBetween val="between"/>
       </c:valAx>
     </c:plotArea>
     <c:plotVisOnly val="1"/>
     <c:dispBlanksAs val="gap"/>
-    <c:showDLblsOverMax val="0"/>
   </c:chart>
-  <c:externalData r:id="rId1">
-    <c:autoUpdate val="0"/>
-  </c:externalData>
+  <c:externalData r:id="rId1"/>
 </c:chartSpace>
 </file>
 
 <file path=ppt/charts/chart8.xml><?xml version="1.0" encoding="utf-8"?>
 <c:chartSpace xmlns:c="http://schemas.openxmlformats.org/drawingml/2006/chart" xmlns:a="http://schemas.openxmlformats.org/drawingml/2006/main" xmlns:r="http://schemas.openxmlformats.org/officeDocument/2006/relationships">
-  <c:date1904 val="0"/>
-  <c:lang val="en-US"/>
-  <c:roundedCorners val="0"/>
-  <mc:AlternateContent xmlns:mc="http://schemas.openxmlformats.org/markup-compatibility/2006">
-    <mc:Choice xmlns:c14="http://schemas.microsoft.com/office/drawing/2007/8/2/chart" Requires="c14">
-      <c14:style val="102"/>
-    </mc:Choice>
-    <mc:Fallback>
-      <c:style val="2"/>
-    </mc:Fallback>
-  </mc:AlternateContent>
+  <c:lang val="en-IN"/>
   <c:chart>
     <c:title>
       <c:layout/>
-      <c:overlay val="0"/>
     </c:title>
-    <c:autoTitleDeleted val="0"/>
     <c:plotArea>
       <c:layout/>
       <c:barChart>
         <c:barDir val="col"/>
         <c:grouping val="clustered"/>
-        <c:varyColors val="0"/>
         <c:ser>
           <c:idx val="0"/>
           <c:order val="0"/>
           <c:tx>
             <c:v>Fraud Probability (sIA)</c:v>
           </c:tx>
-          <c:invertIfNegative val="0"/>
           <c:cat>
             <c:strRef>
               <c:f>Sheet1!$F$1:$F$10</c:f>
@@ -2546,7 +2236,7 @@
                   <c:v>0.98489300000000002</c:v>
                 </c:pt>
                 <c:pt idx="2">
-                  <c:v>0.98096399999999939</c:v>
+                  <c:v>0.98096399999999928</c:v>
                 </c:pt>
                 <c:pt idx="3">
                   <c:v>0.97554600000000002</c:v>
@@ -2561,107 +2251,75 @@
                   <c:v>0.94663799999999998</c:v>
                 </c:pt>
                 <c:pt idx="7">
-                  <c:v>0.94663699999999962</c:v>
+                  <c:v>0.94663699999999951</c:v>
                 </c:pt>
                 <c:pt idx="8">
                   <c:v>0.93296400000000002</c:v>
                 </c:pt>
                 <c:pt idx="9">
-                  <c:v>0.92677500000000035</c:v>
+                  <c:v>0.92677500000000046</c:v>
                 </c:pt>
               </c:numCache>
             </c:numRef>
           </c:val>
         </c:ser>
-        <c:dLbls>
-          <c:showLegendKey val="0"/>
-          <c:showVal val="0"/>
-          <c:showCatName val="0"/>
-          <c:showSerName val="0"/>
-          <c:showPercent val="0"/>
-          <c:showBubbleSize val="0"/>
-        </c:dLbls>
-        <c:gapWidth val="150"/>
-        <c:axId val="370766856"/>
-        <c:axId val="370773912"/>
+        <c:dLbls/>
+        <c:axId val="83114624"/>
+        <c:axId val="83136896"/>
       </c:barChart>
       <c:catAx>
-        <c:axId val="370766856"/>
+        <c:axId val="83114624"/>
         <c:scaling>
           <c:orientation val="minMax"/>
         </c:scaling>
-        <c:delete val="0"/>
         <c:axPos val="b"/>
         <c:numFmt formatCode="General" sourceLinked="0"/>
-        <c:majorTickMark val="out"/>
-        <c:minorTickMark val="none"/>
         <c:tickLblPos val="nextTo"/>
-        <c:crossAx val="370773912"/>
+        <c:crossAx val="83136896"/>
         <c:crosses val="autoZero"/>
         <c:auto val="1"/>
         <c:lblAlgn val="ctr"/>
         <c:lblOffset val="100"/>
-        <c:noMultiLvlLbl val="0"/>
       </c:catAx>
       <c:valAx>
-        <c:axId val="370773912"/>
+        <c:axId val="83136896"/>
         <c:scaling>
           <c:orientation val="minMax"/>
         </c:scaling>
-        <c:delete val="0"/>
         <c:axPos val="l"/>
         <c:majorGridlines/>
         <c:numFmt formatCode="General" sourceLinked="1"/>
-        <c:majorTickMark val="out"/>
-        <c:minorTickMark val="none"/>
         <c:tickLblPos val="nextTo"/>
-        <c:crossAx val="370766856"/>
+        <c:crossAx val="83114624"/>
         <c:crosses val="autoZero"/>
         <c:crossBetween val="between"/>
       </c:valAx>
     </c:plotArea>
     <c:plotVisOnly val="1"/>
     <c:dispBlanksAs val="gap"/>
-    <c:showDLblsOverMax val="0"/>
   </c:chart>
-  <c:externalData r:id="rId1">
-    <c:autoUpdate val="0"/>
-  </c:externalData>
+  <c:externalData r:id="rId1"/>
 </c:chartSpace>
 </file>
 
 <file path=ppt/charts/chart9.xml><?xml version="1.0" encoding="utf-8"?>
 <c:chartSpace xmlns:c="http://schemas.openxmlformats.org/drawingml/2006/chart" xmlns:a="http://schemas.openxmlformats.org/drawingml/2006/main" xmlns:r="http://schemas.openxmlformats.org/officeDocument/2006/relationships">
-  <c:date1904 val="0"/>
-  <c:lang val="en-US"/>
-  <c:roundedCorners val="0"/>
-  <mc:AlternateContent xmlns:mc="http://schemas.openxmlformats.org/markup-compatibility/2006">
-    <mc:Choice xmlns:c14="http://schemas.microsoft.com/office/drawing/2007/8/2/chart" Requires="c14">
-      <c14:style val="102"/>
-    </mc:Choice>
-    <mc:Fallback>
-      <c:style val="2"/>
-    </mc:Fallback>
-  </mc:AlternateContent>
+  <c:lang val="en-IN"/>
   <c:chart>
     <c:title>
       <c:layout/>
-      <c:overlay val="0"/>
     </c:title>
-    <c:autoTitleDeleted val="0"/>
     <c:plotArea>
       <c:layout/>
       <c:barChart>
         <c:barDir val="col"/>
         <c:grouping val="clustered"/>
-        <c:varyColors val="0"/>
         <c:ser>
           <c:idx val="0"/>
           <c:order val="0"/>
           <c:tx>
             <c:v>Fraud Probability (HITS)</c:v>
           </c:tx>
-          <c:invertIfNegative val="0"/>
           <c:cat>
             <c:strRef>
               <c:f>'BOT UC'!$B$2:$B$7</c:f>
@@ -2698,10 +2356,10 @@
                   <c:v>0.94077299999999997</c:v>
                 </c:pt>
                 <c:pt idx="1">
-                  <c:v>0.92199100000000034</c:v>
+                  <c:v>0.92199100000000045</c:v>
                 </c:pt>
                 <c:pt idx="2">
-                  <c:v>0.38767800000000024</c:v>
+                  <c:v>0.38767800000000036</c:v>
                 </c:pt>
                 <c:pt idx="3">
                   <c:v>0.34670000000000001</c:v>
@@ -2710,66 +2368,48 @@
                   <c:v>0.26579999999999998</c:v>
                 </c:pt>
                 <c:pt idx="5">
-                  <c:v>0.20140000000000008</c:v>
+                  <c:v>0.20140000000000011</c:v>
                 </c:pt>
               </c:numCache>
             </c:numRef>
           </c:val>
         </c:ser>
-        <c:dLbls>
-          <c:showLegendKey val="0"/>
-          <c:showVal val="0"/>
-          <c:showCatName val="0"/>
-          <c:showSerName val="0"/>
-          <c:showPercent val="0"/>
-          <c:showBubbleSize val="0"/>
-        </c:dLbls>
-        <c:gapWidth val="150"/>
-        <c:axId val="296015584"/>
-        <c:axId val="296015976"/>
+        <c:dLbls/>
+        <c:axId val="83190144"/>
+        <c:axId val="83191680"/>
       </c:barChart>
       <c:catAx>
-        <c:axId val="296015584"/>
+        <c:axId val="83190144"/>
         <c:scaling>
           <c:orientation val="minMax"/>
         </c:scaling>
-        <c:delete val="0"/>
         <c:axPos val="b"/>
         <c:numFmt formatCode="General" sourceLinked="0"/>
-        <c:majorTickMark val="out"/>
-        <c:minorTickMark val="none"/>
         <c:tickLblPos val="nextTo"/>
-        <c:crossAx val="296015976"/>
+        <c:crossAx val="83191680"/>
         <c:crosses val="autoZero"/>
         <c:auto val="1"/>
         <c:lblAlgn val="ctr"/>
         <c:lblOffset val="100"/>
-        <c:noMultiLvlLbl val="0"/>
       </c:catAx>
       <c:valAx>
-        <c:axId val="296015976"/>
+        <c:axId val="83191680"/>
         <c:scaling>
           <c:orientation val="minMax"/>
         </c:scaling>
-        <c:delete val="0"/>
         <c:axPos val="l"/>
         <c:majorGridlines/>
         <c:numFmt formatCode="General" sourceLinked="1"/>
-        <c:majorTickMark val="out"/>
-        <c:minorTickMark val="none"/>
         <c:tickLblPos val="nextTo"/>
-        <c:crossAx val="296015584"/>
+        <c:crossAx val="83190144"/>
         <c:crosses val="autoZero"/>
         <c:crossBetween val="between"/>
       </c:valAx>
     </c:plotArea>
     <c:plotVisOnly val="1"/>
     <c:dispBlanksAs val="gap"/>
-    <c:showDLblsOverMax val="0"/>
   </c:chart>
-  <c:externalData r:id="rId1">
-    <c:autoUpdate val="0"/>
-  </c:externalData>
+  <c:externalData r:id="rId1"/>
   <c:userShapes r:id="rId2"/>
 </c:chartSpace>
 </file>
@@ -3131,7 +2771,8 @@
           <a:p>
             <a:fld id="{21F02540-4CDB-4080-83C0-D52315D77C2A}" type="datetimeFigureOut">
               <a:rPr lang="en-IN" smtClean="0"/>
-              <a:t>03-Dec-2014</a:t>
+              <a:pPr/>
+              <a:t>03-12-2014</a:t>
             </a:fld>
             <a:endParaRPr lang="en-IN"/>
           </a:p>
@@ -3173,6 +2814,7 @@
           <a:p>
             <a:fld id="{F1B23A1F-B7CC-4589-81C3-400CC7483311}" type="slidenum">
               <a:rPr lang="en-IN" smtClean="0"/>
+              <a:pPr/>
               <a:t>‹#›</a:t>
             </a:fld>
             <a:endParaRPr lang="en-IN"/>
@@ -3182,7 +2824,7 @@
     </p:spTree>
     <p:extLst>
       <p:ext uri="{BB962C8B-B14F-4D97-AF65-F5344CB8AC3E}">
-        <p14:creationId xmlns:p14="http://schemas.microsoft.com/office/powerpoint/2010/main" val="878319832"/>
+        <p14:creationId xmlns:p14="http://schemas.microsoft.com/office/powerpoint/2010/main" xmlns="" val="878319832"/>
       </p:ext>
     </p:extLst>
   </p:cSld>
@@ -3301,7 +2943,8 @@
           <a:p>
             <a:fld id="{21F02540-4CDB-4080-83C0-D52315D77C2A}" type="datetimeFigureOut">
               <a:rPr lang="en-IN" smtClean="0"/>
-              <a:t>03-Dec-2014</a:t>
+              <a:pPr/>
+              <a:t>03-12-2014</a:t>
             </a:fld>
             <a:endParaRPr lang="en-IN"/>
           </a:p>
@@ -3343,6 +2986,7 @@
           <a:p>
             <a:fld id="{F1B23A1F-B7CC-4589-81C3-400CC7483311}" type="slidenum">
               <a:rPr lang="en-IN" smtClean="0"/>
+              <a:pPr/>
               <a:t>‹#›</a:t>
             </a:fld>
             <a:endParaRPr lang="en-IN"/>
@@ -3352,7 +2996,7 @@
     </p:spTree>
     <p:extLst>
       <p:ext uri="{BB962C8B-B14F-4D97-AF65-F5344CB8AC3E}">
-        <p14:creationId xmlns:p14="http://schemas.microsoft.com/office/powerpoint/2010/main" val="3259679315"/>
+        <p14:creationId xmlns:p14="http://schemas.microsoft.com/office/powerpoint/2010/main" xmlns="" val="3259679315"/>
       </p:ext>
     </p:extLst>
   </p:cSld>
@@ -3481,7 +3125,8 @@
           <a:p>
             <a:fld id="{21F02540-4CDB-4080-83C0-D52315D77C2A}" type="datetimeFigureOut">
               <a:rPr lang="en-IN" smtClean="0"/>
-              <a:t>03-Dec-2014</a:t>
+              <a:pPr/>
+              <a:t>03-12-2014</a:t>
             </a:fld>
             <a:endParaRPr lang="en-IN"/>
           </a:p>
@@ -3523,6 +3168,7 @@
           <a:p>
             <a:fld id="{F1B23A1F-B7CC-4589-81C3-400CC7483311}" type="slidenum">
               <a:rPr lang="en-IN" smtClean="0"/>
+              <a:pPr/>
               <a:t>‹#›</a:t>
             </a:fld>
             <a:endParaRPr lang="en-IN"/>
@@ -3532,7 +3178,7 @@
     </p:spTree>
     <p:extLst>
       <p:ext uri="{BB962C8B-B14F-4D97-AF65-F5344CB8AC3E}">
-        <p14:creationId xmlns:p14="http://schemas.microsoft.com/office/powerpoint/2010/main" val="3778009302"/>
+        <p14:creationId xmlns:p14="http://schemas.microsoft.com/office/powerpoint/2010/main" xmlns="" val="3778009302"/>
       </p:ext>
     </p:extLst>
   </p:cSld>
@@ -3651,7 +3297,8 @@
           <a:p>
             <a:fld id="{21F02540-4CDB-4080-83C0-D52315D77C2A}" type="datetimeFigureOut">
               <a:rPr lang="en-IN" smtClean="0"/>
-              <a:t>03-Dec-2014</a:t>
+              <a:pPr/>
+              <a:t>03-12-2014</a:t>
             </a:fld>
             <a:endParaRPr lang="en-IN"/>
           </a:p>
@@ -3693,6 +3340,7 @@
           <a:p>
             <a:fld id="{F1B23A1F-B7CC-4589-81C3-400CC7483311}" type="slidenum">
               <a:rPr lang="en-IN" smtClean="0"/>
+              <a:pPr/>
               <a:t>‹#›</a:t>
             </a:fld>
             <a:endParaRPr lang="en-IN"/>
@@ -3702,7 +3350,7 @@
     </p:spTree>
     <p:extLst>
       <p:ext uri="{BB962C8B-B14F-4D97-AF65-F5344CB8AC3E}">
-        <p14:creationId xmlns:p14="http://schemas.microsoft.com/office/powerpoint/2010/main" val="1340975174"/>
+        <p14:creationId xmlns:p14="http://schemas.microsoft.com/office/powerpoint/2010/main" xmlns="" val="1340975174"/>
       </p:ext>
     </p:extLst>
   </p:cSld>
@@ -3897,7 +3545,8 @@
           <a:p>
             <a:fld id="{21F02540-4CDB-4080-83C0-D52315D77C2A}" type="datetimeFigureOut">
               <a:rPr lang="en-IN" smtClean="0"/>
-              <a:t>03-Dec-2014</a:t>
+              <a:pPr/>
+              <a:t>03-12-2014</a:t>
             </a:fld>
             <a:endParaRPr lang="en-IN"/>
           </a:p>
@@ -3939,6 +3588,7 @@
           <a:p>
             <a:fld id="{F1B23A1F-B7CC-4589-81C3-400CC7483311}" type="slidenum">
               <a:rPr lang="en-IN" smtClean="0"/>
+              <a:pPr/>
               <a:t>‹#›</a:t>
             </a:fld>
             <a:endParaRPr lang="en-IN"/>
@@ -3948,7 +3598,7 @@
     </p:spTree>
     <p:extLst>
       <p:ext uri="{BB962C8B-B14F-4D97-AF65-F5344CB8AC3E}">
-        <p14:creationId xmlns:p14="http://schemas.microsoft.com/office/powerpoint/2010/main" val="918721145"/>
+        <p14:creationId xmlns:p14="http://schemas.microsoft.com/office/powerpoint/2010/main" xmlns="" val="918721145"/>
       </p:ext>
     </p:extLst>
   </p:cSld>
@@ -4129,7 +3779,8 @@
           <a:p>
             <a:fld id="{21F02540-4CDB-4080-83C0-D52315D77C2A}" type="datetimeFigureOut">
               <a:rPr lang="en-IN" smtClean="0"/>
-              <a:t>03-Dec-2014</a:t>
+              <a:pPr/>
+              <a:t>03-12-2014</a:t>
             </a:fld>
             <a:endParaRPr lang="en-IN"/>
           </a:p>
@@ -4171,6 +3822,7 @@
           <a:p>
             <a:fld id="{F1B23A1F-B7CC-4589-81C3-400CC7483311}" type="slidenum">
               <a:rPr lang="en-IN" smtClean="0"/>
+              <a:pPr/>
               <a:t>‹#›</a:t>
             </a:fld>
             <a:endParaRPr lang="en-IN"/>
@@ -4180,7 +3832,7 @@
     </p:spTree>
     <p:extLst>
       <p:ext uri="{BB962C8B-B14F-4D97-AF65-F5344CB8AC3E}">
-        <p14:creationId xmlns:p14="http://schemas.microsoft.com/office/powerpoint/2010/main" val="906497340"/>
+        <p14:creationId xmlns:p14="http://schemas.microsoft.com/office/powerpoint/2010/main" xmlns="" val="906497340"/>
       </p:ext>
     </p:extLst>
   </p:cSld>
@@ -4496,7 +4148,8 @@
           <a:p>
             <a:fld id="{21F02540-4CDB-4080-83C0-D52315D77C2A}" type="datetimeFigureOut">
               <a:rPr lang="en-IN" smtClean="0"/>
-              <a:t>03-Dec-2014</a:t>
+              <a:pPr/>
+              <a:t>03-12-2014</a:t>
             </a:fld>
             <a:endParaRPr lang="en-IN"/>
           </a:p>
@@ -4538,6 +4191,7 @@
           <a:p>
             <a:fld id="{F1B23A1F-B7CC-4589-81C3-400CC7483311}" type="slidenum">
               <a:rPr lang="en-IN" smtClean="0"/>
+              <a:pPr/>
               <a:t>‹#›</a:t>
             </a:fld>
             <a:endParaRPr lang="en-IN"/>
@@ -4547,7 +4201,7 @@
     </p:spTree>
     <p:extLst>
       <p:ext uri="{BB962C8B-B14F-4D97-AF65-F5344CB8AC3E}">
-        <p14:creationId xmlns:p14="http://schemas.microsoft.com/office/powerpoint/2010/main" val="1096990744"/>
+        <p14:creationId xmlns:p14="http://schemas.microsoft.com/office/powerpoint/2010/main" xmlns="" val="1096990744"/>
       </p:ext>
     </p:extLst>
   </p:cSld>
@@ -4614,7 +4268,8 @@
           <a:p>
             <a:fld id="{21F02540-4CDB-4080-83C0-D52315D77C2A}" type="datetimeFigureOut">
               <a:rPr lang="en-IN" smtClean="0"/>
-              <a:t>03-Dec-2014</a:t>
+              <a:pPr/>
+              <a:t>03-12-2014</a:t>
             </a:fld>
             <a:endParaRPr lang="en-IN"/>
           </a:p>
@@ -4656,6 +4311,7 @@
           <a:p>
             <a:fld id="{F1B23A1F-B7CC-4589-81C3-400CC7483311}" type="slidenum">
               <a:rPr lang="en-IN" smtClean="0"/>
+              <a:pPr/>
               <a:t>‹#›</a:t>
             </a:fld>
             <a:endParaRPr lang="en-IN"/>
@@ -4665,7 +4321,7 @@
     </p:spTree>
     <p:extLst>
       <p:ext uri="{BB962C8B-B14F-4D97-AF65-F5344CB8AC3E}">
-        <p14:creationId xmlns:p14="http://schemas.microsoft.com/office/powerpoint/2010/main" val="1992253215"/>
+        <p14:creationId xmlns:p14="http://schemas.microsoft.com/office/powerpoint/2010/main" xmlns="" val="1992253215"/>
       </p:ext>
     </p:extLst>
   </p:cSld>
@@ -4709,7 +4365,8 @@
           <a:p>
             <a:fld id="{21F02540-4CDB-4080-83C0-D52315D77C2A}" type="datetimeFigureOut">
               <a:rPr lang="en-IN" smtClean="0"/>
-              <a:t>03-Dec-2014</a:t>
+              <a:pPr/>
+              <a:t>03-12-2014</a:t>
             </a:fld>
             <a:endParaRPr lang="en-IN"/>
           </a:p>
@@ -4751,6 +4408,7 @@
           <a:p>
             <a:fld id="{F1B23A1F-B7CC-4589-81C3-400CC7483311}" type="slidenum">
               <a:rPr lang="en-IN" smtClean="0"/>
+              <a:pPr/>
               <a:t>‹#›</a:t>
             </a:fld>
             <a:endParaRPr lang="en-IN"/>
@@ -4760,7 +4418,7 @@
     </p:spTree>
     <p:extLst>
       <p:ext uri="{BB962C8B-B14F-4D97-AF65-F5344CB8AC3E}">
-        <p14:creationId xmlns:p14="http://schemas.microsoft.com/office/powerpoint/2010/main" val="3279587995"/>
+        <p14:creationId xmlns:p14="http://schemas.microsoft.com/office/powerpoint/2010/main" xmlns="" val="3279587995"/>
       </p:ext>
     </p:extLst>
   </p:cSld>
@@ -4986,7 +4644,8 @@
           <a:p>
             <a:fld id="{21F02540-4CDB-4080-83C0-D52315D77C2A}" type="datetimeFigureOut">
               <a:rPr lang="en-IN" smtClean="0"/>
-              <a:t>03-Dec-2014</a:t>
+              <a:pPr/>
+              <a:t>03-12-2014</a:t>
             </a:fld>
             <a:endParaRPr lang="en-IN"/>
           </a:p>
@@ -5028,6 +4687,7 @@
           <a:p>
             <a:fld id="{F1B23A1F-B7CC-4589-81C3-400CC7483311}" type="slidenum">
               <a:rPr lang="en-IN" smtClean="0"/>
+              <a:pPr/>
               <a:t>‹#›</a:t>
             </a:fld>
             <a:endParaRPr lang="en-IN"/>
@@ -5037,7 +4697,7 @@
     </p:spTree>
     <p:extLst>
       <p:ext uri="{BB962C8B-B14F-4D97-AF65-F5344CB8AC3E}">
-        <p14:creationId xmlns:p14="http://schemas.microsoft.com/office/powerpoint/2010/main" val="2758673086"/>
+        <p14:creationId xmlns:p14="http://schemas.microsoft.com/office/powerpoint/2010/main" xmlns="" val="2758673086"/>
       </p:ext>
     </p:extLst>
   </p:cSld>
@@ -5239,7 +4899,8 @@
           <a:p>
             <a:fld id="{21F02540-4CDB-4080-83C0-D52315D77C2A}" type="datetimeFigureOut">
               <a:rPr lang="en-IN" smtClean="0"/>
-              <a:t>03-Dec-2014</a:t>
+              <a:pPr/>
+              <a:t>03-12-2014</a:t>
             </a:fld>
             <a:endParaRPr lang="en-IN"/>
           </a:p>
@@ -5281,6 +4942,7 @@
           <a:p>
             <a:fld id="{F1B23A1F-B7CC-4589-81C3-400CC7483311}" type="slidenum">
               <a:rPr lang="en-IN" smtClean="0"/>
+              <a:pPr/>
               <a:t>‹#›</a:t>
             </a:fld>
             <a:endParaRPr lang="en-IN"/>
@@ -5290,7 +4952,7 @@
     </p:spTree>
     <p:extLst>
       <p:ext uri="{BB962C8B-B14F-4D97-AF65-F5344CB8AC3E}">
-        <p14:creationId xmlns:p14="http://schemas.microsoft.com/office/powerpoint/2010/main" val="2024918411"/>
+        <p14:creationId xmlns:p14="http://schemas.microsoft.com/office/powerpoint/2010/main" xmlns="" val="2024918411"/>
       </p:ext>
     </p:extLst>
   </p:cSld>
@@ -5452,7 +5114,8 @@
           <a:p>
             <a:fld id="{21F02540-4CDB-4080-83C0-D52315D77C2A}" type="datetimeFigureOut">
               <a:rPr lang="en-IN" smtClean="0"/>
-              <a:t>03-Dec-2014</a:t>
+              <a:pPr/>
+              <a:t>03-12-2014</a:t>
             </a:fld>
             <a:endParaRPr lang="en-IN"/>
           </a:p>
@@ -5530,6 +5193,7 @@
           <a:p>
             <a:fld id="{F1B23A1F-B7CC-4589-81C3-400CC7483311}" type="slidenum">
               <a:rPr lang="en-IN" smtClean="0"/>
+              <a:pPr/>
               <a:t>‹#›</a:t>
             </a:fld>
             <a:endParaRPr lang="en-IN"/>
@@ -5539,7 +5203,7 @@
     </p:spTree>
     <p:extLst>
       <p:ext uri="{BB962C8B-B14F-4D97-AF65-F5344CB8AC3E}">
-        <p14:creationId xmlns:p14="http://schemas.microsoft.com/office/powerpoint/2010/main" val="121039276"/>
+        <p14:creationId xmlns:p14="http://schemas.microsoft.com/office/powerpoint/2010/main" xmlns="" val="121039276"/>
       </p:ext>
     </p:extLst>
   </p:cSld>
@@ -5926,7 +5590,7 @@
     </p:spTree>
     <p:extLst>
       <p:ext uri="{BB962C8B-B14F-4D97-AF65-F5344CB8AC3E}">
-        <p14:creationId xmlns:p14="http://schemas.microsoft.com/office/powerpoint/2010/main" val="156807112"/>
+        <p14:creationId xmlns:p14="http://schemas.microsoft.com/office/powerpoint/2010/main" xmlns="" val="156807112"/>
       </p:ext>
     </p:extLst>
   </p:cSld>
@@ -6012,27 +5676,38 @@
           <a:p>
             <a:r>
               <a:rPr lang="en-IN" dirty="0" smtClean="0"/>
-              <a:t>Validated our top 25 Fraud users with </a:t>
-            </a:r>
+              <a:t>Validated our top 25 Fraud users with SVM</a:t>
+            </a:r>
+          </a:p>
+          <a:p>
+            <a:pPr lvl="1"/>
             <a:r>
               <a:rPr lang="en-IN" dirty="0" smtClean="0"/>
-              <a:t>SVM</a:t>
+              <a:t>SVM Training set – based on Rec/Non-Rec Yelp </a:t>
+            </a:r>
+            <a:r>
+              <a:rPr lang="en-IN" dirty="0" smtClean="0"/>
+              <a:t>data</a:t>
+            </a:r>
+          </a:p>
+          <a:p>
+            <a:pPr lvl="1"/>
+            <a:r>
+              <a:rPr lang="en-US" dirty="0" smtClean="0"/>
+              <a:t>Used 5-fold cross validation for training</a:t>
             </a:r>
             <a:endParaRPr lang="en-IN" dirty="0" smtClean="0"/>
           </a:p>
           <a:p>
             <a:pPr lvl="1"/>
-            <a:r>
-              <a:rPr lang="en-IN" dirty="0" smtClean="0"/>
-              <a:t>SVM Training set – based on Rec/Non-Rec Yelp data</a:t>
-            </a:r>
+            <a:endParaRPr lang="en-IN" dirty="0" smtClean="0"/>
           </a:p>
         </p:txBody>
       </p:sp>
     </p:spTree>
     <p:extLst>
       <p:ext uri="{BB962C8B-B14F-4D97-AF65-F5344CB8AC3E}">
-        <p14:creationId xmlns:p14="http://schemas.microsoft.com/office/powerpoint/2010/main" val="2990910791"/>
+        <p14:creationId xmlns:p14="http://schemas.microsoft.com/office/powerpoint/2010/main" xmlns="" val="2990910791"/>
       </p:ext>
     </p:extLst>
   </p:cSld>
@@ -6099,7 +5774,7 @@
             <p:ph idx="1"/>
             <p:extLst>
               <p:ext uri="{D42A27DB-BD31-4B8C-83A1-F6EECF244321}">
-                <p14:modId xmlns:p14="http://schemas.microsoft.com/office/powerpoint/2010/main" val="277982946"/>
+                <p14:modId xmlns:p14="http://schemas.microsoft.com/office/powerpoint/2010/main" xmlns="" val="277982946"/>
               </p:ext>
             </p:extLst>
           </p:nvPr>
@@ -6121,7 +5796,7 @@
           <p:nvPr>
             <p:extLst>
               <p:ext uri="{D42A27DB-BD31-4B8C-83A1-F6EECF244321}">
-                <p14:modId xmlns:p14="http://schemas.microsoft.com/office/powerpoint/2010/main" val="816284687"/>
+                <p14:modId xmlns:p14="http://schemas.microsoft.com/office/powerpoint/2010/main" xmlns="" val="816284687"/>
               </p:ext>
             </p:extLst>
           </p:nvPr>
@@ -6143,7 +5818,7 @@
           <p:nvPr>
             <p:extLst>
               <p:ext uri="{D42A27DB-BD31-4B8C-83A1-F6EECF244321}">
-                <p14:modId xmlns:p14="http://schemas.microsoft.com/office/powerpoint/2010/main" val="2811514599"/>
+                <p14:modId xmlns:p14="http://schemas.microsoft.com/office/powerpoint/2010/main" xmlns="" val="2811514599"/>
               </p:ext>
             </p:extLst>
           </p:nvPr>
@@ -6425,7 +6100,7 @@
     </p:spTree>
     <p:extLst>
       <p:ext uri="{BB962C8B-B14F-4D97-AF65-F5344CB8AC3E}">
-        <p14:creationId xmlns:p14="http://schemas.microsoft.com/office/powerpoint/2010/main" val="457191872"/>
+        <p14:creationId xmlns:p14="http://schemas.microsoft.com/office/powerpoint/2010/main" xmlns="" val="457191872"/>
       </p:ext>
     </p:extLst>
   </p:cSld>
@@ -6492,7 +6167,7 @@
             <p:ph idx="1"/>
             <p:extLst>
               <p:ext uri="{D42A27DB-BD31-4B8C-83A1-F6EECF244321}">
-                <p14:modId xmlns:p14="http://schemas.microsoft.com/office/powerpoint/2010/main" val="1173021670"/>
+                <p14:modId xmlns:p14="http://schemas.microsoft.com/office/powerpoint/2010/main" xmlns="" val="1173021670"/>
               </p:ext>
             </p:extLst>
           </p:nvPr>
@@ -6516,7 +6191,7 @@
           <p:nvPr>
             <p:extLst>
               <p:ext uri="{D42A27DB-BD31-4B8C-83A1-F6EECF244321}">
-                <p14:modId xmlns:p14="http://schemas.microsoft.com/office/powerpoint/2010/main" val="3570736453"/>
+                <p14:modId xmlns:p14="http://schemas.microsoft.com/office/powerpoint/2010/main" xmlns="" val="3570736453"/>
               </p:ext>
             </p:extLst>
           </p:nvPr>
@@ -6538,7 +6213,7 @@
           <p:nvPr>
             <p:extLst>
               <p:ext uri="{D42A27DB-BD31-4B8C-83A1-F6EECF244321}">
-                <p14:modId xmlns:p14="http://schemas.microsoft.com/office/powerpoint/2010/main" val="92684617"/>
+                <p14:modId xmlns:p14="http://schemas.microsoft.com/office/powerpoint/2010/main" xmlns="" val="92684617"/>
               </p:ext>
             </p:extLst>
           </p:nvPr>
@@ -6660,7 +6335,7 @@
     </p:spTree>
     <p:extLst>
       <p:ext uri="{BB962C8B-B14F-4D97-AF65-F5344CB8AC3E}">
-        <p14:creationId xmlns:p14="http://schemas.microsoft.com/office/powerpoint/2010/main" val="4200739446"/>
+        <p14:creationId xmlns:p14="http://schemas.microsoft.com/office/powerpoint/2010/main" xmlns="" val="4200739446"/>
       </p:ext>
     </p:extLst>
   </p:cSld>
@@ -6727,7 +6402,7 @@
             <p:ph idx="1"/>
             <p:extLst>
               <p:ext uri="{D42A27DB-BD31-4B8C-83A1-F6EECF244321}">
-                <p14:modId xmlns:p14="http://schemas.microsoft.com/office/powerpoint/2010/main" val="262843833"/>
+                <p14:modId xmlns:p14="http://schemas.microsoft.com/office/powerpoint/2010/main" xmlns="" val="262843833"/>
               </p:ext>
             </p:extLst>
           </p:nvPr>
@@ -6749,7 +6424,7 @@
           <p:nvPr>
             <p:extLst>
               <p:ext uri="{D42A27DB-BD31-4B8C-83A1-F6EECF244321}">
-                <p14:modId xmlns:p14="http://schemas.microsoft.com/office/powerpoint/2010/main" val="4157050755"/>
+                <p14:modId xmlns:p14="http://schemas.microsoft.com/office/powerpoint/2010/main" xmlns="" val="4157050755"/>
               </p:ext>
             </p:extLst>
           </p:nvPr>
@@ -6771,7 +6446,7 @@
           <p:nvPr>
             <p:extLst>
               <p:ext uri="{D42A27DB-BD31-4B8C-83A1-F6EECF244321}">
-                <p14:modId xmlns:p14="http://schemas.microsoft.com/office/powerpoint/2010/main" val="4076649422"/>
+                <p14:modId xmlns:p14="http://schemas.microsoft.com/office/powerpoint/2010/main" xmlns="" val="4076649422"/>
               </p:ext>
             </p:extLst>
           </p:nvPr>
@@ -6789,7 +6464,7 @@
     </p:spTree>
     <p:extLst>
       <p:ext uri="{BB962C8B-B14F-4D97-AF65-F5344CB8AC3E}">
-        <p14:creationId xmlns:p14="http://schemas.microsoft.com/office/powerpoint/2010/main" val="1490362765"/>
+        <p14:creationId xmlns:p14="http://schemas.microsoft.com/office/powerpoint/2010/main" xmlns="" val="1490362765"/>
       </p:ext>
     </p:extLst>
   </p:cSld>
@@ -6840,15 +6515,7 @@
           <a:p>
             <a:r>
               <a:rPr lang="en-IN" dirty="0" smtClean="0"/>
-              <a:t>Results </a:t>
-            </a:r>
-            <a:r>
-              <a:rPr lang="en-IN" dirty="0" smtClean="0"/>
-              <a:t>4 </a:t>
-            </a:r>
-            <a:r>
-              <a:rPr lang="en-IN" dirty="0" smtClean="0"/>
-              <a:t>– Validation with SVM</a:t>
+              <a:t>Results 4 – Validation with SVM</a:t>
             </a:r>
             <a:endParaRPr lang="en-IN" dirty="0"/>
           </a:p>
@@ -6864,7 +6531,7 @@
             <p:ph idx="1"/>
             <p:extLst>
               <p:ext uri="{D42A27DB-BD31-4B8C-83A1-F6EECF244321}">
-                <p14:modId xmlns:p14="http://schemas.microsoft.com/office/powerpoint/2010/main" val="2303735538"/>
+                <p14:modId xmlns:p14="http://schemas.microsoft.com/office/powerpoint/2010/main" xmlns="" val="2303735538"/>
               </p:ext>
             </p:extLst>
           </p:nvPr>
@@ -7817,7 +7484,7 @@
     </p:spTree>
     <p:extLst>
       <p:ext uri="{BB962C8B-B14F-4D97-AF65-F5344CB8AC3E}">
-        <p14:creationId xmlns:p14="http://schemas.microsoft.com/office/powerpoint/2010/main" val="3444951731"/>
+        <p14:creationId xmlns:p14="http://schemas.microsoft.com/office/powerpoint/2010/main" xmlns="" val="3444951731"/>
       </p:ext>
     </p:extLst>
   </p:cSld>
@@ -8027,7 +7694,7 @@
     </p:spTree>
     <p:extLst>
       <p:ext uri="{BB962C8B-B14F-4D97-AF65-F5344CB8AC3E}">
-        <p14:creationId xmlns:p14="http://schemas.microsoft.com/office/powerpoint/2010/main" val="324653220"/>
+        <p14:creationId xmlns:p14="http://schemas.microsoft.com/office/powerpoint/2010/main" xmlns="" val="324653220"/>
       </p:ext>
     </p:extLst>
   </p:cSld>
@@ -8094,7 +7761,7 @@
           <a:blip r:embed="rId2" cstate="print">
             <a:extLst>
               <a:ext uri="{28A0092B-C50C-407E-A947-70E740481C1C}">
-                <a14:useLocalDpi xmlns:a14="http://schemas.microsoft.com/office/drawing/2010/main" val="0"/>
+                <a14:useLocalDpi xmlns:a14="http://schemas.microsoft.com/office/drawing/2010/main" xmlns="" val="0"/>
               </a:ext>
             </a:extLst>
           </a:blip>
@@ -8114,7 +7781,7 @@
           <a:noFill/>
           <a:extLst>
             <a:ext uri="{909E8E84-426E-40DD-AFC4-6F175D3DCCD1}">
-              <a14:hiddenFill xmlns:a14="http://schemas.microsoft.com/office/drawing/2010/main">
+              <a14:hiddenFill xmlns:a14="http://schemas.microsoft.com/office/drawing/2010/main" xmlns="">
                 <a:solidFill>
                   <a:srgbClr val="FFFFFF"/>
                 </a:solidFill>
@@ -8278,7 +7945,7 @@
     </p:spTree>
     <p:extLst>
       <p:ext uri="{BB962C8B-B14F-4D97-AF65-F5344CB8AC3E}">
-        <p14:creationId xmlns:p14="http://schemas.microsoft.com/office/powerpoint/2010/main" val="3141744736"/>
+        <p14:creationId xmlns:p14="http://schemas.microsoft.com/office/powerpoint/2010/main" xmlns="" val="3141744736"/>
       </p:ext>
     </p:extLst>
   </p:cSld>
@@ -8379,7 +8046,7 @@
     </p:spTree>
     <p:extLst>
       <p:ext uri="{BB962C8B-B14F-4D97-AF65-F5344CB8AC3E}">
-        <p14:creationId xmlns:p14="http://schemas.microsoft.com/office/powerpoint/2010/main" val="2462555791"/>
+        <p14:creationId xmlns:p14="http://schemas.microsoft.com/office/powerpoint/2010/main" xmlns="" val="2462555791"/>
       </p:ext>
     </p:extLst>
   </p:cSld>
@@ -8453,15 +8120,7 @@
           <a:p>
             <a:r>
               <a:rPr lang="en-IN" dirty="0" smtClean="0"/>
-              <a:t>Identify online review spam using Fraud </a:t>
-            </a:r>
-            <a:r>
-              <a:rPr lang="en-IN" dirty="0" smtClean="0"/>
-              <a:t>Eagle </a:t>
-            </a:r>
-            <a:r>
-              <a:rPr lang="en-IN" dirty="0" smtClean="0"/>
-              <a:t>Framework</a:t>
+              <a:t>Identify online review spam using Fraud Eagle Framework</a:t>
             </a:r>
           </a:p>
           <a:p>
@@ -8481,7 +8140,6 @@
               <a:rPr lang="en-IN" dirty="0" smtClean="0"/>
               <a:t>Akoglu</a:t>
             </a:r>
-            <a:endParaRPr lang="en-IN" dirty="0" smtClean="0"/>
           </a:p>
           <a:p>
             <a:r>
@@ -8494,7 +8152,7 @@
     </p:spTree>
     <p:extLst>
       <p:ext uri="{BB962C8B-B14F-4D97-AF65-F5344CB8AC3E}">
-        <p14:creationId xmlns:p14="http://schemas.microsoft.com/office/powerpoint/2010/main" val="3475944077"/>
+        <p14:creationId xmlns:p14="http://schemas.microsoft.com/office/powerpoint/2010/main" xmlns="" val="3475944077"/>
       </p:ext>
     </p:extLst>
   </p:cSld>
@@ -8604,7 +8262,7 @@
     </p:spTree>
     <p:extLst>
       <p:ext uri="{BB962C8B-B14F-4D97-AF65-F5344CB8AC3E}">
-        <p14:creationId xmlns:p14="http://schemas.microsoft.com/office/powerpoint/2010/main" val="989950259"/>
+        <p14:creationId xmlns:p14="http://schemas.microsoft.com/office/powerpoint/2010/main" xmlns="" val="989950259"/>
       </p:ext>
     </p:extLst>
   </p:cSld>
@@ -8726,13 +8384,8 @@
             </a:r>
             <a:r>
               <a:rPr lang="en-IN" dirty="0" smtClean="0"/>
-              <a:t> </a:t>
-            </a:r>
-            <a:r>
-              <a:rPr lang="en-IN" dirty="0" smtClean="0"/>
-              <a:t>–Computationally expensive task</a:t>
-            </a:r>
-            <a:endParaRPr lang="en-IN" dirty="0" smtClean="0"/>
+              <a:t> –Computationally expensive task</a:t>
+            </a:r>
           </a:p>
           <a:p>
             <a:pPr lvl="1"/>
@@ -8753,7 +8406,7 @@
     </p:spTree>
     <p:extLst>
       <p:ext uri="{BB962C8B-B14F-4D97-AF65-F5344CB8AC3E}">
-        <p14:creationId xmlns:p14="http://schemas.microsoft.com/office/powerpoint/2010/main" val="2738288293"/>
+        <p14:creationId xmlns:p14="http://schemas.microsoft.com/office/powerpoint/2010/main" xmlns="" val="2738288293"/>
       </p:ext>
     </p:extLst>
   </p:cSld>
@@ -8854,7 +8507,7 @@
     </p:spTree>
     <p:extLst>
       <p:ext uri="{BB962C8B-B14F-4D97-AF65-F5344CB8AC3E}">
-        <p14:creationId xmlns:p14="http://schemas.microsoft.com/office/powerpoint/2010/main" val="869032784"/>
+        <p14:creationId xmlns:p14="http://schemas.microsoft.com/office/powerpoint/2010/main" xmlns="" val="869032784"/>
       </p:ext>
     </p:extLst>
   </p:cSld>
@@ -8921,7 +8574,7 @@
             <p:ph idx="1"/>
             <p:extLst>
               <p:ext uri="{D42A27DB-BD31-4B8C-83A1-F6EECF244321}">
-                <p14:modId xmlns:p14="http://schemas.microsoft.com/office/powerpoint/2010/main" val="1679961691"/>
+                <p14:modId xmlns:p14="http://schemas.microsoft.com/office/powerpoint/2010/main" xmlns="" val="1679961691"/>
               </p:ext>
             </p:extLst>
           </p:nvPr>
@@ -9073,7 +8726,7 @@
           <p:nvPr>
             <p:extLst>
               <p:ext uri="{D42A27DB-BD31-4B8C-83A1-F6EECF244321}">
-                <p14:modId xmlns:p14="http://schemas.microsoft.com/office/powerpoint/2010/main" val="3031148327"/>
+                <p14:modId xmlns:p14="http://schemas.microsoft.com/office/powerpoint/2010/main" xmlns="" val="3031148327"/>
               </p:ext>
             </p:extLst>
           </p:nvPr>
@@ -9245,7 +8898,7 @@
           <p:nvPr>
             <p:extLst>
               <p:ext uri="{D42A27DB-BD31-4B8C-83A1-F6EECF244321}">
-                <p14:modId xmlns:p14="http://schemas.microsoft.com/office/powerpoint/2010/main" val="2404525529"/>
+                <p14:modId xmlns:p14="http://schemas.microsoft.com/office/powerpoint/2010/main" xmlns="" val="2404525529"/>
               </p:ext>
             </p:extLst>
           </p:nvPr>
@@ -9411,7 +9064,7 @@
     </p:spTree>
     <p:extLst>
       <p:ext uri="{BB962C8B-B14F-4D97-AF65-F5344CB8AC3E}">
-        <p14:creationId xmlns:p14="http://schemas.microsoft.com/office/powerpoint/2010/main" val="233470696"/>
+        <p14:creationId xmlns:p14="http://schemas.microsoft.com/office/powerpoint/2010/main" xmlns="" val="233470696"/>
       </p:ext>
     </p:extLst>
   </p:cSld>
@@ -9491,7 +9144,7 @@
     </p:spTree>
     <p:extLst>
       <p:ext uri="{BB962C8B-B14F-4D97-AF65-F5344CB8AC3E}">
-        <p14:creationId xmlns:p14="http://schemas.microsoft.com/office/powerpoint/2010/main" val="3356847137"/>
+        <p14:creationId xmlns:p14="http://schemas.microsoft.com/office/powerpoint/2010/main" xmlns="" val="3356847137"/>
       </p:ext>
     </p:extLst>
   </p:cSld>
@@ -9571,7 +9224,7 @@
     </p:spTree>
     <p:extLst>
       <p:ext uri="{BB962C8B-B14F-4D97-AF65-F5344CB8AC3E}">
-        <p14:creationId xmlns:p14="http://schemas.microsoft.com/office/powerpoint/2010/main" val="2042885854"/>
+        <p14:creationId xmlns:p14="http://schemas.microsoft.com/office/powerpoint/2010/main" xmlns="" val="2042885854"/>
       </p:ext>
     </p:extLst>
   </p:cSld>
@@ -9631,7 +9284,7 @@
     </a:clrScheme>
     <a:fontScheme name="Century Schoolbook">
       <a:majorFont>
-        <a:latin typeface="Century Schoolbook" panose="02040604050505020304"/>
+        <a:latin typeface="Century Schoolbook"/>
         <a:ea typeface=""/>
         <a:cs typeface=""/>
         <a:font script="Jpan" typeface="ＭＳ Ｐ明朝"/>
@@ -9666,7 +9319,7 @@
         <a:font script="Geor" typeface="Sylfaen"/>
       </a:majorFont>
       <a:minorFont>
-        <a:latin typeface="Century Schoolbook" panose="02040604050505020304"/>
+        <a:latin typeface="Century Schoolbook"/>
         <a:ea typeface=""/>
         <a:cs typeface=""/>
         <a:font script="Jpan" typeface="ＭＳ Ｐ明朝"/>
@@ -9877,7 +9530,7 @@
   <a:extraClrSchemeLst/>
   <a:extLst>
     <a:ext uri="{05A4C25C-085E-4340-85A3-A5531E510DB2}">
-      <thm15:themeFamily xmlns:thm15="http://schemas.microsoft.com/office/thememl/2012/main" name="Office Theme" id="{62F939B6-93AF-4DB8-9C6B-D6C7DFDC589F}" vid="{4A3C46E8-61CC-4603-A589-7422A47A8E4A}"/>
+      <thm15:themeFamily xmlns:thm15="http://schemas.microsoft.com/office/thememl/2012/main" xmlns="" name="Office Theme" id="{62F939B6-93AF-4DB8-9C6B-D6C7DFDC589F}" vid="{4A3C46E8-61CC-4603-A589-7422A47A8E4A}"/>
     </a:ext>
   </a:extLst>
 </a:theme>
